--- a/PrésentationBourseEchangeSCPI.pptx
+++ b/PrésentationBourseEchangeSCPI.pptx
@@ -6,6 +6,12 @@
   </p:sldMasterIdLst>
   <p:sldIdLst>
     <p:sldId id="256" r:id="rId2"/>
+    <p:sldId id="257" r:id="rId3"/>
+    <p:sldId id="258" r:id="rId4"/>
+    <p:sldId id="259" r:id="rId5"/>
+    <p:sldId id="260" r:id="rId6"/>
+    <p:sldId id="261" r:id="rId7"/>
+    <p:sldId id="262" r:id="rId8"/>
   </p:sldIdLst>
   <p:sldSz cx="12192000" cy="6858000"/>
   <p:notesSz cx="6858000" cy="9144000"/>
@@ -104,6 +110,11 @@
       </a:defRPr>
     </a:lvl9pPr>
   </p:defaultTextStyle>
+  <p:extLst>
+    <p:ext uri="{EFAFB233-063F-42B5-8137-9DF3F51BA10A}">
+      <p15:sldGuideLst xmlns:p15="http://schemas.microsoft.com/office/powerpoint/2012/main"/>
+    </p:ext>
+  </p:extLst>
 </p:presentation>
 </file>
 
@@ -258,7 +269,7 @@
           <a:p>
             <a:fld id="{A61B3F4D-8EA7-49F0-B50E-DB0A97B04444}" type="datetimeFigureOut">
               <a:rPr lang="fr-FR" smtClean="0"/>
-              <a:t>01/12/2017</a:t>
+              <a:t>14/12/2017</a:t>
             </a:fld>
             <a:endParaRPr lang="fr-FR"/>
           </a:p>
@@ -456,7 +467,7 @@
           <a:p>
             <a:fld id="{A61B3F4D-8EA7-49F0-B50E-DB0A97B04444}" type="datetimeFigureOut">
               <a:rPr lang="fr-FR" smtClean="0"/>
-              <a:t>01/12/2017</a:t>
+              <a:t>14/12/2017</a:t>
             </a:fld>
             <a:endParaRPr lang="fr-FR"/>
           </a:p>
@@ -664,7 +675,7 @@
           <a:p>
             <a:fld id="{A61B3F4D-8EA7-49F0-B50E-DB0A97B04444}" type="datetimeFigureOut">
               <a:rPr lang="fr-FR" smtClean="0"/>
-              <a:t>01/12/2017</a:t>
+              <a:t>14/12/2017</a:t>
             </a:fld>
             <a:endParaRPr lang="fr-FR"/>
           </a:p>
@@ -862,7 +873,7 @@
           <a:p>
             <a:fld id="{A61B3F4D-8EA7-49F0-B50E-DB0A97B04444}" type="datetimeFigureOut">
               <a:rPr lang="fr-FR" smtClean="0"/>
-              <a:t>01/12/2017</a:t>
+              <a:t>14/12/2017</a:t>
             </a:fld>
             <a:endParaRPr lang="fr-FR"/>
           </a:p>
@@ -1137,7 +1148,7 @@
           <a:p>
             <a:fld id="{A61B3F4D-8EA7-49F0-B50E-DB0A97B04444}" type="datetimeFigureOut">
               <a:rPr lang="fr-FR" smtClean="0"/>
-              <a:t>01/12/2017</a:t>
+              <a:t>14/12/2017</a:t>
             </a:fld>
             <a:endParaRPr lang="fr-FR"/>
           </a:p>
@@ -1402,7 +1413,7 @@
           <a:p>
             <a:fld id="{A61B3F4D-8EA7-49F0-B50E-DB0A97B04444}" type="datetimeFigureOut">
               <a:rPr lang="fr-FR" smtClean="0"/>
-              <a:t>01/12/2017</a:t>
+              <a:t>14/12/2017</a:t>
             </a:fld>
             <a:endParaRPr lang="fr-FR"/>
           </a:p>
@@ -1814,7 +1825,7 @@
           <a:p>
             <a:fld id="{A61B3F4D-8EA7-49F0-B50E-DB0A97B04444}" type="datetimeFigureOut">
               <a:rPr lang="fr-FR" smtClean="0"/>
-              <a:t>01/12/2017</a:t>
+              <a:t>14/12/2017</a:t>
             </a:fld>
             <a:endParaRPr lang="fr-FR"/>
           </a:p>
@@ -1955,7 +1966,7 @@
           <a:p>
             <a:fld id="{A61B3F4D-8EA7-49F0-B50E-DB0A97B04444}" type="datetimeFigureOut">
               <a:rPr lang="fr-FR" smtClean="0"/>
-              <a:t>01/12/2017</a:t>
+              <a:t>14/12/2017</a:t>
             </a:fld>
             <a:endParaRPr lang="fr-FR"/>
           </a:p>
@@ -2068,7 +2079,7 @@
           <a:p>
             <a:fld id="{A61B3F4D-8EA7-49F0-B50E-DB0A97B04444}" type="datetimeFigureOut">
               <a:rPr lang="fr-FR" smtClean="0"/>
-              <a:t>01/12/2017</a:t>
+              <a:t>14/12/2017</a:t>
             </a:fld>
             <a:endParaRPr lang="fr-FR"/>
           </a:p>
@@ -2379,7 +2390,7 @@
           <a:p>
             <a:fld id="{A61B3F4D-8EA7-49F0-B50E-DB0A97B04444}" type="datetimeFigureOut">
               <a:rPr lang="fr-FR" smtClean="0"/>
-              <a:t>01/12/2017</a:t>
+              <a:t>14/12/2017</a:t>
             </a:fld>
             <a:endParaRPr lang="fr-FR"/>
           </a:p>
@@ -2667,7 +2678,7 @@
           <a:p>
             <a:fld id="{A61B3F4D-8EA7-49F0-B50E-DB0A97B04444}" type="datetimeFigureOut">
               <a:rPr lang="fr-FR" smtClean="0"/>
-              <a:t>01/12/2017</a:t>
+              <a:t>14/12/2017</a:t>
             </a:fld>
             <a:endParaRPr lang="fr-FR"/>
           </a:p>
@@ -2908,7 +2919,7 @@
           <a:p>
             <a:fld id="{A61B3F4D-8EA7-49F0-B50E-DB0A97B04444}" type="datetimeFigureOut">
               <a:rPr lang="fr-FR" smtClean="0"/>
-              <a:t>01/12/2017</a:t>
+              <a:t>14/12/2017</a:t>
             </a:fld>
             <a:endParaRPr lang="fr-FR"/>
           </a:p>
@@ -3341,12 +3352,34 @@
             <p:ph type="ctrTitle"/>
           </p:nvPr>
         </p:nvSpPr>
-        <p:spPr/>
-        <p:txBody>
-          <a:bodyPr/>
-          <a:lstStyle/>
-          <a:p>
-            <a:endParaRPr lang="fr-FR"/>
+        <p:spPr>
+          <a:xfrm>
+            <a:off x="1524000" y="1665027"/>
+            <a:ext cx="9144000" cy="1937010"/>
+          </a:xfrm>
+          <a:ln w="38100">
+            <a:solidFill>
+              <a:schemeClr val="tx1"/>
+            </a:solidFill>
+          </a:ln>
+        </p:spPr>
+        <p:txBody>
+          <a:bodyPr>
+            <a:normAutofit/>
+          </a:bodyPr>
+          <a:lstStyle/>
+          <a:p>
+            <a:r>
+              <a:rPr lang="fr-FR" dirty="0"/>
+              <a:t>Bourse d’Echanges </a:t>
+            </a:r>
+            <a:br>
+              <a:rPr lang="fr-FR" dirty="0"/>
+            </a:br>
+            <a:r>
+              <a:rPr lang="fr-FR" dirty="0"/>
+              <a:t>de Parts de SCPI</a:t>
+            </a:r>
           </a:p>
         </p:txBody>
       </p:sp>
@@ -3371,7 +3404,141 @@
           <a:bodyPr/>
           <a:lstStyle/>
           <a:p>
-            <a:endParaRPr lang="fr-FR"/>
+            <a:endParaRPr lang="fr-FR" dirty="0"/>
+          </a:p>
+          <a:p>
+            <a:r>
+              <a:rPr lang="fr-FR" sz="3600" dirty="0"/>
+              <a:t>Module IT </a:t>
+            </a:r>
+            <a:r>
+              <a:rPr lang="fr-FR" sz="3600" dirty="0" err="1"/>
+              <a:t>Projects</a:t>
+            </a:r>
+            <a:endParaRPr lang="fr-FR" sz="3600" dirty="0"/>
+          </a:p>
+        </p:txBody>
+      </p:sp>
+      <p:sp>
+        <p:nvSpPr>
+          <p:cNvPr id="4" name="ZoneTexte 3">
+            <a:extLst>
+              <a:ext uri="{FF2B5EF4-FFF2-40B4-BE49-F238E27FC236}">
+                <a16:creationId xmlns:a16="http://schemas.microsoft.com/office/drawing/2014/main" id="{0C9271D2-B275-455D-96AD-606A9B3DE5FE}"/>
+              </a:ext>
+            </a:extLst>
+          </p:cNvPr>
+          <p:cNvSpPr txBox="1"/>
+          <p:nvPr/>
+        </p:nvSpPr>
+        <p:spPr>
+          <a:xfrm>
+            <a:off x="5004179" y="4599296"/>
+            <a:ext cx="2183642" cy="923330"/>
+          </a:xfrm>
+          <a:prstGeom prst="rect">
+            <a:avLst/>
+          </a:prstGeom>
+          <a:noFill/>
+        </p:spPr>
+        <p:txBody>
+          <a:bodyPr wrap="square" rtlCol="0">
+            <a:spAutoFit/>
+          </a:bodyPr>
+          <a:lstStyle/>
+          <a:p>
+            <a:r>
+              <a:rPr lang="fr-FR" dirty="0"/>
+              <a:t>COMTE Thibault</a:t>
+            </a:r>
+          </a:p>
+          <a:p>
+            <a:r>
+              <a:rPr lang="fr-FR" dirty="0"/>
+              <a:t>BONGO Jean Phillipe</a:t>
+            </a:r>
+          </a:p>
+          <a:p>
+            <a:r>
+              <a:rPr lang="fr-FR" dirty="0"/>
+              <a:t>FLAMANT Thomas</a:t>
+            </a:r>
+          </a:p>
+        </p:txBody>
+      </p:sp>
+      <p:sp>
+        <p:nvSpPr>
+          <p:cNvPr id="5" name="ZoneTexte 4">
+            <a:extLst>
+              <a:ext uri="{FF2B5EF4-FFF2-40B4-BE49-F238E27FC236}">
+                <a16:creationId xmlns:a16="http://schemas.microsoft.com/office/drawing/2014/main" id="{B58DB3F6-3A6A-42FB-90F0-C90CD25EF699}"/>
+              </a:ext>
+            </a:extLst>
+          </p:cNvPr>
+          <p:cNvSpPr txBox="1"/>
+          <p:nvPr/>
+        </p:nvSpPr>
+        <p:spPr>
+          <a:xfrm>
+            <a:off x="0" y="6211669"/>
+            <a:ext cx="736979" cy="646331"/>
+          </a:xfrm>
+          <a:prstGeom prst="rect">
+            <a:avLst/>
+          </a:prstGeom>
+          <a:noFill/>
+        </p:spPr>
+        <p:txBody>
+          <a:bodyPr wrap="square" rtlCol="0">
+            <a:spAutoFit/>
+          </a:bodyPr>
+          <a:lstStyle/>
+          <a:p>
+            <a:r>
+              <a:rPr lang="fr-FR" sz="3600" dirty="0"/>
+              <a:t> 1</a:t>
+            </a:r>
+            <a:endParaRPr lang="fr-FR" dirty="0"/>
+          </a:p>
+        </p:txBody>
+      </p:sp>
+      <p:sp>
+        <p:nvSpPr>
+          <p:cNvPr id="6" name="ZoneTexte 5">
+            <a:extLst>
+              <a:ext uri="{FF2B5EF4-FFF2-40B4-BE49-F238E27FC236}">
+                <a16:creationId xmlns:a16="http://schemas.microsoft.com/office/drawing/2014/main" id="{D0BDA115-B5AF-4324-8BE7-CFA466CCA29D}"/>
+              </a:ext>
+            </a:extLst>
+          </p:cNvPr>
+          <p:cNvSpPr txBox="1"/>
+          <p:nvPr/>
+        </p:nvSpPr>
+        <p:spPr>
+          <a:xfrm>
+            <a:off x="2787555" y="5572500"/>
+            <a:ext cx="6616890" cy="461665"/>
+          </a:xfrm>
+          <a:prstGeom prst="rect">
+            <a:avLst/>
+          </a:prstGeom>
+          <a:noFill/>
+        </p:spPr>
+        <p:txBody>
+          <a:bodyPr wrap="square" rtlCol="0">
+            <a:spAutoFit/>
+          </a:bodyPr>
+          <a:lstStyle/>
+          <a:p>
+            <a:r>
+              <a:rPr lang="fr-FR" sz="2400" dirty="0"/>
+              <a:t>Encadré par : Dr. Taha RIDENE &amp; Mr. Hans </a:t>
+            </a:r>
+            <a:r>
+              <a:rPr lang="fr-FR" sz="2400" dirty="0" err="1"/>
+              <a:t>Peinturier</a:t>
+            </a:r>
+            <a:endParaRPr lang="fr-FR" sz="2400" dirty="0"/>
           </a:p>
         </p:txBody>
       </p:sp>
@@ -3379,6 +3546,734 @@
     <p:extLst>
       <p:ext uri="{BB962C8B-B14F-4D97-AF65-F5344CB8AC3E}">
         <p14:creationId xmlns:p14="http://schemas.microsoft.com/office/powerpoint/2010/main" val="1677272911"/>
+      </p:ext>
+    </p:extLst>
+  </p:cSld>
+  <p:clrMapOvr>
+    <a:masterClrMapping/>
+  </p:clrMapOvr>
+</p:sld>
+</file>
+
+<file path=ppt/slides/slide2.xml><?xml version="1.0" encoding="utf-8"?>
+<p:sld xmlns:a="http://schemas.openxmlformats.org/drawingml/2006/main" xmlns:r="http://schemas.openxmlformats.org/officeDocument/2006/relationships" xmlns:p="http://schemas.openxmlformats.org/presentationml/2006/main">
+  <p:cSld>
+    <p:spTree>
+      <p:nvGrpSpPr>
+        <p:cNvPr id="1" name=""/>
+        <p:cNvGrpSpPr/>
+        <p:nvPr/>
+      </p:nvGrpSpPr>
+      <p:grpSpPr>
+        <a:xfrm>
+          <a:off x="0" y="0"/>
+          <a:ext cx="0" cy="0"/>
+          <a:chOff x="0" y="0"/>
+          <a:chExt cx="0" cy="0"/>
+        </a:xfrm>
+      </p:grpSpPr>
+      <p:sp>
+        <p:nvSpPr>
+          <p:cNvPr id="2" name="Titre 1">
+            <a:extLst>
+              <a:ext uri="{FF2B5EF4-FFF2-40B4-BE49-F238E27FC236}">
+                <a16:creationId xmlns:a16="http://schemas.microsoft.com/office/drawing/2014/main" id="{6741BFBF-AB1E-480D-B394-5A41177ECF1E}"/>
+              </a:ext>
+            </a:extLst>
+          </p:cNvPr>
+          <p:cNvSpPr>
+            <a:spLocks noGrp="1"/>
+          </p:cNvSpPr>
+          <p:nvPr>
+            <p:ph type="title"/>
+          </p:nvPr>
+        </p:nvSpPr>
+        <p:spPr/>
+        <p:txBody>
+          <a:bodyPr/>
+          <a:lstStyle/>
+          <a:p>
+            <a:r>
+              <a:rPr lang="fr-FR" dirty="0"/>
+              <a:t>Sommaire</a:t>
+            </a:r>
+          </a:p>
+        </p:txBody>
+      </p:sp>
+      <p:sp>
+        <p:nvSpPr>
+          <p:cNvPr id="3" name="Espace réservé du contenu 2">
+            <a:extLst>
+              <a:ext uri="{FF2B5EF4-FFF2-40B4-BE49-F238E27FC236}">
+                <a16:creationId xmlns:a16="http://schemas.microsoft.com/office/drawing/2014/main" id="{3746FFE6-638B-454D-BD7B-08C8380CF449}"/>
+              </a:ext>
+            </a:extLst>
+          </p:cNvPr>
+          <p:cNvSpPr>
+            <a:spLocks noGrp="1"/>
+          </p:cNvSpPr>
+          <p:nvPr>
+            <p:ph idx="1"/>
+          </p:nvPr>
+        </p:nvSpPr>
+        <p:spPr/>
+        <p:txBody>
+          <a:bodyPr>
+            <a:normAutofit lnSpcReduction="10000"/>
+          </a:bodyPr>
+          <a:lstStyle/>
+          <a:p>
+            <a:r>
+              <a:rPr lang="fr-FR" sz="2400" dirty="0"/>
+              <a:t>Présentation</a:t>
+            </a:r>
+          </a:p>
+          <a:p>
+            <a:pPr lvl="1"/>
+            <a:r>
+              <a:rPr lang="fr-FR" sz="2000" dirty="0"/>
+              <a:t>Contexte</a:t>
+            </a:r>
+          </a:p>
+          <a:p>
+            <a:pPr lvl="1"/>
+            <a:r>
+              <a:rPr lang="fr-FR" sz="2000" dirty="0"/>
+              <a:t>Cibles</a:t>
+            </a:r>
+          </a:p>
+          <a:p>
+            <a:pPr lvl="1"/>
+            <a:r>
+              <a:rPr lang="fr-FR" sz="2000" dirty="0"/>
+              <a:t>Objectifs</a:t>
+            </a:r>
+          </a:p>
+          <a:p>
+            <a:pPr lvl="1"/>
+            <a:r>
+              <a:rPr lang="fr-FR" sz="2000" dirty="0"/>
+              <a:t>Existant</a:t>
+            </a:r>
+          </a:p>
+          <a:p>
+            <a:r>
+              <a:rPr lang="fr-FR" sz="2400" dirty="0"/>
+              <a:t>Aspects fonctionnels et techniques</a:t>
+            </a:r>
+          </a:p>
+          <a:p>
+            <a:pPr lvl="1"/>
+            <a:r>
+              <a:rPr lang="fr-FR" sz="2000" dirty="0"/>
+              <a:t>Arborescence du site</a:t>
+            </a:r>
+          </a:p>
+          <a:p>
+            <a:pPr lvl="1"/>
+            <a:r>
+              <a:rPr lang="fr-FR" sz="2000" dirty="0"/>
+              <a:t>Spécifications fonctionnels</a:t>
+            </a:r>
+          </a:p>
+          <a:p>
+            <a:pPr lvl="1"/>
+            <a:r>
+              <a:rPr lang="fr-FR" sz="2000" dirty="0"/>
+              <a:t>Spécifications techniques</a:t>
+            </a:r>
+          </a:p>
+          <a:p>
+            <a:pPr lvl="1"/>
+            <a:r>
+              <a:rPr lang="fr-FR" sz="2000" dirty="0"/>
+              <a:t>Contexte techniques organisationnelles</a:t>
+            </a:r>
+          </a:p>
+          <a:p>
+            <a:r>
+              <a:rPr lang="fr-FR" sz="2400" dirty="0"/>
+              <a:t>Analyse du projet</a:t>
+            </a:r>
+          </a:p>
+          <a:p>
+            <a:pPr lvl="1"/>
+            <a:r>
+              <a:rPr lang="fr-FR" sz="2000" dirty="0"/>
+              <a:t>Diagrammes</a:t>
+            </a:r>
+          </a:p>
+        </p:txBody>
+      </p:sp>
+    </p:spTree>
+    <p:extLst>
+      <p:ext uri="{BB962C8B-B14F-4D97-AF65-F5344CB8AC3E}">
+        <p14:creationId xmlns:p14="http://schemas.microsoft.com/office/powerpoint/2010/main" val="1664338951"/>
+      </p:ext>
+    </p:extLst>
+  </p:cSld>
+  <p:clrMapOvr>
+    <a:masterClrMapping/>
+  </p:clrMapOvr>
+</p:sld>
+</file>
+
+<file path=ppt/slides/slide3.xml><?xml version="1.0" encoding="utf-8"?>
+<p:sld xmlns:a="http://schemas.openxmlformats.org/drawingml/2006/main" xmlns:r="http://schemas.openxmlformats.org/officeDocument/2006/relationships" xmlns:p="http://schemas.openxmlformats.org/presentationml/2006/main">
+  <p:cSld>
+    <p:spTree>
+      <p:nvGrpSpPr>
+        <p:cNvPr id="1" name=""/>
+        <p:cNvGrpSpPr/>
+        <p:nvPr/>
+      </p:nvGrpSpPr>
+      <p:grpSpPr>
+        <a:xfrm>
+          <a:off x="0" y="0"/>
+          <a:ext cx="0" cy="0"/>
+          <a:chOff x="0" y="0"/>
+          <a:chExt cx="0" cy="0"/>
+        </a:xfrm>
+      </p:grpSpPr>
+      <p:sp>
+        <p:nvSpPr>
+          <p:cNvPr id="2" name="Titre 1">
+            <a:extLst>
+              <a:ext uri="{FF2B5EF4-FFF2-40B4-BE49-F238E27FC236}">
+                <a16:creationId xmlns:a16="http://schemas.microsoft.com/office/drawing/2014/main" id="{9C813306-BCA4-414E-AF0B-5A8F77AC7987}"/>
+              </a:ext>
+            </a:extLst>
+          </p:cNvPr>
+          <p:cNvSpPr>
+            <a:spLocks noGrp="1"/>
+          </p:cNvSpPr>
+          <p:nvPr>
+            <p:ph type="title"/>
+          </p:nvPr>
+        </p:nvSpPr>
+        <p:spPr/>
+        <p:txBody>
+          <a:bodyPr/>
+          <a:lstStyle/>
+          <a:p>
+            <a:r>
+              <a:rPr lang="fr-FR" dirty="0"/>
+              <a:t>Présentation</a:t>
+            </a:r>
+          </a:p>
+        </p:txBody>
+      </p:sp>
+      <p:sp>
+        <p:nvSpPr>
+          <p:cNvPr id="3" name="Espace réservé du contenu 2">
+            <a:extLst>
+              <a:ext uri="{FF2B5EF4-FFF2-40B4-BE49-F238E27FC236}">
+                <a16:creationId xmlns:a16="http://schemas.microsoft.com/office/drawing/2014/main" id="{866BAD1C-28BE-4339-B0C9-A5AA4AD5474A}"/>
+              </a:ext>
+            </a:extLst>
+          </p:cNvPr>
+          <p:cNvSpPr>
+            <a:spLocks noGrp="1"/>
+          </p:cNvSpPr>
+          <p:nvPr>
+            <p:ph idx="1"/>
+          </p:nvPr>
+        </p:nvSpPr>
+        <p:spPr/>
+        <p:txBody>
+          <a:bodyPr/>
+          <a:lstStyle/>
+          <a:p>
+            <a:pPr marL="0" indent="0">
+              <a:buNone/>
+            </a:pPr>
+            <a:endParaRPr lang="fr-FR" dirty="0"/>
+          </a:p>
+          <a:p>
+            <a:r>
+              <a:rPr lang="fr-FR" dirty="0"/>
+              <a:t>SCPI</a:t>
+            </a:r>
+          </a:p>
+          <a:p>
+            <a:pPr marL="0" indent="0">
+              <a:buNone/>
+            </a:pPr>
+            <a:endParaRPr lang="fr-FR" dirty="0"/>
+          </a:p>
+          <a:p>
+            <a:pPr lvl="1"/>
+            <a:r>
+              <a:rPr lang="fr-FR" dirty="0"/>
+              <a:t>rendement </a:t>
+            </a:r>
+          </a:p>
+          <a:p>
+            <a:pPr marL="457200" lvl="1" indent="0">
+              <a:buNone/>
+            </a:pPr>
+            <a:endParaRPr lang="fr-FR" dirty="0"/>
+          </a:p>
+          <a:p>
+            <a:pPr lvl="1"/>
+            <a:r>
+              <a:rPr lang="fr-FR" dirty="0"/>
+              <a:t>plus-value</a:t>
+            </a:r>
+          </a:p>
+          <a:p>
+            <a:pPr marL="457200" lvl="1" indent="0">
+              <a:buNone/>
+            </a:pPr>
+            <a:endParaRPr lang="fr-FR" dirty="0"/>
+          </a:p>
+          <a:p>
+            <a:pPr lvl="1"/>
+            <a:r>
+              <a:rPr lang="fr-FR" dirty="0"/>
+              <a:t>fiscales</a:t>
+            </a:r>
+          </a:p>
+        </p:txBody>
+      </p:sp>
+      <p:pic>
+        <p:nvPicPr>
+          <p:cNvPr id="5" name="Image 4">
+            <a:extLst>
+              <a:ext uri="{FF2B5EF4-FFF2-40B4-BE49-F238E27FC236}">
+                <a16:creationId xmlns:a16="http://schemas.microsoft.com/office/drawing/2014/main" id="{DE7439B7-D6BE-4DC0-9920-BE3304E6687B}"/>
+              </a:ext>
+            </a:extLst>
+          </p:cNvPr>
+          <p:cNvPicPr>
+            <a:picLocks noChangeAspect="1"/>
+          </p:cNvPicPr>
+          <p:nvPr/>
+        </p:nvPicPr>
+        <p:blipFill>
+          <a:blip r:embed="rId2">
+            <a:extLst>
+              <a:ext uri="{28A0092B-C50C-407E-A947-70E740481C1C}">
+                <a14:useLocalDpi xmlns:a14="http://schemas.microsoft.com/office/drawing/2010/main" val="0"/>
+              </a:ext>
+            </a:extLst>
+          </a:blip>
+          <a:stretch>
+            <a:fillRect/>
+          </a:stretch>
+        </p:blipFill>
+        <p:spPr>
+          <a:xfrm>
+            <a:off x="5072160" y="1690688"/>
+            <a:ext cx="6281640" cy="3348114"/>
+          </a:xfrm>
+          <a:prstGeom prst="rect">
+            <a:avLst/>
+          </a:prstGeom>
+        </p:spPr>
+      </p:pic>
+    </p:spTree>
+    <p:extLst>
+      <p:ext uri="{BB962C8B-B14F-4D97-AF65-F5344CB8AC3E}">
+        <p14:creationId xmlns:p14="http://schemas.microsoft.com/office/powerpoint/2010/main" val="2201303711"/>
+      </p:ext>
+    </p:extLst>
+  </p:cSld>
+  <p:clrMapOvr>
+    <a:masterClrMapping/>
+  </p:clrMapOvr>
+</p:sld>
+</file>
+
+<file path=ppt/slides/slide4.xml><?xml version="1.0" encoding="utf-8"?>
+<p:sld xmlns:a="http://schemas.openxmlformats.org/drawingml/2006/main" xmlns:r="http://schemas.openxmlformats.org/officeDocument/2006/relationships" xmlns:p="http://schemas.openxmlformats.org/presentationml/2006/main">
+  <p:cSld>
+    <p:spTree>
+      <p:nvGrpSpPr>
+        <p:cNvPr id="1" name=""/>
+        <p:cNvGrpSpPr/>
+        <p:nvPr/>
+      </p:nvGrpSpPr>
+      <p:grpSpPr>
+        <a:xfrm>
+          <a:off x="0" y="0"/>
+          <a:ext cx="0" cy="0"/>
+          <a:chOff x="0" y="0"/>
+          <a:chExt cx="0" cy="0"/>
+        </a:xfrm>
+      </p:grpSpPr>
+      <p:sp>
+        <p:nvSpPr>
+          <p:cNvPr id="2" name="Titre 1">
+            <a:extLst>
+              <a:ext uri="{FF2B5EF4-FFF2-40B4-BE49-F238E27FC236}">
+                <a16:creationId xmlns:a16="http://schemas.microsoft.com/office/drawing/2014/main" id="{BAA7E62F-603C-44A4-82FA-757C2883B20A}"/>
+              </a:ext>
+            </a:extLst>
+          </p:cNvPr>
+          <p:cNvSpPr>
+            <a:spLocks noGrp="1"/>
+          </p:cNvSpPr>
+          <p:nvPr>
+            <p:ph type="title"/>
+          </p:nvPr>
+        </p:nvSpPr>
+        <p:spPr/>
+        <p:txBody>
+          <a:bodyPr/>
+          <a:lstStyle/>
+          <a:p>
+            <a:r>
+              <a:rPr lang="fr-FR" dirty="0"/>
+              <a:t>Contexte</a:t>
+            </a:r>
+          </a:p>
+        </p:txBody>
+      </p:sp>
+      <p:sp>
+        <p:nvSpPr>
+          <p:cNvPr id="3" name="Espace réservé du contenu 2">
+            <a:extLst>
+              <a:ext uri="{FF2B5EF4-FFF2-40B4-BE49-F238E27FC236}">
+                <a16:creationId xmlns:a16="http://schemas.microsoft.com/office/drawing/2014/main" id="{2AB6021E-8B3B-48A7-92D4-FBF3AA9ED5F9}"/>
+              </a:ext>
+            </a:extLst>
+          </p:cNvPr>
+          <p:cNvSpPr>
+            <a:spLocks noGrp="1"/>
+          </p:cNvSpPr>
+          <p:nvPr>
+            <p:ph idx="1"/>
+          </p:nvPr>
+        </p:nvSpPr>
+        <p:spPr>
+          <a:xfrm>
+            <a:off x="838200" y="1975750"/>
+            <a:ext cx="10515600" cy="4351338"/>
+          </a:xfrm>
+        </p:spPr>
+        <p:txBody>
+          <a:bodyPr/>
+          <a:lstStyle/>
+          <a:p>
+            <a:endParaRPr lang="fr-FR" dirty="0"/>
+          </a:p>
+          <a:p>
+            <a:r>
+              <a:rPr lang="fr-FR" dirty="0"/>
+              <a:t>Projet IT</a:t>
+            </a:r>
+          </a:p>
+          <a:p>
+            <a:endParaRPr lang="fr-FR" dirty="0"/>
+          </a:p>
+          <a:p>
+            <a:r>
+              <a:rPr lang="fr-FR" dirty="0"/>
+              <a:t>Echanges de parts</a:t>
+            </a:r>
+          </a:p>
+          <a:p>
+            <a:endParaRPr lang="fr-FR" dirty="0"/>
+          </a:p>
+          <a:p>
+            <a:r>
+              <a:rPr lang="fr-FR" dirty="0" err="1"/>
+              <a:t>Indisponibilté</a:t>
+            </a:r>
+            <a:endParaRPr lang="fr-FR" dirty="0"/>
+          </a:p>
+        </p:txBody>
+      </p:sp>
+      <p:pic>
+        <p:nvPicPr>
+          <p:cNvPr id="5" name="Image 4">
+            <a:extLst>
+              <a:ext uri="{FF2B5EF4-FFF2-40B4-BE49-F238E27FC236}">
+                <a16:creationId xmlns:a16="http://schemas.microsoft.com/office/drawing/2014/main" id="{543E890D-5972-4F78-82E3-FFD3D0014BD2}"/>
+              </a:ext>
+            </a:extLst>
+          </p:cNvPr>
+          <p:cNvPicPr>
+            <a:picLocks noChangeAspect="1"/>
+          </p:cNvPicPr>
+          <p:nvPr/>
+        </p:nvPicPr>
+        <p:blipFill>
+          <a:blip r:embed="rId2">
+            <a:extLst>
+              <a:ext uri="{28A0092B-C50C-407E-A947-70E740481C1C}">
+                <a14:useLocalDpi xmlns:a14="http://schemas.microsoft.com/office/drawing/2010/main" val="0"/>
+              </a:ext>
+            </a:extLst>
+          </a:blip>
+          <a:stretch>
+            <a:fillRect/>
+          </a:stretch>
+        </p:blipFill>
+        <p:spPr>
+          <a:xfrm>
+            <a:off x="4760368" y="2371369"/>
+            <a:ext cx="5810250" cy="2333625"/>
+          </a:xfrm>
+          <a:prstGeom prst="rect">
+            <a:avLst/>
+          </a:prstGeom>
+        </p:spPr>
+      </p:pic>
+    </p:spTree>
+    <p:extLst>
+      <p:ext uri="{BB962C8B-B14F-4D97-AF65-F5344CB8AC3E}">
+        <p14:creationId xmlns:p14="http://schemas.microsoft.com/office/powerpoint/2010/main" val="1664719382"/>
+      </p:ext>
+    </p:extLst>
+  </p:cSld>
+  <p:clrMapOvr>
+    <a:masterClrMapping/>
+  </p:clrMapOvr>
+</p:sld>
+</file>
+
+<file path=ppt/slides/slide5.xml><?xml version="1.0" encoding="utf-8"?>
+<p:sld xmlns:a="http://schemas.openxmlformats.org/drawingml/2006/main" xmlns:r="http://schemas.openxmlformats.org/officeDocument/2006/relationships" xmlns:p="http://schemas.openxmlformats.org/presentationml/2006/main">
+  <p:cSld>
+    <p:spTree>
+      <p:nvGrpSpPr>
+        <p:cNvPr id="1" name=""/>
+        <p:cNvGrpSpPr/>
+        <p:nvPr/>
+      </p:nvGrpSpPr>
+      <p:grpSpPr>
+        <a:xfrm>
+          <a:off x="0" y="0"/>
+          <a:ext cx="0" cy="0"/>
+          <a:chOff x="0" y="0"/>
+          <a:chExt cx="0" cy="0"/>
+        </a:xfrm>
+      </p:grpSpPr>
+      <p:sp>
+        <p:nvSpPr>
+          <p:cNvPr id="2" name="Titre 1">
+            <a:extLst>
+              <a:ext uri="{FF2B5EF4-FFF2-40B4-BE49-F238E27FC236}">
+                <a16:creationId xmlns:a16="http://schemas.microsoft.com/office/drawing/2014/main" id="{C9A6FACC-7C52-4FD1-B740-85DC7AB18F25}"/>
+              </a:ext>
+            </a:extLst>
+          </p:cNvPr>
+          <p:cNvSpPr>
+            <a:spLocks noGrp="1"/>
+          </p:cNvSpPr>
+          <p:nvPr>
+            <p:ph type="title"/>
+          </p:nvPr>
+        </p:nvSpPr>
+        <p:spPr/>
+        <p:txBody>
+          <a:bodyPr/>
+          <a:lstStyle/>
+          <a:p>
+            <a:r>
+              <a:rPr lang="fr-FR" dirty="0"/>
+              <a:t>Cibles</a:t>
+            </a:r>
+          </a:p>
+        </p:txBody>
+      </p:sp>
+      <p:sp>
+        <p:nvSpPr>
+          <p:cNvPr id="3" name="Espace réservé du contenu 2">
+            <a:extLst>
+              <a:ext uri="{FF2B5EF4-FFF2-40B4-BE49-F238E27FC236}">
+                <a16:creationId xmlns:a16="http://schemas.microsoft.com/office/drawing/2014/main" id="{5C13E0D8-5DEC-48F7-9032-6BC2CB223493}"/>
+              </a:ext>
+            </a:extLst>
+          </p:cNvPr>
+          <p:cNvSpPr>
+            <a:spLocks noGrp="1"/>
+          </p:cNvSpPr>
+          <p:nvPr>
+            <p:ph idx="1"/>
+          </p:nvPr>
+        </p:nvSpPr>
+        <p:spPr/>
+        <p:txBody>
+          <a:bodyPr/>
+          <a:lstStyle/>
+          <a:p>
+            <a:endParaRPr lang="fr-FR"/>
+          </a:p>
+        </p:txBody>
+      </p:sp>
+    </p:spTree>
+    <p:extLst>
+      <p:ext uri="{BB962C8B-B14F-4D97-AF65-F5344CB8AC3E}">
+        <p14:creationId xmlns:p14="http://schemas.microsoft.com/office/powerpoint/2010/main" val="4236677782"/>
+      </p:ext>
+    </p:extLst>
+  </p:cSld>
+  <p:clrMapOvr>
+    <a:masterClrMapping/>
+  </p:clrMapOvr>
+</p:sld>
+</file>
+
+<file path=ppt/slides/slide6.xml><?xml version="1.0" encoding="utf-8"?>
+<p:sld xmlns:a="http://schemas.openxmlformats.org/drawingml/2006/main" xmlns:r="http://schemas.openxmlformats.org/officeDocument/2006/relationships" xmlns:p="http://schemas.openxmlformats.org/presentationml/2006/main">
+  <p:cSld>
+    <p:spTree>
+      <p:nvGrpSpPr>
+        <p:cNvPr id="1" name=""/>
+        <p:cNvGrpSpPr/>
+        <p:nvPr/>
+      </p:nvGrpSpPr>
+      <p:grpSpPr>
+        <a:xfrm>
+          <a:off x="0" y="0"/>
+          <a:ext cx="0" cy="0"/>
+          <a:chOff x="0" y="0"/>
+          <a:chExt cx="0" cy="0"/>
+        </a:xfrm>
+      </p:grpSpPr>
+      <p:sp>
+        <p:nvSpPr>
+          <p:cNvPr id="2" name="Titre 1">
+            <a:extLst>
+              <a:ext uri="{FF2B5EF4-FFF2-40B4-BE49-F238E27FC236}">
+                <a16:creationId xmlns:a16="http://schemas.microsoft.com/office/drawing/2014/main" id="{07BBC0E3-53F4-4DB4-BFF5-4562A6606DDB}"/>
+              </a:ext>
+            </a:extLst>
+          </p:cNvPr>
+          <p:cNvSpPr>
+            <a:spLocks noGrp="1"/>
+          </p:cNvSpPr>
+          <p:nvPr>
+            <p:ph type="title"/>
+          </p:nvPr>
+        </p:nvSpPr>
+        <p:spPr/>
+        <p:txBody>
+          <a:bodyPr/>
+          <a:lstStyle/>
+          <a:p>
+            <a:r>
+              <a:rPr lang="fr-FR" dirty="0"/>
+              <a:t>Objectifs</a:t>
+            </a:r>
+          </a:p>
+        </p:txBody>
+      </p:sp>
+      <p:sp>
+        <p:nvSpPr>
+          <p:cNvPr id="3" name="Espace réservé du contenu 2">
+            <a:extLst>
+              <a:ext uri="{FF2B5EF4-FFF2-40B4-BE49-F238E27FC236}">
+                <a16:creationId xmlns:a16="http://schemas.microsoft.com/office/drawing/2014/main" id="{86F2125D-F6F8-4BD8-ADF3-B6CD956F209A}"/>
+              </a:ext>
+            </a:extLst>
+          </p:cNvPr>
+          <p:cNvSpPr>
+            <a:spLocks noGrp="1"/>
+          </p:cNvSpPr>
+          <p:nvPr>
+            <p:ph idx="1"/>
+          </p:nvPr>
+        </p:nvSpPr>
+        <p:spPr/>
+        <p:txBody>
+          <a:bodyPr/>
+          <a:lstStyle/>
+          <a:p>
+            <a:endParaRPr lang="fr-FR"/>
+          </a:p>
+        </p:txBody>
+      </p:sp>
+    </p:spTree>
+    <p:extLst>
+      <p:ext uri="{BB962C8B-B14F-4D97-AF65-F5344CB8AC3E}">
+        <p14:creationId xmlns:p14="http://schemas.microsoft.com/office/powerpoint/2010/main" val="1304609354"/>
+      </p:ext>
+    </p:extLst>
+  </p:cSld>
+  <p:clrMapOvr>
+    <a:masterClrMapping/>
+  </p:clrMapOvr>
+</p:sld>
+</file>
+
+<file path=ppt/slides/slide7.xml><?xml version="1.0" encoding="utf-8"?>
+<p:sld xmlns:a="http://schemas.openxmlformats.org/drawingml/2006/main" xmlns:r="http://schemas.openxmlformats.org/officeDocument/2006/relationships" xmlns:p="http://schemas.openxmlformats.org/presentationml/2006/main">
+  <p:cSld>
+    <p:spTree>
+      <p:nvGrpSpPr>
+        <p:cNvPr id="1" name=""/>
+        <p:cNvGrpSpPr/>
+        <p:nvPr/>
+      </p:nvGrpSpPr>
+      <p:grpSpPr>
+        <a:xfrm>
+          <a:off x="0" y="0"/>
+          <a:ext cx="0" cy="0"/>
+          <a:chOff x="0" y="0"/>
+          <a:chExt cx="0" cy="0"/>
+        </a:xfrm>
+      </p:grpSpPr>
+      <p:sp>
+        <p:nvSpPr>
+          <p:cNvPr id="2" name="Titre 1">
+            <a:extLst>
+              <a:ext uri="{FF2B5EF4-FFF2-40B4-BE49-F238E27FC236}">
+                <a16:creationId xmlns:a16="http://schemas.microsoft.com/office/drawing/2014/main" id="{C97EACFC-8D07-41E3-93F8-CEF4ABB06EE2}"/>
+              </a:ext>
+            </a:extLst>
+          </p:cNvPr>
+          <p:cNvSpPr>
+            <a:spLocks noGrp="1"/>
+          </p:cNvSpPr>
+          <p:nvPr>
+            <p:ph type="title"/>
+          </p:nvPr>
+        </p:nvSpPr>
+        <p:spPr/>
+        <p:txBody>
+          <a:bodyPr/>
+          <a:lstStyle/>
+          <a:p>
+            <a:r>
+              <a:rPr lang="fr-FR" dirty="0"/>
+              <a:t>Existant</a:t>
+            </a:r>
+          </a:p>
+        </p:txBody>
+      </p:sp>
+      <p:sp>
+        <p:nvSpPr>
+          <p:cNvPr id="3" name="Espace réservé du contenu 2">
+            <a:extLst>
+              <a:ext uri="{FF2B5EF4-FFF2-40B4-BE49-F238E27FC236}">
+                <a16:creationId xmlns:a16="http://schemas.microsoft.com/office/drawing/2014/main" id="{E3F55B96-9C4E-4141-B32A-812185D14E1E}"/>
+              </a:ext>
+            </a:extLst>
+          </p:cNvPr>
+          <p:cNvSpPr>
+            <a:spLocks noGrp="1"/>
+          </p:cNvSpPr>
+          <p:nvPr>
+            <p:ph idx="1"/>
+          </p:nvPr>
+        </p:nvSpPr>
+        <p:spPr/>
+        <p:txBody>
+          <a:bodyPr/>
+          <a:lstStyle/>
+          <a:p>
+            <a:endParaRPr lang="fr-FR"/>
+          </a:p>
+        </p:txBody>
+      </p:sp>
+    </p:spTree>
+    <p:extLst>
+      <p:ext uri="{BB962C8B-B14F-4D97-AF65-F5344CB8AC3E}">
+        <p14:creationId xmlns:p14="http://schemas.microsoft.com/office/powerpoint/2010/main" val="1486261870"/>
       </p:ext>
     </p:extLst>
   </p:cSld>

--- a/PrésentationBourseEchangeSCPI.pptx
+++ b/PrésentationBourseEchangeSCPI.pptx
@@ -12,6 +12,19 @@
     <p:sldId id="260" r:id="rId6"/>
     <p:sldId id="261" r:id="rId7"/>
     <p:sldId id="262" r:id="rId8"/>
+    <p:sldId id="268" r:id="rId9"/>
+    <p:sldId id="264" r:id="rId10"/>
+    <p:sldId id="263" r:id="rId11"/>
+    <p:sldId id="265" r:id="rId12"/>
+    <p:sldId id="266" r:id="rId13"/>
+    <p:sldId id="267" r:id="rId14"/>
+    <p:sldId id="269" r:id="rId15"/>
+    <p:sldId id="270" r:id="rId16"/>
+    <p:sldId id="271" r:id="rId17"/>
+    <p:sldId id="275" r:id="rId18"/>
+    <p:sldId id="276" r:id="rId19"/>
+    <p:sldId id="277" r:id="rId20"/>
+    <p:sldId id="278" r:id="rId21"/>
   </p:sldIdLst>
   <p:sldSz cx="12192000" cy="6858000"/>
   <p:notesSz cx="6858000" cy="9144000"/>
@@ -339,6 +352,18 @@
   <p:clrMapOvr>
     <a:masterClrMapping/>
   </p:clrMapOvr>
+  <mc:AlternateContent xmlns:mc="http://schemas.openxmlformats.org/markup-compatibility/2006">
+    <mc:Choice xmlns:p14="http://schemas.microsoft.com/office/powerpoint/2010/main" Requires="p14">
+      <p:transition spd="med" p14:dur="700">
+        <p:fade/>
+      </p:transition>
+    </mc:Choice>
+    <mc:Fallback>
+      <p:transition spd="med">
+        <p:fade/>
+      </p:transition>
+    </mc:Fallback>
+  </mc:AlternateContent>
 </p:sldLayout>
 </file>
 
@@ -537,6 +562,18 @@
   <p:clrMapOvr>
     <a:masterClrMapping/>
   </p:clrMapOvr>
+  <mc:AlternateContent xmlns:mc="http://schemas.openxmlformats.org/markup-compatibility/2006">
+    <mc:Choice xmlns:p14="http://schemas.microsoft.com/office/powerpoint/2010/main" Requires="p14">
+      <p:transition spd="med" p14:dur="700">
+        <p:fade/>
+      </p:transition>
+    </mc:Choice>
+    <mc:Fallback>
+      <p:transition spd="med">
+        <p:fade/>
+      </p:transition>
+    </mc:Fallback>
+  </mc:AlternateContent>
 </p:sldLayout>
 </file>
 
@@ -745,6 +782,18 @@
   <p:clrMapOvr>
     <a:masterClrMapping/>
   </p:clrMapOvr>
+  <mc:AlternateContent xmlns:mc="http://schemas.openxmlformats.org/markup-compatibility/2006">
+    <mc:Choice xmlns:p14="http://schemas.microsoft.com/office/powerpoint/2010/main" Requires="p14">
+      <p:transition spd="med" p14:dur="700">
+        <p:fade/>
+      </p:transition>
+    </mc:Choice>
+    <mc:Fallback>
+      <p:transition spd="med">
+        <p:fade/>
+      </p:transition>
+    </mc:Fallback>
+  </mc:AlternateContent>
 </p:sldLayout>
 </file>
 
@@ -943,6 +992,18 @@
   <p:clrMapOvr>
     <a:masterClrMapping/>
   </p:clrMapOvr>
+  <mc:AlternateContent xmlns:mc="http://schemas.openxmlformats.org/markup-compatibility/2006">
+    <mc:Choice xmlns:p14="http://schemas.microsoft.com/office/powerpoint/2010/main" Requires="p14">
+      <p:transition spd="med" p14:dur="700">
+        <p:fade/>
+      </p:transition>
+    </mc:Choice>
+    <mc:Fallback>
+      <p:transition spd="med">
+        <p:fade/>
+      </p:transition>
+    </mc:Fallback>
+  </mc:AlternateContent>
 </p:sldLayout>
 </file>
 
@@ -1218,6 +1279,18 @@
   <p:clrMapOvr>
     <a:masterClrMapping/>
   </p:clrMapOvr>
+  <mc:AlternateContent xmlns:mc="http://schemas.openxmlformats.org/markup-compatibility/2006">
+    <mc:Choice xmlns:p14="http://schemas.microsoft.com/office/powerpoint/2010/main" Requires="p14">
+      <p:transition spd="med" p14:dur="700">
+        <p:fade/>
+      </p:transition>
+    </mc:Choice>
+    <mc:Fallback>
+      <p:transition spd="med">
+        <p:fade/>
+      </p:transition>
+    </mc:Fallback>
+  </mc:AlternateContent>
 </p:sldLayout>
 </file>
 
@@ -1483,6 +1556,18 @@
   <p:clrMapOvr>
     <a:masterClrMapping/>
   </p:clrMapOvr>
+  <mc:AlternateContent xmlns:mc="http://schemas.openxmlformats.org/markup-compatibility/2006">
+    <mc:Choice xmlns:p14="http://schemas.microsoft.com/office/powerpoint/2010/main" Requires="p14">
+      <p:transition spd="med" p14:dur="700">
+        <p:fade/>
+      </p:transition>
+    </mc:Choice>
+    <mc:Fallback>
+      <p:transition spd="med">
+        <p:fade/>
+      </p:transition>
+    </mc:Fallback>
+  </mc:AlternateContent>
 </p:sldLayout>
 </file>
 
@@ -1895,6 +1980,18 @@
   <p:clrMapOvr>
     <a:masterClrMapping/>
   </p:clrMapOvr>
+  <mc:AlternateContent xmlns:mc="http://schemas.openxmlformats.org/markup-compatibility/2006">
+    <mc:Choice xmlns:p14="http://schemas.microsoft.com/office/powerpoint/2010/main" Requires="p14">
+      <p:transition spd="med" p14:dur="700">
+        <p:fade/>
+      </p:transition>
+    </mc:Choice>
+    <mc:Fallback>
+      <p:transition spd="med">
+        <p:fade/>
+      </p:transition>
+    </mc:Fallback>
+  </mc:AlternateContent>
 </p:sldLayout>
 </file>
 
@@ -2036,6 +2133,18 @@
   <p:clrMapOvr>
     <a:masterClrMapping/>
   </p:clrMapOvr>
+  <mc:AlternateContent xmlns:mc="http://schemas.openxmlformats.org/markup-compatibility/2006">
+    <mc:Choice xmlns:p14="http://schemas.microsoft.com/office/powerpoint/2010/main" Requires="p14">
+      <p:transition spd="med" p14:dur="700">
+        <p:fade/>
+      </p:transition>
+    </mc:Choice>
+    <mc:Fallback>
+      <p:transition spd="med">
+        <p:fade/>
+      </p:transition>
+    </mc:Fallback>
+  </mc:AlternateContent>
 </p:sldLayout>
 </file>
 
@@ -2149,6 +2258,18 @@
   <p:clrMapOvr>
     <a:masterClrMapping/>
   </p:clrMapOvr>
+  <mc:AlternateContent xmlns:mc="http://schemas.openxmlformats.org/markup-compatibility/2006">
+    <mc:Choice xmlns:p14="http://schemas.microsoft.com/office/powerpoint/2010/main" Requires="p14">
+      <p:transition spd="med" p14:dur="700">
+        <p:fade/>
+      </p:transition>
+    </mc:Choice>
+    <mc:Fallback>
+      <p:transition spd="med">
+        <p:fade/>
+      </p:transition>
+    </mc:Fallback>
+  </mc:AlternateContent>
 </p:sldLayout>
 </file>
 
@@ -2460,6 +2581,18 @@
   <p:clrMapOvr>
     <a:masterClrMapping/>
   </p:clrMapOvr>
+  <mc:AlternateContent xmlns:mc="http://schemas.openxmlformats.org/markup-compatibility/2006">
+    <mc:Choice xmlns:p14="http://schemas.microsoft.com/office/powerpoint/2010/main" Requires="p14">
+      <p:transition spd="med" p14:dur="700">
+        <p:fade/>
+      </p:transition>
+    </mc:Choice>
+    <mc:Fallback>
+      <p:transition spd="med">
+        <p:fade/>
+      </p:transition>
+    </mc:Fallback>
+  </mc:AlternateContent>
 </p:sldLayout>
 </file>
 
@@ -2748,6 +2881,18 @@
   <p:clrMapOvr>
     <a:masterClrMapping/>
   </p:clrMapOvr>
+  <mc:AlternateContent xmlns:mc="http://schemas.openxmlformats.org/markup-compatibility/2006">
+    <mc:Choice xmlns:p14="http://schemas.microsoft.com/office/powerpoint/2010/main" Requires="p14">
+      <p:transition spd="med" p14:dur="700">
+        <p:fade/>
+      </p:transition>
+    </mc:Choice>
+    <mc:Fallback>
+      <p:transition spd="med">
+        <p:fade/>
+      </p:transition>
+    </mc:Fallback>
+  </mc:AlternateContent>
 </p:sldLayout>
 </file>
 
@@ -3036,6 +3181,18 @@
     <p:sldLayoutId id="2147483658" r:id="rId10"/>
     <p:sldLayoutId id="2147483659" r:id="rId11"/>
   </p:sldLayoutIdLst>
+  <mc:AlternateContent xmlns:mc="http://schemas.openxmlformats.org/markup-compatibility/2006">
+    <mc:Choice xmlns:p14="http://schemas.microsoft.com/office/powerpoint/2010/main" Requires="p14">
+      <p:transition spd="med" p14:dur="700">
+        <p:fade/>
+      </p:transition>
+    </mc:Choice>
+    <mc:Fallback>
+      <p:transition spd="med">
+        <p:fade/>
+      </p:transition>
+    </mc:Fallback>
+  </mc:AlternateContent>
   <p:txStyles>
     <p:titleStyle>
       <a:lvl1pPr algn="l" defTabSz="914400" rtl="0" eaLnBrk="1" latinLnBrk="0" hangingPunct="1">
@@ -3552,6 +3709,1301 @@
   <p:clrMapOvr>
     <a:masterClrMapping/>
   </p:clrMapOvr>
+  <mc:AlternateContent xmlns:mc="http://schemas.openxmlformats.org/markup-compatibility/2006">
+    <mc:Choice xmlns:p14="http://schemas.microsoft.com/office/powerpoint/2010/main" Requires="p14">
+      <p:transition spd="med" p14:dur="700">
+        <p:fade/>
+      </p:transition>
+    </mc:Choice>
+    <mc:Fallback>
+      <p:transition spd="med">
+        <p:fade/>
+      </p:transition>
+    </mc:Fallback>
+  </mc:AlternateContent>
+</p:sld>
+</file>
+
+<file path=ppt/slides/slide10.xml><?xml version="1.0" encoding="utf-8"?>
+<p:sld xmlns:a="http://schemas.openxmlformats.org/drawingml/2006/main" xmlns:r="http://schemas.openxmlformats.org/officeDocument/2006/relationships" xmlns:p="http://schemas.openxmlformats.org/presentationml/2006/main">
+  <p:cSld>
+    <p:spTree>
+      <p:nvGrpSpPr>
+        <p:cNvPr id="1" name=""/>
+        <p:cNvGrpSpPr/>
+        <p:nvPr/>
+      </p:nvGrpSpPr>
+      <p:grpSpPr>
+        <a:xfrm>
+          <a:off x="0" y="0"/>
+          <a:ext cx="0" cy="0"/>
+          <a:chOff x="0" y="0"/>
+          <a:chExt cx="0" cy="0"/>
+        </a:xfrm>
+      </p:grpSpPr>
+      <p:sp>
+        <p:nvSpPr>
+          <p:cNvPr id="2" name="Titre 1">
+            <a:extLst>
+              <a:ext uri="{FF2B5EF4-FFF2-40B4-BE49-F238E27FC236}">
+                <a16:creationId xmlns:a16="http://schemas.microsoft.com/office/drawing/2014/main" id="{07AC08FA-4102-4FAB-83C9-B45414E26700}"/>
+              </a:ext>
+            </a:extLst>
+          </p:cNvPr>
+          <p:cNvSpPr>
+            <a:spLocks noGrp="1"/>
+          </p:cNvSpPr>
+          <p:nvPr>
+            <p:ph type="title"/>
+          </p:nvPr>
+        </p:nvSpPr>
+        <p:spPr/>
+        <p:txBody>
+          <a:bodyPr/>
+          <a:lstStyle/>
+          <a:p>
+            <a:pPr algn="ctr"/>
+            <a:r>
+              <a:rPr lang="fr-FR" dirty="0"/>
+              <a:t>Arborescence du site</a:t>
+            </a:r>
+          </a:p>
+        </p:txBody>
+      </p:sp>
+      <p:sp>
+        <p:nvSpPr>
+          <p:cNvPr id="3" name="Espace réservé du contenu 2">
+            <a:extLst>
+              <a:ext uri="{FF2B5EF4-FFF2-40B4-BE49-F238E27FC236}">
+                <a16:creationId xmlns:a16="http://schemas.microsoft.com/office/drawing/2014/main" id="{BAD76280-D744-41A9-A90C-492279FC5515}"/>
+              </a:ext>
+            </a:extLst>
+          </p:cNvPr>
+          <p:cNvSpPr>
+            <a:spLocks noGrp="1"/>
+          </p:cNvSpPr>
+          <p:nvPr>
+            <p:ph idx="1"/>
+          </p:nvPr>
+        </p:nvSpPr>
+        <p:spPr/>
+        <p:txBody>
+          <a:bodyPr/>
+          <a:lstStyle/>
+          <a:p>
+            <a:endParaRPr lang="fr-FR" dirty="0"/>
+          </a:p>
+          <a:p>
+            <a:r>
+              <a:rPr lang="fr-FR" dirty="0"/>
+              <a:t>Page d’accueil</a:t>
+            </a:r>
+          </a:p>
+          <a:p>
+            <a:endParaRPr lang="fr-FR" dirty="0"/>
+          </a:p>
+          <a:p>
+            <a:r>
+              <a:rPr lang="fr-FR" dirty="0"/>
+              <a:t>Page de login</a:t>
+            </a:r>
+          </a:p>
+          <a:p>
+            <a:endParaRPr lang="fr-FR" dirty="0"/>
+          </a:p>
+          <a:p>
+            <a:r>
+              <a:rPr lang="fr-FR" dirty="0"/>
+              <a:t>Page admin</a:t>
+            </a:r>
+          </a:p>
+          <a:p>
+            <a:endParaRPr lang="fr-FR" dirty="0"/>
+          </a:p>
+          <a:p>
+            <a:endParaRPr lang="fr-FR" dirty="0"/>
+          </a:p>
+        </p:txBody>
+      </p:sp>
+      <p:pic>
+        <p:nvPicPr>
+          <p:cNvPr id="5" name="Image 4">
+            <a:extLst>
+              <a:ext uri="{FF2B5EF4-FFF2-40B4-BE49-F238E27FC236}">
+                <a16:creationId xmlns:a16="http://schemas.microsoft.com/office/drawing/2014/main" id="{F818E70A-3876-4FB4-A9BE-603CE8BCD2CE}"/>
+              </a:ext>
+            </a:extLst>
+          </p:cNvPr>
+          <p:cNvPicPr>
+            <a:picLocks noChangeAspect="1"/>
+          </p:cNvPicPr>
+          <p:nvPr/>
+        </p:nvPicPr>
+        <p:blipFill>
+          <a:blip r:embed="rId2">
+            <a:extLst>
+              <a:ext uri="{28A0092B-C50C-407E-A947-70E740481C1C}">
+                <a14:useLocalDpi xmlns:a14="http://schemas.microsoft.com/office/drawing/2010/main" val="0"/>
+              </a:ext>
+            </a:extLst>
+          </a:blip>
+          <a:stretch>
+            <a:fillRect/>
+          </a:stretch>
+        </p:blipFill>
+        <p:spPr>
+          <a:xfrm>
+            <a:off x="4495800" y="1690688"/>
+            <a:ext cx="6858000" cy="3810000"/>
+          </a:xfrm>
+          <a:prstGeom prst="rect">
+            <a:avLst/>
+          </a:prstGeom>
+        </p:spPr>
+      </p:pic>
+    </p:spTree>
+    <p:extLst>
+      <p:ext uri="{BB962C8B-B14F-4D97-AF65-F5344CB8AC3E}">
+        <p14:creationId xmlns:p14="http://schemas.microsoft.com/office/powerpoint/2010/main" val="1478893861"/>
+      </p:ext>
+    </p:extLst>
+  </p:cSld>
+  <p:clrMapOvr>
+    <a:masterClrMapping/>
+  </p:clrMapOvr>
+  <p:transition spd="med">
+    <p:pull/>
+  </p:transition>
+</p:sld>
+</file>
+
+<file path=ppt/slides/slide11.xml><?xml version="1.0" encoding="utf-8"?>
+<p:sld xmlns:a="http://schemas.openxmlformats.org/drawingml/2006/main" xmlns:r="http://schemas.openxmlformats.org/officeDocument/2006/relationships" xmlns:p="http://schemas.openxmlformats.org/presentationml/2006/main">
+  <p:cSld>
+    <p:spTree>
+      <p:nvGrpSpPr>
+        <p:cNvPr id="1" name=""/>
+        <p:cNvGrpSpPr/>
+        <p:nvPr/>
+      </p:nvGrpSpPr>
+      <p:grpSpPr>
+        <a:xfrm>
+          <a:off x="0" y="0"/>
+          <a:ext cx="0" cy="0"/>
+          <a:chOff x="0" y="0"/>
+          <a:chExt cx="0" cy="0"/>
+        </a:xfrm>
+      </p:grpSpPr>
+      <p:sp>
+        <p:nvSpPr>
+          <p:cNvPr id="2" name="Titre 1">
+            <a:extLst>
+              <a:ext uri="{FF2B5EF4-FFF2-40B4-BE49-F238E27FC236}">
+                <a16:creationId xmlns:a16="http://schemas.microsoft.com/office/drawing/2014/main" id="{F5FCEA1B-D7A3-4DB5-8E50-00AD4ADD5794}"/>
+              </a:ext>
+            </a:extLst>
+          </p:cNvPr>
+          <p:cNvSpPr>
+            <a:spLocks noGrp="1"/>
+          </p:cNvSpPr>
+          <p:nvPr>
+            <p:ph type="title"/>
+          </p:nvPr>
+        </p:nvSpPr>
+        <p:spPr/>
+        <p:txBody>
+          <a:bodyPr/>
+          <a:lstStyle/>
+          <a:p>
+            <a:pPr algn="ctr"/>
+            <a:r>
+              <a:rPr lang="fr-FR" dirty="0"/>
+              <a:t>Spécifications fonctionnels</a:t>
+            </a:r>
+          </a:p>
+        </p:txBody>
+      </p:sp>
+      <p:sp>
+        <p:nvSpPr>
+          <p:cNvPr id="3" name="Espace réservé du contenu 2">
+            <a:extLst>
+              <a:ext uri="{FF2B5EF4-FFF2-40B4-BE49-F238E27FC236}">
+                <a16:creationId xmlns:a16="http://schemas.microsoft.com/office/drawing/2014/main" id="{EFE3CD6E-8AEE-4AC8-A337-28FDB8654D9C}"/>
+              </a:ext>
+            </a:extLst>
+          </p:cNvPr>
+          <p:cNvSpPr>
+            <a:spLocks noGrp="1"/>
+          </p:cNvSpPr>
+          <p:nvPr>
+            <p:ph idx="1"/>
+          </p:nvPr>
+        </p:nvSpPr>
+        <p:spPr/>
+        <p:txBody>
+          <a:bodyPr/>
+          <a:lstStyle/>
+          <a:p>
+            <a:endParaRPr lang="fr-FR" dirty="0"/>
+          </a:p>
+          <a:p>
+            <a:r>
+              <a:rPr lang="fr-FR" dirty="0"/>
+              <a:t>Listing des biens</a:t>
+            </a:r>
+          </a:p>
+          <a:p>
+            <a:r>
+              <a:rPr lang="fr-FR" dirty="0"/>
+              <a:t>Etat de vente</a:t>
+            </a:r>
+          </a:p>
+          <a:p>
+            <a:endParaRPr lang="fr-FR" dirty="0"/>
+          </a:p>
+          <a:p>
+            <a:r>
+              <a:rPr lang="fr-FR" dirty="0"/>
+              <a:t>Mise en vente des biens</a:t>
+            </a:r>
+          </a:p>
+          <a:p>
+            <a:endParaRPr lang="fr-FR" dirty="0"/>
+          </a:p>
+          <a:p>
+            <a:r>
+              <a:rPr lang="fr-FR" dirty="0"/>
+              <a:t>Accès a tous les biens</a:t>
+            </a:r>
+          </a:p>
+        </p:txBody>
+      </p:sp>
+      <p:pic>
+        <p:nvPicPr>
+          <p:cNvPr id="5" name="Image 4">
+            <a:extLst>
+              <a:ext uri="{FF2B5EF4-FFF2-40B4-BE49-F238E27FC236}">
+                <a16:creationId xmlns:a16="http://schemas.microsoft.com/office/drawing/2014/main" id="{5546D65D-A2E8-44F5-93FC-4D9993B85A0A}"/>
+              </a:ext>
+            </a:extLst>
+          </p:cNvPr>
+          <p:cNvPicPr>
+            <a:picLocks noChangeAspect="1"/>
+          </p:cNvPicPr>
+          <p:nvPr/>
+        </p:nvPicPr>
+        <p:blipFill>
+          <a:blip r:embed="rId2">
+            <a:extLst>
+              <a:ext uri="{28A0092B-C50C-407E-A947-70E740481C1C}">
+                <a14:useLocalDpi xmlns:a14="http://schemas.microsoft.com/office/drawing/2010/main" val="0"/>
+              </a:ext>
+            </a:extLst>
+          </a:blip>
+          <a:stretch>
+            <a:fillRect/>
+          </a:stretch>
+        </p:blipFill>
+        <p:spPr>
+          <a:xfrm>
+            <a:off x="5354471" y="1825625"/>
+            <a:ext cx="5999329" cy="3332961"/>
+          </a:xfrm>
+          <a:prstGeom prst="rect">
+            <a:avLst/>
+          </a:prstGeom>
+        </p:spPr>
+      </p:pic>
+    </p:spTree>
+    <p:extLst>
+      <p:ext uri="{BB962C8B-B14F-4D97-AF65-F5344CB8AC3E}">
+        <p14:creationId xmlns:p14="http://schemas.microsoft.com/office/powerpoint/2010/main" val="3136308757"/>
+      </p:ext>
+    </p:extLst>
+  </p:cSld>
+  <p:clrMapOvr>
+    <a:masterClrMapping/>
+  </p:clrMapOvr>
+  <p:transition spd="med">
+    <p:pull/>
+  </p:transition>
+</p:sld>
+</file>
+
+<file path=ppt/slides/slide12.xml><?xml version="1.0" encoding="utf-8"?>
+<p:sld xmlns:a="http://schemas.openxmlformats.org/drawingml/2006/main" xmlns:r="http://schemas.openxmlformats.org/officeDocument/2006/relationships" xmlns:p="http://schemas.openxmlformats.org/presentationml/2006/main">
+  <p:cSld>
+    <p:spTree>
+      <p:nvGrpSpPr>
+        <p:cNvPr id="1" name=""/>
+        <p:cNvGrpSpPr/>
+        <p:nvPr/>
+      </p:nvGrpSpPr>
+      <p:grpSpPr>
+        <a:xfrm>
+          <a:off x="0" y="0"/>
+          <a:ext cx="0" cy="0"/>
+          <a:chOff x="0" y="0"/>
+          <a:chExt cx="0" cy="0"/>
+        </a:xfrm>
+      </p:grpSpPr>
+      <p:sp>
+        <p:nvSpPr>
+          <p:cNvPr id="2" name="Titre 1">
+            <a:extLst>
+              <a:ext uri="{FF2B5EF4-FFF2-40B4-BE49-F238E27FC236}">
+                <a16:creationId xmlns:a16="http://schemas.microsoft.com/office/drawing/2014/main" id="{E9C9AF36-E179-4ACE-B160-CB584315E77F}"/>
+              </a:ext>
+            </a:extLst>
+          </p:cNvPr>
+          <p:cNvSpPr>
+            <a:spLocks noGrp="1"/>
+          </p:cNvSpPr>
+          <p:nvPr>
+            <p:ph type="title"/>
+          </p:nvPr>
+        </p:nvSpPr>
+        <p:spPr/>
+        <p:txBody>
+          <a:bodyPr/>
+          <a:lstStyle/>
+          <a:p>
+            <a:pPr algn="ctr"/>
+            <a:r>
+              <a:rPr lang="fr-FR" dirty="0"/>
+              <a:t>Spécifications techniques</a:t>
+            </a:r>
+          </a:p>
+        </p:txBody>
+      </p:sp>
+      <p:sp>
+        <p:nvSpPr>
+          <p:cNvPr id="3" name="Espace réservé du contenu 2">
+            <a:extLst>
+              <a:ext uri="{FF2B5EF4-FFF2-40B4-BE49-F238E27FC236}">
+                <a16:creationId xmlns:a16="http://schemas.microsoft.com/office/drawing/2014/main" id="{D9F08E6F-D9AA-410C-A413-E05EEDE6A87F}"/>
+              </a:ext>
+            </a:extLst>
+          </p:cNvPr>
+          <p:cNvSpPr>
+            <a:spLocks noGrp="1"/>
+          </p:cNvSpPr>
+          <p:nvPr>
+            <p:ph idx="1"/>
+          </p:nvPr>
+        </p:nvSpPr>
+        <p:spPr/>
+        <p:txBody>
+          <a:bodyPr/>
+          <a:lstStyle/>
+          <a:p>
+            <a:endParaRPr lang="fr-FR" dirty="0"/>
+          </a:p>
+          <a:p>
+            <a:r>
+              <a:rPr lang="fr-FR" dirty="0"/>
+              <a:t>Ajout au système existant</a:t>
+            </a:r>
+          </a:p>
+          <a:p>
+            <a:r>
+              <a:rPr lang="fr-FR" dirty="0" err="1"/>
+              <a:t>JavaEE</a:t>
+            </a:r>
+            <a:endParaRPr lang="fr-FR" dirty="0"/>
+          </a:p>
+          <a:p>
+            <a:r>
+              <a:rPr lang="fr-FR" dirty="0"/>
+              <a:t>Modèle MVC2</a:t>
+            </a:r>
+          </a:p>
+          <a:p>
+            <a:r>
+              <a:rPr lang="fr-FR" dirty="0"/>
+              <a:t>Base de Données</a:t>
+            </a:r>
+          </a:p>
+          <a:p>
+            <a:r>
+              <a:rPr lang="fr-FR" dirty="0"/>
+              <a:t>Statut</a:t>
+            </a:r>
+          </a:p>
+          <a:p>
+            <a:r>
+              <a:rPr lang="fr-FR" dirty="0"/>
+              <a:t>Gérer les biens</a:t>
+            </a:r>
+          </a:p>
+          <a:p>
+            <a:r>
+              <a:rPr lang="fr-FR" dirty="0"/>
+              <a:t>Accès a la liste des biens en ventes</a:t>
+            </a:r>
+          </a:p>
+        </p:txBody>
+      </p:sp>
+      <p:pic>
+        <p:nvPicPr>
+          <p:cNvPr id="5" name="Image 4">
+            <a:extLst>
+              <a:ext uri="{FF2B5EF4-FFF2-40B4-BE49-F238E27FC236}">
+                <a16:creationId xmlns:a16="http://schemas.microsoft.com/office/drawing/2014/main" id="{9BF1A325-6391-4334-BEF5-1BC87A6804D4}"/>
+              </a:ext>
+            </a:extLst>
+          </p:cNvPr>
+          <p:cNvPicPr>
+            <a:picLocks noChangeAspect="1"/>
+          </p:cNvPicPr>
+          <p:nvPr/>
+        </p:nvPicPr>
+        <p:blipFill>
+          <a:blip r:embed="rId2">
+            <a:extLst>
+              <a:ext uri="{28A0092B-C50C-407E-A947-70E740481C1C}">
+                <a14:useLocalDpi xmlns:a14="http://schemas.microsoft.com/office/drawing/2010/main" val="0"/>
+              </a:ext>
+            </a:extLst>
+          </a:blip>
+          <a:stretch>
+            <a:fillRect/>
+          </a:stretch>
+        </p:blipFill>
+        <p:spPr>
+          <a:xfrm>
+            <a:off x="6096000" y="1690688"/>
+            <a:ext cx="4504944" cy="3480816"/>
+          </a:xfrm>
+          <a:prstGeom prst="rect">
+            <a:avLst/>
+          </a:prstGeom>
+        </p:spPr>
+      </p:pic>
+    </p:spTree>
+    <p:extLst>
+      <p:ext uri="{BB962C8B-B14F-4D97-AF65-F5344CB8AC3E}">
+        <p14:creationId xmlns:p14="http://schemas.microsoft.com/office/powerpoint/2010/main" val="2415510372"/>
+      </p:ext>
+    </p:extLst>
+  </p:cSld>
+  <p:clrMapOvr>
+    <a:masterClrMapping/>
+  </p:clrMapOvr>
+  <p:transition spd="med">
+    <p:pull/>
+  </p:transition>
+</p:sld>
+</file>
+
+<file path=ppt/slides/slide13.xml><?xml version="1.0" encoding="utf-8"?>
+<p:sld xmlns:a="http://schemas.openxmlformats.org/drawingml/2006/main" xmlns:r="http://schemas.openxmlformats.org/officeDocument/2006/relationships" xmlns:p="http://schemas.openxmlformats.org/presentationml/2006/main">
+  <p:cSld>
+    <p:spTree>
+      <p:nvGrpSpPr>
+        <p:cNvPr id="1" name=""/>
+        <p:cNvGrpSpPr/>
+        <p:nvPr/>
+      </p:nvGrpSpPr>
+      <p:grpSpPr>
+        <a:xfrm>
+          <a:off x="0" y="0"/>
+          <a:ext cx="0" cy="0"/>
+          <a:chOff x="0" y="0"/>
+          <a:chExt cx="0" cy="0"/>
+        </a:xfrm>
+      </p:grpSpPr>
+      <p:sp>
+        <p:nvSpPr>
+          <p:cNvPr id="2" name="Titre 1">
+            <a:extLst>
+              <a:ext uri="{FF2B5EF4-FFF2-40B4-BE49-F238E27FC236}">
+                <a16:creationId xmlns:a16="http://schemas.microsoft.com/office/drawing/2014/main" id="{B30CA086-C46F-497B-B651-85FF6DECA0D4}"/>
+              </a:ext>
+            </a:extLst>
+          </p:cNvPr>
+          <p:cNvSpPr>
+            <a:spLocks noGrp="1"/>
+          </p:cNvSpPr>
+          <p:nvPr>
+            <p:ph type="title"/>
+          </p:nvPr>
+        </p:nvSpPr>
+        <p:spPr/>
+        <p:txBody>
+          <a:bodyPr/>
+          <a:lstStyle/>
+          <a:p>
+            <a:pPr algn="ctr"/>
+            <a:r>
+              <a:rPr lang="fr-FR" dirty="0"/>
+              <a:t>Contexte technique organisationnelle</a:t>
+            </a:r>
+          </a:p>
+        </p:txBody>
+      </p:sp>
+      <p:pic>
+        <p:nvPicPr>
+          <p:cNvPr id="5" name="Espace réservé du contenu 4" descr="https://lh3.googleusercontent.com/IArW1KUNcasSuTg1EgSXNmwYNhrhgeiCeBXLavAV9uGip-P2v1VL6YSP_xzAfDIZEDv1CeO6YuDwALLGn2P-Dg51Jo5iHy_D9UIds8FioTaYNAlyEWeAFpf6aRuZIMFVYnmJTozB">
+            <a:extLst>
+              <a:ext uri="{FF2B5EF4-FFF2-40B4-BE49-F238E27FC236}">
+                <a16:creationId xmlns:a16="http://schemas.microsoft.com/office/drawing/2014/main" id="{FB0950C9-3D7C-47E0-A6F4-F4E268B16273}"/>
+              </a:ext>
+            </a:extLst>
+          </p:cNvPr>
+          <p:cNvPicPr>
+            <a:picLocks noGrp="1"/>
+          </p:cNvPicPr>
+          <p:nvPr>
+            <p:ph idx="1"/>
+          </p:nvPr>
+        </p:nvPicPr>
+        <p:blipFill>
+          <a:blip r:embed="rId2">
+            <a:extLst>
+              <a:ext uri="{28A0092B-C50C-407E-A947-70E740481C1C}">
+                <a14:useLocalDpi xmlns:a14="http://schemas.microsoft.com/office/drawing/2010/main" val="0"/>
+              </a:ext>
+            </a:extLst>
+          </a:blip>
+          <a:srcRect/>
+          <a:stretch>
+            <a:fillRect/>
+          </a:stretch>
+        </p:blipFill>
+        <p:spPr bwMode="auto">
+          <a:xfrm>
+            <a:off x="2380858" y="1690688"/>
+            <a:ext cx="7430284" cy="4351338"/>
+          </a:xfrm>
+          <a:prstGeom prst="rect">
+            <a:avLst/>
+          </a:prstGeom>
+          <a:noFill/>
+          <a:ln>
+            <a:noFill/>
+          </a:ln>
+        </p:spPr>
+      </p:pic>
+      <p:sp>
+        <p:nvSpPr>
+          <p:cNvPr id="6" name="ZoneTexte 5">
+            <a:extLst>
+              <a:ext uri="{FF2B5EF4-FFF2-40B4-BE49-F238E27FC236}">
+                <a16:creationId xmlns:a16="http://schemas.microsoft.com/office/drawing/2014/main" id="{8F2FCC54-89BE-463B-9BD0-324622C29EFA}"/>
+              </a:ext>
+            </a:extLst>
+          </p:cNvPr>
+          <p:cNvSpPr txBox="1"/>
+          <p:nvPr/>
+        </p:nvSpPr>
+        <p:spPr>
+          <a:xfrm>
+            <a:off x="4899547" y="6042026"/>
+            <a:ext cx="2047164" cy="369332"/>
+          </a:xfrm>
+          <a:prstGeom prst="rect">
+            <a:avLst/>
+          </a:prstGeom>
+          <a:noFill/>
+        </p:spPr>
+        <p:txBody>
+          <a:bodyPr wrap="square" rtlCol="0">
+            <a:spAutoFit/>
+          </a:bodyPr>
+          <a:lstStyle/>
+          <a:p>
+            <a:r>
+              <a:rPr lang="fr-FR" dirty="0"/>
+              <a:t>Architecture 3 tiers</a:t>
+            </a:r>
+          </a:p>
+        </p:txBody>
+      </p:sp>
+    </p:spTree>
+    <p:extLst>
+      <p:ext uri="{BB962C8B-B14F-4D97-AF65-F5344CB8AC3E}">
+        <p14:creationId xmlns:p14="http://schemas.microsoft.com/office/powerpoint/2010/main" val="2930943715"/>
+      </p:ext>
+    </p:extLst>
+  </p:cSld>
+  <p:clrMapOvr>
+    <a:masterClrMapping/>
+  </p:clrMapOvr>
+  <p:transition spd="med">
+    <p:pull/>
+  </p:transition>
+</p:sld>
+</file>
+
+<file path=ppt/slides/slide14.xml><?xml version="1.0" encoding="utf-8"?>
+<p:sld xmlns:a="http://schemas.openxmlformats.org/drawingml/2006/main" xmlns:r="http://schemas.openxmlformats.org/officeDocument/2006/relationships" xmlns:p="http://schemas.openxmlformats.org/presentationml/2006/main">
+  <p:cSld>
+    <p:spTree>
+      <p:nvGrpSpPr>
+        <p:cNvPr id="1" name=""/>
+        <p:cNvGrpSpPr/>
+        <p:nvPr/>
+      </p:nvGrpSpPr>
+      <p:grpSpPr>
+        <a:xfrm>
+          <a:off x="0" y="0"/>
+          <a:ext cx="0" cy="0"/>
+          <a:chOff x="0" y="0"/>
+          <a:chExt cx="0" cy="0"/>
+        </a:xfrm>
+      </p:grpSpPr>
+      <p:sp>
+        <p:nvSpPr>
+          <p:cNvPr id="2" name="Titre 1">
+            <a:extLst>
+              <a:ext uri="{FF2B5EF4-FFF2-40B4-BE49-F238E27FC236}">
+                <a16:creationId xmlns:a16="http://schemas.microsoft.com/office/drawing/2014/main" id="{8781D65F-EA15-4A32-AF33-DC5AE8F09BFB}"/>
+              </a:ext>
+            </a:extLst>
+          </p:cNvPr>
+          <p:cNvSpPr>
+            <a:spLocks noGrp="1"/>
+          </p:cNvSpPr>
+          <p:nvPr>
+            <p:ph type="title"/>
+          </p:nvPr>
+        </p:nvSpPr>
+        <p:spPr/>
+        <p:txBody>
+          <a:bodyPr/>
+          <a:lstStyle/>
+          <a:p>
+            <a:pPr algn="ctr"/>
+            <a:r>
+              <a:rPr lang="fr-FR" dirty="0"/>
+              <a:t>Contexte technique organisationnelle</a:t>
+            </a:r>
+          </a:p>
+        </p:txBody>
+      </p:sp>
+      <p:pic>
+        <p:nvPicPr>
+          <p:cNvPr id="4" name="Espace réservé du contenu 3" descr="https://lh5.googleusercontent.com/RfzrRO813z7nFrxkRvHgzjRM5W0iiim2uyWeN2H5ifc7hln1dM_loL7cqb95Q585B8kKFEHPKyCJdfkPQ-iuG-NguZyUcDezRb33kjDCt7_YZkNnkFETcBfeKDEOthrGLrdjsfgu">
+            <a:extLst>
+              <a:ext uri="{FF2B5EF4-FFF2-40B4-BE49-F238E27FC236}">
+                <a16:creationId xmlns:a16="http://schemas.microsoft.com/office/drawing/2014/main" id="{8DA4B179-C0EF-4734-9756-A48ED415863C}"/>
+              </a:ext>
+            </a:extLst>
+          </p:cNvPr>
+          <p:cNvPicPr>
+            <a:picLocks noGrp="1"/>
+          </p:cNvPicPr>
+          <p:nvPr>
+            <p:ph idx="1"/>
+          </p:nvPr>
+        </p:nvPicPr>
+        <p:blipFill>
+          <a:blip r:embed="rId2">
+            <a:extLst>
+              <a:ext uri="{28A0092B-C50C-407E-A947-70E740481C1C}">
+                <a14:useLocalDpi xmlns:a14="http://schemas.microsoft.com/office/drawing/2010/main" val="0"/>
+              </a:ext>
+            </a:extLst>
+          </a:blip>
+          <a:srcRect/>
+          <a:stretch>
+            <a:fillRect/>
+          </a:stretch>
+        </p:blipFill>
+        <p:spPr bwMode="auto">
+          <a:xfrm>
+            <a:off x="1824727" y="1825625"/>
+            <a:ext cx="8542546" cy="4351338"/>
+          </a:xfrm>
+          <a:prstGeom prst="rect">
+            <a:avLst/>
+          </a:prstGeom>
+          <a:noFill/>
+          <a:ln>
+            <a:noFill/>
+          </a:ln>
+        </p:spPr>
+      </p:pic>
+      <p:sp>
+        <p:nvSpPr>
+          <p:cNvPr id="5" name="ZoneTexte 4">
+            <a:extLst>
+              <a:ext uri="{FF2B5EF4-FFF2-40B4-BE49-F238E27FC236}">
+                <a16:creationId xmlns:a16="http://schemas.microsoft.com/office/drawing/2014/main" id="{3D93AD27-FA6A-43CB-8C2B-A3738D5AFD47}"/>
+              </a:ext>
+            </a:extLst>
+          </p:cNvPr>
+          <p:cNvSpPr txBox="1"/>
+          <p:nvPr/>
+        </p:nvSpPr>
+        <p:spPr>
+          <a:xfrm>
+            <a:off x="5008728" y="5942568"/>
+            <a:ext cx="2729552" cy="369332"/>
+          </a:xfrm>
+          <a:prstGeom prst="rect">
+            <a:avLst/>
+          </a:prstGeom>
+          <a:noFill/>
+        </p:spPr>
+        <p:txBody>
+          <a:bodyPr wrap="square" rtlCol="0">
+            <a:spAutoFit/>
+          </a:bodyPr>
+          <a:lstStyle/>
+          <a:p>
+            <a:r>
+              <a:rPr lang="fr-FR" dirty="0"/>
+              <a:t>Modèle MVC2</a:t>
+            </a:r>
+          </a:p>
+        </p:txBody>
+      </p:sp>
+    </p:spTree>
+    <p:extLst>
+      <p:ext uri="{BB962C8B-B14F-4D97-AF65-F5344CB8AC3E}">
+        <p14:creationId xmlns:p14="http://schemas.microsoft.com/office/powerpoint/2010/main" val="2654510945"/>
+      </p:ext>
+    </p:extLst>
+  </p:cSld>
+  <p:clrMapOvr>
+    <a:masterClrMapping/>
+  </p:clrMapOvr>
+  <mc:AlternateContent xmlns:mc="http://schemas.openxmlformats.org/markup-compatibility/2006">
+    <mc:Choice xmlns:p14="http://schemas.microsoft.com/office/powerpoint/2010/main" Requires="p14">
+      <p:transition spd="med" p14:dur="700">
+        <p:fade/>
+      </p:transition>
+    </mc:Choice>
+    <mc:Fallback>
+      <p:transition spd="med">
+        <p:fade/>
+      </p:transition>
+    </mc:Fallback>
+  </mc:AlternateContent>
+</p:sld>
+</file>
+
+<file path=ppt/slides/slide15.xml><?xml version="1.0" encoding="utf-8"?>
+<p:sld xmlns:a="http://schemas.openxmlformats.org/drawingml/2006/main" xmlns:r="http://schemas.openxmlformats.org/officeDocument/2006/relationships" xmlns:p="http://schemas.openxmlformats.org/presentationml/2006/main">
+  <p:cSld>
+    <p:spTree>
+      <p:nvGrpSpPr>
+        <p:cNvPr id="1" name=""/>
+        <p:cNvGrpSpPr/>
+        <p:nvPr/>
+      </p:nvGrpSpPr>
+      <p:grpSpPr>
+        <a:xfrm>
+          <a:off x="0" y="0"/>
+          <a:ext cx="0" cy="0"/>
+          <a:chOff x="0" y="0"/>
+          <a:chExt cx="0" cy="0"/>
+        </a:xfrm>
+      </p:grpSpPr>
+      <p:sp>
+        <p:nvSpPr>
+          <p:cNvPr id="2" name="Titre 1">
+            <a:extLst>
+              <a:ext uri="{FF2B5EF4-FFF2-40B4-BE49-F238E27FC236}">
+                <a16:creationId xmlns:a16="http://schemas.microsoft.com/office/drawing/2014/main" id="{10D3A23D-6B62-4138-BF08-CF664033E6D3}"/>
+              </a:ext>
+            </a:extLst>
+          </p:cNvPr>
+          <p:cNvSpPr>
+            <a:spLocks noGrp="1"/>
+          </p:cNvSpPr>
+          <p:nvPr>
+            <p:ph type="title"/>
+          </p:nvPr>
+        </p:nvSpPr>
+        <p:spPr/>
+        <p:txBody>
+          <a:bodyPr/>
+          <a:lstStyle/>
+          <a:p>
+            <a:pPr algn="ctr"/>
+            <a:r>
+              <a:rPr lang="fr-FR" dirty="0"/>
+              <a:t>Contexte technique organisationnelle</a:t>
+            </a:r>
+          </a:p>
+        </p:txBody>
+      </p:sp>
+      <p:sp>
+        <p:nvSpPr>
+          <p:cNvPr id="3" name="Espace réservé du contenu 2">
+            <a:extLst>
+              <a:ext uri="{FF2B5EF4-FFF2-40B4-BE49-F238E27FC236}">
+                <a16:creationId xmlns:a16="http://schemas.microsoft.com/office/drawing/2014/main" id="{F4C9DB6B-6767-41D6-9649-3128C8E6AB89}"/>
+              </a:ext>
+            </a:extLst>
+          </p:cNvPr>
+          <p:cNvSpPr>
+            <a:spLocks noGrp="1"/>
+          </p:cNvSpPr>
+          <p:nvPr>
+            <p:ph idx="1"/>
+          </p:nvPr>
+        </p:nvSpPr>
+        <p:spPr/>
+        <p:txBody>
+          <a:bodyPr/>
+          <a:lstStyle/>
+          <a:p>
+            <a:endParaRPr lang="fr-FR" dirty="0"/>
+          </a:p>
+          <a:p>
+            <a:r>
+              <a:rPr lang="fr-FR" dirty="0"/>
+              <a:t>Conception et mise en place du modèle</a:t>
+            </a:r>
+          </a:p>
+          <a:p>
+            <a:endParaRPr lang="fr-FR" dirty="0"/>
+          </a:p>
+          <a:p>
+            <a:endParaRPr lang="fr-FR" dirty="0"/>
+          </a:p>
+          <a:p>
+            <a:endParaRPr lang="fr-FR" dirty="0"/>
+          </a:p>
+          <a:p>
+            <a:endParaRPr lang="fr-FR" dirty="0"/>
+          </a:p>
+          <a:p>
+            <a:r>
+              <a:rPr lang="fr-FR" dirty="0"/>
+              <a:t>Développement du contenu, de la vue et de l’interface</a:t>
+            </a:r>
+          </a:p>
+        </p:txBody>
+      </p:sp>
+      <p:pic>
+        <p:nvPicPr>
+          <p:cNvPr id="5" name="Image 4">
+            <a:extLst>
+              <a:ext uri="{FF2B5EF4-FFF2-40B4-BE49-F238E27FC236}">
+                <a16:creationId xmlns:a16="http://schemas.microsoft.com/office/drawing/2014/main" id="{A4880DF2-E57A-44E8-BA18-509A2DAA1BC8}"/>
+              </a:ext>
+            </a:extLst>
+          </p:cNvPr>
+          <p:cNvPicPr>
+            <a:picLocks noChangeAspect="1"/>
+          </p:cNvPicPr>
+          <p:nvPr/>
+        </p:nvPicPr>
+        <p:blipFill>
+          <a:blip r:embed="rId2">
+            <a:extLst>
+              <a:ext uri="{28A0092B-C50C-407E-A947-70E740481C1C}">
+                <a14:useLocalDpi xmlns:a14="http://schemas.microsoft.com/office/drawing/2010/main" val="0"/>
+              </a:ext>
+            </a:extLst>
+          </a:blip>
+          <a:stretch>
+            <a:fillRect/>
+          </a:stretch>
+        </p:blipFill>
+        <p:spPr>
+          <a:xfrm>
+            <a:off x="7295226" y="1825625"/>
+            <a:ext cx="4058574" cy="2992035"/>
+          </a:xfrm>
+          <a:prstGeom prst="rect">
+            <a:avLst/>
+          </a:prstGeom>
+        </p:spPr>
+      </p:pic>
+    </p:spTree>
+    <p:extLst>
+      <p:ext uri="{BB962C8B-B14F-4D97-AF65-F5344CB8AC3E}">
+        <p14:creationId xmlns:p14="http://schemas.microsoft.com/office/powerpoint/2010/main" val="3609890374"/>
+      </p:ext>
+    </p:extLst>
+  </p:cSld>
+  <p:clrMapOvr>
+    <a:masterClrMapping/>
+  </p:clrMapOvr>
+  <mc:AlternateContent xmlns:mc="http://schemas.openxmlformats.org/markup-compatibility/2006">
+    <mc:Choice xmlns:p14="http://schemas.microsoft.com/office/powerpoint/2010/main" Requires="p14">
+      <p:transition spd="med" p14:dur="700">
+        <p:fade/>
+      </p:transition>
+    </mc:Choice>
+    <mc:Fallback>
+      <p:transition spd="med">
+        <p:fade/>
+      </p:transition>
+    </mc:Fallback>
+  </mc:AlternateContent>
+</p:sld>
+</file>
+
+<file path=ppt/slides/slide16.xml><?xml version="1.0" encoding="utf-8"?>
+<p:sld xmlns:a="http://schemas.openxmlformats.org/drawingml/2006/main" xmlns:r="http://schemas.openxmlformats.org/officeDocument/2006/relationships" xmlns:p="http://schemas.openxmlformats.org/presentationml/2006/main">
+  <p:cSld>
+    <p:spTree>
+      <p:nvGrpSpPr>
+        <p:cNvPr id="1" name=""/>
+        <p:cNvGrpSpPr/>
+        <p:nvPr/>
+      </p:nvGrpSpPr>
+      <p:grpSpPr>
+        <a:xfrm>
+          <a:off x="0" y="0"/>
+          <a:ext cx="0" cy="0"/>
+          <a:chOff x="0" y="0"/>
+          <a:chExt cx="0" cy="0"/>
+        </a:xfrm>
+      </p:grpSpPr>
+      <p:sp>
+        <p:nvSpPr>
+          <p:cNvPr id="2" name="Titre 1">
+            <a:extLst>
+              <a:ext uri="{FF2B5EF4-FFF2-40B4-BE49-F238E27FC236}">
+                <a16:creationId xmlns:a16="http://schemas.microsoft.com/office/drawing/2014/main" id="{BD02D718-1D53-4534-833A-08F45EEA5F33}"/>
+              </a:ext>
+            </a:extLst>
+          </p:cNvPr>
+          <p:cNvSpPr>
+            <a:spLocks noGrp="1"/>
+          </p:cNvSpPr>
+          <p:nvPr>
+            <p:ph type="ctrTitle"/>
+          </p:nvPr>
+        </p:nvSpPr>
+        <p:spPr>
+          <a:xfrm>
+            <a:off x="1715069" y="2879677"/>
+            <a:ext cx="9144000" cy="955341"/>
+          </a:xfrm>
+        </p:spPr>
+        <p:txBody>
+          <a:bodyPr/>
+          <a:lstStyle/>
+          <a:p>
+            <a:r>
+              <a:rPr lang="fr-FR" dirty="0"/>
+              <a:t>Analyse du projet</a:t>
+            </a:r>
+          </a:p>
+        </p:txBody>
+      </p:sp>
+    </p:spTree>
+    <p:extLst>
+      <p:ext uri="{BB962C8B-B14F-4D97-AF65-F5344CB8AC3E}">
+        <p14:creationId xmlns:p14="http://schemas.microsoft.com/office/powerpoint/2010/main" val="3094070553"/>
+      </p:ext>
+    </p:extLst>
+  </p:cSld>
+  <p:clrMapOvr>
+    <a:masterClrMapping/>
+  </p:clrMapOvr>
+  <p:transition spd="slow">
+    <p:push dir="u"/>
+  </p:transition>
+</p:sld>
+</file>
+
+<file path=ppt/slides/slide17.xml><?xml version="1.0" encoding="utf-8"?>
+<p:sld xmlns:a="http://schemas.openxmlformats.org/drawingml/2006/main" xmlns:r="http://schemas.openxmlformats.org/officeDocument/2006/relationships" xmlns:p="http://schemas.openxmlformats.org/presentationml/2006/main">
+  <p:cSld>
+    <p:spTree>
+      <p:nvGrpSpPr>
+        <p:cNvPr id="1" name=""/>
+        <p:cNvGrpSpPr/>
+        <p:nvPr/>
+      </p:nvGrpSpPr>
+      <p:grpSpPr>
+        <a:xfrm>
+          <a:off x="0" y="0"/>
+          <a:ext cx="0" cy="0"/>
+          <a:chOff x="0" y="0"/>
+          <a:chExt cx="0" cy="0"/>
+        </a:xfrm>
+      </p:grpSpPr>
+      <p:sp>
+        <p:nvSpPr>
+          <p:cNvPr id="2" name="Titre 1">
+            <a:extLst>
+              <a:ext uri="{FF2B5EF4-FFF2-40B4-BE49-F238E27FC236}">
+                <a16:creationId xmlns:a16="http://schemas.microsoft.com/office/drawing/2014/main" id="{890211E6-3AA7-4B89-9C28-36E22A458E43}"/>
+              </a:ext>
+            </a:extLst>
+          </p:cNvPr>
+          <p:cNvSpPr>
+            <a:spLocks noGrp="1"/>
+          </p:cNvSpPr>
+          <p:nvPr>
+            <p:ph type="title"/>
+          </p:nvPr>
+        </p:nvSpPr>
+        <p:spPr/>
+        <p:txBody>
+          <a:bodyPr/>
+          <a:lstStyle/>
+          <a:p>
+            <a:pPr algn="ctr"/>
+            <a:r>
+              <a:rPr lang="fr-FR" dirty="0"/>
+              <a:t>Use Case</a:t>
+            </a:r>
+          </a:p>
+        </p:txBody>
+      </p:sp>
+      <p:pic>
+        <p:nvPicPr>
+          <p:cNvPr id="4" name="Espace réservé du contenu 5">
+            <a:extLst>
+              <a:ext uri="{FF2B5EF4-FFF2-40B4-BE49-F238E27FC236}">
+                <a16:creationId xmlns:a16="http://schemas.microsoft.com/office/drawing/2014/main" id="{63AA2886-0DA7-4584-B6D1-D0532942CC2F}"/>
+              </a:ext>
+            </a:extLst>
+          </p:cNvPr>
+          <p:cNvPicPr>
+            <a:picLocks noGrp="1"/>
+          </p:cNvPicPr>
+          <p:nvPr>
+            <p:ph idx="1"/>
+          </p:nvPr>
+        </p:nvPicPr>
+        <p:blipFill>
+          <a:blip r:embed="rId2">
+            <a:extLst>
+              <a:ext uri="{28A0092B-C50C-407E-A947-70E740481C1C}">
+                <a14:useLocalDpi xmlns:a14="http://schemas.microsoft.com/office/drawing/2010/main" val="0"/>
+              </a:ext>
+            </a:extLst>
+          </a:blip>
+          <a:stretch>
+            <a:fillRect/>
+          </a:stretch>
+        </p:blipFill>
+        <p:spPr>
+          <a:xfrm>
+            <a:off x="2714165" y="1690688"/>
+            <a:ext cx="6763670" cy="4300679"/>
+          </a:xfrm>
+          <a:prstGeom prst="rect">
+            <a:avLst/>
+          </a:prstGeom>
+        </p:spPr>
+      </p:pic>
+    </p:spTree>
+    <p:extLst>
+      <p:ext uri="{BB962C8B-B14F-4D97-AF65-F5344CB8AC3E}">
+        <p14:creationId xmlns:p14="http://schemas.microsoft.com/office/powerpoint/2010/main" val="4228241051"/>
+      </p:ext>
+    </p:extLst>
+  </p:cSld>
+  <p:clrMapOvr>
+    <a:masterClrMapping/>
+  </p:clrMapOvr>
+  <p:transition spd="med">
+    <p:pull/>
+  </p:transition>
+</p:sld>
+</file>
+
+<file path=ppt/slides/slide18.xml><?xml version="1.0" encoding="utf-8"?>
+<p:sld xmlns:a="http://schemas.openxmlformats.org/drawingml/2006/main" xmlns:r="http://schemas.openxmlformats.org/officeDocument/2006/relationships" xmlns:p="http://schemas.openxmlformats.org/presentationml/2006/main">
+  <p:cSld>
+    <p:spTree>
+      <p:nvGrpSpPr>
+        <p:cNvPr id="1" name=""/>
+        <p:cNvGrpSpPr/>
+        <p:nvPr/>
+      </p:nvGrpSpPr>
+      <p:grpSpPr>
+        <a:xfrm>
+          <a:off x="0" y="0"/>
+          <a:ext cx="0" cy="0"/>
+          <a:chOff x="0" y="0"/>
+          <a:chExt cx="0" cy="0"/>
+        </a:xfrm>
+      </p:grpSpPr>
+      <p:sp>
+        <p:nvSpPr>
+          <p:cNvPr id="2" name="Titre 1">
+            <a:extLst>
+              <a:ext uri="{FF2B5EF4-FFF2-40B4-BE49-F238E27FC236}">
+                <a16:creationId xmlns:a16="http://schemas.microsoft.com/office/drawing/2014/main" id="{679CA3D3-38E2-473C-BBC9-A1908814D5E7}"/>
+              </a:ext>
+            </a:extLst>
+          </p:cNvPr>
+          <p:cNvSpPr>
+            <a:spLocks noGrp="1"/>
+          </p:cNvSpPr>
+          <p:nvPr>
+            <p:ph type="title"/>
+          </p:nvPr>
+        </p:nvSpPr>
+        <p:spPr/>
+        <p:txBody>
+          <a:bodyPr/>
+          <a:lstStyle/>
+          <a:p>
+            <a:pPr algn="ctr"/>
+            <a:r>
+              <a:rPr lang="fr-FR" dirty="0"/>
+              <a:t>MCD</a:t>
+            </a:r>
+          </a:p>
+        </p:txBody>
+      </p:sp>
+      <p:pic>
+        <p:nvPicPr>
+          <p:cNvPr id="4" name="Espace réservé du contenu 3">
+            <a:extLst>
+              <a:ext uri="{FF2B5EF4-FFF2-40B4-BE49-F238E27FC236}">
+                <a16:creationId xmlns:a16="http://schemas.microsoft.com/office/drawing/2014/main" id="{BA75DB2A-F131-4E99-90CE-F694BADF42BE}"/>
+              </a:ext>
+            </a:extLst>
+          </p:cNvPr>
+          <p:cNvPicPr>
+            <a:picLocks noGrp="1"/>
+          </p:cNvPicPr>
+          <p:nvPr>
+            <p:ph idx="1"/>
+          </p:nvPr>
+        </p:nvPicPr>
+        <p:blipFill>
+          <a:blip r:embed="rId2">
+            <a:extLst>
+              <a:ext uri="{28A0092B-C50C-407E-A947-70E740481C1C}">
+                <a14:useLocalDpi xmlns:a14="http://schemas.microsoft.com/office/drawing/2010/main" val="0"/>
+              </a:ext>
+            </a:extLst>
+          </a:blip>
+          <a:stretch>
+            <a:fillRect/>
+          </a:stretch>
+        </p:blipFill>
+        <p:spPr>
+          <a:xfrm>
+            <a:off x="2028257" y="1690688"/>
+            <a:ext cx="8135485" cy="4039164"/>
+          </a:xfrm>
+          <a:prstGeom prst="rect">
+            <a:avLst/>
+          </a:prstGeom>
+        </p:spPr>
+      </p:pic>
+    </p:spTree>
+    <p:extLst>
+      <p:ext uri="{BB962C8B-B14F-4D97-AF65-F5344CB8AC3E}">
+        <p14:creationId xmlns:p14="http://schemas.microsoft.com/office/powerpoint/2010/main" val="1878670816"/>
+      </p:ext>
+    </p:extLst>
+  </p:cSld>
+  <p:clrMapOvr>
+    <a:masterClrMapping/>
+  </p:clrMapOvr>
+  <p:transition spd="med">
+    <p:pull/>
+  </p:transition>
+</p:sld>
+</file>
+
+<file path=ppt/slides/slide19.xml><?xml version="1.0" encoding="utf-8"?>
+<p:sld xmlns:a="http://schemas.openxmlformats.org/drawingml/2006/main" xmlns:r="http://schemas.openxmlformats.org/officeDocument/2006/relationships" xmlns:p="http://schemas.openxmlformats.org/presentationml/2006/main">
+  <p:cSld>
+    <p:spTree>
+      <p:nvGrpSpPr>
+        <p:cNvPr id="1" name=""/>
+        <p:cNvGrpSpPr/>
+        <p:nvPr/>
+      </p:nvGrpSpPr>
+      <p:grpSpPr>
+        <a:xfrm>
+          <a:off x="0" y="0"/>
+          <a:ext cx="0" cy="0"/>
+          <a:chOff x="0" y="0"/>
+          <a:chExt cx="0" cy="0"/>
+        </a:xfrm>
+      </p:grpSpPr>
+      <p:sp>
+        <p:nvSpPr>
+          <p:cNvPr id="2" name="Titre 1">
+            <a:extLst>
+              <a:ext uri="{FF2B5EF4-FFF2-40B4-BE49-F238E27FC236}">
+                <a16:creationId xmlns:a16="http://schemas.microsoft.com/office/drawing/2014/main" id="{1FC61E82-F0CC-4C18-9D11-158843E970F2}"/>
+              </a:ext>
+            </a:extLst>
+          </p:cNvPr>
+          <p:cNvSpPr>
+            <a:spLocks noGrp="1"/>
+          </p:cNvSpPr>
+          <p:nvPr>
+            <p:ph type="title"/>
+          </p:nvPr>
+        </p:nvSpPr>
+        <p:spPr/>
+        <p:txBody>
+          <a:bodyPr/>
+          <a:lstStyle/>
+          <a:p>
+            <a:pPr algn="ctr"/>
+            <a:r>
+              <a:rPr lang="fr-FR" dirty="0"/>
+              <a:t>MLD</a:t>
+            </a:r>
+          </a:p>
+        </p:txBody>
+      </p:sp>
+      <p:pic>
+        <p:nvPicPr>
+          <p:cNvPr id="4" name="Espace réservé du contenu 3">
+            <a:extLst>
+              <a:ext uri="{FF2B5EF4-FFF2-40B4-BE49-F238E27FC236}">
+                <a16:creationId xmlns:a16="http://schemas.microsoft.com/office/drawing/2014/main" id="{55C0F20B-4F7A-4062-B4DD-BB2BD95658C8}"/>
+              </a:ext>
+            </a:extLst>
+          </p:cNvPr>
+          <p:cNvPicPr>
+            <a:picLocks noGrp="1"/>
+          </p:cNvPicPr>
+          <p:nvPr>
+            <p:ph idx="1"/>
+          </p:nvPr>
+        </p:nvPicPr>
+        <p:blipFill>
+          <a:blip r:embed="rId2">
+            <a:extLst>
+              <a:ext uri="{28A0092B-C50C-407E-A947-70E740481C1C}">
+                <a14:useLocalDpi xmlns:a14="http://schemas.microsoft.com/office/drawing/2010/main" val="0"/>
+              </a:ext>
+            </a:extLst>
+          </a:blip>
+          <a:stretch>
+            <a:fillRect/>
+          </a:stretch>
+        </p:blipFill>
+        <p:spPr>
+          <a:xfrm>
+            <a:off x="2129155" y="1690688"/>
+            <a:ext cx="7933689" cy="4351338"/>
+          </a:xfrm>
+          <a:prstGeom prst="rect">
+            <a:avLst/>
+          </a:prstGeom>
+        </p:spPr>
+      </p:pic>
+    </p:spTree>
+    <p:extLst>
+      <p:ext uri="{BB962C8B-B14F-4D97-AF65-F5344CB8AC3E}">
+        <p14:creationId xmlns:p14="http://schemas.microsoft.com/office/powerpoint/2010/main" val="2759752472"/>
+      </p:ext>
+    </p:extLst>
+  </p:cSld>
+  <p:clrMapOvr>
+    <a:masterClrMapping/>
+  </p:clrMapOvr>
+  <p:transition spd="med">
+    <p:pull/>
+  </p:transition>
 </p:sld>
 </file>
 
@@ -3593,6 +5045,7 @@
           <a:bodyPr/>
           <a:lstStyle/>
           <a:p>
+            <a:pPr algn="ctr"/>
             <a:r>
               <a:rPr lang="fr-FR" dirty="0"/>
               <a:t>Sommaire</a:t>
@@ -3623,81 +5076,108 @@
           </a:bodyPr>
           <a:lstStyle/>
           <a:p>
+            <a:pPr marL="0" indent="0">
+              <a:buNone/>
+            </a:pPr>
             <a:r>
               <a:rPr lang="fr-FR" sz="2400" dirty="0"/>
               <a:t>Présentation</a:t>
             </a:r>
           </a:p>
           <a:p>
-            <a:pPr lvl="1"/>
+            <a:pPr marL="457200" lvl="1" indent="0">
+              <a:buNone/>
+            </a:pPr>
             <a:r>
               <a:rPr lang="fr-FR" sz="2000" dirty="0"/>
               <a:t>Contexte</a:t>
             </a:r>
           </a:p>
           <a:p>
-            <a:pPr lvl="1"/>
+            <a:pPr marL="457200" lvl="1" indent="0">
+              <a:buNone/>
+            </a:pPr>
             <a:r>
               <a:rPr lang="fr-FR" sz="2000" dirty="0"/>
               <a:t>Cibles</a:t>
             </a:r>
           </a:p>
           <a:p>
-            <a:pPr lvl="1"/>
+            <a:pPr marL="457200" lvl="1" indent="0">
+              <a:buNone/>
+            </a:pPr>
             <a:r>
               <a:rPr lang="fr-FR" sz="2000" dirty="0"/>
               <a:t>Objectifs</a:t>
             </a:r>
           </a:p>
           <a:p>
-            <a:pPr lvl="1"/>
+            <a:pPr marL="457200" lvl="1" indent="0">
+              <a:buNone/>
+            </a:pPr>
             <a:r>
               <a:rPr lang="fr-FR" sz="2000" dirty="0"/>
               <a:t>Existant</a:t>
             </a:r>
           </a:p>
           <a:p>
+            <a:pPr marL="0" indent="0">
+              <a:buNone/>
+            </a:pPr>
             <a:r>
               <a:rPr lang="fr-FR" sz="2400" dirty="0"/>
               <a:t>Aspects fonctionnels et techniques</a:t>
             </a:r>
           </a:p>
           <a:p>
-            <a:pPr lvl="1"/>
+            <a:pPr marL="457200" lvl="1" indent="0">
+              <a:buNone/>
+            </a:pPr>
             <a:r>
               <a:rPr lang="fr-FR" sz="2000" dirty="0"/>
               <a:t>Arborescence du site</a:t>
             </a:r>
           </a:p>
           <a:p>
-            <a:pPr lvl="1"/>
+            <a:pPr marL="457200" lvl="1" indent="0">
+              <a:buNone/>
+            </a:pPr>
             <a:r>
               <a:rPr lang="fr-FR" sz="2000" dirty="0"/>
               <a:t>Spécifications fonctionnels</a:t>
             </a:r>
           </a:p>
           <a:p>
-            <a:pPr lvl="1"/>
+            <a:pPr marL="457200" lvl="1" indent="0">
+              <a:buNone/>
+            </a:pPr>
             <a:r>
               <a:rPr lang="fr-FR" sz="2000" dirty="0"/>
               <a:t>Spécifications techniques</a:t>
             </a:r>
           </a:p>
           <a:p>
-            <a:pPr lvl="1"/>
+            <a:pPr marL="457200" lvl="1" indent="0">
+              <a:buNone/>
+            </a:pPr>
             <a:r>
               <a:rPr lang="fr-FR" sz="2000" dirty="0"/>
-              <a:t>Contexte techniques organisationnelles</a:t>
-            </a:r>
-          </a:p>
-          <a:p>
+              <a:t>Contexte technique organisationnelle</a:t>
+            </a:r>
+          </a:p>
+          <a:p>
+            <a:pPr marL="0" indent="0">
+              <a:buNone/>
+            </a:pPr>
             <a:r>
               <a:rPr lang="fr-FR" sz="2400" dirty="0"/>
               <a:t>Analyse du projet</a:t>
             </a:r>
           </a:p>
           <a:p>
-            <a:pPr lvl="1"/>
+            <a:pPr marL="457200" lvl="1" indent="0">
+              <a:buNone/>
+            </a:pPr>
             <a:r>
               <a:rPr lang="fr-FR" sz="2000" dirty="0"/>
               <a:t>Diagrammes</a:t>
@@ -3715,6 +5195,86 @@
   <p:clrMapOvr>
     <a:masterClrMapping/>
   </p:clrMapOvr>
+  <p:transition spd="med">
+    <p:pull/>
+  </p:transition>
+</p:sld>
+</file>
+
+<file path=ppt/slides/slide20.xml><?xml version="1.0" encoding="utf-8"?>
+<p:sld xmlns:a="http://schemas.openxmlformats.org/drawingml/2006/main" xmlns:r="http://schemas.openxmlformats.org/officeDocument/2006/relationships" xmlns:p="http://schemas.openxmlformats.org/presentationml/2006/main">
+  <p:cSld>
+    <p:spTree>
+      <p:nvGrpSpPr>
+        <p:cNvPr id="1" name=""/>
+        <p:cNvGrpSpPr/>
+        <p:nvPr/>
+      </p:nvGrpSpPr>
+      <p:grpSpPr>
+        <a:xfrm>
+          <a:off x="0" y="0"/>
+          <a:ext cx="0" cy="0"/>
+          <a:chOff x="0" y="0"/>
+          <a:chExt cx="0" cy="0"/>
+        </a:xfrm>
+      </p:grpSpPr>
+      <p:pic>
+        <p:nvPicPr>
+          <p:cNvPr id="7" name="Espace réservé du contenu 6">
+            <a:extLst>
+              <a:ext uri="{FF2B5EF4-FFF2-40B4-BE49-F238E27FC236}">
+                <a16:creationId xmlns:a16="http://schemas.microsoft.com/office/drawing/2014/main" id="{DA913018-F38E-43DE-8C96-B71E8154B542}"/>
+              </a:ext>
+            </a:extLst>
+          </p:cNvPr>
+          <p:cNvPicPr>
+            <a:picLocks noGrp="1" noChangeAspect="1"/>
+          </p:cNvPicPr>
+          <p:nvPr>
+            <p:ph idx="1"/>
+          </p:nvPr>
+        </p:nvPicPr>
+        <p:blipFill>
+          <a:blip r:embed="rId2">
+            <a:extLst>
+              <a:ext uri="{28A0092B-C50C-407E-A947-70E740481C1C}">
+                <a14:useLocalDpi xmlns:a14="http://schemas.microsoft.com/office/drawing/2010/main" val="0"/>
+              </a:ext>
+            </a:extLst>
+          </a:blip>
+          <a:stretch>
+            <a:fillRect/>
+          </a:stretch>
+        </p:blipFill>
+        <p:spPr>
+          <a:xfrm>
+            <a:off x="4493026" y="1289938"/>
+            <a:ext cx="3205948" cy="4073631"/>
+          </a:xfrm>
+        </p:spPr>
+      </p:pic>
+    </p:spTree>
+    <p:extLst>
+      <p:ext uri="{BB962C8B-B14F-4D97-AF65-F5344CB8AC3E}">
+        <p14:creationId xmlns:p14="http://schemas.microsoft.com/office/powerpoint/2010/main" val="4011992083"/>
+      </p:ext>
+    </p:extLst>
+  </p:cSld>
+  <p:clrMapOvr>
+    <a:masterClrMapping/>
+  </p:clrMapOvr>
+  <mc:AlternateContent xmlns:mc="http://schemas.openxmlformats.org/markup-compatibility/2006">
+    <mc:Choice xmlns:p14="http://schemas.microsoft.com/office/powerpoint/2010/main" Requires="p14">
+      <p:transition spd="slow" p14:dur="800">
+        <p:circle/>
+      </p:transition>
+    </mc:Choice>
+    <mc:Fallback>
+      <p:transition spd="slow">
+        <p:circle/>
+      </p:transition>
+    </mc:Fallback>
+  </mc:AlternateContent>
 </p:sld>
 </file>
 
@@ -3756,6 +5316,7 @@
           <a:bodyPr/>
           <a:lstStyle/>
           <a:p>
+            <a:pPr algn="ctr"/>
             <a:r>
               <a:rPr lang="fr-FR" dirty="0"/>
               <a:t>Présentation</a:t>
@@ -3779,7 +5340,12 @@
             <p:ph idx="1"/>
           </p:nvPr>
         </p:nvSpPr>
-        <p:spPr/>
+        <p:spPr>
+          <a:xfrm>
+            <a:off x="838200" y="1811977"/>
+            <a:ext cx="10515600" cy="4351338"/>
+          </a:xfrm>
+        </p:spPr>
         <p:txBody>
           <a:bodyPr/>
           <a:lstStyle/>
@@ -3882,6 +5448,9 @@
   <p:clrMapOvr>
     <a:masterClrMapping/>
   </p:clrMapOvr>
+  <p:transition spd="med">
+    <p:pull/>
+  </p:transition>
 </p:sld>
 </file>
 
@@ -3923,6 +5492,7 @@
           <a:bodyPr/>
           <a:lstStyle/>
           <a:p>
+            <a:pPr algn="ctr"/>
             <a:r>
               <a:rPr lang="fr-FR" dirty="0"/>
               <a:t>Contexte</a:t>
@@ -3948,7 +5518,7 @@
         </p:nvSpPr>
         <p:spPr>
           <a:xfrm>
-            <a:off x="838200" y="1975750"/>
+            <a:off x="838200" y="1907510"/>
             <a:ext cx="10515600" cy="4351338"/>
           </a:xfrm>
         </p:spPr>
@@ -3978,10 +5548,9 @@
           </a:p>
           <a:p>
             <a:r>
-              <a:rPr lang="fr-FR" dirty="0" err="1"/>
-              <a:t>Indisponibilté</a:t>
-            </a:r>
-            <a:endParaRPr lang="fr-FR" dirty="0"/>
+              <a:rPr lang="fr-FR" dirty="0"/>
+              <a:t>Manque de visibilité</a:t>
+            </a:r>
           </a:p>
         </p:txBody>
       </p:sp>
@@ -4031,6 +5600,9 @@
   <p:clrMapOvr>
     <a:masterClrMapping/>
   </p:clrMapOvr>
+  <p:transition spd="med">
+    <p:pull/>
+  </p:transition>
 </p:sld>
 </file>
 
@@ -4072,6 +5644,7 @@
           <a:bodyPr/>
           <a:lstStyle/>
           <a:p>
+            <a:pPr algn="ctr"/>
             <a:r>
               <a:rPr lang="fr-FR" dirty="0"/>
               <a:t>Cibles</a:t>
@@ -4100,10 +5673,58 @@
           <a:bodyPr/>
           <a:lstStyle/>
           <a:p>
-            <a:endParaRPr lang="fr-FR"/>
-          </a:p>
-        </p:txBody>
-      </p:sp>
+            <a:endParaRPr lang="fr-FR" dirty="0"/>
+          </a:p>
+          <a:p>
+            <a:endParaRPr lang="fr-FR" dirty="0"/>
+          </a:p>
+          <a:p>
+            <a:endParaRPr lang="fr-FR" dirty="0"/>
+          </a:p>
+          <a:p>
+            <a:r>
+              <a:rPr lang="fr-FR" dirty="0"/>
+              <a:t>Clients des SCPI</a:t>
+            </a:r>
+          </a:p>
+        </p:txBody>
+      </p:sp>
+      <p:pic>
+        <p:nvPicPr>
+          <p:cNvPr id="7" name="Image 6">
+            <a:extLst>
+              <a:ext uri="{FF2B5EF4-FFF2-40B4-BE49-F238E27FC236}">
+                <a16:creationId xmlns:a16="http://schemas.microsoft.com/office/drawing/2014/main" id="{D37341AE-D4E9-469E-B315-6C42516502A8}"/>
+              </a:ext>
+            </a:extLst>
+          </p:cNvPr>
+          <p:cNvPicPr>
+            <a:picLocks noChangeAspect="1"/>
+          </p:cNvPicPr>
+          <p:nvPr/>
+        </p:nvPicPr>
+        <p:blipFill>
+          <a:blip r:embed="rId2">
+            <a:extLst>
+              <a:ext uri="{28A0092B-C50C-407E-A947-70E740481C1C}">
+                <a14:useLocalDpi xmlns:a14="http://schemas.microsoft.com/office/drawing/2010/main" val="0"/>
+              </a:ext>
+            </a:extLst>
+          </a:blip>
+          <a:stretch>
+            <a:fillRect/>
+          </a:stretch>
+        </p:blipFill>
+        <p:spPr>
+          <a:xfrm>
+            <a:off x="4817659" y="1825625"/>
+            <a:ext cx="5190699" cy="3462156"/>
+          </a:xfrm>
+          <a:prstGeom prst="rect">
+            <a:avLst/>
+          </a:prstGeom>
+        </p:spPr>
+      </p:pic>
     </p:spTree>
     <p:extLst>
       <p:ext uri="{BB962C8B-B14F-4D97-AF65-F5344CB8AC3E}">
@@ -4114,6 +5735,9 @@
   <p:clrMapOvr>
     <a:masterClrMapping/>
   </p:clrMapOvr>
+  <p:transition spd="med">
+    <p:pull/>
+  </p:transition>
 </p:sld>
 </file>
 
@@ -4155,6 +5779,7 @@
           <a:bodyPr/>
           <a:lstStyle/>
           <a:p>
+            <a:pPr algn="ctr"/>
             <a:r>
               <a:rPr lang="fr-FR" dirty="0"/>
               <a:t>Objectifs</a:t>
@@ -4183,10 +5808,67 @@
           <a:bodyPr/>
           <a:lstStyle/>
           <a:p>
-            <a:endParaRPr lang="fr-FR"/>
-          </a:p>
-        </p:txBody>
-      </p:sp>
+            <a:endParaRPr lang="fr-FR" dirty="0"/>
+          </a:p>
+          <a:p>
+            <a:r>
+              <a:rPr lang="fr-FR" dirty="0"/>
+              <a:t>Mise en relation acheteur/vendeur</a:t>
+            </a:r>
+          </a:p>
+          <a:p>
+            <a:endParaRPr lang="fr-FR" dirty="0"/>
+          </a:p>
+          <a:p>
+            <a:endParaRPr lang="fr-FR" dirty="0"/>
+          </a:p>
+          <a:p>
+            <a:endParaRPr lang="fr-FR" dirty="0"/>
+          </a:p>
+          <a:p>
+            <a:r>
+              <a:rPr lang="fr-FR" dirty="0"/>
+              <a:t>système d’enchères</a:t>
+            </a:r>
+          </a:p>
+        </p:txBody>
+      </p:sp>
+      <p:pic>
+        <p:nvPicPr>
+          <p:cNvPr id="4" name="Image 3">
+            <a:extLst>
+              <a:ext uri="{FF2B5EF4-FFF2-40B4-BE49-F238E27FC236}">
+                <a16:creationId xmlns:a16="http://schemas.microsoft.com/office/drawing/2014/main" id="{FC176C15-4AA3-4421-85D1-B849D9592698}"/>
+              </a:ext>
+            </a:extLst>
+          </p:cNvPr>
+          <p:cNvPicPr>
+            <a:picLocks noChangeAspect="1"/>
+          </p:cNvPicPr>
+          <p:nvPr/>
+        </p:nvPicPr>
+        <p:blipFill>
+          <a:blip r:embed="rId2">
+            <a:extLst>
+              <a:ext uri="{28A0092B-C50C-407E-A947-70E740481C1C}">
+                <a14:useLocalDpi xmlns:a14="http://schemas.microsoft.com/office/drawing/2010/main" val="0"/>
+              </a:ext>
+            </a:extLst>
+          </a:blip>
+          <a:stretch>
+            <a:fillRect/>
+          </a:stretch>
+        </p:blipFill>
+        <p:spPr>
+          <a:xfrm>
+            <a:off x="5652732" y="3061007"/>
+            <a:ext cx="4762500" cy="2619375"/>
+          </a:xfrm>
+          <a:prstGeom prst="rect">
+            <a:avLst/>
+          </a:prstGeom>
+        </p:spPr>
+      </p:pic>
     </p:spTree>
     <p:extLst>
       <p:ext uri="{BB962C8B-B14F-4D97-AF65-F5344CB8AC3E}">
@@ -4197,6 +5879,9 @@
   <p:clrMapOvr>
     <a:masterClrMapping/>
   </p:clrMapOvr>
+  <p:transition spd="med">
+    <p:pull/>
+  </p:transition>
 </p:sld>
 </file>
 
@@ -4238,6 +5923,7 @@
           <a:bodyPr/>
           <a:lstStyle/>
           <a:p>
+            <a:pPr algn="ctr"/>
             <a:r>
               <a:rPr lang="fr-FR" dirty="0"/>
               <a:t>Existant</a:t>
@@ -4245,31 +5931,40 @@
           </a:p>
         </p:txBody>
       </p:sp>
-      <p:sp>
-        <p:nvSpPr>
-          <p:cNvPr id="3" name="Espace réservé du contenu 2">
-            <a:extLst>
-              <a:ext uri="{FF2B5EF4-FFF2-40B4-BE49-F238E27FC236}">
-                <a16:creationId xmlns:a16="http://schemas.microsoft.com/office/drawing/2014/main" id="{E3F55B96-9C4E-4141-B32A-812185D14E1E}"/>
-              </a:ext>
-            </a:extLst>
-          </p:cNvPr>
-          <p:cNvSpPr>
-            <a:spLocks noGrp="1"/>
-          </p:cNvSpPr>
-          <p:nvPr>
-            <p:ph idx="1"/>
-          </p:nvPr>
-        </p:nvSpPr>
-        <p:spPr/>
-        <p:txBody>
-          <a:bodyPr/>
-          <a:lstStyle/>
-          <a:p>
-            <a:endParaRPr lang="fr-FR"/>
-          </a:p>
-        </p:txBody>
-      </p:sp>
+      <p:pic>
+        <p:nvPicPr>
+          <p:cNvPr id="6" name="Image 5">
+            <a:extLst>
+              <a:ext uri="{FF2B5EF4-FFF2-40B4-BE49-F238E27FC236}">
+                <a16:creationId xmlns:a16="http://schemas.microsoft.com/office/drawing/2014/main" id="{8F07C231-22C1-4BE1-B1F9-ACFB8456135B}"/>
+              </a:ext>
+            </a:extLst>
+          </p:cNvPr>
+          <p:cNvPicPr/>
+          <p:nvPr/>
+        </p:nvPicPr>
+        <p:blipFill>
+          <a:blip r:embed="rId2">
+            <a:extLst>
+              <a:ext uri="{28A0092B-C50C-407E-A947-70E740481C1C}">
+                <a14:useLocalDpi xmlns:a14="http://schemas.microsoft.com/office/drawing/2010/main" val="0"/>
+              </a:ext>
+            </a:extLst>
+          </a:blip>
+          <a:stretch>
+            <a:fillRect/>
+          </a:stretch>
+        </p:blipFill>
+        <p:spPr>
+          <a:xfrm>
+            <a:off x="2320789" y="1690688"/>
+            <a:ext cx="7550421" cy="4014076"/>
+          </a:xfrm>
+          <a:prstGeom prst="rect">
+            <a:avLst/>
+          </a:prstGeom>
+        </p:spPr>
+      </p:pic>
     </p:spTree>
     <p:extLst>
       <p:ext uri="{BB962C8B-B14F-4D97-AF65-F5344CB8AC3E}">
@@ -4280,6 +5975,174 @@
   <p:clrMapOvr>
     <a:masterClrMapping/>
   </p:clrMapOvr>
+  <p:transition spd="med">
+    <p:pull/>
+  </p:transition>
+</p:sld>
+</file>
+
+<file path=ppt/slides/slide8.xml><?xml version="1.0" encoding="utf-8"?>
+<p:sld xmlns:a="http://schemas.openxmlformats.org/drawingml/2006/main" xmlns:r="http://schemas.openxmlformats.org/officeDocument/2006/relationships" xmlns:p="http://schemas.openxmlformats.org/presentationml/2006/main">
+  <p:cSld>
+    <p:spTree>
+      <p:nvGrpSpPr>
+        <p:cNvPr id="1" name=""/>
+        <p:cNvGrpSpPr/>
+        <p:nvPr/>
+      </p:nvGrpSpPr>
+      <p:grpSpPr>
+        <a:xfrm>
+          <a:off x="0" y="0"/>
+          <a:ext cx="0" cy="0"/>
+          <a:chOff x="0" y="0"/>
+          <a:chExt cx="0" cy="0"/>
+        </a:xfrm>
+      </p:grpSpPr>
+      <p:sp>
+        <p:nvSpPr>
+          <p:cNvPr id="2" name="Titre 1">
+            <a:extLst>
+              <a:ext uri="{FF2B5EF4-FFF2-40B4-BE49-F238E27FC236}">
+                <a16:creationId xmlns:a16="http://schemas.microsoft.com/office/drawing/2014/main" id="{1DDE73FF-71A9-483B-8DD9-706B83BFCFA8}"/>
+              </a:ext>
+            </a:extLst>
+          </p:cNvPr>
+          <p:cNvSpPr>
+            <a:spLocks noGrp="1"/>
+          </p:cNvSpPr>
+          <p:nvPr>
+            <p:ph type="title"/>
+          </p:nvPr>
+        </p:nvSpPr>
+        <p:spPr/>
+        <p:txBody>
+          <a:bodyPr/>
+          <a:lstStyle/>
+          <a:p>
+            <a:pPr algn="ctr"/>
+            <a:r>
+              <a:rPr lang="fr-FR" dirty="0"/>
+              <a:t>Existant</a:t>
+            </a:r>
+          </a:p>
+        </p:txBody>
+      </p:sp>
+      <p:pic>
+        <p:nvPicPr>
+          <p:cNvPr id="4" name="Image 3">
+            <a:extLst>
+              <a:ext uri="{FF2B5EF4-FFF2-40B4-BE49-F238E27FC236}">
+                <a16:creationId xmlns:a16="http://schemas.microsoft.com/office/drawing/2014/main" id="{5098AC21-7C18-4402-8FE5-174C77786F4D}"/>
+              </a:ext>
+            </a:extLst>
+          </p:cNvPr>
+          <p:cNvPicPr/>
+          <p:nvPr/>
+        </p:nvPicPr>
+        <p:blipFill>
+          <a:blip r:embed="rId2"/>
+          <a:stretch>
+            <a:fillRect/>
+          </a:stretch>
+        </p:blipFill>
+        <p:spPr>
+          <a:xfrm>
+            <a:off x="2527390" y="1690688"/>
+            <a:ext cx="7137220" cy="3904894"/>
+          </a:xfrm>
+          <a:prstGeom prst="rect">
+            <a:avLst/>
+          </a:prstGeom>
+        </p:spPr>
+      </p:pic>
+    </p:spTree>
+    <p:extLst>
+      <p:ext uri="{BB962C8B-B14F-4D97-AF65-F5344CB8AC3E}">
+        <p14:creationId xmlns:p14="http://schemas.microsoft.com/office/powerpoint/2010/main" val="1305358133"/>
+      </p:ext>
+    </p:extLst>
+  </p:cSld>
+  <p:clrMapOvr>
+    <a:masterClrMapping/>
+  </p:clrMapOvr>
+  <mc:AlternateContent xmlns:mc="http://schemas.openxmlformats.org/markup-compatibility/2006">
+    <mc:Choice xmlns:p14="http://schemas.microsoft.com/office/powerpoint/2010/main" Requires="p14">
+      <p:transition spd="med" p14:dur="700">
+        <p:fade/>
+      </p:transition>
+    </mc:Choice>
+    <mc:Fallback>
+      <p:transition spd="med">
+        <p:fade/>
+      </p:transition>
+    </mc:Fallback>
+  </mc:AlternateContent>
+</p:sld>
+</file>
+
+<file path=ppt/slides/slide9.xml><?xml version="1.0" encoding="utf-8"?>
+<p:sld xmlns:a="http://schemas.openxmlformats.org/drawingml/2006/main" xmlns:r="http://schemas.openxmlformats.org/officeDocument/2006/relationships" xmlns:p="http://schemas.openxmlformats.org/presentationml/2006/main">
+  <p:cSld>
+    <p:spTree>
+      <p:nvGrpSpPr>
+        <p:cNvPr id="1" name=""/>
+        <p:cNvGrpSpPr/>
+        <p:nvPr/>
+      </p:nvGrpSpPr>
+      <p:grpSpPr>
+        <a:xfrm>
+          <a:off x="0" y="0"/>
+          <a:ext cx="0" cy="0"/>
+          <a:chOff x="0" y="0"/>
+          <a:chExt cx="0" cy="0"/>
+        </a:xfrm>
+      </p:grpSpPr>
+      <p:sp>
+        <p:nvSpPr>
+          <p:cNvPr id="2" name="Titre 1">
+            <a:extLst>
+              <a:ext uri="{FF2B5EF4-FFF2-40B4-BE49-F238E27FC236}">
+                <a16:creationId xmlns:a16="http://schemas.microsoft.com/office/drawing/2014/main" id="{BD02D718-1D53-4534-833A-08F45EEA5F33}"/>
+              </a:ext>
+            </a:extLst>
+          </p:cNvPr>
+          <p:cNvSpPr>
+            <a:spLocks noGrp="1"/>
+          </p:cNvSpPr>
+          <p:nvPr>
+            <p:ph type="ctrTitle"/>
+          </p:nvPr>
+        </p:nvSpPr>
+        <p:spPr>
+          <a:xfrm>
+            <a:off x="1619535" y="2497541"/>
+            <a:ext cx="9144000" cy="1842447"/>
+          </a:xfrm>
+        </p:spPr>
+        <p:txBody>
+          <a:bodyPr/>
+          <a:lstStyle/>
+          <a:p>
+            <a:r>
+              <a:rPr lang="fr-FR" dirty="0"/>
+              <a:t>Aspects fonctionnels et techniques</a:t>
+            </a:r>
+          </a:p>
+        </p:txBody>
+      </p:sp>
+    </p:spTree>
+    <p:extLst>
+      <p:ext uri="{BB962C8B-B14F-4D97-AF65-F5344CB8AC3E}">
+        <p14:creationId xmlns:p14="http://schemas.microsoft.com/office/powerpoint/2010/main" val="1492124468"/>
+      </p:ext>
+    </p:extLst>
+  </p:cSld>
+  <p:clrMapOvr>
+    <a:masterClrMapping/>
+  </p:clrMapOvr>
+  <p:transition spd="slow">
+    <p:push dir="u"/>
+  </p:transition>
 </p:sld>
 </file>
 

--- a/PrésentationBourseEchangeSCPI.pptx
+++ b/PrésentationBourseEchangeSCPI.pptx
@@ -2,7 +2,7 @@
 <file path=ppt/presentation.xml><?xml version="1.0" encoding="utf-8"?>
 <p:presentation xmlns:a="http://schemas.openxmlformats.org/drawingml/2006/main" xmlns:r="http://schemas.openxmlformats.org/officeDocument/2006/relationships" xmlns:p="http://schemas.openxmlformats.org/presentationml/2006/main" saveSubsetFonts="1">
   <p:sldMasterIdLst>
-    <p:sldMasterId id="2147483648" r:id="rId1"/>
+    <p:sldMasterId id="2147483660" r:id="rId1"/>
   </p:sldMasterIdLst>
   <p:sldIdLst>
     <p:sldId id="256" r:id="rId2"/>
@@ -30,9 +30,9 @@
   <p:notesSz cx="6858000" cy="9144000"/>
   <p:defaultTextStyle>
     <a:defPPr>
-      <a:defRPr lang="fr-FR"/>
+      <a:defRPr lang="en-US"/>
     </a:defPPr>
-    <a:lvl1pPr marL="0" algn="l" defTabSz="914400" rtl="0" eaLnBrk="1" latinLnBrk="0" hangingPunct="1">
+    <a:lvl1pPr marL="0" algn="l" defTabSz="457200" rtl="0" eaLnBrk="1" latinLnBrk="0" hangingPunct="1">
       <a:defRPr sz="1800" kern="1200">
         <a:solidFill>
           <a:schemeClr val="tx1"/>
@@ -42,7 +42,7 @@
         <a:cs typeface="+mn-cs"/>
       </a:defRPr>
     </a:lvl1pPr>
-    <a:lvl2pPr marL="457200" algn="l" defTabSz="914400" rtl="0" eaLnBrk="1" latinLnBrk="0" hangingPunct="1">
+    <a:lvl2pPr marL="457200" algn="l" defTabSz="457200" rtl="0" eaLnBrk="1" latinLnBrk="0" hangingPunct="1">
       <a:defRPr sz="1800" kern="1200">
         <a:solidFill>
           <a:schemeClr val="tx1"/>
@@ -52,7 +52,7 @@
         <a:cs typeface="+mn-cs"/>
       </a:defRPr>
     </a:lvl2pPr>
-    <a:lvl3pPr marL="914400" algn="l" defTabSz="914400" rtl="0" eaLnBrk="1" latinLnBrk="0" hangingPunct="1">
+    <a:lvl3pPr marL="914400" algn="l" defTabSz="457200" rtl="0" eaLnBrk="1" latinLnBrk="0" hangingPunct="1">
       <a:defRPr sz="1800" kern="1200">
         <a:solidFill>
           <a:schemeClr val="tx1"/>
@@ -62,7 +62,7 @@
         <a:cs typeface="+mn-cs"/>
       </a:defRPr>
     </a:lvl3pPr>
-    <a:lvl4pPr marL="1371600" algn="l" defTabSz="914400" rtl="0" eaLnBrk="1" latinLnBrk="0" hangingPunct="1">
+    <a:lvl4pPr marL="1371600" algn="l" defTabSz="457200" rtl="0" eaLnBrk="1" latinLnBrk="0" hangingPunct="1">
       <a:defRPr sz="1800" kern="1200">
         <a:solidFill>
           <a:schemeClr val="tx1"/>
@@ -72,7 +72,7 @@
         <a:cs typeface="+mn-cs"/>
       </a:defRPr>
     </a:lvl4pPr>
-    <a:lvl5pPr marL="1828800" algn="l" defTabSz="914400" rtl="0" eaLnBrk="1" latinLnBrk="0" hangingPunct="1">
+    <a:lvl5pPr marL="1828800" algn="l" defTabSz="457200" rtl="0" eaLnBrk="1" latinLnBrk="0" hangingPunct="1">
       <a:defRPr sz="1800" kern="1200">
         <a:solidFill>
           <a:schemeClr val="tx1"/>
@@ -82,7 +82,7 @@
         <a:cs typeface="+mn-cs"/>
       </a:defRPr>
     </a:lvl5pPr>
-    <a:lvl6pPr marL="2286000" algn="l" defTabSz="914400" rtl="0" eaLnBrk="1" latinLnBrk="0" hangingPunct="1">
+    <a:lvl6pPr marL="2286000" algn="l" defTabSz="457200" rtl="0" eaLnBrk="1" latinLnBrk="0" hangingPunct="1">
       <a:defRPr sz="1800" kern="1200">
         <a:solidFill>
           <a:schemeClr val="tx1"/>
@@ -92,7 +92,7 @@
         <a:cs typeface="+mn-cs"/>
       </a:defRPr>
     </a:lvl6pPr>
-    <a:lvl7pPr marL="2743200" algn="l" defTabSz="914400" rtl="0" eaLnBrk="1" latinLnBrk="0" hangingPunct="1">
+    <a:lvl7pPr marL="2743200" algn="l" defTabSz="457200" rtl="0" eaLnBrk="1" latinLnBrk="0" hangingPunct="1">
       <a:defRPr sz="1800" kern="1200">
         <a:solidFill>
           <a:schemeClr val="tx1"/>
@@ -102,7 +102,7 @@
         <a:cs typeface="+mn-cs"/>
       </a:defRPr>
     </a:lvl7pPr>
-    <a:lvl8pPr marL="3200400" algn="l" defTabSz="914400" rtl="0" eaLnBrk="1" latinLnBrk="0" hangingPunct="1">
+    <a:lvl8pPr marL="3200400" algn="l" defTabSz="457200" rtl="0" eaLnBrk="1" latinLnBrk="0" hangingPunct="1">
       <a:defRPr sz="1800" kern="1200">
         <a:solidFill>
           <a:schemeClr val="tx1"/>
@@ -112,7 +112,7 @@
         <a:cs typeface="+mn-cs"/>
       </a:defRPr>
     </a:lvl8pPr>
-    <a:lvl9pPr marL="3657600" algn="l" defTabSz="914400" rtl="0" eaLnBrk="1" latinLnBrk="0" hangingPunct="1">
+    <a:lvl9pPr marL="3657600" algn="l" defTabSz="457200" rtl="0" eaLnBrk="1" latinLnBrk="0" hangingPunct="1">
       <a:defRPr sz="1800" kern="1200">
         <a:solidFill>
           <a:schemeClr val="tx1"/>
@@ -136,7 +136,7 @@
 </file>
 
 <file path=ppt/slideLayouts/slideLayout1.xml><?xml version="1.0" encoding="utf-8"?>
-<p:sldLayout xmlns:a="http://schemas.openxmlformats.org/drawingml/2006/main" xmlns:r="http://schemas.openxmlformats.org/officeDocument/2006/relationships" xmlns:p="http://schemas.openxmlformats.org/presentationml/2006/main" type="title" preserve="1">
+<p:sldLayout xmlns:a="http://schemas.openxmlformats.org/drawingml/2006/main" xmlns:r="http://schemas.openxmlformats.org/officeDocument/2006/relationships" xmlns:p="http://schemas.openxmlformats.org/presentationml/2006/main" showMasterSp="0" type="title" preserve="1">
   <p:cSld name="Diapositive de titre">
     <p:spTree>
       <p:nvGrpSpPr>
@@ -152,15 +152,322 @@
           <a:chExt cx="0" cy="0"/>
         </a:xfrm>
       </p:grpSpPr>
-      <p:sp>
-        <p:nvSpPr>
-          <p:cNvPr id="2" name="Titre 1">
-            <a:extLst>
-              <a:ext uri="{FF2B5EF4-FFF2-40B4-BE49-F238E27FC236}">
-                <a16:creationId xmlns:a16="http://schemas.microsoft.com/office/drawing/2014/main" id="{09A8323F-AE54-47F0-A43D-21685496A770}"/>
-              </a:ext>
-            </a:extLst>
-          </p:cNvPr>
+      <p:grpSp>
+        <p:nvGrpSpPr>
+          <p:cNvPr id="19" name="Group 18"/>
+          <p:cNvGrpSpPr/>
+          <p:nvPr/>
+        </p:nvGrpSpPr>
+        <p:grpSpPr>
+          <a:xfrm>
+            <a:off x="546100" y="-4763"/>
+            <a:ext cx="5014912" cy="6862763"/>
+            <a:chOff x="2928938" y="-4763"/>
+            <a:chExt cx="5014912" cy="6862763"/>
+          </a:xfrm>
+        </p:grpSpPr>
+        <p:sp>
+          <p:nvSpPr>
+            <p:cNvPr id="22" name="Freeform 6"/>
+            <p:cNvSpPr/>
+            <p:nvPr/>
+          </p:nvSpPr>
+          <p:spPr bwMode="auto">
+            <a:xfrm>
+              <a:off x="3367088" y="-4763"/>
+              <a:ext cx="1063625" cy="2782888"/>
+            </a:xfrm>
+            <a:custGeom>
+              <a:avLst/>
+              <a:gdLst/>
+              <a:ahLst/>
+              <a:cxnLst/>
+              <a:rect l="0" t="0" r="r" b="b"/>
+              <a:pathLst>
+                <a:path w="670" h="1753">
+                  <a:moveTo>
+                    <a:pt x="0" y="1696"/>
+                  </a:moveTo>
+                  <a:lnTo>
+                    <a:pt x="225" y="1753"/>
+                  </a:lnTo>
+                  <a:lnTo>
+                    <a:pt x="670" y="0"/>
+                  </a:lnTo>
+                  <a:lnTo>
+                    <a:pt x="430" y="0"/>
+                  </a:lnTo>
+                  <a:lnTo>
+                    <a:pt x="0" y="1696"/>
+                  </a:lnTo>
+                  <a:close/>
+                </a:path>
+              </a:pathLst>
+            </a:custGeom>
+            <a:solidFill>
+              <a:schemeClr val="accent1"/>
+            </a:solidFill>
+            <a:ln>
+              <a:noFill/>
+            </a:ln>
+          </p:spPr>
+        </p:sp>
+        <p:sp>
+          <p:nvSpPr>
+            <p:cNvPr id="23" name="Freeform 7"/>
+            <p:cNvSpPr/>
+            <p:nvPr/>
+          </p:nvSpPr>
+          <p:spPr bwMode="auto">
+            <a:xfrm>
+              <a:off x="2928938" y="-4763"/>
+              <a:ext cx="1035050" cy="2673350"/>
+            </a:xfrm>
+            <a:custGeom>
+              <a:avLst/>
+              <a:gdLst/>
+              <a:ahLst/>
+              <a:cxnLst/>
+              <a:rect l="0" t="0" r="r" b="b"/>
+              <a:pathLst>
+                <a:path w="652" h="1684">
+                  <a:moveTo>
+                    <a:pt x="225" y="1684"/>
+                  </a:moveTo>
+                  <a:lnTo>
+                    <a:pt x="652" y="0"/>
+                  </a:lnTo>
+                  <a:lnTo>
+                    <a:pt x="411" y="0"/>
+                  </a:lnTo>
+                  <a:lnTo>
+                    <a:pt x="0" y="1627"/>
+                  </a:lnTo>
+                  <a:lnTo>
+                    <a:pt x="219" y="1681"/>
+                  </a:lnTo>
+                  <a:lnTo>
+                    <a:pt x="225" y="1684"/>
+                  </a:lnTo>
+                  <a:close/>
+                </a:path>
+              </a:pathLst>
+            </a:custGeom>
+            <a:solidFill>
+              <a:schemeClr val="tx1">
+                <a:lumMod val="65000"/>
+                <a:lumOff val="35000"/>
+              </a:schemeClr>
+            </a:solidFill>
+            <a:ln>
+              <a:noFill/>
+            </a:ln>
+          </p:spPr>
+        </p:sp>
+        <p:sp>
+          <p:nvSpPr>
+            <p:cNvPr id="24" name="Freeform 9"/>
+            <p:cNvSpPr/>
+            <p:nvPr/>
+          </p:nvSpPr>
+          <p:spPr bwMode="auto">
+            <a:xfrm>
+              <a:off x="2928938" y="2582862"/>
+              <a:ext cx="2693987" cy="4275138"/>
+            </a:xfrm>
+            <a:custGeom>
+              <a:avLst/>
+              <a:gdLst/>
+              <a:ahLst/>
+              <a:cxnLst/>
+              <a:rect l="0" t="0" r="r" b="b"/>
+              <a:pathLst>
+                <a:path w="1697" h="2693">
+                  <a:moveTo>
+                    <a:pt x="0" y="0"/>
+                  </a:moveTo>
+                  <a:lnTo>
+                    <a:pt x="1622" y="2693"/>
+                  </a:lnTo>
+                  <a:lnTo>
+                    <a:pt x="1697" y="2693"/>
+                  </a:lnTo>
+                  <a:lnTo>
+                    <a:pt x="0" y="0"/>
+                  </a:lnTo>
+                  <a:close/>
+                </a:path>
+              </a:pathLst>
+            </a:custGeom>
+            <a:solidFill>
+              <a:schemeClr val="tx1">
+                <a:lumMod val="85000"/>
+                <a:lumOff val="15000"/>
+              </a:schemeClr>
+            </a:solidFill>
+            <a:ln>
+              <a:noFill/>
+            </a:ln>
+          </p:spPr>
+        </p:sp>
+        <p:sp>
+          <p:nvSpPr>
+            <p:cNvPr id="25" name="Freeform 10"/>
+            <p:cNvSpPr/>
+            <p:nvPr/>
+          </p:nvSpPr>
+          <p:spPr bwMode="auto">
+            <a:xfrm>
+              <a:off x="3371850" y="2692400"/>
+              <a:ext cx="3332162" cy="4165600"/>
+            </a:xfrm>
+            <a:custGeom>
+              <a:avLst/>
+              <a:gdLst/>
+              <a:ahLst/>
+              <a:cxnLst/>
+              <a:rect l="0" t="0" r="r" b="b"/>
+              <a:pathLst>
+                <a:path w="2099" h="2624">
+                  <a:moveTo>
+                    <a:pt x="2099" y="2624"/>
+                  </a:moveTo>
+                  <a:lnTo>
+                    <a:pt x="0" y="0"/>
+                  </a:lnTo>
+                  <a:lnTo>
+                    <a:pt x="2021" y="2624"/>
+                  </a:lnTo>
+                  <a:lnTo>
+                    <a:pt x="2099" y="2624"/>
+                  </a:lnTo>
+                  <a:close/>
+                </a:path>
+              </a:pathLst>
+            </a:custGeom>
+            <a:solidFill>
+              <a:schemeClr val="accent1">
+                <a:lumMod val="50000"/>
+              </a:schemeClr>
+            </a:solidFill>
+            <a:ln>
+              <a:noFill/>
+            </a:ln>
+          </p:spPr>
+        </p:sp>
+        <p:sp>
+          <p:nvSpPr>
+            <p:cNvPr id="26" name="Freeform 11"/>
+            <p:cNvSpPr/>
+            <p:nvPr/>
+          </p:nvSpPr>
+          <p:spPr bwMode="auto">
+            <a:xfrm>
+              <a:off x="3367088" y="2687637"/>
+              <a:ext cx="4576762" cy="4170363"/>
+            </a:xfrm>
+            <a:custGeom>
+              <a:avLst/>
+              <a:gdLst/>
+              <a:ahLst/>
+              <a:cxnLst/>
+              <a:rect l="0" t="0" r="r" b="b"/>
+              <a:pathLst>
+                <a:path w="2883" h="2627">
+                  <a:moveTo>
+                    <a:pt x="0" y="0"/>
+                  </a:moveTo>
+                  <a:lnTo>
+                    <a:pt x="3" y="3"/>
+                  </a:lnTo>
+                  <a:lnTo>
+                    <a:pt x="2102" y="2627"/>
+                  </a:lnTo>
+                  <a:lnTo>
+                    <a:pt x="2883" y="2627"/>
+                  </a:lnTo>
+                  <a:lnTo>
+                    <a:pt x="225" y="57"/>
+                  </a:lnTo>
+                  <a:lnTo>
+                    <a:pt x="0" y="0"/>
+                  </a:lnTo>
+                  <a:close/>
+                </a:path>
+              </a:pathLst>
+            </a:custGeom>
+            <a:solidFill>
+              <a:schemeClr val="accent1">
+                <a:lumMod val="75000"/>
+              </a:schemeClr>
+            </a:solidFill>
+            <a:ln>
+              <a:noFill/>
+            </a:ln>
+          </p:spPr>
+        </p:sp>
+        <p:sp>
+          <p:nvSpPr>
+            <p:cNvPr id="27" name="Freeform 12"/>
+            <p:cNvSpPr/>
+            <p:nvPr/>
+          </p:nvSpPr>
+          <p:spPr bwMode="auto">
+            <a:xfrm>
+              <a:off x="2928938" y="2578100"/>
+              <a:ext cx="3584575" cy="4279900"/>
+            </a:xfrm>
+            <a:custGeom>
+              <a:avLst/>
+              <a:gdLst/>
+              <a:ahLst/>
+              <a:cxnLst/>
+              <a:rect l="0" t="0" r="r" b="b"/>
+              <a:pathLst>
+                <a:path w="2258" h="2696">
+                  <a:moveTo>
+                    <a:pt x="2258" y="2696"/>
+                  </a:moveTo>
+                  <a:lnTo>
+                    <a:pt x="264" y="111"/>
+                  </a:lnTo>
+                  <a:lnTo>
+                    <a:pt x="228" y="60"/>
+                  </a:lnTo>
+                  <a:lnTo>
+                    <a:pt x="225" y="57"/>
+                  </a:lnTo>
+                  <a:lnTo>
+                    <a:pt x="0" y="0"/>
+                  </a:lnTo>
+                  <a:lnTo>
+                    <a:pt x="0" y="3"/>
+                  </a:lnTo>
+                  <a:lnTo>
+                    <a:pt x="1697" y="2696"/>
+                  </a:lnTo>
+                  <a:lnTo>
+                    <a:pt x="2258" y="2696"/>
+                  </a:lnTo>
+                  <a:close/>
+                </a:path>
+              </a:pathLst>
+            </a:custGeom>
+            <a:solidFill>
+              <a:schemeClr val="tx1">
+                <a:lumMod val="75000"/>
+                <a:lumOff val="25000"/>
+              </a:schemeClr>
+            </a:solidFill>
+            <a:ln>
+              <a:noFill/>
+            </a:ln>
+          </p:spPr>
+        </p:sp>
+      </p:grpSp>
+      <p:sp>
+        <p:nvSpPr>
+          <p:cNvPr id="2" name="Title 1"/>
           <p:cNvSpPr>
             <a:spLocks noGrp="1"/>
           </p:cNvSpPr>
@@ -170,15 +477,19 @@
         </p:nvSpPr>
         <p:spPr>
           <a:xfrm>
-            <a:off x="1524000" y="1122363"/>
-            <a:ext cx="9144000" cy="2387600"/>
+            <a:off x="2928401" y="1380068"/>
+            <a:ext cx="8574622" cy="2616199"/>
           </a:xfrm>
         </p:spPr>
         <p:txBody>
-          <a:bodyPr anchor="b"/>
+          <a:bodyPr anchor="b">
+            <a:normAutofit/>
+          </a:bodyPr>
           <a:lstStyle>
-            <a:lvl1pPr algn="ctr">
-              <a:defRPr sz="6000"/>
+            <a:lvl1pPr algn="r">
+              <a:defRPr sz="6000">
+                <a:effectLst/>
+              </a:defRPr>
             </a:lvl1pPr>
           </a:lstStyle>
           <a:p>
@@ -186,18 +497,13 @@
               <a:rPr lang="fr-FR"/>
               <a:t>Modifiez le style du titre</a:t>
             </a:r>
-          </a:p>
-        </p:txBody>
-      </p:sp>
-      <p:sp>
-        <p:nvSpPr>
-          <p:cNvPr id="3" name="Sous-titre 2">
-            <a:extLst>
-              <a:ext uri="{FF2B5EF4-FFF2-40B4-BE49-F238E27FC236}">
-                <a16:creationId xmlns:a16="http://schemas.microsoft.com/office/drawing/2014/main" id="{EA10B56C-5B9C-42A3-A143-3964E4891319}"/>
-              </a:ext>
-            </a:extLst>
-          </p:cNvPr>
+            <a:endParaRPr lang="en-US" dirty="0"/>
+          </a:p>
+        </p:txBody>
+      </p:sp>
+      <p:sp>
+        <p:nvSpPr>
+          <p:cNvPr id="3" name="Subtitle 2"/>
           <p:cNvSpPr>
             <a:spLocks noGrp="1"/>
           </p:cNvSpPr>
@@ -207,48 +513,102 @@
         </p:nvSpPr>
         <p:spPr>
           <a:xfrm>
-            <a:off x="1524000" y="3602038"/>
-            <a:ext cx="9144000" cy="1655762"/>
+            <a:off x="4515377" y="3996267"/>
+            <a:ext cx="6987645" cy="1388534"/>
           </a:xfrm>
         </p:spPr>
         <p:txBody>
-          <a:bodyPr/>
+          <a:bodyPr anchor="t">
+            <a:normAutofit/>
+          </a:bodyPr>
           <a:lstStyle>
-            <a:lvl1pPr marL="0" indent="0" algn="ctr">
-              <a:buNone/>
-              <a:defRPr sz="2400"/>
+            <a:lvl1pPr marL="0" indent="0" algn="r">
+              <a:buNone/>
+              <a:defRPr sz="2100">
+                <a:solidFill>
+                  <a:schemeClr val="tx1"/>
+                </a:solidFill>
+              </a:defRPr>
             </a:lvl1pPr>
             <a:lvl2pPr marL="457200" indent="0" algn="ctr">
               <a:buNone/>
-              <a:defRPr sz="2000"/>
+              <a:defRPr>
+                <a:solidFill>
+                  <a:schemeClr val="tx1">
+                    <a:tint val="75000"/>
+                  </a:schemeClr>
+                </a:solidFill>
+              </a:defRPr>
             </a:lvl2pPr>
             <a:lvl3pPr marL="914400" indent="0" algn="ctr">
               <a:buNone/>
-              <a:defRPr sz="1800"/>
+              <a:defRPr>
+                <a:solidFill>
+                  <a:schemeClr val="tx1">
+                    <a:tint val="75000"/>
+                  </a:schemeClr>
+                </a:solidFill>
+              </a:defRPr>
             </a:lvl3pPr>
             <a:lvl4pPr marL="1371600" indent="0" algn="ctr">
               <a:buNone/>
-              <a:defRPr sz="1600"/>
+              <a:defRPr>
+                <a:solidFill>
+                  <a:schemeClr val="tx1">
+                    <a:tint val="75000"/>
+                  </a:schemeClr>
+                </a:solidFill>
+              </a:defRPr>
             </a:lvl4pPr>
             <a:lvl5pPr marL="1828800" indent="0" algn="ctr">
               <a:buNone/>
-              <a:defRPr sz="1600"/>
+              <a:defRPr>
+                <a:solidFill>
+                  <a:schemeClr val="tx1">
+                    <a:tint val="75000"/>
+                  </a:schemeClr>
+                </a:solidFill>
+              </a:defRPr>
             </a:lvl5pPr>
             <a:lvl6pPr marL="2286000" indent="0" algn="ctr">
               <a:buNone/>
-              <a:defRPr sz="1600"/>
+              <a:defRPr>
+                <a:solidFill>
+                  <a:schemeClr val="tx1">
+                    <a:tint val="75000"/>
+                  </a:schemeClr>
+                </a:solidFill>
+              </a:defRPr>
             </a:lvl6pPr>
             <a:lvl7pPr marL="2743200" indent="0" algn="ctr">
               <a:buNone/>
-              <a:defRPr sz="1600"/>
+              <a:defRPr>
+                <a:solidFill>
+                  <a:schemeClr val="tx1">
+                    <a:tint val="75000"/>
+                  </a:schemeClr>
+                </a:solidFill>
+              </a:defRPr>
             </a:lvl7pPr>
             <a:lvl8pPr marL="3200400" indent="0" algn="ctr">
               <a:buNone/>
-              <a:defRPr sz="1600"/>
+              <a:defRPr>
+                <a:solidFill>
+                  <a:schemeClr val="tx1">
+                    <a:tint val="75000"/>
+                  </a:schemeClr>
+                </a:solidFill>
+              </a:defRPr>
             </a:lvl8pPr>
             <a:lvl9pPr marL="3657600" indent="0" algn="ctr">
               <a:buNone/>
-              <a:defRPr sz="1600"/>
+              <a:defRPr>
+                <a:solidFill>
+                  <a:schemeClr val="tx1">
+                    <a:tint val="75000"/>
+                  </a:schemeClr>
+                </a:solidFill>
+              </a:defRPr>
             </a:lvl9pPr>
           </a:lstStyle>
           <a:p>
@@ -256,18 +616,13 @@
               <a:rPr lang="fr-FR"/>
               <a:t>Modifier le style des sous-titres du masque</a:t>
             </a:r>
-          </a:p>
-        </p:txBody>
-      </p:sp>
-      <p:sp>
-        <p:nvSpPr>
-          <p:cNvPr id="4" name="Espace réservé de la date 3">
-            <a:extLst>
-              <a:ext uri="{FF2B5EF4-FFF2-40B4-BE49-F238E27FC236}">
-                <a16:creationId xmlns:a16="http://schemas.microsoft.com/office/drawing/2014/main" id="{CBA132CF-2FF2-4A0A-A8F0-8838B9B1DED5}"/>
-              </a:ext>
-            </a:extLst>
-          </p:cNvPr>
+            <a:endParaRPr lang="en-US" dirty="0"/>
+          </a:p>
+        </p:txBody>
+      </p:sp>
+      <p:sp>
+        <p:nvSpPr>
+          <p:cNvPr id="4" name="Date Placeholder 3"/>
           <p:cNvSpPr>
             <a:spLocks noGrp="1"/>
           </p:cNvSpPr>
@@ -290,13 +645,7 @@
       </p:sp>
       <p:sp>
         <p:nvSpPr>
-          <p:cNvPr id="5" name="Espace réservé du pied de page 4">
-            <a:extLst>
-              <a:ext uri="{FF2B5EF4-FFF2-40B4-BE49-F238E27FC236}">
-                <a16:creationId xmlns:a16="http://schemas.microsoft.com/office/drawing/2014/main" id="{2E1FF57A-29DD-446C-873E-0D8EDC466DCA}"/>
-              </a:ext>
-            </a:extLst>
-          </p:cNvPr>
+          <p:cNvPr id="5" name="Footer Placeholder 4"/>
           <p:cNvSpPr>
             <a:spLocks noGrp="1"/>
           </p:cNvSpPr>
@@ -304,7 +653,12 @@
             <p:ph type="ftr" sz="quarter" idx="11"/>
           </p:nvPr>
         </p:nvSpPr>
-        <p:spPr/>
+        <p:spPr>
+          <a:xfrm>
+            <a:off x="5332412" y="5883275"/>
+            <a:ext cx="4324044" cy="365125"/>
+          </a:xfrm>
+        </p:spPr>
         <p:txBody>
           <a:bodyPr/>
           <a:lstStyle/>
@@ -315,13 +669,7 @@
       </p:sp>
       <p:sp>
         <p:nvSpPr>
-          <p:cNvPr id="6" name="Espace réservé du numéro de diapositive 5">
-            <a:extLst>
-              <a:ext uri="{FF2B5EF4-FFF2-40B4-BE49-F238E27FC236}">
-                <a16:creationId xmlns:a16="http://schemas.microsoft.com/office/drawing/2014/main" id="{A45CEC66-D2AF-4FCD-B748-C2027FC1916F}"/>
-              </a:ext>
-            </a:extLst>
-          </p:cNvPr>
+          <p:cNvPr id="6" name="Slide Number Placeholder 5"/>
           <p:cNvSpPr>
             <a:spLocks noGrp="1"/>
           </p:cNvSpPr>
@@ -345,7 +693,7 @@
     </p:spTree>
     <p:extLst>
       <p:ext uri="{BB962C8B-B14F-4D97-AF65-F5344CB8AC3E}">
-        <p14:creationId xmlns:p14="http://schemas.microsoft.com/office/powerpoint/2010/main" val="1901296907"/>
+        <p14:creationId xmlns:p14="http://schemas.microsoft.com/office/powerpoint/2010/main" val="118838858"/>
       </p:ext>
     </p:extLst>
   </p:cSld>
@@ -368,6 +716,2162 @@
 </file>
 
 <file path=ppt/slideLayouts/slideLayout10.xml><?xml version="1.0" encoding="utf-8"?>
+<p:sldLayout xmlns:a="http://schemas.openxmlformats.org/drawingml/2006/main" xmlns:r="http://schemas.openxmlformats.org/officeDocument/2006/relationships" xmlns:p="http://schemas.openxmlformats.org/presentationml/2006/main" preserve="1">
+  <p:cSld name="Image panoramique avec légende">
+    <p:spTree>
+      <p:nvGrpSpPr>
+        <p:cNvPr id="1" name=""/>
+        <p:cNvGrpSpPr/>
+        <p:nvPr/>
+      </p:nvGrpSpPr>
+      <p:grpSpPr>
+        <a:xfrm>
+          <a:off x="0" y="0"/>
+          <a:ext cx="0" cy="0"/>
+          <a:chOff x="0" y="0"/>
+          <a:chExt cx="0" cy="0"/>
+        </a:xfrm>
+      </p:grpSpPr>
+      <p:sp>
+        <p:nvSpPr>
+          <p:cNvPr id="2" name="Title 1"/>
+          <p:cNvSpPr>
+            <a:spLocks noGrp="1"/>
+          </p:cNvSpPr>
+          <p:nvPr>
+            <p:ph type="title"/>
+          </p:nvPr>
+        </p:nvSpPr>
+        <p:spPr>
+          <a:xfrm>
+            <a:off x="1484311" y="4732865"/>
+            <a:ext cx="10018711" cy="566738"/>
+          </a:xfrm>
+        </p:spPr>
+        <p:txBody>
+          <a:bodyPr anchor="b">
+            <a:normAutofit/>
+          </a:bodyPr>
+          <a:lstStyle>
+            <a:lvl1pPr algn="ctr">
+              <a:defRPr sz="2400" b="0"/>
+            </a:lvl1pPr>
+          </a:lstStyle>
+          <a:p>
+            <a:r>
+              <a:rPr lang="fr-FR"/>
+              <a:t>Modifiez le style du titre</a:t>
+            </a:r>
+            <a:endParaRPr lang="en-US" dirty="0"/>
+          </a:p>
+        </p:txBody>
+      </p:sp>
+      <p:sp>
+        <p:nvSpPr>
+          <p:cNvPr id="3" name="Picture Placeholder 2"/>
+          <p:cNvSpPr>
+            <a:spLocks noGrp="1" noChangeAspect="1"/>
+          </p:cNvSpPr>
+          <p:nvPr>
+            <p:ph type="pic" idx="1"/>
+          </p:nvPr>
+        </p:nvSpPr>
+        <p:spPr>
+          <a:xfrm>
+            <a:off x="2386012" y="932112"/>
+            <a:ext cx="8225944" cy="3164976"/>
+          </a:xfrm>
+          <a:prstGeom prst="roundRect">
+            <a:avLst>
+              <a:gd name="adj" fmla="val 4380"/>
+            </a:avLst>
+          </a:prstGeom>
+          <a:ln w="38100">
+            <a:gradFill flip="none" rotWithShape="1">
+              <a:gsLst>
+                <a:gs pos="0">
+                  <a:schemeClr val="bg2"/>
+                </a:gs>
+                <a:gs pos="100000">
+                  <a:schemeClr val="bg2">
+                    <a:lumMod val="75000"/>
+                  </a:schemeClr>
+                </a:gs>
+              </a:gsLst>
+              <a:lin ang="5400000" scaled="0"/>
+              <a:tileRect/>
+            </a:gradFill>
+          </a:ln>
+          <a:effectLst>
+            <a:innerShdw blurRad="57150" dist="38100" dir="14460000">
+              <a:srgbClr val="000000">
+                <a:alpha val="70000"/>
+              </a:srgbClr>
+            </a:innerShdw>
+          </a:effectLst>
+        </p:spPr>
+        <p:txBody>
+          <a:bodyPr anchor="t">
+            <a:normAutofit/>
+          </a:bodyPr>
+          <a:lstStyle>
+            <a:lvl1pPr marL="0" indent="0" algn="ctr">
+              <a:buNone/>
+              <a:defRPr sz="1600"/>
+            </a:lvl1pPr>
+            <a:lvl2pPr marL="457200" indent="0">
+              <a:buNone/>
+              <a:defRPr sz="1600"/>
+            </a:lvl2pPr>
+            <a:lvl3pPr marL="914400" indent="0">
+              <a:buNone/>
+              <a:defRPr sz="1600"/>
+            </a:lvl3pPr>
+            <a:lvl4pPr marL="1371600" indent="0">
+              <a:buNone/>
+              <a:defRPr sz="1600"/>
+            </a:lvl4pPr>
+            <a:lvl5pPr marL="1828800" indent="0">
+              <a:buNone/>
+              <a:defRPr sz="1600"/>
+            </a:lvl5pPr>
+            <a:lvl6pPr marL="2286000" indent="0">
+              <a:buNone/>
+              <a:defRPr sz="1600"/>
+            </a:lvl6pPr>
+            <a:lvl7pPr marL="2743200" indent="0">
+              <a:buNone/>
+              <a:defRPr sz="1600"/>
+            </a:lvl7pPr>
+            <a:lvl8pPr marL="3200400" indent="0">
+              <a:buNone/>
+              <a:defRPr sz="1600"/>
+            </a:lvl8pPr>
+            <a:lvl9pPr marL="3657600" indent="0">
+              <a:buNone/>
+              <a:defRPr sz="1600"/>
+            </a:lvl9pPr>
+          </a:lstStyle>
+          <a:p>
+            <a:r>
+              <a:rPr lang="fr-FR"/>
+              <a:t>Cliquez sur l'icône pour ajouter une image</a:t>
+            </a:r>
+            <a:endParaRPr lang="en-US" dirty="0"/>
+          </a:p>
+        </p:txBody>
+      </p:sp>
+      <p:sp>
+        <p:nvSpPr>
+          <p:cNvPr id="4" name="Text Placeholder 3"/>
+          <p:cNvSpPr>
+            <a:spLocks noGrp="1"/>
+          </p:cNvSpPr>
+          <p:nvPr>
+            <p:ph type="body" sz="half" idx="2"/>
+          </p:nvPr>
+        </p:nvSpPr>
+        <p:spPr>
+          <a:xfrm>
+            <a:off x="1484311" y="5299603"/>
+            <a:ext cx="10018711" cy="493712"/>
+          </a:xfrm>
+        </p:spPr>
+        <p:txBody>
+          <a:bodyPr>
+            <a:normAutofit/>
+          </a:bodyPr>
+          <a:lstStyle>
+            <a:lvl1pPr marL="0" indent="0" algn="ctr">
+              <a:buNone/>
+              <a:defRPr sz="1400"/>
+            </a:lvl1pPr>
+            <a:lvl2pPr marL="457200" indent="0">
+              <a:buNone/>
+              <a:defRPr sz="1200"/>
+            </a:lvl2pPr>
+            <a:lvl3pPr marL="914400" indent="0">
+              <a:buNone/>
+              <a:defRPr sz="1000"/>
+            </a:lvl3pPr>
+            <a:lvl4pPr marL="1371600" indent="0">
+              <a:buNone/>
+              <a:defRPr sz="900"/>
+            </a:lvl4pPr>
+            <a:lvl5pPr marL="1828800" indent="0">
+              <a:buNone/>
+              <a:defRPr sz="900"/>
+            </a:lvl5pPr>
+            <a:lvl6pPr marL="2286000" indent="0">
+              <a:buNone/>
+              <a:defRPr sz="900"/>
+            </a:lvl6pPr>
+            <a:lvl7pPr marL="2743200" indent="0">
+              <a:buNone/>
+              <a:defRPr sz="900"/>
+            </a:lvl7pPr>
+            <a:lvl8pPr marL="3200400" indent="0">
+              <a:buNone/>
+              <a:defRPr sz="900"/>
+            </a:lvl8pPr>
+            <a:lvl9pPr marL="3657600" indent="0">
+              <a:buNone/>
+              <a:defRPr sz="900"/>
+            </a:lvl9pPr>
+          </a:lstStyle>
+          <a:p>
+            <a:pPr lvl="0"/>
+            <a:r>
+              <a:rPr lang="fr-FR"/>
+              <a:t>Modifier les styles du texte du masque</a:t>
+            </a:r>
+          </a:p>
+        </p:txBody>
+      </p:sp>
+      <p:sp>
+        <p:nvSpPr>
+          <p:cNvPr id="5" name="Date Placeholder 4"/>
+          <p:cNvSpPr>
+            <a:spLocks noGrp="1"/>
+          </p:cNvSpPr>
+          <p:nvPr>
+            <p:ph type="dt" sz="half" idx="10"/>
+          </p:nvPr>
+        </p:nvSpPr>
+        <p:spPr/>
+        <p:txBody>
+          <a:bodyPr/>
+          <a:lstStyle/>
+          <a:p>
+            <a:fld id="{A61B3F4D-8EA7-49F0-B50E-DB0A97B04444}" type="datetimeFigureOut">
+              <a:rPr lang="fr-FR" smtClean="0"/>
+              <a:t>14/12/2017</a:t>
+            </a:fld>
+            <a:endParaRPr lang="fr-FR"/>
+          </a:p>
+        </p:txBody>
+      </p:sp>
+      <p:sp>
+        <p:nvSpPr>
+          <p:cNvPr id="6" name="Footer Placeholder 5"/>
+          <p:cNvSpPr>
+            <a:spLocks noGrp="1"/>
+          </p:cNvSpPr>
+          <p:nvPr>
+            <p:ph type="ftr" sz="quarter" idx="11"/>
+          </p:nvPr>
+        </p:nvSpPr>
+        <p:spPr/>
+        <p:txBody>
+          <a:bodyPr/>
+          <a:lstStyle/>
+          <a:p>
+            <a:endParaRPr lang="fr-FR"/>
+          </a:p>
+        </p:txBody>
+      </p:sp>
+      <p:sp>
+        <p:nvSpPr>
+          <p:cNvPr id="7" name="Slide Number Placeholder 6"/>
+          <p:cNvSpPr>
+            <a:spLocks noGrp="1"/>
+          </p:cNvSpPr>
+          <p:nvPr>
+            <p:ph type="sldNum" sz="quarter" idx="12"/>
+          </p:nvPr>
+        </p:nvSpPr>
+        <p:spPr/>
+        <p:txBody>
+          <a:bodyPr/>
+          <a:lstStyle/>
+          <a:p>
+            <a:fld id="{C3971EB4-5D69-478D-A898-C8EFE65792CC}" type="slidenum">
+              <a:rPr lang="fr-FR" smtClean="0"/>
+              <a:t>‹N°›</a:t>
+            </a:fld>
+            <a:endParaRPr lang="fr-FR"/>
+          </a:p>
+        </p:txBody>
+      </p:sp>
+    </p:spTree>
+    <p:extLst>
+      <p:ext uri="{BB962C8B-B14F-4D97-AF65-F5344CB8AC3E}">
+        <p14:creationId xmlns:p14="http://schemas.microsoft.com/office/powerpoint/2010/main" val="2328479158"/>
+      </p:ext>
+    </p:extLst>
+  </p:cSld>
+  <p:clrMapOvr>
+    <a:masterClrMapping/>
+  </p:clrMapOvr>
+</p:sldLayout>
+</file>
+
+<file path=ppt/slideLayouts/slideLayout11.xml><?xml version="1.0" encoding="utf-8"?>
+<p:sldLayout xmlns:a="http://schemas.openxmlformats.org/drawingml/2006/main" xmlns:r="http://schemas.openxmlformats.org/officeDocument/2006/relationships" xmlns:p="http://schemas.openxmlformats.org/presentationml/2006/main" preserve="1">
+  <p:cSld name="Titre et légende">
+    <p:spTree>
+      <p:nvGrpSpPr>
+        <p:cNvPr id="1" name=""/>
+        <p:cNvGrpSpPr/>
+        <p:nvPr/>
+      </p:nvGrpSpPr>
+      <p:grpSpPr>
+        <a:xfrm>
+          <a:off x="0" y="0"/>
+          <a:ext cx="0" cy="0"/>
+          <a:chOff x="0" y="0"/>
+          <a:chExt cx="0" cy="0"/>
+        </a:xfrm>
+      </p:grpSpPr>
+      <p:sp>
+        <p:nvSpPr>
+          <p:cNvPr id="2" name="Title 1"/>
+          <p:cNvSpPr>
+            <a:spLocks noGrp="1"/>
+          </p:cNvSpPr>
+          <p:nvPr>
+            <p:ph type="title"/>
+          </p:nvPr>
+        </p:nvSpPr>
+        <p:spPr>
+          <a:xfrm>
+            <a:off x="1484312" y="685800"/>
+            <a:ext cx="10018711" cy="3048000"/>
+          </a:xfrm>
+        </p:spPr>
+        <p:txBody>
+          <a:bodyPr anchor="ctr">
+            <a:normAutofit/>
+          </a:bodyPr>
+          <a:lstStyle>
+            <a:lvl1pPr algn="ctr">
+              <a:defRPr sz="3200" b="0" cap="none"/>
+            </a:lvl1pPr>
+          </a:lstStyle>
+          <a:p>
+            <a:r>
+              <a:rPr lang="fr-FR"/>
+              <a:t>Modifiez le style du titre</a:t>
+            </a:r>
+            <a:endParaRPr lang="en-US" dirty="0"/>
+          </a:p>
+        </p:txBody>
+      </p:sp>
+      <p:sp>
+        <p:nvSpPr>
+          <p:cNvPr id="3" name="Text Placeholder 2"/>
+          <p:cNvSpPr>
+            <a:spLocks noGrp="1"/>
+          </p:cNvSpPr>
+          <p:nvPr>
+            <p:ph type="body" idx="1"/>
+          </p:nvPr>
+        </p:nvSpPr>
+        <p:spPr>
+          <a:xfrm>
+            <a:off x="1484312" y="4343400"/>
+            <a:ext cx="10018713" cy="1447800"/>
+          </a:xfrm>
+        </p:spPr>
+        <p:txBody>
+          <a:bodyPr anchor="ctr">
+            <a:normAutofit/>
+          </a:bodyPr>
+          <a:lstStyle>
+            <a:lvl1pPr marL="0" indent="0" algn="ctr">
+              <a:buNone/>
+              <a:defRPr sz="2000">
+                <a:solidFill>
+                  <a:schemeClr val="tx1"/>
+                </a:solidFill>
+              </a:defRPr>
+            </a:lvl1pPr>
+            <a:lvl2pPr marL="457200" indent="0">
+              <a:buNone/>
+              <a:defRPr sz="1800">
+                <a:solidFill>
+                  <a:schemeClr val="tx1">
+                    <a:tint val="75000"/>
+                  </a:schemeClr>
+                </a:solidFill>
+              </a:defRPr>
+            </a:lvl2pPr>
+            <a:lvl3pPr marL="914400" indent="0">
+              <a:buNone/>
+              <a:defRPr sz="1600">
+                <a:solidFill>
+                  <a:schemeClr val="tx1">
+                    <a:tint val="75000"/>
+                  </a:schemeClr>
+                </a:solidFill>
+              </a:defRPr>
+            </a:lvl3pPr>
+            <a:lvl4pPr marL="1371600" indent="0">
+              <a:buNone/>
+              <a:defRPr sz="1400">
+                <a:solidFill>
+                  <a:schemeClr val="tx1">
+                    <a:tint val="75000"/>
+                  </a:schemeClr>
+                </a:solidFill>
+              </a:defRPr>
+            </a:lvl4pPr>
+            <a:lvl5pPr marL="1828800" indent="0">
+              <a:buNone/>
+              <a:defRPr sz="1400">
+                <a:solidFill>
+                  <a:schemeClr val="tx1">
+                    <a:tint val="75000"/>
+                  </a:schemeClr>
+                </a:solidFill>
+              </a:defRPr>
+            </a:lvl5pPr>
+            <a:lvl6pPr marL="2286000" indent="0">
+              <a:buNone/>
+              <a:defRPr sz="1400">
+                <a:solidFill>
+                  <a:schemeClr val="tx1">
+                    <a:tint val="75000"/>
+                  </a:schemeClr>
+                </a:solidFill>
+              </a:defRPr>
+            </a:lvl6pPr>
+            <a:lvl7pPr marL="2743200" indent="0">
+              <a:buNone/>
+              <a:defRPr sz="1400">
+                <a:solidFill>
+                  <a:schemeClr val="tx1">
+                    <a:tint val="75000"/>
+                  </a:schemeClr>
+                </a:solidFill>
+              </a:defRPr>
+            </a:lvl7pPr>
+            <a:lvl8pPr marL="3200400" indent="0">
+              <a:buNone/>
+              <a:defRPr sz="1400">
+                <a:solidFill>
+                  <a:schemeClr val="tx1">
+                    <a:tint val="75000"/>
+                  </a:schemeClr>
+                </a:solidFill>
+              </a:defRPr>
+            </a:lvl8pPr>
+            <a:lvl9pPr marL="3657600" indent="0">
+              <a:buNone/>
+              <a:defRPr sz="1400">
+                <a:solidFill>
+                  <a:schemeClr val="tx1">
+                    <a:tint val="75000"/>
+                  </a:schemeClr>
+                </a:solidFill>
+              </a:defRPr>
+            </a:lvl9pPr>
+          </a:lstStyle>
+          <a:p>
+            <a:pPr lvl="0"/>
+            <a:r>
+              <a:rPr lang="fr-FR"/>
+              <a:t>Modifier les styles du texte du masque</a:t>
+            </a:r>
+          </a:p>
+        </p:txBody>
+      </p:sp>
+      <p:sp>
+        <p:nvSpPr>
+          <p:cNvPr id="4" name="Date Placeholder 3"/>
+          <p:cNvSpPr>
+            <a:spLocks noGrp="1"/>
+          </p:cNvSpPr>
+          <p:nvPr>
+            <p:ph type="dt" sz="half" idx="10"/>
+          </p:nvPr>
+        </p:nvSpPr>
+        <p:spPr/>
+        <p:txBody>
+          <a:bodyPr/>
+          <a:lstStyle/>
+          <a:p>
+            <a:fld id="{A61B3F4D-8EA7-49F0-B50E-DB0A97B04444}" type="datetimeFigureOut">
+              <a:rPr lang="fr-FR" smtClean="0"/>
+              <a:t>14/12/2017</a:t>
+            </a:fld>
+            <a:endParaRPr lang="fr-FR"/>
+          </a:p>
+        </p:txBody>
+      </p:sp>
+      <p:sp>
+        <p:nvSpPr>
+          <p:cNvPr id="5" name="Footer Placeholder 4"/>
+          <p:cNvSpPr>
+            <a:spLocks noGrp="1"/>
+          </p:cNvSpPr>
+          <p:nvPr>
+            <p:ph type="ftr" sz="quarter" idx="11"/>
+          </p:nvPr>
+        </p:nvSpPr>
+        <p:spPr/>
+        <p:txBody>
+          <a:bodyPr/>
+          <a:lstStyle/>
+          <a:p>
+            <a:endParaRPr lang="fr-FR"/>
+          </a:p>
+        </p:txBody>
+      </p:sp>
+      <p:sp>
+        <p:nvSpPr>
+          <p:cNvPr id="6" name="Slide Number Placeholder 5"/>
+          <p:cNvSpPr>
+            <a:spLocks noGrp="1"/>
+          </p:cNvSpPr>
+          <p:nvPr>
+            <p:ph type="sldNum" sz="quarter" idx="12"/>
+          </p:nvPr>
+        </p:nvSpPr>
+        <p:spPr/>
+        <p:txBody>
+          <a:bodyPr/>
+          <a:lstStyle/>
+          <a:p>
+            <a:fld id="{C3971EB4-5D69-478D-A898-C8EFE65792CC}" type="slidenum">
+              <a:rPr lang="fr-FR" smtClean="0"/>
+              <a:t>‹N°›</a:t>
+            </a:fld>
+            <a:endParaRPr lang="fr-FR"/>
+          </a:p>
+        </p:txBody>
+      </p:sp>
+    </p:spTree>
+    <p:extLst>
+      <p:ext uri="{BB962C8B-B14F-4D97-AF65-F5344CB8AC3E}">
+        <p14:creationId xmlns:p14="http://schemas.microsoft.com/office/powerpoint/2010/main" val="4114424307"/>
+      </p:ext>
+    </p:extLst>
+  </p:cSld>
+  <p:clrMapOvr>
+    <a:masterClrMapping/>
+  </p:clrMapOvr>
+</p:sldLayout>
+</file>
+
+<file path=ppt/slideLayouts/slideLayout12.xml><?xml version="1.0" encoding="utf-8"?>
+<p:sldLayout xmlns:a="http://schemas.openxmlformats.org/drawingml/2006/main" xmlns:r="http://schemas.openxmlformats.org/officeDocument/2006/relationships" xmlns:p="http://schemas.openxmlformats.org/presentationml/2006/main" preserve="1">
+  <p:cSld name="Citation avec légende">
+    <p:spTree>
+      <p:nvGrpSpPr>
+        <p:cNvPr id="1" name=""/>
+        <p:cNvGrpSpPr/>
+        <p:nvPr/>
+      </p:nvGrpSpPr>
+      <p:grpSpPr>
+        <a:xfrm>
+          <a:off x="0" y="0"/>
+          <a:ext cx="0" cy="0"/>
+          <a:chOff x="0" y="0"/>
+          <a:chExt cx="0" cy="0"/>
+        </a:xfrm>
+      </p:grpSpPr>
+      <p:sp>
+        <p:nvSpPr>
+          <p:cNvPr id="14" name="TextBox 13"/>
+          <p:cNvSpPr txBox="1"/>
+          <p:nvPr/>
+        </p:nvSpPr>
+        <p:spPr>
+          <a:xfrm>
+            <a:off x="1598612" y="863023"/>
+            <a:ext cx="609600" cy="584776"/>
+          </a:xfrm>
+          <a:prstGeom prst="rect">
+            <a:avLst/>
+          </a:prstGeom>
+        </p:spPr>
+        <p:txBody>
+          <a:bodyPr vert="horz" lIns="91440" tIns="45720" rIns="91440" bIns="45720" rtlCol="0" anchor="ctr">
+            <a:noAutofit/>
+          </a:bodyPr>
+          <a:lstStyle>
+            <a:lvl1pPr>
+              <a:spcBef>
+                <a:spcPct val="0"/>
+              </a:spcBef>
+              <a:buNone/>
+              <a:defRPr sz="3200" b="0" cap="all">
+                <a:ln w="3175" cmpd="sng">
+                  <a:noFill/>
+                </a:ln>
+                <a:effectLst>
+                  <a:glow rad="38100">
+                    <a:schemeClr val="bg1">
+                      <a:lumMod val="65000"/>
+                      <a:lumOff val="35000"/>
+                      <a:alpha val="40000"/>
+                    </a:schemeClr>
+                  </a:glow>
+                  <a:outerShdw blurRad="28575" dist="38100" dir="14040000" algn="tl" rotWithShape="0">
+                    <a:srgbClr val="000000">
+                      <a:alpha val="25000"/>
+                    </a:srgbClr>
+                  </a:outerShdw>
+                </a:effectLst>
+              </a:defRPr>
+            </a:lvl1pPr>
+            <a:lvl2pPr>
+              <a:defRPr>
+                <a:solidFill>
+                  <a:schemeClr val="tx2"/>
+                </a:solidFill>
+              </a:defRPr>
+            </a:lvl2pPr>
+            <a:lvl3pPr>
+              <a:defRPr>
+                <a:solidFill>
+                  <a:schemeClr val="tx2"/>
+                </a:solidFill>
+              </a:defRPr>
+            </a:lvl3pPr>
+            <a:lvl4pPr>
+              <a:defRPr>
+                <a:solidFill>
+                  <a:schemeClr val="tx2"/>
+                </a:solidFill>
+              </a:defRPr>
+            </a:lvl4pPr>
+            <a:lvl5pPr>
+              <a:defRPr>
+                <a:solidFill>
+                  <a:schemeClr val="tx2"/>
+                </a:solidFill>
+              </a:defRPr>
+            </a:lvl5pPr>
+            <a:lvl6pPr>
+              <a:defRPr>
+                <a:solidFill>
+                  <a:schemeClr val="tx2"/>
+                </a:solidFill>
+              </a:defRPr>
+            </a:lvl6pPr>
+            <a:lvl7pPr>
+              <a:defRPr>
+                <a:solidFill>
+                  <a:schemeClr val="tx2"/>
+                </a:solidFill>
+              </a:defRPr>
+            </a:lvl7pPr>
+            <a:lvl8pPr>
+              <a:defRPr>
+                <a:solidFill>
+                  <a:schemeClr val="tx2"/>
+                </a:solidFill>
+              </a:defRPr>
+            </a:lvl8pPr>
+            <a:lvl9pPr>
+              <a:defRPr>
+                <a:solidFill>
+                  <a:schemeClr val="tx2"/>
+                </a:solidFill>
+              </a:defRPr>
+            </a:lvl9pPr>
+          </a:lstStyle>
+          <a:p>
+            <a:pPr lvl="0"/>
+            <a:r>
+              <a:rPr lang="en-US" sz="8000" dirty="0">
+                <a:solidFill>
+                  <a:schemeClr val="tx1"/>
+                </a:solidFill>
+                <a:effectLst/>
+              </a:rPr>
+              <a:t>“</a:t>
+            </a:r>
+          </a:p>
+        </p:txBody>
+      </p:sp>
+      <p:sp>
+        <p:nvSpPr>
+          <p:cNvPr id="15" name="TextBox 14"/>
+          <p:cNvSpPr txBox="1"/>
+          <p:nvPr/>
+        </p:nvSpPr>
+        <p:spPr>
+          <a:xfrm>
+            <a:off x="10893425" y="2819399"/>
+            <a:ext cx="609600" cy="584776"/>
+          </a:xfrm>
+          <a:prstGeom prst="rect">
+            <a:avLst/>
+          </a:prstGeom>
+        </p:spPr>
+        <p:txBody>
+          <a:bodyPr vert="horz" lIns="91440" tIns="45720" rIns="91440" bIns="45720" rtlCol="0" anchor="ctr">
+            <a:noAutofit/>
+          </a:bodyPr>
+          <a:lstStyle>
+            <a:lvl1pPr>
+              <a:spcBef>
+                <a:spcPct val="0"/>
+              </a:spcBef>
+              <a:buNone/>
+              <a:defRPr sz="3200" b="0" cap="all">
+                <a:ln w="3175" cmpd="sng">
+                  <a:noFill/>
+                </a:ln>
+                <a:effectLst>
+                  <a:glow rad="38100">
+                    <a:schemeClr val="bg1">
+                      <a:lumMod val="65000"/>
+                      <a:lumOff val="35000"/>
+                      <a:alpha val="40000"/>
+                    </a:schemeClr>
+                  </a:glow>
+                  <a:outerShdw blurRad="28575" dist="38100" dir="14040000" algn="tl" rotWithShape="0">
+                    <a:srgbClr val="000000">
+                      <a:alpha val="25000"/>
+                    </a:srgbClr>
+                  </a:outerShdw>
+                </a:effectLst>
+              </a:defRPr>
+            </a:lvl1pPr>
+            <a:lvl2pPr>
+              <a:defRPr>
+                <a:solidFill>
+                  <a:schemeClr val="tx2"/>
+                </a:solidFill>
+              </a:defRPr>
+            </a:lvl2pPr>
+            <a:lvl3pPr>
+              <a:defRPr>
+                <a:solidFill>
+                  <a:schemeClr val="tx2"/>
+                </a:solidFill>
+              </a:defRPr>
+            </a:lvl3pPr>
+            <a:lvl4pPr>
+              <a:defRPr>
+                <a:solidFill>
+                  <a:schemeClr val="tx2"/>
+                </a:solidFill>
+              </a:defRPr>
+            </a:lvl4pPr>
+            <a:lvl5pPr>
+              <a:defRPr>
+                <a:solidFill>
+                  <a:schemeClr val="tx2"/>
+                </a:solidFill>
+              </a:defRPr>
+            </a:lvl5pPr>
+            <a:lvl6pPr>
+              <a:defRPr>
+                <a:solidFill>
+                  <a:schemeClr val="tx2"/>
+                </a:solidFill>
+              </a:defRPr>
+            </a:lvl6pPr>
+            <a:lvl7pPr>
+              <a:defRPr>
+                <a:solidFill>
+                  <a:schemeClr val="tx2"/>
+                </a:solidFill>
+              </a:defRPr>
+            </a:lvl7pPr>
+            <a:lvl8pPr>
+              <a:defRPr>
+                <a:solidFill>
+                  <a:schemeClr val="tx2"/>
+                </a:solidFill>
+              </a:defRPr>
+            </a:lvl8pPr>
+            <a:lvl9pPr>
+              <a:defRPr>
+                <a:solidFill>
+                  <a:schemeClr val="tx2"/>
+                </a:solidFill>
+              </a:defRPr>
+            </a:lvl9pPr>
+          </a:lstStyle>
+          <a:p>
+            <a:pPr lvl="0" algn="r"/>
+            <a:r>
+              <a:rPr lang="en-US" sz="8000" dirty="0">
+                <a:solidFill>
+                  <a:schemeClr val="tx1"/>
+                </a:solidFill>
+                <a:effectLst/>
+              </a:rPr>
+              <a:t>”</a:t>
+            </a:r>
+          </a:p>
+        </p:txBody>
+      </p:sp>
+      <p:sp>
+        <p:nvSpPr>
+          <p:cNvPr id="2" name="Title 1"/>
+          <p:cNvSpPr>
+            <a:spLocks noGrp="1"/>
+          </p:cNvSpPr>
+          <p:nvPr>
+            <p:ph type="title"/>
+          </p:nvPr>
+        </p:nvSpPr>
+        <p:spPr>
+          <a:xfrm>
+            <a:off x="2208212" y="685800"/>
+            <a:ext cx="8990012" cy="2743199"/>
+          </a:xfrm>
+        </p:spPr>
+        <p:txBody>
+          <a:bodyPr anchor="ctr">
+            <a:normAutofit/>
+          </a:bodyPr>
+          <a:lstStyle>
+            <a:lvl1pPr algn="ctr">
+              <a:defRPr sz="3200" b="0" cap="none">
+                <a:solidFill>
+                  <a:schemeClr val="tx1"/>
+                </a:solidFill>
+              </a:defRPr>
+            </a:lvl1pPr>
+          </a:lstStyle>
+          <a:p>
+            <a:r>
+              <a:rPr lang="fr-FR"/>
+              <a:t>Modifiez le style du titre</a:t>
+            </a:r>
+            <a:endParaRPr lang="en-US" dirty="0"/>
+          </a:p>
+        </p:txBody>
+      </p:sp>
+      <p:sp>
+        <p:nvSpPr>
+          <p:cNvPr id="10" name="Text Placeholder 9"/>
+          <p:cNvSpPr>
+            <a:spLocks noGrp="1"/>
+          </p:cNvSpPr>
+          <p:nvPr>
+            <p:ph type="body" sz="quarter" idx="13"/>
+          </p:nvPr>
+        </p:nvSpPr>
+        <p:spPr>
+          <a:xfrm>
+            <a:off x="2436811" y="3428999"/>
+            <a:ext cx="8532815" cy="381000"/>
+          </a:xfrm>
+        </p:spPr>
+        <p:txBody>
+          <a:bodyPr anchor="ctr">
+            <a:normAutofit/>
+          </a:bodyPr>
+          <a:lstStyle>
+            <a:lvl1pPr marL="0" indent="0">
+              <a:buFontTx/>
+              <a:buNone/>
+              <a:defRPr sz="1800"/>
+            </a:lvl1pPr>
+            <a:lvl2pPr marL="457200" indent="0">
+              <a:buFontTx/>
+              <a:buNone/>
+              <a:defRPr/>
+            </a:lvl2pPr>
+            <a:lvl3pPr marL="914400" indent="0">
+              <a:buFontTx/>
+              <a:buNone/>
+              <a:defRPr/>
+            </a:lvl3pPr>
+            <a:lvl4pPr marL="1371600" indent="0">
+              <a:buFontTx/>
+              <a:buNone/>
+              <a:defRPr/>
+            </a:lvl4pPr>
+            <a:lvl5pPr marL="1828800" indent="0">
+              <a:buFontTx/>
+              <a:buNone/>
+              <a:defRPr/>
+            </a:lvl5pPr>
+          </a:lstStyle>
+          <a:p>
+            <a:pPr lvl="0"/>
+            <a:r>
+              <a:rPr lang="fr-FR"/>
+              <a:t>Modifier les styles du texte du masque</a:t>
+            </a:r>
+          </a:p>
+        </p:txBody>
+      </p:sp>
+      <p:sp>
+        <p:nvSpPr>
+          <p:cNvPr id="3" name="Text Placeholder 2"/>
+          <p:cNvSpPr>
+            <a:spLocks noGrp="1"/>
+          </p:cNvSpPr>
+          <p:nvPr>
+            <p:ph type="body" idx="1"/>
+          </p:nvPr>
+        </p:nvSpPr>
+        <p:spPr>
+          <a:xfrm>
+            <a:off x="1484311" y="4343400"/>
+            <a:ext cx="10018711" cy="1447800"/>
+          </a:xfrm>
+        </p:spPr>
+        <p:txBody>
+          <a:bodyPr anchor="ctr">
+            <a:normAutofit/>
+          </a:bodyPr>
+          <a:lstStyle>
+            <a:lvl1pPr marL="0" indent="0" algn="ctr">
+              <a:buNone/>
+              <a:defRPr sz="2000">
+                <a:solidFill>
+                  <a:schemeClr val="tx1"/>
+                </a:solidFill>
+              </a:defRPr>
+            </a:lvl1pPr>
+            <a:lvl2pPr marL="457200" indent="0">
+              <a:buNone/>
+              <a:defRPr sz="1800">
+                <a:solidFill>
+                  <a:schemeClr val="tx1">
+                    <a:tint val="75000"/>
+                  </a:schemeClr>
+                </a:solidFill>
+              </a:defRPr>
+            </a:lvl2pPr>
+            <a:lvl3pPr marL="914400" indent="0">
+              <a:buNone/>
+              <a:defRPr sz="1600">
+                <a:solidFill>
+                  <a:schemeClr val="tx1">
+                    <a:tint val="75000"/>
+                  </a:schemeClr>
+                </a:solidFill>
+              </a:defRPr>
+            </a:lvl3pPr>
+            <a:lvl4pPr marL="1371600" indent="0">
+              <a:buNone/>
+              <a:defRPr sz="1400">
+                <a:solidFill>
+                  <a:schemeClr val="tx1">
+                    <a:tint val="75000"/>
+                  </a:schemeClr>
+                </a:solidFill>
+              </a:defRPr>
+            </a:lvl4pPr>
+            <a:lvl5pPr marL="1828800" indent="0">
+              <a:buNone/>
+              <a:defRPr sz="1400">
+                <a:solidFill>
+                  <a:schemeClr val="tx1">
+                    <a:tint val="75000"/>
+                  </a:schemeClr>
+                </a:solidFill>
+              </a:defRPr>
+            </a:lvl5pPr>
+            <a:lvl6pPr marL="2286000" indent="0">
+              <a:buNone/>
+              <a:defRPr sz="1400">
+                <a:solidFill>
+                  <a:schemeClr val="tx1">
+                    <a:tint val="75000"/>
+                  </a:schemeClr>
+                </a:solidFill>
+              </a:defRPr>
+            </a:lvl6pPr>
+            <a:lvl7pPr marL="2743200" indent="0">
+              <a:buNone/>
+              <a:defRPr sz="1400">
+                <a:solidFill>
+                  <a:schemeClr val="tx1">
+                    <a:tint val="75000"/>
+                  </a:schemeClr>
+                </a:solidFill>
+              </a:defRPr>
+            </a:lvl7pPr>
+            <a:lvl8pPr marL="3200400" indent="0">
+              <a:buNone/>
+              <a:defRPr sz="1400">
+                <a:solidFill>
+                  <a:schemeClr val="tx1">
+                    <a:tint val="75000"/>
+                  </a:schemeClr>
+                </a:solidFill>
+              </a:defRPr>
+            </a:lvl8pPr>
+            <a:lvl9pPr marL="3657600" indent="0">
+              <a:buNone/>
+              <a:defRPr sz="1400">
+                <a:solidFill>
+                  <a:schemeClr val="tx1">
+                    <a:tint val="75000"/>
+                  </a:schemeClr>
+                </a:solidFill>
+              </a:defRPr>
+            </a:lvl9pPr>
+          </a:lstStyle>
+          <a:p>
+            <a:pPr lvl="0"/>
+            <a:r>
+              <a:rPr lang="fr-FR"/>
+              <a:t>Modifier les styles du texte du masque</a:t>
+            </a:r>
+          </a:p>
+        </p:txBody>
+      </p:sp>
+      <p:sp>
+        <p:nvSpPr>
+          <p:cNvPr id="4" name="Date Placeholder 3"/>
+          <p:cNvSpPr>
+            <a:spLocks noGrp="1"/>
+          </p:cNvSpPr>
+          <p:nvPr>
+            <p:ph type="dt" sz="half" idx="10"/>
+          </p:nvPr>
+        </p:nvSpPr>
+        <p:spPr/>
+        <p:txBody>
+          <a:bodyPr/>
+          <a:lstStyle/>
+          <a:p>
+            <a:fld id="{A61B3F4D-8EA7-49F0-B50E-DB0A97B04444}" type="datetimeFigureOut">
+              <a:rPr lang="fr-FR" smtClean="0"/>
+              <a:t>14/12/2017</a:t>
+            </a:fld>
+            <a:endParaRPr lang="fr-FR"/>
+          </a:p>
+        </p:txBody>
+      </p:sp>
+      <p:sp>
+        <p:nvSpPr>
+          <p:cNvPr id="5" name="Footer Placeholder 4"/>
+          <p:cNvSpPr>
+            <a:spLocks noGrp="1"/>
+          </p:cNvSpPr>
+          <p:nvPr>
+            <p:ph type="ftr" sz="quarter" idx="11"/>
+          </p:nvPr>
+        </p:nvSpPr>
+        <p:spPr/>
+        <p:txBody>
+          <a:bodyPr/>
+          <a:lstStyle/>
+          <a:p>
+            <a:endParaRPr lang="fr-FR"/>
+          </a:p>
+        </p:txBody>
+      </p:sp>
+      <p:sp>
+        <p:nvSpPr>
+          <p:cNvPr id="6" name="Slide Number Placeholder 5"/>
+          <p:cNvSpPr>
+            <a:spLocks noGrp="1"/>
+          </p:cNvSpPr>
+          <p:nvPr>
+            <p:ph type="sldNum" sz="quarter" idx="12"/>
+          </p:nvPr>
+        </p:nvSpPr>
+        <p:spPr/>
+        <p:txBody>
+          <a:bodyPr/>
+          <a:lstStyle/>
+          <a:p>
+            <a:fld id="{C3971EB4-5D69-478D-A898-C8EFE65792CC}" type="slidenum">
+              <a:rPr lang="fr-FR" smtClean="0"/>
+              <a:t>‹N°›</a:t>
+            </a:fld>
+            <a:endParaRPr lang="fr-FR"/>
+          </a:p>
+        </p:txBody>
+      </p:sp>
+    </p:spTree>
+    <p:extLst>
+      <p:ext uri="{BB962C8B-B14F-4D97-AF65-F5344CB8AC3E}">
+        <p14:creationId xmlns:p14="http://schemas.microsoft.com/office/powerpoint/2010/main" val="2665171419"/>
+      </p:ext>
+    </p:extLst>
+  </p:cSld>
+  <p:clrMapOvr>
+    <a:masterClrMapping/>
+  </p:clrMapOvr>
+</p:sldLayout>
+</file>
+
+<file path=ppt/slideLayouts/slideLayout13.xml><?xml version="1.0" encoding="utf-8"?>
+<p:sldLayout xmlns:a="http://schemas.openxmlformats.org/drawingml/2006/main" xmlns:r="http://schemas.openxmlformats.org/officeDocument/2006/relationships" xmlns:p="http://schemas.openxmlformats.org/presentationml/2006/main" preserve="1">
+  <p:cSld name="Carte nom">
+    <p:spTree>
+      <p:nvGrpSpPr>
+        <p:cNvPr id="1" name=""/>
+        <p:cNvGrpSpPr/>
+        <p:nvPr/>
+      </p:nvGrpSpPr>
+      <p:grpSpPr>
+        <a:xfrm>
+          <a:off x="0" y="0"/>
+          <a:ext cx="0" cy="0"/>
+          <a:chOff x="0" y="0"/>
+          <a:chExt cx="0" cy="0"/>
+        </a:xfrm>
+      </p:grpSpPr>
+      <p:sp>
+        <p:nvSpPr>
+          <p:cNvPr id="2" name="Title 1"/>
+          <p:cNvSpPr>
+            <a:spLocks noGrp="1"/>
+          </p:cNvSpPr>
+          <p:nvPr>
+            <p:ph type="title"/>
+          </p:nvPr>
+        </p:nvSpPr>
+        <p:spPr>
+          <a:xfrm>
+            <a:off x="1484313" y="3308581"/>
+            <a:ext cx="10018709" cy="1468800"/>
+          </a:xfrm>
+        </p:spPr>
+        <p:txBody>
+          <a:bodyPr anchor="b">
+            <a:normAutofit/>
+          </a:bodyPr>
+          <a:lstStyle>
+            <a:lvl1pPr algn="r">
+              <a:defRPr sz="3200" b="0" cap="none"/>
+            </a:lvl1pPr>
+          </a:lstStyle>
+          <a:p>
+            <a:r>
+              <a:rPr lang="fr-FR"/>
+              <a:t>Modifiez le style du titre</a:t>
+            </a:r>
+            <a:endParaRPr lang="en-US" dirty="0"/>
+          </a:p>
+        </p:txBody>
+      </p:sp>
+      <p:sp>
+        <p:nvSpPr>
+          <p:cNvPr id="3" name="Text Placeholder 2"/>
+          <p:cNvSpPr>
+            <a:spLocks noGrp="1"/>
+          </p:cNvSpPr>
+          <p:nvPr>
+            <p:ph type="body" idx="1"/>
+          </p:nvPr>
+        </p:nvSpPr>
+        <p:spPr>
+          <a:xfrm>
+            <a:off x="1484312" y="4777381"/>
+            <a:ext cx="10018710" cy="860400"/>
+          </a:xfrm>
+        </p:spPr>
+        <p:txBody>
+          <a:bodyPr anchor="t">
+            <a:normAutofit/>
+          </a:bodyPr>
+          <a:lstStyle>
+            <a:lvl1pPr marL="0" indent="0" algn="r">
+              <a:buNone/>
+              <a:defRPr sz="2000">
+                <a:solidFill>
+                  <a:schemeClr val="tx1"/>
+                </a:solidFill>
+              </a:defRPr>
+            </a:lvl1pPr>
+            <a:lvl2pPr marL="457200" indent="0">
+              <a:buNone/>
+              <a:defRPr sz="1800">
+                <a:solidFill>
+                  <a:schemeClr val="tx1">
+                    <a:tint val="75000"/>
+                  </a:schemeClr>
+                </a:solidFill>
+              </a:defRPr>
+            </a:lvl2pPr>
+            <a:lvl3pPr marL="914400" indent="0">
+              <a:buNone/>
+              <a:defRPr sz="1600">
+                <a:solidFill>
+                  <a:schemeClr val="tx1">
+                    <a:tint val="75000"/>
+                  </a:schemeClr>
+                </a:solidFill>
+              </a:defRPr>
+            </a:lvl3pPr>
+            <a:lvl4pPr marL="1371600" indent="0">
+              <a:buNone/>
+              <a:defRPr sz="1400">
+                <a:solidFill>
+                  <a:schemeClr val="tx1">
+                    <a:tint val="75000"/>
+                  </a:schemeClr>
+                </a:solidFill>
+              </a:defRPr>
+            </a:lvl4pPr>
+            <a:lvl5pPr marL="1828800" indent="0">
+              <a:buNone/>
+              <a:defRPr sz="1400">
+                <a:solidFill>
+                  <a:schemeClr val="tx1">
+                    <a:tint val="75000"/>
+                  </a:schemeClr>
+                </a:solidFill>
+              </a:defRPr>
+            </a:lvl5pPr>
+            <a:lvl6pPr marL="2286000" indent="0">
+              <a:buNone/>
+              <a:defRPr sz="1400">
+                <a:solidFill>
+                  <a:schemeClr val="tx1">
+                    <a:tint val="75000"/>
+                  </a:schemeClr>
+                </a:solidFill>
+              </a:defRPr>
+            </a:lvl6pPr>
+            <a:lvl7pPr marL="2743200" indent="0">
+              <a:buNone/>
+              <a:defRPr sz="1400">
+                <a:solidFill>
+                  <a:schemeClr val="tx1">
+                    <a:tint val="75000"/>
+                  </a:schemeClr>
+                </a:solidFill>
+              </a:defRPr>
+            </a:lvl7pPr>
+            <a:lvl8pPr marL="3200400" indent="0">
+              <a:buNone/>
+              <a:defRPr sz="1400">
+                <a:solidFill>
+                  <a:schemeClr val="tx1">
+                    <a:tint val="75000"/>
+                  </a:schemeClr>
+                </a:solidFill>
+              </a:defRPr>
+            </a:lvl8pPr>
+            <a:lvl9pPr marL="3657600" indent="0">
+              <a:buNone/>
+              <a:defRPr sz="1400">
+                <a:solidFill>
+                  <a:schemeClr val="tx1">
+                    <a:tint val="75000"/>
+                  </a:schemeClr>
+                </a:solidFill>
+              </a:defRPr>
+            </a:lvl9pPr>
+          </a:lstStyle>
+          <a:p>
+            <a:pPr lvl="0"/>
+            <a:r>
+              <a:rPr lang="fr-FR"/>
+              <a:t>Modifier les styles du texte du masque</a:t>
+            </a:r>
+          </a:p>
+        </p:txBody>
+      </p:sp>
+      <p:sp>
+        <p:nvSpPr>
+          <p:cNvPr id="4" name="Date Placeholder 3"/>
+          <p:cNvSpPr>
+            <a:spLocks noGrp="1"/>
+          </p:cNvSpPr>
+          <p:nvPr>
+            <p:ph type="dt" sz="half" idx="10"/>
+          </p:nvPr>
+        </p:nvSpPr>
+        <p:spPr/>
+        <p:txBody>
+          <a:bodyPr/>
+          <a:lstStyle/>
+          <a:p>
+            <a:fld id="{A61B3F4D-8EA7-49F0-B50E-DB0A97B04444}" type="datetimeFigureOut">
+              <a:rPr lang="fr-FR" smtClean="0"/>
+              <a:t>14/12/2017</a:t>
+            </a:fld>
+            <a:endParaRPr lang="fr-FR"/>
+          </a:p>
+        </p:txBody>
+      </p:sp>
+      <p:sp>
+        <p:nvSpPr>
+          <p:cNvPr id="5" name="Footer Placeholder 4"/>
+          <p:cNvSpPr>
+            <a:spLocks noGrp="1"/>
+          </p:cNvSpPr>
+          <p:nvPr>
+            <p:ph type="ftr" sz="quarter" idx="11"/>
+          </p:nvPr>
+        </p:nvSpPr>
+        <p:spPr/>
+        <p:txBody>
+          <a:bodyPr/>
+          <a:lstStyle/>
+          <a:p>
+            <a:endParaRPr lang="fr-FR"/>
+          </a:p>
+        </p:txBody>
+      </p:sp>
+      <p:sp>
+        <p:nvSpPr>
+          <p:cNvPr id="6" name="Slide Number Placeholder 5"/>
+          <p:cNvSpPr>
+            <a:spLocks noGrp="1"/>
+          </p:cNvSpPr>
+          <p:nvPr>
+            <p:ph type="sldNum" sz="quarter" idx="12"/>
+          </p:nvPr>
+        </p:nvSpPr>
+        <p:spPr/>
+        <p:txBody>
+          <a:bodyPr/>
+          <a:lstStyle/>
+          <a:p>
+            <a:fld id="{C3971EB4-5D69-478D-A898-C8EFE65792CC}" type="slidenum">
+              <a:rPr lang="fr-FR" smtClean="0"/>
+              <a:t>‹N°›</a:t>
+            </a:fld>
+            <a:endParaRPr lang="fr-FR"/>
+          </a:p>
+        </p:txBody>
+      </p:sp>
+    </p:spTree>
+    <p:extLst>
+      <p:ext uri="{BB962C8B-B14F-4D97-AF65-F5344CB8AC3E}">
+        <p14:creationId xmlns:p14="http://schemas.microsoft.com/office/powerpoint/2010/main" val="1224566204"/>
+      </p:ext>
+    </p:extLst>
+  </p:cSld>
+  <p:clrMapOvr>
+    <a:masterClrMapping/>
+  </p:clrMapOvr>
+</p:sldLayout>
+</file>
+
+<file path=ppt/slideLayouts/slideLayout14.xml><?xml version="1.0" encoding="utf-8"?>
+<p:sldLayout xmlns:a="http://schemas.openxmlformats.org/drawingml/2006/main" xmlns:r="http://schemas.openxmlformats.org/officeDocument/2006/relationships" xmlns:p="http://schemas.openxmlformats.org/presentationml/2006/main" preserve="1">
+  <p:cSld name="Carte nom citation">
+    <p:spTree>
+      <p:nvGrpSpPr>
+        <p:cNvPr id="1" name=""/>
+        <p:cNvGrpSpPr/>
+        <p:nvPr/>
+      </p:nvGrpSpPr>
+      <p:grpSpPr>
+        <a:xfrm>
+          <a:off x="0" y="0"/>
+          <a:ext cx="0" cy="0"/>
+          <a:chOff x="0" y="0"/>
+          <a:chExt cx="0" cy="0"/>
+        </a:xfrm>
+      </p:grpSpPr>
+      <p:sp>
+        <p:nvSpPr>
+          <p:cNvPr id="14" name="TextBox 13"/>
+          <p:cNvSpPr txBox="1"/>
+          <p:nvPr/>
+        </p:nvSpPr>
+        <p:spPr>
+          <a:xfrm>
+            <a:off x="1598612" y="863023"/>
+            <a:ext cx="609600" cy="584776"/>
+          </a:xfrm>
+          <a:prstGeom prst="rect">
+            <a:avLst/>
+          </a:prstGeom>
+        </p:spPr>
+        <p:txBody>
+          <a:bodyPr vert="horz" lIns="91440" tIns="45720" rIns="91440" bIns="45720" rtlCol="0" anchor="ctr">
+            <a:noAutofit/>
+          </a:bodyPr>
+          <a:lstStyle>
+            <a:lvl1pPr>
+              <a:spcBef>
+                <a:spcPct val="0"/>
+              </a:spcBef>
+              <a:buNone/>
+              <a:defRPr sz="3200" b="0" cap="all">
+                <a:ln w="3175" cmpd="sng">
+                  <a:noFill/>
+                </a:ln>
+                <a:effectLst>
+                  <a:glow rad="38100">
+                    <a:schemeClr val="bg1">
+                      <a:lumMod val="65000"/>
+                      <a:lumOff val="35000"/>
+                      <a:alpha val="40000"/>
+                    </a:schemeClr>
+                  </a:glow>
+                  <a:outerShdw blurRad="28575" dist="38100" dir="14040000" algn="tl" rotWithShape="0">
+                    <a:srgbClr val="000000">
+                      <a:alpha val="25000"/>
+                    </a:srgbClr>
+                  </a:outerShdw>
+                </a:effectLst>
+              </a:defRPr>
+            </a:lvl1pPr>
+            <a:lvl2pPr>
+              <a:defRPr>
+                <a:solidFill>
+                  <a:schemeClr val="tx2"/>
+                </a:solidFill>
+              </a:defRPr>
+            </a:lvl2pPr>
+            <a:lvl3pPr>
+              <a:defRPr>
+                <a:solidFill>
+                  <a:schemeClr val="tx2"/>
+                </a:solidFill>
+              </a:defRPr>
+            </a:lvl3pPr>
+            <a:lvl4pPr>
+              <a:defRPr>
+                <a:solidFill>
+                  <a:schemeClr val="tx2"/>
+                </a:solidFill>
+              </a:defRPr>
+            </a:lvl4pPr>
+            <a:lvl5pPr>
+              <a:defRPr>
+                <a:solidFill>
+                  <a:schemeClr val="tx2"/>
+                </a:solidFill>
+              </a:defRPr>
+            </a:lvl5pPr>
+            <a:lvl6pPr>
+              <a:defRPr>
+                <a:solidFill>
+                  <a:schemeClr val="tx2"/>
+                </a:solidFill>
+              </a:defRPr>
+            </a:lvl6pPr>
+            <a:lvl7pPr>
+              <a:defRPr>
+                <a:solidFill>
+                  <a:schemeClr val="tx2"/>
+                </a:solidFill>
+              </a:defRPr>
+            </a:lvl7pPr>
+            <a:lvl8pPr>
+              <a:defRPr>
+                <a:solidFill>
+                  <a:schemeClr val="tx2"/>
+                </a:solidFill>
+              </a:defRPr>
+            </a:lvl8pPr>
+            <a:lvl9pPr>
+              <a:defRPr>
+                <a:solidFill>
+                  <a:schemeClr val="tx2"/>
+                </a:solidFill>
+              </a:defRPr>
+            </a:lvl9pPr>
+          </a:lstStyle>
+          <a:p>
+            <a:pPr lvl="0"/>
+            <a:r>
+              <a:rPr lang="en-US" sz="8000" dirty="0">
+                <a:solidFill>
+                  <a:schemeClr val="tx1"/>
+                </a:solidFill>
+                <a:effectLst/>
+              </a:rPr>
+              <a:t>“</a:t>
+            </a:r>
+          </a:p>
+        </p:txBody>
+      </p:sp>
+      <p:sp>
+        <p:nvSpPr>
+          <p:cNvPr id="15" name="TextBox 14"/>
+          <p:cNvSpPr txBox="1"/>
+          <p:nvPr/>
+        </p:nvSpPr>
+        <p:spPr>
+          <a:xfrm>
+            <a:off x="10893425" y="2819399"/>
+            <a:ext cx="609600" cy="584776"/>
+          </a:xfrm>
+          <a:prstGeom prst="rect">
+            <a:avLst/>
+          </a:prstGeom>
+        </p:spPr>
+        <p:txBody>
+          <a:bodyPr vert="horz" lIns="91440" tIns="45720" rIns="91440" bIns="45720" rtlCol="0" anchor="ctr">
+            <a:noAutofit/>
+          </a:bodyPr>
+          <a:lstStyle>
+            <a:lvl1pPr>
+              <a:spcBef>
+                <a:spcPct val="0"/>
+              </a:spcBef>
+              <a:buNone/>
+              <a:defRPr sz="3200" b="0" cap="all">
+                <a:ln w="3175" cmpd="sng">
+                  <a:noFill/>
+                </a:ln>
+                <a:effectLst>
+                  <a:glow rad="38100">
+                    <a:schemeClr val="bg1">
+                      <a:lumMod val="65000"/>
+                      <a:lumOff val="35000"/>
+                      <a:alpha val="40000"/>
+                    </a:schemeClr>
+                  </a:glow>
+                  <a:outerShdw blurRad="28575" dist="38100" dir="14040000" algn="tl" rotWithShape="0">
+                    <a:srgbClr val="000000">
+                      <a:alpha val="25000"/>
+                    </a:srgbClr>
+                  </a:outerShdw>
+                </a:effectLst>
+              </a:defRPr>
+            </a:lvl1pPr>
+            <a:lvl2pPr>
+              <a:defRPr>
+                <a:solidFill>
+                  <a:schemeClr val="tx2"/>
+                </a:solidFill>
+              </a:defRPr>
+            </a:lvl2pPr>
+            <a:lvl3pPr>
+              <a:defRPr>
+                <a:solidFill>
+                  <a:schemeClr val="tx2"/>
+                </a:solidFill>
+              </a:defRPr>
+            </a:lvl3pPr>
+            <a:lvl4pPr>
+              <a:defRPr>
+                <a:solidFill>
+                  <a:schemeClr val="tx2"/>
+                </a:solidFill>
+              </a:defRPr>
+            </a:lvl4pPr>
+            <a:lvl5pPr>
+              <a:defRPr>
+                <a:solidFill>
+                  <a:schemeClr val="tx2"/>
+                </a:solidFill>
+              </a:defRPr>
+            </a:lvl5pPr>
+            <a:lvl6pPr>
+              <a:defRPr>
+                <a:solidFill>
+                  <a:schemeClr val="tx2"/>
+                </a:solidFill>
+              </a:defRPr>
+            </a:lvl6pPr>
+            <a:lvl7pPr>
+              <a:defRPr>
+                <a:solidFill>
+                  <a:schemeClr val="tx2"/>
+                </a:solidFill>
+              </a:defRPr>
+            </a:lvl7pPr>
+            <a:lvl8pPr>
+              <a:defRPr>
+                <a:solidFill>
+                  <a:schemeClr val="tx2"/>
+                </a:solidFill>
+              </a:defRPr>
+            </a:lvl8pPr>
+            <a:lvl9pPr>
+              <a:defRPr>
+                <a:solidFill>
+                  <a:schemeClr val="tx2"/>
+                </a:solidFill>
+              </a:defRPr>
+            </a:lvl9pPr>
+          </a:lstStyle>
+          <a:p>
+            <a:pPr lvl="0" algn="r"/>
+            <a:r>
+              <a:rPr lang="en-US" sz="8000" dirty="0">
+                <a:solidFill>
+                  <a:schemeClr val="tx1"/>
+                </a:solidFill>
+                <a:effectLst/>
+              </a:rPr>
+              <a:t>”</a:t>
+            </a:r>
+          </a:p>
+        </p:txBody>
+      </p:sp>
+      <p:sp>
+        <p:nvSpPr>
+          <p:cNvPr id="2" name="Title 1"/>
+          <p:cNvSpPr>
+            <a:spLocks noGrp="1"/>
+          </p:cNvSpPr>
+          <p:nvPr>
+            <p:ph type="title"/>
+          </p:nvPr>
+        </p:nvSpPr>
+        <p:spPr>
+          <a:xfrm>
+            <a:off x="2208212" y="685800"/>
+            <a:ext cx="8990012" cy="2743199"/>
+          </a:xfrm>
+        </p:spPr>
+        <p:txBody>
+          <a:bodyPr anchor="ctr">
+            <a:normAutofit/>
+          </a:bodyPr>
+          <a:lstStyle>
+            <a:lvl1pPr algn="ctr">
+              <a:defRPr sz="3200" b="0" cap="none">
+                <a:solidFill>
+                  <a:schemeClr val="tx1"/>
+                </a:solidFill>
+              </a:defRPr>
+            </a:lvl1pPr>
+          </a:lstStyle>
+          <a:p>
+            <a:r>
+              <a:rPr lang="fr-FR"/>
+              <a:t>Modifiez le style du titre</a:t>
+            </a:r>
+            <a:endParaRPr lang="en-US" dirty="0"/>
+          </a:p>
+        </p:txBody>
+      </p:sp>
+      <p:sp>
+        <p:nvSpPr>
+          <p:cNvPr id="10" name="Text Placeholder 9"/>
+          <p:cNvSpPr>
+            <a:spLocks noGrp="1"/>
+          </p:cNvSpPr>
+          <p:nvPr>
+            <p:ph type="body" sz="quarter" idx="13"/>
+          </p:nvPr>
+        </p:nvSpPr>
+        <p:spPr>
+          <a:xfrm>
+            <a:off x="1484313" y="3886200"/>
+            <a:ext cx="10018710" cy="889000"/>
+          </a:xfrm>
+        </p:spPr>
+        <p:txBody>
+          <a:bodyPr vert="horz" lIns="91440" tIns="45720" rIns="91440" bIns="45720" rtlCol="0" anchor="b">
+            <a:normAutofit/>
+          </a:bodyPr>
+          <a:lstStyle>
+            <a:lvl1pPr algn="r">
+              <a:buNone/>
+              <a:defRPr lang="en-US" sz="2400" b="0" cap="none" dirty="0">
+                <a:ln w="3175" cmpd="sng">
+                  <a:noFill/>
+                </a:ln>
+                <a:solidFill>
+                  <a:schemeClr val="tx1"/>
+                </a:solidFill>
+                <a:effectLst/>
+              </a:defRPr>
+            </a:lvl1pPr>
+          </a:lstStyle>
+          <a:p>
+            <a:pPr marL="0" lvl="0">
+              <a:spcBef>
+                <a:spcPct val="0"/>
+              </a:spcBef>
+              <a:buNone/>
+            </a:pPr>
+            <a:r>
+              <a:rPr lang="fr-FR"/>
+              <a:t>Modifier les styles du texte du masque</a:t>
+            </a:r>
+          </a:p>
+        </p:txBody>
+      </p:sp>
+      <p:sp>
+        <p:nvSpPr>
+          <p:cNvPr id="3" name="Text Placeholder 2"/>
+          <p:cNvSpPr>
+            <a:spLocks noGrp="1"/>
+          </p:cNvSpPr>
+          <p:nvPr>
+            <p:ph type="body" idx="1"/>
+          </p:nvPr>
+        </p:nvSpPr>
+        <p:spPr>
+          <a:xfrm>
+            <a:off x="1484312" y="4775200"/>
+            <a:ext cx="10018710" cy="1016000"/>
+          </a:xfrm>
+        </p:spPr>
+        <p:txBody>
+          <a:bodyPr anchor="t">
+            <a:normAutofit/>
+          </a:bodyPr>
+          <a:lstStyle>
+            <a:lvl1pPr marL="0" indent="0" algn="r">
+              <a:buNone/>
+              <a:defRPr sz="1800">
+                <a:solidFill>
+                  <a:schemeClr val="tx1"/>
+                </a:solidFill>
+              </a:defRPr>
+            </a:lvl1pPr>
+            <a:lvl2pPr marL="457200" indent="0">
+              <a:buNone/>
+              <a:defRPr sz="1800">
+                <a:solidFill>
+                  <a:schemeClr val="tx1">
+                    <a:tint val="75000"/>
+                  </a:schemeClr>
+                </a:solidFill>
+              </a:defRPr>
+            </a:lvl2pPr>
+            <a:lvl3pPr marL="914400" indent="0">
+              <a:buNone/>
+              <a:defRPr sz="1600">
+                <a:solidFill>
+                  <a:schemeClr val="tx1">
+                    <a:tint val="75000"/>
+                  </a:schemeClr>
+                </a:solidFill>
+              </a:defRPr>
+            </a:lvl3pPr>
+            <a:lvl4pPr marL="1371600" indent="0">
+              <a:buNone/>
+              <a:defRPr sz="1400">
+                <a:solidFill>
+                  <a:schemeClr val="tx1">
+                    <a:tint val="75000"/>
+                  </a:schemeClr>
+                </a:solidFill>
+              </a:defRPr>
+            </a:lvl4pPr>
+            <a:lvl5pPr marL="1828800" indent="0">
+              <a:buNone/>
+              <a:defRPr sz="1400">
+                <a:solidFill>
+                  <a:schemeClr val="tx1">
+                    <a:tint val="75000"/>
+                  </a:schemeClr>
+                </a:solidFill>
+              </a:defRPr>
+            </a:lvl5pPr>
+            <a:lvl6pPr marL="2286000" indent="0">
+              <a:buNone/>
+              <a:defRPr sz="1400">
+                <a:solidFill>
+                  <a:schemeClr val="tx1">
+                    <a:tint val="75000"/>
+                  </a:schemeClr>
+                </a:solidFill>
+              </a:defRPr>
+            </a:lvl6pPr>
+            <a:lvl7pPr marL="2743200" indent="0">
+              <a:buNone/>
+              <a:defRPr sz="1400">
+                <a:solidFill>
+                  <a:schemeClr val="tx1">
+                    <a:tint val="75000"/>
+                  </a:schemeClr>
+                </a:solidFill>
+              </a:defRPr>
+            </a:lvl7pPr>
+            <a:lvl8pPr marL="3200400" indent="0">
+              <a:buNone/>
+              <a:defRPr sz="1400">
+                <a:solidFill>
+                  <a:schemeClr val="tx1">
+                    <a:tint val="75000"/>
+                  </a:schemeClr>
+                </a:solidFill>
+              </a:defRPr>
+            </a:lvl8pPr>
+            <a:lvl9pPr marL="3657600" indent="0">
+              <a:buNone/>
+              <a:defRPr sz="1400">
+                <a:solidFill>
+                  <a:schemeClr val="tx1">
+                    <a:tint val="75000"/>
+                  </a:schemeClr>
+                </a:solidFill>
+              </a:defRPr>
+            </a:lvl9pPr>
+          </a:lstStyle>
+          <a:p>
+            <a:pPr lvl="0"/>
+            <a:r>
+              <a:rPr lang="fr-FR"/>
+              <a:t>Modifier les styles du texte du masque</a:t>
+            </a:r>
+          </a:p>
+        </p:txBody>
+      </p:sp>
+      <p:sp>
+        <p:nvSpPr>
+          <p:cNvPr id="4" name="Date Placeholder 3"/>
+          <p:cNvSpPr>
+            <a:spLocks noGrp="1"/>
+          </p:cNvSpPr>
+          <p:nvPr>
+            <p:ph type="dt" sz="half" idx="10"/>
+          </p:nvPr>
+        </p:nvSpPr>
+        <p:spPr/>
+        <p:txBody>
+          <a:bodyPr/>
+          <a:lstStyle/>
+          <a:p>
+            <a:fld id="{A61B3F4D-8EA7-49F0-B50E-DB0A97B04444}" type="datetimeFigureOut">
+              <a:rPr lang="fr-FR" smtClean="0"/>
+              <a:t>14/12/2017</a:t>
+            </a:fld>
+            <a:endParaRPr lang="fr-FR"/>
+          </a:p>
+        </p:txBody>
+      </p:sp>
+      <p:sp>
+        <p:nvSpPr>
+          <p:cNvPr id="5" name="Footer Placeholder 4"/>
+          <p:cNvSpPr>
+            <a:spLocks noGrp="1"/>
+          </p:cNvSpPr>
+          <p:nvPr>
+            <p:ph type="ftr" sz="quarter" idx="11"/>
+          </p:nvPr>
+        </p:nvSpPr>
+        <p:spPr/>
+        <p:txBody>
+          <a:bodyPr/>
+          <a:lstStyle/>
+          <a:p>
+            <a:endParaRPr lang="fr-FR"/>
+          </a:p>
+        </p:txBody>
+      </p:sp>
+      <p:sp>
+        <p:nvSpPr>
+          <p:cNvPr id="6" name="Slide Number Placeholder 5"/>
+          <p:cNvSpPr>
+            <a:spLocks noGrp="1"/>
+          </p:cNvSpPr>
+          <p:nvPr>
+            <p:ph type="sldNum" sz="quarter" idx="12"/>
+          </p:nvPr>
+        </p:nvSpPr>
+        <p:spPr/>
+        <p:txBody>
+          <a:bodyPr/>
+          <a:lstStyle/>
+          <a:p>
+            <a:fld id="{C3971EB4-5D69-478D-A898-C8EFE65792CC}" type="slidenum">
+              <a:rPr lang="fr-FR" smtClean="0"/>
+              <a:t>‹N°›</a:t>
+            </a:fld>
+            <a:endParaRPr lang="fr-FR"/>
+          </a:p>
+        </p:txBody>
+      </p:sp>
+    </p:spTree>
+    <p:extLst>
+      <p:ext uri="{BB962C8B-B14F-4D97-AF65-F5344CB8AC3E}">
+        <p14:creationId xmlns:p14="http://schemas.microsoft.com/office/powerpoint/2010/main" val="2753083362"/>
+      </p:ext>
+    </p:extLst>
+  </p:cSld>
+  <p:clrMapOvr>
+    <a:masterClrMapping/>
+  </p:clrMapOvr>
+</p:sldLayout>
+</file>
+
+<file path=ppt/slideLayouts/slideLayout15.xml><?xml version="1.0" encoding="utf-8"?>
+<p:sldLayout xmlns:a="http://schemas.openxmlformats.org/drawingml/2006/main" xmlns:r="http://schemas.openxmlformats.org/officeDocument/2006/relationships" xmlns:p="http://schemas.openxmlformats.org/presentationml/2006/main" preserve="1">
+  <p:cSld name="Vrai ou faux">
+    <p:spTree>
+      <p:nvGrpSpPr>
+        <p:cNvPr id="1" name=""/>
+        <p:cNvGrpSpPr/>
+        <p:nvPr/>
+      </p:nvGrpSpPr>
+      <p:grpSpPr>
+        <a:xfrm>
+          <a:off x="0" y="0"/>
+          <a:ext cx="0" cy="0"/>
+          <a:chOff x="0" y="0"/>
+          <a:chExt cx="0" cy="0"/>
+        </a:xfrm>
+      </p:grpSpPr>
+      <p:sp>
+        <p:nvSpPr>
+          <p:cNvPr id="2" name="Title 1"/>
+          <p:cNvSpPr>
+            <a:spLocks noGrp="1"/>
+          </p:cNvSpPr>
+          <p:nvPr>
+            <p:ph type="title"/>
+          </p:nvPr>
+        </p:nvSpPr>
+        <p:spPr>
+          <a:xfrm>
+            <a:off x="1484313" y="685800"/>
+            <a:ext cx="10018712" cy="2727325"/>
+          </a:xfrm>
+        </p:spPr>
+        <p:txBody>
+          <a:bodyPr vert="horz" lIns="91440" tIns="45720" rIns="91440" bIns="45720" rtlCol="0" anchor="ctr">
+            <a:normAutofit/>
+          </a:bodyPr>
+          <a:lstStyle>
+            <a:lvl1pPr>
+              <a:defRPr lang="en-US" b="0" dirty="0"/>
+            </a:lvl1pPr>
+          </a:lstStyle>
+          <a:p>
+            <a:pPr marL="0" lvl="0"/>
+            <a:r>
+              <a:rPr lang="fr-FR"/>
+              <a:t>Modifiez le style du titre</a:t>
+            </a:r>
+            <a:endParaRPr lang="en-US" dirty="0"/>
+          </a:p>
+        </p:txBody>
+      </p:sp>
+      <p:sp>
+        <p:nvSpPr>
+          <p:cNvPr id="10" name="Text Placeholder 9"/>
+          <p:cNvSpPr>
+            <a:spLocks noGrp="1"/>
+          </p:cNvSpPr>
+          <p:nvPr>
+            <p:ph type="body" sz="quarter" idx="13"/>
+          </p:nvPr>
+        </p:nvSpPr>
+        <p:spPr>
+          <a:xfrm>
+            <a:off x="1484312" y="3505200"/>
+            <a:ext cx="10018713" cy="838200"/>
+          </a:xfrm>
+        </p:spPr>
+        <p:txBody>
+          <a:bodyPr vert="horz" lIns="91440" tIns="45720" rIns="91440" bIns="45720" rtlCol="0" anchor="b">
+            <a:normAutofit/>
+          </a:bodyPr>
+          <a:lstStyle>
+            <a:lvl1pPr>
+              <a:buNone/>
+              <a:defRPr lang="en-US" sz="2800" b="0" cap="none" dirty="0">
+                <a:ln w="3175" cmpd="sng">
+                  <a:noFill/>
+                </a:ln>
+                <a:solidFill>
+                  <a:schemeClr val="tx1"/>
+                </a:solidFill>
+                <a:effectLst/>
+              </a:defRPr>
+            </a:lvl1pPr>
+          </a:lstStyle>
+          <a:p>
+            <a:pPr marL="0" lvl="0">
+              <a:spcBef>
+                <a:spcPct val="0"/>
+              </a:spcBef>
+              <a:buNone/>
+            </a:pPr>
+            <a:r>
+              <a:rPr lang="fr-FR"/>
+              <a:t>Modifier les styles du texte du masque</a:t>
+            </a:r>
+          </a:p>
+        </p:txBody>
+      </p:sp>
+      <p:sp>
+        <p:nvSpPr>
+          <p:cNvPr id="3" name="Text Placeholder 2"/>
+          <p:cNvSpPr>
+            <a:spLocks noGrp="1"/>
+          </p:cNvSpPr>
+          <p:nvPr>
+            <p:ph type="body" idx="1"/>
+          </p:nvPr>
+        </p:nvSpPr>
+        <p:spPr>
+          <a:xfrm>
+            <a:off x="1484311" y="4343400"/>
+            <a:ext cx="10018713" cy="1447800"/>
+          </a:xfrm>
+        </p:spPr>
+        <p:txBody>
+          <a:bodyPr anchor="t">
+            <a:normAutofit/>
+          </a:bodyPr>
+          <a:lstStyle>
+            <a:lvl1pPr marL="0" indent="0" algn="l">
+              <a:buNone/>
+              <a:defRPr sz="1800">
+                <a:solidFill>
+                  <a:schemeClr val="tx1"/>
+                </a:solidFill>
+              </a:defRPr>
+            </a:lvl1pPr>
+            <a:lvl2pPr marL="457200" indent="0">
+              <a:buNone/>
+              <a:defRPr sz="1800">
+                <a:solidFill>
+                  <a:schemeClr val="tx1">
+                    <a:tint val="75000"/>
+                  </a:schemeClr>
+                </a:solidFill>
+              </a:defRPr>
+            </a:lvl2pPr>
+            <a:lvl3pPr marL="914400" indent="0">
+              <a:buNone/>
+              <a:defRPr sz="1600">
+                <a:solidFill>
+                  <a:schemeClr val="tx1">
+                    <a:tint val="75000"/>
+                  </a:schemeClr>
+                </a:solidFill>
+              </a:defRPr>
+            </a:lvl3pPr>
+            <a:lvl4pPr marL="1371600" indent="0">
+              <a:buNone/>
+              <a:defRPr sz="1400">
+                <a:solidFill>
+                  <a:schemeClr val="tx1">
+                    <a:tint val="75000"/>
+                  </a:schemeClr>
+                </a:solidFill>
+              </a:defRPr>
+            </a:lvl4pPr>
+            <a:lvl5pPr marL="1828800" indent="0">
+              <a:buNone/>
+              <a:defRPr sz="1400">
+                <a:solidFill>
+                  <a:schemeClr val="tx1">
+                    <a:tint val="75000"/>
+                  </a:schemeClr>
+                </a:solidFill>
+              </a:defRPr>
+            </a:lvl5pPr>
+            <a:lvl6pPr marL="2286000" indent="0">
+              <a:buNone/>
+              <a:defRPr sz="1400">
+                <a:solidFill>
+                  <a:schemeClr val="tx1">
+                    <a:tint val="75000"/>
+                  </a:schemeClr>
+                </a:solidFill>
+              </a:defRPr>
+            </a:lvl6pPr>
+            <a:lvl7pPr marL="2743200" indent="0">
+              <a:buNone/>
+              <a:defRPr sz="1400">
+                <a:solidFill>
+                  <a:schemeClr val="tx1">
+                    <a:tint val="75000"/>
+                  </a:schemeClr>
+                </a:solidFill>
+              </a:defRPr>
+            </a:lvl7pPr>
+            <a:lvl8pPr marL="3200400" indent="0">
+              <a:buNone/>
+              <a:defRPr sz="1400">
+                <a:solidFill>
+                  <a:schemeClr val="tx1">
+                    <a:tint val="75000"/>
+                  </a:schemeClr>
+                </a:solidFill>
+              </a:defRPr>
+            </a:lvl8pPr>
+            <a:lvl9pPr marL="3657600" indent="0">
+              <a:buNone/>
+              <a:defRPr sz="1400">
+                <a:solidFill>
+                  <a:schemeClr val="tx1">
+                    <a:tint val="75000"/>
+                  </a:schemeClr>
+                </a:solidFill>
+              </a:defRPr>
+            </a:lvl9pPr>
+          </a:lstStyle>
+          <a:p>
+            <a:pPr lvl="0"/>
+            <a:r>
+              <a:rPr lang="fr-FR"/>
+              <a:t>Modifier les styles du texte du masque</a:t>
+            </a:r>
+          </a:p>
+        </p:txBody>
+      </p:sp>
+      <p:sp>
+        <p:nvSpPr>
+          <p:cNvPr id="4" name="Date Placeholder 3"/>
+          <p:cNvSpPr>
+            <a:spLocks noGrp="1"/>
+          </p:cNvSpPr>
+          <p:nvPr>
+            <p:ph type="dt" sz="half" idx="10"/>
+          </p:nvPr>
+        </p:nvSpPr>
+        <p:spPr/>
+        <p:txBody>
+          <a:bodyPr/>
+          <a:lstStyle/>
+          <a:p>
+            <a:fld id="{A61B3F4D-8EA7-49F0-B50E-DB0A97B04444}" type="datetimeFigureOut">
+              <a:rPr lang="fr-FR" smtClean="0"/>
+              <a:t>14/12/2017</a:t>
+            </a:fld>
+            <a:endParaRPr lang="fr-FR"/>
+          </a:p>
+        </p:txBody>
+      </p:sp>
+      <p:sp>
+        <p:nvSpPr>
+          <p:cNvPr id="5" name="Footer Placeholder 4"/>
+          <p:cNvSpPr>
+            <a:spLocks noGrp="1"/>
+          </p:cNvSpPr>
+          <p:nvPr>
+            <p:ph type="ftr" sz="quarter" idx="11"/>
+          </p:nvPr>
+        </p:nvSpPr>
+        <p:spPr/>
+        <p:txBody>
+          <a:bodyPr/>
+          <a:lstStyle/>
+          <a:p>
+            <a:endParaRPr lang="fr-FR"/>
+          </a:p>
+        </p:txBody>
+      </p:sp>
+      <p:sp>
+        <p:nvSpPr>
+          <p:cNvPr id="6" name="Slide Number Placeholder 5"/>
+          <p:cNvSpPr>
+            <a:spLocks noGrp="1"/>
+          </p:cNvSpPr>
+          <p:nvPr>
+            <p:ph type="sldNum" sz="quarter" idx="12"/>
+          </p:nvPr>
+        </p:nvSpPr>
+        <p:spPr/>
+        <p:txBody>
+          <a:bodyPr/>
+          <a:lstStyle/>
+          <a:p>
+            <a:fld id="{C3971EB4-5D69-478D-A898-C8EFE65792CC}" type="slidenum">
+              <a:rPr lang="fr-FR" smtClean="0"/>
+              <a:t>‹N°›</a:t>
+            </a:fld>
+            <a:endParaRPr lang="fr-FR"/>
+          </a:p>
+        </p:txBody>
+      </p:sp>
+    </p:spTree>
+    <p:extLst>
+      <p:ext uri="{BB962C8B-B14F-4D97-AF65-F5344CB8AC3E}">
+        <p14:creationId xmlns:p14="http://schemas.microsoft.com/office/powerpoint/2010/main" val="1040943274"/>
+      </p:ext>
+    </p:extLst>
+  </p:cSld>
+  <p:clrMapOvr>
+    <a:masterClrMapping/>
+  </p:clrMapOvr>
+</p:sldLayout>
+</file>
+
+<file path=ppt/slideLayouts/slideLayout16.xml><?xml version="1.0" encoding="utf-8"?>
 <p:sldLayout xmlns:a="http://schemas.openxmlformats.org/drawingml/2006/main" xmlns:r="http://schemas.openxmlformats.org/officeDocument/2006/relationships" xmlns:p="http://schemas.openxmlformats.org/presentationml/2006/main" type="vertTx" preserve="1">
   <p:cSld name="Titre et texte vertical">
     <p:spTree>
@@ -386,13 +2890,7 @@
       </p:grpSpPr>
       <p:sp>
         <p:nvSpPr>
-          <p:cNvPr id="2" name="Titre 1">
-            <a:extLst>
-              <a:ext uri="{FF2B5EF4-FFF2-40B4-BE49-F238E27FC236}">
-                <a16:creationId xmlns:a16="http://schemas.microsoft.com/office/drawing/2014/main" id="{46F46193-7241-483D-A9E4-D51D5A5C9ED4}"/>
-              </a:ext>
-            </a:extLst>
-          </p:cNvPr>
+          <p:cNvPr id="2" name="Title 1"/>
           <p:cNvSpPr>
             <a:spLocks noGrp="1"/>
           </p:cNvSpPr>
@@ -403,24 +2901,23 @@
         <p:spPr/>
         <p:txBody>
           <a:bodyPr/>
-          <a:lstStyle/>
+          <a:lstStyle>
+            <a:lvl1pPr algn="ctr">
+              <a:defRPr/>
+            </a:lvl1pPr>
+          </a:lstStyle>
           <a:p>
             <a:r>
               <a:rPr lang="fr-FR"/>
               <a:t>Modifiez le style du titre</a:t>
             </a:r>
-          </a:p>
-        </p:txBody>
-      </p:sp>
-      <p:sp>
-        <p:nvSpPr>
-          <p:cNvPr id="3" name="Espace réservé du texte vertical 2">
-            <a:extLst>
-              <a:ext uri="{FF2B5EF4-FFF2-40B4-BE49-F238E27FC236}">
-                <a16:creationId xmlns:a16="http://schemas.microsoft.com/office/drawing/2014/main" id="{3D73EA1E-3295-42DB-A5EF-C49576F09A76}"/>
-              </a:ext>
-            </a:extLst>
-          </p:cNvPr>
+            <a:endParaRPr lang="en-US" dirty="0"/>
+          </a:p>
+        </p:txBody>
+      </p:sp>
+      <p:sp>
+        <p:nvSpPr>
+          <p:cNvPr id="3" name="Vertical Text Placeholder 2"/>
           <p:cNvSpPr>
             <a:spLocks noGrp="1"/>
           </p:cNvSpPr>
@@ -430,7 +2927,7 @@
         </p:nvSpPr>
         <p:spPr/>
         <p:txBody>
-          <a:bodyPr vert="eaVert"/>
+          <a:bodyPr vert="eaVert" anchor="t"/>
           <a:lstStyle/>
           <a:p>
             <a:pPr lvl="0"/>
@@ -466,18 +2963,13 @@
               <a:rPr lang="fr-FR"/>
               <a:t>Cinquième niveau</a:t>
             </a:r>
-          </a:p>
-        </p:txBody>
-      </p:sp>
-      <p:sp>
-        <p:nvSpPr>
-          <p:cNvPr id="4" name="Espace réservé de la date 3">
-            <a:extLst>
-              <a:ext uri="{FF2B5EF4-FFF2-40B4-BE49-F238E27FC236}">
-                <a16:creationId xmlns:a16="http://schemas.microsoft.com/office/drawing/2014/main" id="{2E0E2BB4-E713-4C6B-AF44-E5D534D18C2A}"/>
-              </a:ext>
-            </a:extLst>
-          </p:cNvPr>
+            <a:endParaRPr lang="en-US" dirty="0"/>
+          </a:p>
+        </p:txBody>
+      </p:sp>
+      <p:sp>
+        <p:nvSpPr>
+          <p:cNvPr id="4" name="Date Placeholder 3"/>
           <p:cNvSpPr>
             <a:spLocks noGrp="1"/>
           </p:cNvSpPr>
@@ -500,13 +2992,7 @@
       </p:sp>
       <p:sp>
         <p:nvSpPr>
-          <p:cNvPr id="5" name="Espace réservé du pied de page 4">
-            <a:extLst>
-              <a:ext uri="{FF2B5EF4-FFF2-40B4-BE49-F238E27FC236}">
-                <a16:creationId xmlns:a16="http://schemas.microsoft.com/office/drawing/2014/main" id="{55AE88A4-B296-40F5-A316-C42771562BF2}"/>
-              </a:ext>
-            </a:extLst>
-          </p:cNvPr>
+          <p:cNvPr id="5" name="Footer Placeholder 4"/>
           <p:cNvSpPr>
             <a:spLocks noGrp="1"/>
           </p:cNvSpPr>
@@ -525,13 +3011,7 @@
       </p:sp>
       <p:sp>
         <p:nvSpPr>
-          <p:cNvPr id="6" name="Espace réservé du numéro de diapositive 5">
-            <a:extLst>
-              <a:ext uri="{FF2B5EF4-FFF2-40B4-BE49-F238E27FC236}">
-                <a16:creationId xmlns:a16="http://schemas.microsoft.com/office/drawing/2014/main" id="{61E9EBF9-3FDD-45BA-AF1C-DB8640AC9003}"/>
-              </a:ext>
-            </a:extLst>
-          </p:cNvPr>
+          <p:cNvPr id="6" name="Slide Number Placeholder 5"/>
           <p:cNvSpPr>
             <a:spLocks noGrp="1"/>
           </p:cNvSpPr>
@@ -555,7 +3035,7 @@
     </p:spTree>
     <p:extLst>
       <p:ext uri="{BB962C8B-B14F-4D97-AF65-F5344CB8AC3E}">
-        <p14:creationId xmlns:p14="http://schemas.microsoft.com/office/powerpoint/2010/main" val="2588241095"/>
+        <p14:creationId xmlns:p14="http://schemas.microsoft.com/office/powerpoint/2010/main" val="2468185940"/>
       </p:ext>
     </p:extLst>
   </p:cSld>
@@ -577,7 +3057,7 @@
 </p:sldLayout>
 </file>
 
-<file path=ppt/slideLayouts/slideLayout11.xml><?xml version="1.0" encoding="utf-8"?>
+<file path=ppt/slideLayouts/slideLayout17.xml><?xml version="1.0" encoding="utf-8"?>
 <p:sldLayout xmlns:a="http://schemas.openxmlformats.org/drawingml/2006/main" xmlns:r="http://schemas.openxmlformats.org/officeDocument/2006/relationships" xmlns:p="http://schemas.openxmlformats.org/presentationml/2006/main" type="vertTitleAndTx" preserve="1">
   <p:cSld name="Titre vertical et texte">
     <p:spTree>
@@ -596,13 +3076,7 @@
       </p:grpSpPr>
       <p:sp>
         <p:nvSpPr>
-          <p:cNvPr id="2" name="Titre vertical 1">
-            <a:extLst>
-              <a:ext uri="{FF2B5EF4-FFF2-40B4-BE49-F238E27FC236}">
-                <a16:creationId xmlns:a16="http://schemas.microsoft.com/office/drawing/2014/main" id="{119D7845-B43A-422D-AB60-975BA204E32D}"/>
-              </a:ext>
-            </a:extLst>
-          </p:cNvPr>
+          <p:cNvPr id="2" name="Vertical Title 1"/>
           <p:cNvSpPr>
             <a:spLocks noGrp="1"/>
           </p:cNvSpPr>
@@ -612,8 +3086,8 @@
         </p:nvSpPr>
         <p:spPr>
           <a:xfrm>
-            <a:off x="8724900" y="365125"/>
-            <a:ext cx="2628900" cy="5811838"/>
+            <a:off x="9732655" y="685800"/>
+            <a:ext cx="1770369" cy="5105400"/>
           </a:xfrm>
         </p:spPr>
         <p:txBody>
@@ -624,18 +3098,13 @@
               <a:rPr lang="fr-FR"/>
               <a:t>Modifiez le style du titre</a:t>
             </a:r>
-          </a:p>
-        </p:txBody>
-      </p:sp>
-      <p:sp>
-        <p:nvSpPr>
-          <p:cNvPr id="3" name="Espace réservé du texte vertical 2">
-            <a:extLst>
-              <a:ext uri="{FF2B5EF4-FFF2-40B4-BE49-F238E27FC236}">
-                <a16:creationId xmlns:a16="http://schemas.microsoft.com/office/drawing/2014/main" id="{0A04409F-7F7D-4807-A2E5-88251FE194C6}"/>
-              </a:ext>
-            </a:extLst>
-          </p:cNvPr>
+            <a:endParaRPr lang="en-US" dirty="0"/>
+          </a:p>
+        </p:txBody>
+      </p:sp>
+      <p:sp>
+        <p:nvSpPr>
+          <p:cNvPr id="3" name="Vertical Text Placeholder 2"/>
           <p:cNvSpPr>
             <a:spLocks noGrp="1"/>
           </p:cNvSpPr>
@@ -645,12 +3114,12 @@
         </p:nvSpPr>
         <p:spPr>
           <a:xfrm>
-            <a:off x="838200" y="365125"/>
-            <a:ext cx="7734300" cy="5811838"/>
+            <a:off x="1484312" y="685800"/>
+            <a:ext cx="8019742" cy="5105400"/>
           </a:xfrm>
         </p:spPr>
         <p:txBody>
-          <a:bodyPr vert="eaVert"/>
+          <a:bodyPr vert="eaVert" anchor="t"/>
           <a:lstStyle/>
           <a:p>
             <a:pPr lvl="0"/>
@@ -686,18 +3155,13 @@
               <a:rPr lang="fr-FR"/>
               <a:t>Cinquième niveau</a:t>
             </a:r>
-          </a:p>
-        </p:txBody>
-      </p:sp>
-      <p:sp>
-        <p:nvSpPr>
-          <p:cNvPr id="4" name="Espace réservé de la date 3">
-            <a:extLst>
-              <a:ext uri="{FF2B5EF4-FFF2-40B4-BE49-F238E27FC236}">
-                <a16:creationId xmlns:a16="http://schemas.microsoft.com/office/drawing/2014/main" id="{86C7DCAE-E9A9-455F-9F0E-3E5BD07FF2D8}"/>
-              </a:ext>
-            </a:extLst>
-          </p:cNvPr>
+            <a:endParaRPr lang="en-US" dirty="0"/>
+          </a:p>
+        </p:txBody>
+      </p:sp>
+      <p:sp>
+        <p:nvSpPr>
+          <p:cNvPr id="4" name="Date Placeholder 3"/>
           <p:cNvSpPr>
             <a:spLocks noGrp="1"/>
           </p:cNvSpPr>
@@ -720,13 +3184,7 @@
       </p:sp>
       <p:sp>
         <p:nvSpPr>
-          <p:cNvPr id="5" name="Espace réservé du pied de page 4">
-            <a:extLst>
-              <a:ext uri="{FF2B5EF4-FFF2-40B4-BE49-F238E27FC236}">
-                <a16:creationId xmlns:a16="http://schemas.microsoft.com/office/drawing/2014/main" id="{CB15CB18-92DE-43A7-B8FE-1BF82FF1CE30}"/>
-              </a:ext>
-            </a:extLst>
-          </p:cNvPr>
+          <p:cNvPr id="5" name="Footer Placeholder 4"/>
           <p:cNvSpPr>
             <a:spLocks noGrp="1"/>
           </p:cNvSpPr>
@@ -745,13 +3203,7 @@
       </p:sp>
       <p:sp>
         <p:nvSpPr>
-          <p:cNvPr id="6" name="Espace réservé du numéro de diapositive 5">
-            <a:extLst>
-              <a:ext uri="{FF2B5EF4-FFF2-40B4-BE49-F238E27FC236}">
-                <a16:creationId xmlns:a16="http://schemas.microsoft.com/office/drawing/2014/main" id="{767DAA1B-4472-47F0-A898-25AA45FC409E}"/>
-              </a:ext>
-            </a:extLst>
-          </p:cNvPr>
+          <p:cNvPr id="6" name="Slide Number Placeholder 5"/>
           <p:cNvSpPr>
             <a:spLocks noGrp="1"/>
           </p:cNvSpPr>
@@ -775,7 +3227,7 @@
     </p:spTree>
     <p:extLst>
       <p:ext uri="{BB962C8B-B14F-4D97-AF65-F5344CB8AC3E}">
-        <p14:creationId xmlns:p14="http://schemas.microsoft.com/office/powerpoint/2010/main" val="4259741270"/>
+        <p14:creationId xmlns:p14="http://schemas.microsoft.com/office/powerpoint/2010/main" val="2076268011"/>
       </p:ext>
     </p:extLst>
   </p:cSld>
@@ -816,13 +3268,7 @@
       </p:grpSpPr>
       <p:sp>
         <p:nvSpPr>
-          <p:cNvPr id="2" name="Titre 1">
-            <a:extLst>
-              <a:ext uri="{FF2B5EF4-FFF2-40B4-BE49-F238E27FC236}">
-                <a16:creationId xmlns:a16="http://schemas.microsoft.com/office/drawing/2014/main" id="{3D77E3C7-E91E-4028-BF69-B397EC895F7D}"/>
-              </a:ext>
-            </a:extLst>
-          </p:cNvPr>
+          <p:cNvPr id="2" name="Title 1"/>
           <p:cNvSpPr>
             <a:spLocks noGrp="1"/>
           </p:cNvSpPr>
@@ -839,18 +3285,13 @@
               <a:rPr lang="fr-FR"/>
               <a:t>Modifiez le style du titre</a:t>
             </a:r>
-          </a:p>
-        </p:txBody>
-      </p:sp>
-      <p:sp>
-        <p:nvSpPr>
-          <p:cNvPr id="3" name="Espace réservé du contenu 2">
-            <a:extLst>
-              <a:ext uri="{FF2B5EF4-FFF2-40B4-BE49-F238E27FC236}">
-                <a16:creationId xmlns:a16="http://schemas.microsoft.com/office/drawing/2014/main" id="{78683A77-3E46-46AA-AE71-D40F44F92D32}"/>
-              </a:ext>
-            </a:extLst>
-          </p:cNvPr>
+            <a:endParaRPr lang="en-US" dirty="0"/>
+          </a:p>
+        </p:txBody>
+      </p:sp>
+      <p:sp>
+        <p:nvSpPr>
+          <p:cNvPr id="3" name="Content Placeholder 2"/>
           <p:cNvSpPr>
             <a:spLocks noGrp="1"/>
           </p:cNvSpPr>
@@ -860,7 +3301,7 @@
         </p:nvSpPr>
         <p:spPr/>
         <p:txBody>
-          <a:bodyPr/>
+          <a:bodyPr anchor="ctr"/>
           <a:lstStyle/>
           <a:p>
             <a:pPr lvl="0"/>
@@ -896,18 +3337,13 @@
               <a:rPr lang="fr-FR"/>
               <a:t>Cinquième niveau</a:t>
             </a:r>
-          </a:p>
-        </p:txBody>
-      </p:sp>
-      <p:sp>
-        <p:nvSpPr>
-          <p:cNvPr id="4" name="Espace réservé de la date 3">
-            <a:extLst>
-              <a:ext uri="{FF2B5EF4-FFF2-40B4-BE49-F238E27FC236}">
-                <a16:creationId xmlns:a16="http://schemas.microsoft.com/office/drawing/2014/main" id="{A0FF2849-219E-4374-A789-BE4F407CF1E7}"/>
-              </a:ext>
-            </a:extLst>
-          </p:cNvPr>
+            <a:endParaRPr lang="en-US" dirty="0"/>
+          </a:p>
+        </p:txBody>
+      </p:sp>
+      <p:sp>
+        <p:nvSpPr>
+          <p:cNvPr id="4" name="Date Placeholder 3"/>
           <p:cNvSpPr>
             <a:spLocks noGrp="1"/>
           </p:cNvSpPr>
@@ -930,13 +3366,7 @@
       </p:sp>
       <p:sp>
         <p:nvSpPr>
-          <p:cNvPr id="5" name="Espace réservé du pied de page 4">
-            <a:extLst>
-              <a:ext uri="{FF2B5EF4-FFF2-40B4-BE49-F238E27FC236}">
-                <a16:creationId xmlns:a16="http://schemas.microsoft.com/office/drawing/2014/main" id="{30EE97B7-7699-4C74-8B53-430C543F008C}"/>
-              </a:ext>
-            </a:extLst>
-          </p:cNvPr>
+          <p:cNvPr id="5" name="Footer Placeholder 4"/>
           <p:cNvSpPr>
             <a:spLocks noGrp="1"/>
           </p:cNvSpPr>
@@ -955,13 +3385,7 @@
       </p:sp>
       <p:sp>
         <p:nvSpPr>
-          <p:cNvPr id="6" name="Espace réservé du numéro de diapositive 5">
-            <a:extLst>
-              <a:ext uri="{FF2B5EF4-FFF2-40B4-BE49-F238E27FC236}">
-                <a16:creationId xmlns:a16="http://schemas.microsoft.com/office/drawing/2014/main" id="{852764EB-2310-4163-A6B5-7491A1ED5261}"/>
-              </a:ext>
-            </a:extLst>
-          </p:cNvPr>
+          <p:cNvPr id="6" name="Slide Number Placeholder 5"/>
           <p:cNvSpPr>
             <a:spLocks noGrp="1"/>
           </p:cNvSpPr>
@@ -969,7 +3393,12 @@
             <p:ph type="sldNum" sz="quarter" idx="12"/>
           </p:nvPr>
         </p:nvSpPr>
-        <p:spPr/>
+        <p:spPr>
+          <a:xfrm>
+            <a:off x="10951856" y="5867131"/>
+            <a:ext cx="551167" cy="365125"/>
+          </a:xfrm>
+        </p:spPr>
         <p:txBody>
           <a:bodyPr/>
           <a:lstStyle/>
@@ -985,7 +3414,7 @@
     </p:spTree>
     <p:extLst>
       <p:ext uri="{BB962C8B-B14F-4D97-AF65-F5344CB8AC3E}">
-        <p14:creationId xmlns:p14="http://schemas.microsoft.com/office/powerpoint/2010/main" val="1187172829"/>
+        <p14:creationId xmlns:p14="http://schemas.microsoft.com/office/powerpoint/2010/main" val="3348676034"/>
       </p:ext>
     </p:extLst>
   </p:cSld>
@@ -1026,13 +3455,7 @@
       </p:grpSpPr>
       <p:sp>
         <p:nvSpPr>
-          <p:cNvPr id="2" name="Titre 1">
-            <a:extLst>
-              <a:ext uri="{FF2B5EF4-FFF2-40B4-BE49-F238E27FC236}">
-                <a16:creationId xmlns:a16="http://schemas.microsoft.com/office/drawing/2014/main" id="{B439E20A-E941-4CD3-A29F-A368A0FE9688}"/>
-              </a:ext>
-            </a:extLst>
-          </p:cNvPr>
+          <p:cNvPr id="2" name="Title 1"/>
           <p:cNvSpPr>
             <a:spLocks noGrp="1"/>
           </p:cNvSpPr>
@@ -1042,15 +3465,15 @@
         </p:nvSpPr>
         <p:spPr>
           <a:xfrm>
-            <a:off x="831850" y="1709738"/>
-            <a:ext cx="10515600" cy="2852737"/>
+            <a:off x="2572279" y="2666999"/>
+            <a:ext cx="8930747" cy="2110382"/>
           </a:xfrm>
         </p:spPr>
         <p:txBody>
           <a:bodyPr anchor="b"/>
           <a:lstStyle>
-            <a:lvl1pPr>
-              <a:defRPr sz="6000"/>
+            <a:lvl1pPr algn="r">
+              <a:defRPr sz="4000" b="0" cap="none"/>
             </a:lvl1pPr>
           </a:lstStyle>
           <a:p>
@@ -1058,18 +3481,13 @@
               <a:rPr lang="fr-FR"/>
               <a:t>Modifiez le style du titre</a:t>
             </a:r>
-          </a:p>
-        </p:txBody>
-      </p:sp>
-      <p:sp>
-        <p:nvSpPr>
-          <p:cNvPr id="3" name="Espace réservé du texte 2">
-            <a:extLst>
-              <a:ext uri="{FF2B5EF4-FFF2-40B4-BE49-F238E27FC236}">
-                <a16:creationId xmlns:a16="http://schemas.microsoft.com/office/drawing/2014/main" id="{97843553-5251-478A-9C11-0AF5EE825D6E}"/>
-              </a:ext>
-            </a:extLst>
-          </p:cNvPr>
+            <a:endParaRPr lang="en-US" dirty="0"/>
+          </a:p>
+        </p:txBody>
+      </p:sp>
+      <p:sp>
+        <p:nvSpPr>
+          <p:cNvPr id="3" name="Text Placeholder 2"/>
           <p:cNvSpPr>
             <a:spLocks noGrp="1"/>
           </p:cNvSpPr>
@@ -1079,102 +3497,102 @@
         </p:nvSpPr>
         <p:spPr>
           <a:xfrm>
-            <a:off x="831850" y="4589463"/>
-            <a:ext cx="10515600" cy="1500187"/>
+            <a:off x="2572278" y="4777381"/>
+            <a:ext cx="8930748" cy="860400"/>
           </a:xfrm>
         </p:spPr>
         <p:txBody>
-          <a:bodyPr/>
+          <a:bodyPr anchor="t">
+            <a:normAutofit/>
+          </a:bodyPr>
           <a:lstStyle>
-            <a:lvl1pPr marL="0" indent="0">
-              <a:buNone/>
-              <a:defRPr sz="2400">
+            <a:lvl1pPr marL="0" indent="0" algn="r">
+              <a:buNone/>
+              <a:defRPr sz="2000">
+                <a:solidFill>
+                  <a:schemeClr val="tx1"/>
+                </a:solidFill>
+              </a:defRPr>
+            </a:lvl1pPr>
+            <a:lvl2pPr marL="457200" indent="0">
+              <a:buNone/>
+              <a:defRPr sz="1800">
                 <a:solidFill>
                   <a:schemeClr val="tx1">
                     <a:tint val="75000"/>
                   </a:schemeClr>
                 </a:solidFill>
               </a:defRPr>
-            </a:lvl1pPr>
-            <a:lvl2pPr marL="457200" indent="0">
-              <a:buNone/>
-              <a:defRPr sz="2000">
+            </a:lvl2pPr>
+            <a:lvl3pPr marL="914400" indent="0">
+              <a:buNone/>
+              <a:defRPr sz="1600">
                 <a:solidFill>
                   <a:schemeClr val="tx1">
                     <a:tint val="75000"/>
                   </a:schemeClr>
                 </a:solidFill>
               </a:defRPr>
-            </a:lvl2pPr>
-            <a:lvl3pPr marL="914400" indent="0">
-              <a:buNone/>
-              <a:defRPr sz="1800">
+            </a:lvl3pPr>
+            <a:lvl4pPr marL="1371600" indent="0">
+              <a:buNone/>
+              <a:defRPr sz="1400">
                 <a:solidFill>
                   <a:schemeClr val="tx1">
                     <a:tint val="75000"/>
                   </a:schemeClr>
                 </a:solidFill>
               </a:defRPr>
-            </a:lvl3pPr>
-            <a:lvl4pPr marL="1371600" indent="0">
-              <a:buNone/>
-              <a:defRPr sz="1600">
+            </a:lvl4pPr>
+            <a:lvl5pPr marL="1828800" indent="0">
+              <a:buNone/>
+              <a:defRPr sz="1400">
                 <a:solidFill>
                   <a:schemeClr val="tx1">
                     <a:tint val="75000"/>
                   </a:schemeClr>
                 </a:solidFill>
               </a:defRPr>
-            </a:lvl4pPr>
-            <a:lvl5pPr marL="1828800" indent="0">
-              <a:buNone/>
-              <a:defRPr sz="1600">
+            </a:lvl5pPr>
+            <a:lvl6pPr marL="2286000" indent="0">
+              <a:buNone/>
+              <a:defRPr sz="1400">
                 <a:solidFill>
                   <a:schemeClr val="tx1">
                     <a:tint val="75000"/>
                   </a:schemeClr>
                 </a:solidFill>
               </a:defRPr>
-            </a:lvl5pPr>
-            <a:lvl6pPr marL="2286000" indent="0">
-              <a:buNone/>
-              <a:defRPr sz="1600">
+            </a:lvl6pPr>
+            <a:lvl7pPr marL="2743200" indent="0">
+              <a:buNone/>
+              <a:defRPr sz="1400">
                 <a:solidFill>
                   <a:schemeClr val="tx1">
                     <a:tint val="75000"/>
                   </a:schemeClr>
                 </a:solidFill>
               </a:defRPr>
-            </a:lvl6pPr>
-            <a:lvl7pPr marL="2743200" indent="0">
-              <a:buNone/>
-              <a:defRPr sz="1600">
+            </a:lvl7pPr>
+            <a:lvl8pPr marL="3200400" indent="0">
+              <a:buNone/>
+              <a:defRPr sz="1400">
                 <a:solidFill>
                   <a:schemeClr val="tx1">
                     <a:tint val="75000"/>
                   </a:schemeClr>
                 </a:solidFill>
               </a:defRPr>
-            </a:lvl7pPr>
-            <a:lvl8pPr marL="3200400" indent="0">
-              <a:buNone/>
-              <a:defRPr sz="1600">
+            </a:lvl8pPr>
+            <a:lvl9pPr marL="3657600" indent="0">
+              <a:buNone/>
+              <a:defRPr sz="1400">
                 <a:solidFill>
                   <a:schemeClr val="tx1">
                     <a:tint val="75000"/>
                   </a:schemeClr>
                 </a:solidFill>
               </a:defRPr>
-            </a:lvl8pPr>
-            <a:lvl9pPr marL="3657600" indent="0">
-              <a:buNone/>
-              <a:defRPr sz="1600">
-                <a:solidFill>
-                  <a:schemeClr val="tx1">
-                    <a:tint val="75000"/>
-                  </a:schemeClr>
-                </a:solidFill>
-              </a:defRPr>
             </a:lvl9pPr>
           </a:lstStyle>
           <a:p>
@@ -1188,13 +3606,7 @@
       </p:sp>
       <p:sp>
         <p:nvSpPr>
-          <p:cNvPr id="4" name="Espace réservé de la date 3">
-            <a:extLst>
-              <a:ext uri="{FF2B5EF4-FFF2-40B4-BE49-F238E27FC236}">
-                <a16:creationId xmlns:a16="http://schemas.microsoft.com/office/drawing/2014/main" id="{9B694882-0948-4C1A-87AF-30F37239FF4A}"/>
-              </a:ext>
-            </a:extLst>
-          </p:cNvPr>
+          <p:cNvPr id="4" name="Date Placeholder 3"/>
           <p:cNvSpPr>
             <a:spLocks noGrp="1"/>
           </p:cNvSpPr>
@@ -1217,13 +3629,7 @@
       </p:sp>
       <p:sp>
         <p:nvSpPr>
-          <p:cNvPr id="5" name="Espace réservé du pied de page 4">
-            <a:extLst>
-              <a:ext uri="{FF2B5EF4-FFF2-40B4-BE49-F238E27FC236}">
-                <a16:creationId xmlns:a16="http://schemas.microsoft.com/office/drawing/2014/main" id="{45848AE0-7E92-44FE-A313-4A2A7E8D538F}"/>
-              </a:ext>
-            </a:extLst>
-          </p:cNvPr>
+          <p:cNvPr id="5" name="Footer Placeholder 4"/>
           <p:cNvSpPr>
             <a:spLocks noGrp="1"/>
           </p:cNvSpPr>
@@ -1242,13 +3648,7 @@
       </p:sp>
       <p:sp>
         <p:nvSpPr>
-          <p:cNvPr id="6" name="Espace réservé du numéro de diapositive 5">
-            <a:extLst>
-              <a:ext uri="{FF2B5EF4-FFF2-40B4-BE49-F238E27FC236}">
-                <a16:creationId xmlns:a16="http://schemas.microsoft.com/office/drawing/2014/main" id="{A759E435-6D7B-4951-B61F-6B8ACD558B65}"/>
-              </a:ext>
-            </a:extLst>
-          </p:cNvPr>
+          <p:cNvPr id="6" name="Slide Number Placeholder 5"/>
           <p:cNvSpPr>
             <a:spLocks noGrp="1"/>
           </p:cNvSpPr>
@@ -1272,7 +3672,7 @@
     </p:spTree>
     <p:extLst>
       <p:ext uri="{BB962C8B-B14F-4D97-AF65-F5344CB8AC3E}">
-        <p14:creationId xmlns:p14="http://schemas.microsoft.com/office/powerpoint/2010/main" val="2624263691"/>
+        <p14:creationId xmlns:p14="http://schemas.microsoft.com/office/powerpoint/2010/main" val="2856271827"/>
       </p:ext>
     </p:extLst>
   </p:cSld>
@@ -1313,13 +3713,7 @@
       </p:grpSpPr>
       <p:sp>
         <p:nvSpPr>
-          <p:cNvPr id="2" name="Titre 1">
-            <a:extLst>
-              <a:ext uri="{FF2B5EF4-FFF2-40B4-BE49-F238E27FC236}">
-                <a16:creationId xmlns:a16="http://schemas.microsoft.com/office/drawing/2014/main" id="{CCB29782-4B13-4F16-BBB3-14E1D38ABCDB}"/>
-              </a:ext>
-            </a:extLst>
-          </p:cNvPr>
+          <p:cNvPr id="2" name="Title 1"/>
           <p:cNvSpPr>
             <a:spLocks noGrp="1"/>
           </p:cNvSpPr>
@@ -1327,7 +3721,12 @@
             <p:ph type="title"/>
           </p:nvPr>
         </p:nvSpPr>
-        <p:spPr/>
+        <p:spPr>
+          <a:xfrm>
+            <a:off x="1484311" y="685800"/>
+            <a:ext cx="10018713" cy="1752599"/>
+          </a:xfrm>
+        </p:spPr>
         <p:txBody>
           <a:bodyPr/>
           <a:lstStyle/>
@@ -1336,18 +3735,13 @@
               <a:rPr lang="fr-FR"/>
               <a:t>Modifiez le style du titre</a:t>
             </a:r>
-          </a:p>
-        </p:txBody>
-      </p:sp>
-      <p:sp>
-        <p:nvSpPr>
-          <p:cNvPr id="3" name="Espace réservé du contenu 2">
-            <a:extLst>
-              <a:ext uri="{FF2B5EF4-FFF2-40B4-BE49-F238E27FC236}">
-                <a16:creationId xmlns:a16="http://schemas.microsoft.com/office/drawing/2014/main" id="{CC503420-96FF-45D8-8789-5D047AE4A115}"/>
-              </a:ext>
-            </a:extLst>
-          </p:cNvPr>
+            <a:endParaRPr lang="en-US" dirty="0"/>
+          </a:p>
+        </p:txBody>
+      </p:sp>
+      <p:sp>
+        <p:nvSpPr>
+          <p:cNvPr id="3" name="Content Placeholder 2"/>
           <p:cNvSpPr>
             <a:spLocks noGrp="1"/>
           </p:cNvSpPr>
@@ -1357,13 +3751,43 @@
         </p:nvSpPr>
         <p:spPr>
           <a:xfrm>
-            <a:off x="838200" y="1825625"/>
-            <a:ext cx="5181600" cy="4351338"/>
+            <a:off x="1484312" y="2666999"/>
+            <a:ext cx="4895055" cy="3124201"/>
           </a:xfrm>
         </p:spPr>
         <p:txBody>
-          <a:bodyPr/>
-          <a:lstStyle/>
+          <a:bodyPr>
+            <a:normAutofit/>
+          </a:bodyPr>
+          <a:lstStyle>
+            <a:lvl1pPr>
+              <a:defRPr sz="1800"/>
+            </a:lvl1pPr>
+            <a:lvl2pPr>
+              <a:defRPr sz="1600"/>
+            </a:lvl2pPr>
+            <a:lvl3pPr>
+              <a:defRPr sz="1400"/>
+            </a:lvl3pPr>
+            <a:lvl4pPr>
+              <a:defRPr sz="1200"/>
+            </a:lvl4pPr>
+            <a:lvl5pPr>
+              <a:defRPr sz="1200"/>
+            </a:lvl5pPr>
+            <a:lvl6pPr>
+              <a:defRPr sz="1200"/>
+            </a:lvl6pPr>
+            <a:lvl7pPr>
+              <a:defRPr sz="1200"/>
+            </a:lvl7pPr>
+            <a:lvl8pPr>
+              <a:defRPr sz="1200"/>
+            </a:lvl8pPr>
+            <a:lvl9pPr>
+              <a:defRPr sz="1200"/>
+            </a:lvl9pPr>
+          </a:lstStyle>
           <a:p>
             <a:pPr lvl="0"/>
             <a:r>
@@ -1398,18 +3822,13 @@
               <a:rPr lang="fr-FR"/>
               <a:t>Cinquième niveau</a:t>
             </a:r>
-          </a:p>
-        </p:txBody>
-      </p:sp>
-      <p:sp>
-        <p:nvSpPr>
-          <p:cNvPr id="4" name="Espace réservé du contenu 3">
-            <a:extLst>
-              <a:ext uri="{FF2B5EF4-FFF2-40B4-BE49-F238E27FC236}">
-                <a16:creationId xmlns:a16="http://schemas.microsoft.com/office/drawing/2014/main" id="{4C4F529D-D3AB-4415-95EF-9EB801A592AA}"/>
-              </a:ext>
-            </a:extLst>
-          </p:cNvPr>
+            <a:endParaRPr lang="en-US" dirty="0"/>
+          </a:p>
+        </p:txBody>
+      </p:sp>
+      <p:sp>
+        <p:nvSpPr>
+          <p:cNvPr id="4" name="Content Placeholder 3"/>
           <p:cNvSpPr>
             <a:spLocks noGrp="1"/>
           </p:cNvSpPr>
@@ -1419,13 +3838,43 @@
         </p:nvSpPr>
         <p:spPr>
           <a:xfrm>
-            <a:off x="6172200" y="1825625"/>
-            <a:ext cx="5181600" cy="4351338"/>
+            <a:off x="6607967" y="2667000"/>
+            <a:ext cx="4895056" cy="3124200"/>
           </a:xfrm>
         </p:spPr>
         <p:txBody>
-          <a:bodyPr/>
-          <a:lstStyle/>
+          <a:bodyPr>
+            <a:normAutofit/>
+          </a:bodyPr>
+          <a:lstStyle>
+            <a:lvl1pPr>
+              <a:defRPr sz="1800"/>
+            </a:lvl1pPr>
+            <a:lvl2pPr>
+              <a:defRPr sz="1600"/>
+            </a:lvl2pPr>
+            <a:lvl3pPr>
+              <a:defRPr sz="1400"/>
+            </a:lvl3pPr>
+            <a:lvl4pPr>
+              <a:defRPr sz="1200"/>
+            </a:lvl4pPr>
+            <a:lvl5pPr>
+              <a:defRPr sz="1200"/>
+            </a:lvl5pPr>
+            <a:lvl6pPr>
+              <a:defRPr sz="1200"/>
+            </a:lvl6pPr>
+            <a:lvl7pPr>
+              <a:defRPr sz="1200"/>
+            </a:lvl7pPr>
+            <a:lvl8pPr>
+              <a:defRPr sz="1200"/>
+            </a:lvl8pPr>
+            <a:lvl9pPr>
+              <a:defRPr sz="1200"/>
+            </a:lvl9pPr>
+          </a:lstStyle>
           <a:p>
             <a:pPr lvl="0"/>
             <a:r>
@@ -1460,18 +3909,13 @@
               <a:rPr lang="fr-FR"/>
               <a:t>Cinquième niveau</a:t>
             </a:r>
-          </a:p>
-        </p:txBody>
-      </p:sp>
-      <p:sp>
-        <p:nvSpPr>
-          <p:cNvPr id="5" name="Espace réservé de la date 4">
-            <a:extLst>
-              <a:ext uri="{FF2B5EF4-FFF2-40B4-BE49-F238E27FC236}">
-                <a16:creationId xmlns:a16="http://schemas.microsoft.com/office/drawing/2014/main" id="{80131201-C934-4B9C-8304-47B59BE5A78A}"/>
-              </a:ext>
-            </a:extLst>
-          </p:cNvPr>
+            <a:endParaRPr lang="en-US" dirty="0"/>
+          </a:p>
+        </p:txBody>
+      </p:sp>
+      <p:sp>
+        <p:nvSpPr>
+          <p:cNvPr id="5" name="Date Placeholder 4"/>
           <p:cNvSpPr>
             <a:spLocks noGrp="1"/>
           </p:cNvSpPr>
@@ -1494,13 +3938,7 @@
       </p:sp>
       <p:sp>
         <p:nvSpPr>
-          <p:cNvPr id="6" name="Espace réservé du pied de page 5">
-            <a:extLst>
-              <a:ext uri="{FF2B5EF4-FFF2-40B4-BE49-F238E27FC236}">
-                <a16:creationId xmlns:a16="http://schemas.microsoft.com/office/drawing/2014/main" id="{02AE2100-C111-42FD-AB52-E69EC713FB52}"/>
-              </a:ext>
-            </a:extLst>
-          </p:cNvPr>
+          <p:cNvPr id="6" name="Footer Placeholder 5"/>
           <p:cNvSpPr>
             <a:spLocks noGrp="1"/>
           </p:cNvSpPr>
@@ -1519,13 +3957,7 @@
       </p:sp>
       <p:sp>
         <p:nvSpPr>
-          <p:cNvPr id="7" name="Espace réservé du numéro de diapositive 6">
-            <a:extLst>
-              <a:ext uri="{FF2B5EF4-FFF2-40B4-BE49-F238E27FC236}">
-                <a16:creationId xmlns:a16="http://schemas.microsoft.com/office/drawing/2014/main" id="{2797AAAE-51B6-4B45-B155-F2855AE14130}"/>
-              </a:ext>
-            </a:extLst>
-          </p:cNvPr>
+          <p:cNvPr id="7" name="Slide Number Placeholder 6"/>
           <p:cNvSpPr>
             <a:spLocks noGrp="1"/>
           </p:cNvSpPr>
@@ -1549,7 +3981,7 @@
     </p:spTree>
     <p:extLst>
       <p:ext uri="{BB962C8B-B14F-4D97-AF65-F5344CB8AC3E}">
-        <p14:creationId xmlns:p14="http://schemas.microsoft.com/office/powerpoint/2010/main" val="2915234913"/>
+        <p14:creationId xmlns:p14="http://schemas.microsoft.com/office/powerpoint/2010/main" val="363885911"/>
       </p:ext>
     </p:extLst>
   </p:cSld>
@@ -1590,65 +4022,61 @@
       </p:grpSpPr>
       <p:sp>
         <p:nvSpPr>
-          <p:cNvPr id="2" name="Titre 1">
-            <a:extLst>
-              <a:ext uri="{FF2B5EF4-FFF2-40B4-BE49-F238E27FC236}">
-                <a16:creationId xmlns:a16="http://schemas.microsoft.com/office/drawing/2014/main" id="{CEDFE8B9-F387-4C90-94F1-460B586B9D2E}"/>
-              </a:ext>
-            </a:extLst>
-          </p:cNvPr>
+          <p:cNvPr id="2" name="Title 1"/>
           <p:cNvSpPr>
             <a:spLocks noGrp="1"/>
           </p:cNvSpPr>
           <p:nvPr>
             <p:ph type="title"/>
+          </p:nvPr>
+        </p:nvSpPr>
+        <p:spPr/>
+        <p:txBody>
+          <a:bodyPr/>
+          <a:lstStyle>
+            <a:lvl1pPr>
+              <a:defRPr/>
+            </a:lvl1pPr>
+          </a:lstStyle>
+          <a:p>
+            <a:r>
+              <a:rPr lang="fr-FR"/>
+              <a:t>Modifiez le style du titre</a:t>
+            </a:r>
+            <a:endParaRPr lang="en-US" dirty="0"/>
+          </a:p>
+        </p:txBody>
+      </p:sp>
+      <p:sp>
+        <p:nvSpPr>
+          <p:cNvPr id="3" name="Text Placeholder 2"/>
+          <p:cNvSpPr>
+            <a:spLocks noGrp="1"/>
+          </p:cNvSpPr>
+          <p:nvPr>
+            <p:ph type="body" idx="1"/>
           </p:nvPr>
         </p:nvSpPr>
         <p:spPr>
           <a:xfrm>
-            <a:off x="839788" y="365125"/>
-            <a:ext cx="10515600" cy="1325563"/>
+            <a:off x="1772179" y="2658533"/>
+            <a:ext cx="4607188" cy="576262"/>
           </a:xfrm>
         </p:spPr>
         <p:txBody>
-          <a:bodyPr/>
-          <a:lstStyle/>
-          <a:p>
-            <a:r>
-              <a:rPr lang="fr-FR"/>
-              <a:t>Modifiez le style du titre</a:t>
-            </a:r>
-          </a:p>
-        </p:txBody>
-      </p:sp>
-      <p:sp>
-        <p:nvSpPr>
-          <p:cNvPr id="3" name="Espace réservé du texte 2">
-            <a:extLst>
-              <a:ext uri="{FF2B5EF4-FFF2-40B4-BE49-F238E27FC236}">
-                <a16:creationId xmlns:a16="http://schemas.microsoft.com/office/drawing/2014/main" id="{D47BB4A8-D5F8-43D8-B46C-234847A7FDE1}"/>
-              </a:ext>
-            </a:extLst>
-          </p:cNvPr>
-          <p:cNvSpPr>
-            <a:spLocks noGrp="1"/>
-          </p:cNvSpPr>
-          <p:nvPr>
-            <p:ph type="body" idx="1"/>
-          </p:nvPr>
-        </p:nvSpPr>
-        <p:spPr>
-          <a:xfrm>
-            <a:off x="839788" y="1681163"/>
-            <a:ext cx="5157787" cy="823912"/>
-          </a:xfrm>
-        </p:spPr>
-        <p:txBody>
-          <a:bodyPr anchor="b"/>
+          <a:bodyPr anchor="b">
+            <a:noAutofit/>
+          </a:bodyPr>
           <a:lstStyle>
             <a:lvl1pPr marL="0" indent="0">
               <a:buNone/>
-              <a:defRPr sz="2400" b="1"/>
+              <a:defRPr sz="2800" b="0">
+                <a:solidFill>
+                  <a:schemeClr val="accent1">
+                    <a:lumMod val="75000"/>
+                  </a:schemeClr>
+                </a:solidFill>
+              </a:defRPr>
             </a:lvl1pPr>
             <a:lvl2pPr marL="457200" indent="0">
               <a:buNone/>
@@ -1694,13 +4122,7 @@
       </p:sp>
       <p:sp>
         <p:nvSpPr>
-          <p:cNvPr id="4" name="Espace réservé du contenu 3">
-            <a:extLst>
-              <a:ext uri="{FF2B5EF4-FFF2-40B4-BE49-F238E27FC236}">
-                <a16:creationId xmlns:a16="http://schemas.microsoft.com/office/drawing/2014/main" id="{9711C76E-506C-43C1-AB13-025B567AE850}"/>
-              </a:ext>
-            </a:extLst>
-          </p:cNvPr>
+          <p:cNvPr id="4" name="Content Placeholder 3"/>
           <p:cNvSpPr>
             <a:spLocks noGrp="1"/>
           </p:cNvSpPr>
@@ -1710,13 +4132,43 @@
         </p:nvSpPr>
         <p:spPr>
           <a:xfrm>
-            <a:off x="839788" y="2505075"/>
-            <a:ext cx="5157787" cy="3684588"/>
+            <a:off x="1484311" y="3335337"/>
+            <a:ext cx="4895056" cy="2455862"/>
           </a:xfrm>
         </p:spPr>
         <p:txBody>
-          <a:bodyPr/>
-          <a:lstStyle/>
+          <a:bodyPr anchor="t">
+            <a:normAutofit/>
+          </a:bodyPr>
+          <a:lstStyle>
+            <a:lvl1pPr>
+              <a:defRPr sz="1800"/>
+            </a:lvl1pPr>
+            <a:lvl2pPr>
+              <a:defRPr sz="1600"/>
+            </a:lvl2pPr>
+            <a:lvl3pPr>
+              <a:defRPr sz="1400"/>
+            </a:lvl3pPr>
+            <a:lvl4pPr>
+              <a:defRPr sz="1200"/>
+            </a:lvl4pPr>
+            <a:lvl5pPr>
+              <a:defRPr sz="1200"/>
+            </a:lvl5pPr>
+            <a:lvl6pPr>
+              <a:defRPr sz="1200"/>
+            </a:lvl6pPr>
+            <a:lvl7pPr>
+              <a:defRPr sz="1200"/>
+            </a:lvl7pPr>
+            <a:lvl8pPr>
+              <a:defRPr sz="1200"/>
+            </a:lvl8pPr>
+            <a:lvl9pPr>
+              <a:defRPr sz="1200"/>
+            </a:lvl9pPr>
+          </a:lstStyle>
           <a:p>
             <a:pPr lvl="0"/>
             <a:r>
@@ -1751,18 +4203,13 @@
               <a:rPr lang="fr-FR"/>
               <a:t>Cinquième niveau</a:t>
             </a:r>
-          </a:p>
-        </p:txBody>
-      </p:sp>
-      <p:sp>
-        <p:nvSpPr>
-          <p:cNvPr id="5" name="Espace réservé du texte 4">
-            <a:extLst>
-              <a:ext uri="{FF2B5EF4-FFF2-40B4-BE49-F238E27FC236}">
-                <a16:creationId xmlns:a16="http://schemas.microsoft.com/office/drawing/2014/main" id="{6E2A0427-7DAE-4386-8D18-B57C163227FF}"/>
-              </a:ext>
-            </a:extLst>
-          </p:cNvPr>
+            <a:endParaRPr lang="en-US" dirty="0"/>
+          </a:p>
+        </p:txBody>
+      </p:sp>
+      <p:sp>
+        <p:nvSpPr>
+          <p:cNvPr id="5" name="Text Placeholder 4"/>
           <p:cNvSpPr>
             <a:spLocks noGrp="1"/>
           </p:cNvSpPr>
@@ -1772,16 +4219,24 @@
         </p:nvSpPr>
         <p:spPr>
           <a:xfrm>
-            <a:off x="6172200" y="1681163"/>
-            <a:ext cx="5183188" cy="823912"/>
+            <a:off x="6880487" y="2667000"/>
+            <a:ext cx="4622537" cy="576262"/>
           </a:xfrm>
         </p:spPr>
         <p:txBody>
-          <a:bodyPr anchor="b"/>
+          <a:bodyPr anchor="b">
+            <a:noAutofit/>
+          </a:bodyPr>
           <a:lstStyle>
             <a:lvl1pPr marL="0" indent="0">
               <a:buNone/>
-              <a:defRPr sz="2400" b="1"/>
+              <a:defRPr sz="2800" b="0">
+                <a:solidFill>
+                  <a:schemeClr val="accent1">
+                    <a:lumMod val="75000"/>
+                  </a:schemeClr>
+                </a:solidFill>
+              </a:defRPr>
             </a:lvl1pPr>
             <a:lvl2pPr marL="457200" indent="0">
               <a:buNone/>
@@ -1827,13 +4282,7 @@
       </p:sp>
       <p:sp>
         <p:nvSpPr>
-          <p:cNvPr id="6" name="Espace réservé du contenu 5">
-            <a:extLst>
-              <a:ext uri="{FF2B5EF4-FFF2-40B4-BE49-F238E27FC236}">
-                <a16:creationId xmlns:a16="http://schemas.microsoft.com/office/drawing/2014/main" id="{11689996-D3FE-4255-9642-A415EBDDBA0E}"/>
-              </a:ext>
-            </a:extLst>
-          </p:cNvPr>
+          <p:cNvPr id="6" name="Content Placeholder 5"/>
           <p:cNvSpPr>
             <a:spLocks noGrp="1"/>
           </p:cNvSpPr>
@@ -1843,13 +4292,43 @@
         </p:nvSpPr>
         <p:spPr>
           <a:xfrm>
-            <a:off x="6172200" y="2505075"/>
-            <a:ext cx="5183188" cy="3684588"/>
+            <a:off x="6607967" y="3335337"/>
+            <a:ext cx="4895056" cy="2455862"/>
           </a:xfrm>
         </p:spPr>
         <p:txBody>
-          <a:bodyPr/>
-          <a:lstStyle/>
+          <a:bodyPr anchor="t">
+            <a:normAutofit/>
+          </a:bodyPr>
+          <a:lstStyle>
+            <a:lvl1pPr>
+              <a:defRPr sz="1800"/>
+            </a:lvl1pPr>
+            <a:lvl2pPr>
+              <a:defRPr sz="1600"/>
+            </a:lvl2pPr>
+            <a:lvl3pPr>
+              <a:defRPr sz="1400"/>
+            </a:lvl3pPr>
+            <a:lvl4pPr>
+              <a:defRPr sz="1200"/>
+            </a:lvl4pPr>
+            <a:lvl5pPr>
+              <a:defRPr sz="1200"/>
+            </a:lvl5pPr>
+            <a:lvl6pPr>
+              <a:defRPr sz="1200"/>
+            </a:lvl6pPr>
+            <a:lvl7pPr>
+              <a:defRPr sz="1200"/>
+            </a:lvl7pPr>
+            <a:lvl8pPr>
+              <a:defRPr sz="1200"/>
+            </a:lvl8pPr>
+            <a:lvl9pPr>
+              <a:defRPr sz="1200"/>
+            </a:lvl9pPr>
+          </a:lstStyle>
           <a:p>
             <a:pPr lvl="0"/>
             <a:r>
@@ -1884,18 +4363,13 @@
               <a:rPr lang="fr-FR"/>
               <a:t>Cinquième niveau</a:t>
             </a:r>
-          </a:p>
-        </p:txBody>
-      </p:sp>
-      <p:sp>
-        <p:nvSpPr>
-          <p:cNvPr id="7" name="Espace réservé de la date 6">
-            <a:extLst>
-              <a:ext uri="{FF2B5EF4-FFF2-40B4-BE49-F238E27FC236}">
-                <a16:creationId xmlns:a16="http://schemas.microsoft.com/office/drawing/2014/main" id="{6DBFE258-1EBC-4EDC-A61C-90609E5B9843}"/>
-              </a:ext>
-            </a:extLst>
-          </p:cNvPr>
+            <a:endParaRPr lang="en-US" dirty="0"/>
+          </a:p>
+        </p:txBody>
+      </p:sp>
+      <p:sp>
+        <p:nvSpPr>
+          <p:cNvPr id="7" name="Date Placeholder 6"/>
           <p:cNvSpPr>
             <a:spLocks noGrp="1"/>
           </p:cNvSpPr>
@@ -1918,13 +4392,7 @@
       </p:sp>
       <p:sp>
         <p:nvSpPr>
-          <p:cNvPr id="8" name="Espace réservé du pied de page 7">
-            <a:extLst>
-              <a:ext uri="{FF2B5EF4-FFF2-40B4-BE49-F238E27FC236}">
-                <a16:creationId xmlns:a16="http://schemas.microsoft.com/office/drawing/2014/main" id="{CCE810EB-C732-418F-A3F3-5FA6CE9C299D}"/>
-              </a:ext>
-            </a:extLst>
-          </p:cNvPr>
+          <p:cNvPr id="8" name="Footer Placeholder 7"/>
           <p:cNvSpPr>
             <a:spLocks noGrp="1"/>
           </p:cNvSpPr>
@@ -1943,13 +4411,7 @@
       </p:sp>
       <p:sp>
         <p:nvSpPr>
-          <p:cNvPr id="9" name="Espace réservé du numéro de diapositive 8">
-            <a:extLst>
-              <a:ext uri="{FF2B5EF4-FFF2-40B4-BE49-F238E27FC236}">
-                <a16:creationId xmlns:a16="http://schemas.microsoft.com/office/drawing/2014/main" id="{B81811D1-72BF-426C-A938-DCA97601EB9D}"/>
-              </a:ext>
-            </a:extLst>
-          </p:cNvPr>
+          <p:cNvPr id="9" name="Slide Number Placeholder 8"/>
           <p:cNvSpPr>
             <a:spLocks noGrp="1"/>
           </p:cNvSpPr>
@@ -1973,7 +4435,7 @@
     </p:spTree>
     <p:extLst>
       <p:ext uri="{BB962C8B-B14F-4D97-AF65-F5344CB8AC3E}">
-        <p14:creationId xmlns:p14="http://schemas.microsoft.com/office/powerpoint/2010/main" val="127053416"/>
+        <p14:creationId xmlns:p14="http://schemas.microsoft.com/office/powerpoint/2010/main" val="3648118788"/>
       </p:ext>
     </p:extLst>
   </p:cSld>
@@ -2014,13 +4476,7 @@
       </p:grpSpPr>
       <p:sp>
         <p:nvSpPr>
-          <p:cNvPr id="2" name="Titre 1">
-            <a:extLst>
-              <a:ext uri="{FF2B5EF4-FFF2-40B4-BE49-F238E27FC236}">
-                <a16:creationId xmlns:a16="http://schemas.microsoft.com/office/drawing/2014/main" id="{CE3AE863-CC01-470F-BFB3-7284E0CD6408}"/>
-              </a:ext>
-            </a:extLst>
-          </p:cNvPr>
+          <p:cNvPr id="2" name="Title 1"/>
           <p:cNvSpPr>
             <a:spLocks noGrp="1"/>
           </p:cNvSpPr>
@@ -2037,18 +4493,13 @@
               <a:rPr lang="fr-FR"/>
               <a:t>Modifiez le style du titre</a:t>
             </a:r>
-          </a:p>
-        </p:txBody>
-      </p:sp>
-      <p:sp>
-        <p:nvSpPr>
-          <p:cNvPr id="3" name="Espace réservé de la date 2">
-            <a:extLst>
-              <a:ext uri="{FF2B5EF4-FFF2-40B4-BE49-F238E27FC236}">
-                <a16:creationId xmlns:a16="http://schemas.microsoft.com/office/drawing/2014/main" id="{07407945-EAF8-4357-9698-11BC53D3A0CE}"/>
-              </a:ext>
-            </a:extLst>
-          </p:cNvPr>
+            <a:endParaRPr lang="en-US" dirty="0"/>
+          </a:p>
+        </p:txBody>
+      </p:sp>
+      <p:sp>
+        <p:nvSpPr>
+          <p:cNvPr id="3" name="Date Placeholder 2"/>
           <p:cNvSpPr>
             <a:spLocks noGrp="1"/>
           </p:cNvSpPr>
@@ -2071,13 +4522,7 @@
       </p:sp>
       <p:sp>
         <p:nvSpPr>
-          <p:cNvPr id="4" name="Espace réservé du pied de page 3">
-            <a:extLst>
-              <a:ext uri="{FF2B5EF4-FFF2-40B4-BE49-F238E27FC236}">
-                <a16:creationId xmlns:a16="http://schemas.microsoft.com/office/drawing/2014/main" id="{720F4EBD-0C46-4EA5-9B0A-88A29C10BF41}"/>
-              </a:ext>
-            </a:extLst>
-          </p:cNvPr>
+          <p:cNvPr id="4" name="Footer Placeholder 3"/>
           <p:cNvSpPr>
             <a:spLocks noGrp="1"/>
           </p:cNvSpPr>
@@ -2096,13 +4541,7 @@
       </p:sp>
       <p:sp>
         <p:nvSpPr>
-          <p:cNvPr id="5" name="Espace réservé du numéro de diapositive 4">
-            <a:extLst>
-              <a:ext uri="{FF2B5EF4-FFF2-40B4-BE49-F238E27FC236}">
-                <a16:creationId xmlns:a16="http://schemas.microsoft.com/office/drawing/2014/main" id="{B240CE03-0B7A-4ED9-8EEA-25D493A8CD0F}"/>
-              </a:ext>
-            </a:extLst>
-          </p:cNvPr>
+          <p:cNvPr id="5" name="Slide Number Placeholder 4"/>
           <p:cNvSpPr>
             <a:spLocks noGrp="1"/>
           </p:cNvSpPr>
@@ -2126,7 +4565,7 @@
     </p:spTree>
     <p:extLst>
       <p:ext uri="{BB962C8B-B14F-4D97-AF65-F5344CB8AC3E}">
-        <p14:creationId xmlns:p14="http://schemas.microsoft.com/office/powerpoint/2010/main" val="4023699917"/>
+        <p14:creationId xmlns:p14="http://schemas.microsoft.com/office/powerpoint/2010/main" val="619565893"/>
       </p:ext>
     </p:extLst>
   </p:cSld>
@@ -2167,13 +4606,7 @@
       </p:grpSpPr>
       <p:sp>
         <p:nvSpPr>
-          <p:cNvPr id="2" name="Espace réservé de la date 1">
-            <a:extLst>
-              <a:ext uri="{FF2B5EF4-FFF2-40B4-BE49-F238E27FC236}">
-                <a16:creationId xmlns:a16="http://schemas.microsoft.com/office/drawing/2014/main" id="{B6B95AAE-18B6-4DE4-B916-043A11F8F1DD}"/>
-              </a:ext>
-            </a:extLst>
-          </p:cNvPr>
+          <p:cNvPr id="2" name="Date Placeholder 1"/>
           <p:cNvSpPr>
             <a:spLocks noGrp="1"/>
           </p:cNvSpPr>
@@ -2196,13 +4629,7 @@
       </p:sp>
       <p:sp>
         <p:nvSpPr>
-          <p:cNvPr id="3" name="Espace réservé du pied de page 2">
-            <a:extLst>
-              <a:ext uri="{FF2B5EF4-FFF2-40B4-BE49-F238E27FC236}">
-                <a16:creationId xmlns:a16="http://schemas.microsoft.com/office/drawing/2014/main" id="{F3BBCC36-D8D0-4AEE-9AF7-6AEC0566CBCE}"/>
-              </a:ext>
-            </a:extLst>
-          </p:cNvPr>
+          <p:cNvPr id="3" name="Footer Placeholder 2"/>
           <p:cNvSpPr>
             <a:spLocks noGrp="1"/>
           </p:cNvSpPr>
@@ -2221,13 +4648,7 @@
       </p:sp>
       <p:sp>
         <p:nvSpPr>
-          <p:cNvPr id="4" name="Espace réservé du numéro de diapositive 3">
-            <a:extLst>
-              <a:ext uri="{FF2B5EF4-FFF2-40B4-BE49-F238E27FC236}">
-                <a16:creationId xmlns:a16="http://schemas.microsoft.com/office/drawing/2014/main" id="{5E96AC9E-739C-4CCD-B9AB-32B47D5FA163}"/>
-              </a:ext>
-            </a:extLst>
-          </p:cNvPr>
+          <p:cNvPr id="4" name="Slide Number Placeholder 3"/>
           <p:cNvSpPr>
             <a:spLocks noGrp="1"/>
           </p:cNvSpPr>
@@ -2251,7 +4672,7 @@
     </p:spTree>
     <p:extLst>
       <p:ext uri="{BB962C8B-B14F-4D97-AF65-F5344CB8AC3E}">
-        <p14:creationId xmlns:p14="http://schemas.microsoft.com/office/powerpoint/2010/main" val="1717705628"/>
+        <p14:creationId xmlns:p14="http://schemas.microsoft.com/office/powerpoint/2010/main" val="1280197239"/>
       </p:ext>
     </p:extLst>
   </p:cSld>
@@ -2292,13 +4713,7 @@
       </p:grpSpPr>
       <p:sp>
         <p:nvSpPr>
-          <p:cNvPr id="2" name="Titre 1">
-            <a:extLst>
-              <a:ext uri="{FF2B5EF4-FFF2-40B4-BE49-F238E27FC236}">
-                <a16:creationId xmlns:a16="http://schemas.microsoft.com/office/drawing/2014/main" id="{59402D9A-E053-4E24-95C1-43BDF85A3B4B}"/>
-              </a:ext>
-            </a:extLst>
-          </p:cNvPr>
+          <p:cNvPr id="2" name="Title 1"/>
           <p:cNvSpPr>
             <a:spLocks noGrp="1"/>
           </p:cNvSpPr>
@@ -2308,175 +4723,171 @@
         </p:nvSpPr>
         <p:spPr>
           <a:xfrm>
-            <a:off x="839788" y="457200"/>
-            <a:ext cx="3932237" cy="1600200"/>
+            <a:off x="1484312" y="1600200"/>
+            <a:ext cx="3549121" cy="1371600"/>
           </a:xfrm>
         </p:spPr>
         <p:txBody>
-          <a:bodyPr anchor="b"/>
+          <a:bodyPr anchor="b">
+            <a:normAutofit/>
+          </a:bodyPr>
+          <a:lstStyle>
+            <a:lvl1pPr algn="ctr">
+              <a:defRPr sz="2400" b="0"/>
+            </a:lvl1pPr>
+          </a:lstStyle>
+          <a:p>
+            <a:r>
+              <a:rPr lang="fr-FR"/>
+              <a:t>Modifiez le style du titre</a:t>
+            </a:r>
+            <a:endParaRPr lang="en-US" dirty="0"/>
+          </a:p>
+        </p:txBody>
+      </p:sp>
+      <p:sp>
+        <p:nvSpPr>
+          <p:cNvPr id="3" name="Content Placeholder 2"/>
+          <p:cNvSpPr>
+            <a:spLocks noGrp="1"/>
+          </p:cNvSpPr>
+          <p:nvPr>
+            <p:ph idx="1"/>
+          </p:nvPr>
+        </p:nvSpPr>
+        <p:spPr>
+          <a:xfrm>
+            <a:off x="5262033" y="685799"/>
+            <a:ext cx="6240990" cy="5105401"/>
+          </a:xfrm>
+        </p:spPr>
+        <p:txBody>
+          <a:bodyPr anchor="ctr">
+            <a:normAutofit/>
+          </a:bodyPr>
           <a:lstStyle>
             <a:lvl1pPr>
-              <a:defRPr sz="3200"/>
+              <a:defRPr sz="2000"/>
             </a:lvl1pPr>
+            <a:lvl2pPr>
+              <a:defRPr sz="1800"/>
+            </a:lvl2pPr>
+            <a:lvl3pPr>
+              <a:defRPr sz="1600"/>
+            </a:lvl3pPr>
+            <a:lvl4pPr>
+              <a:defRPr sz="1400"/>
+            </a:lvl4pPr>
+            <a:lvl5pPr>
+              <a:defRPr sz="1400"/>
+            </a:lvl5pPr>
+            <a:lvl6pPr>
+              <a:defRPr sz="1400"/>
+            </a:lvl6pPr>
+            <a:lvl7pPr>
+              <a:defRPr sz="1400"/>
+            </a:lvl7pPr>
+            <a:lvl8pPr>
+              <a:defRPr sz="1400"/>
+            </a:lvl8pPr>
+            <a:lvl9pPr>
+              <a:defRPr sz="1400"/>
+            </a:lvl9pPr>
           </a:lstStyle>
           <a:p>
+            <a:pPr lvl="0"/>
             <a:r>
               <a:rPr lang="fr-FR"/>
-              <a:t>Modifiez le style du titre</a:t>
-            </a:r>
-          </a:p>
-        </p:txBody>
-      </p:sp>
-      <p:sp>
-        <p:nvSpPr>
-          <p:cNvPr id="3" name="Espace réservé du contenu 2">
-            <a:extLst>
-              <a:ext uri="{FF2B5EF4-FFF2-40B4-BE49-F238E27FC236}">
-                <a16:creationId xmlns:a16="http://schemas.microsoft.com/office/drawing/2014/main" id="{26A040F8-5465-4035-B38B-CF2CEBB84C93}"/>
-              </a:ext>
-            </a:extLst>
-          </p:cNvPr>
-          <p:cNvSpPr>
-            <a:spLocks noGrp="1"/>
-          </p:cNvSpPr>
-          <p:nvPr>
-            <p:ph idx="1"/>
+              <a:t>Modifier les styles du texte du masque</a:t>
+            </a:r>
+          </a:p>
+          <a:p>
+            <a:pPr lvl="1"/>
+            <a:r>
+              <a:rPr lang="fr-FR"/>
+              <a:t>Deuxième niveau</a:t>
+            </a:r>
+          </a:p>
+          <a:p>
+            <a:pPr lvl="2"/>
+            <a:r>
+              <a:rPr lang="fr-FR"/>
+              <a:t>Troisième niveau</a:t>
+            </a:r>
+          </a:p>
+          <a:p>
+            <a:pPr lvl="3"/>
+            <a:r>
+              <a:rPr lang="fr-FR"/>
+              <a:t>Quatrième niveau</a:t>
+            </a:r>
+          </a:p>
+          <a:p>
+            <a:pPr lvl="4"/>
+            <a:r>
+              <a:rPr lang="fr-FR"/>
+              <a:t>Cinquième niveau</a:t>
+            </a:r>
+            <a:endParaRPr lang="en-US" dirty="0"/>
+          </a:p>
+        </p:txBody>
+      </p:sp>
+      <p:sp>
+        <p:nvSpPr>
+          <p:cNvPr id="4" name="Text Placeholder 3"/>
+          <p:cNvSpPr>
+            <a:spLocks noGrp="1"/>
+          </p:cNvSpPr>
+          <p:nvPr>
+            <p:ph type="body" sz="half" idx="2"/>
           </p:nvPr>
         </p:nvSpPr>
         <p:spPr>
           <a:xfrm>
-            <a:off x="5183188" y="987425"/>
-            <a:ext cx="6172200" cy="4873625"/>
+            <a:off x="1484312" y="2971800"/>
+            <a:ext cx="3549121" cy="1828800"/>
           </a:xfrm>
         </p:spPr>
         <p:txBody>
-          <a:bodyPr/>
+          <a:bodyPr>
+            <a:normAutofit/>
+          </a:bodyPr>
           <a:lstStyle>
-            <a:lvl1pPr>
-              <a:defRPr sz="3200"/>
-            </a:lvl1pPr>
-            <a:lvl2pPr>
-              <a:defRPr sz="2800"/>
-            </a:lvl2pPr>
-            <a:lvl3pPr>
-              <a:defRPr sz="2400"/>
-            </a:lvl3pPr>
-            <a:lvl4pPr>
-              <a:defRPr sz="2000"/>
-            </a:lvl4pPr>
-            <a:lvl5pPr>
-              <a:defRPr sz="2000"/>
-            </a:lvl5pPr>
-            <a:lvl6pPr>
-              <a:defRPr sz="2000"/>
-            </a:lvl6pPr>
-            <a:lvl7pPr>
-              <a:defRPr sz="2000"/>
-            </a:lvl7pPr>
-            <a:lvl8pPr>
-              <a:defRPr sz="2000"/>
-            </a:lvl8pPr>
-            <a:lvl9pPr>
-              <a:defRPr sz="2000"/>
-            </a:lvl9pPr>
-          </a:lstStyle>
-          <a:p>
-            <a:pPr lvl="0"/>
-            <a:r>
-              <a:rPr lang="fr-FR"/>
-              <a:t>Modifier les styles du texte du masque</a:t>
-            </a:r>
-          </a:p>
-          <a:p>
-            <a:pPr lvl="1"/>
-            <a:r>
-              <a:rPr lang="fr-FR"/>
-              <a:t>Deuxième niveau</a:t>
-            </a:r>
-          </a:p>
-          <a:p>
-            <a:pPr lvl="2"/>
-            <a:r>
-              <a:rPr lang="fr-FR"/>
-              <a:t>Troisième niveau</a:t>
-            </a:r>
-          </a:p>
-          <a:p>
-            <a:pPr lvl="3"/>
-            <a:r>
-              <a:rPr lang="fr-FR"/>
-              <a:t>Quatrième niveau</a:t>
-            </a:r>
-          </a:p>
-          <a:p>
-            <a:pPr lvl="4"/>
-            <a:r>
-              <a:rPr lang="fr-FR"/>
-              <a:t>Cinquième niveau</a:t>
-            </a:r>
-          </a:p>
-        </p:txBody>
-      </p:sp>
-      <p:sp>
-        <p:nvSpPr>
-          <p:cNvPr id="4" name="Espace réservé du texte 3">
-            <a:extLst>
-              <a:ext uri="{FF2B5EF4-FFF2-40B4-BE49-F238E27FC236}">
-                <a16:creationId xmlns:a16="http://schemas.microsoft.com/office/drawing/2014/main" id="{58012C0A-43FB-4875-BEFB-8D009AE2DCF4}"/>
-              </a:ext>
-            </a:extLst>
-          </p:cNvPr>
-          <p:cNvSpPr>
-            <a:spLocks noGrp="1"/>
-          </p:cNvSpPr>
-          <p:nvPr>
-            <p:ph type="body" sz="half" idx="2"/>
-          </p:nvPr>
-        </p:nvSpPr>
-        <p:spPr>
-          <a:xfrm>
-            <a:off x="839788" y="2057400"/>
-            <a:ext cx="3932237" cy="3811588"/>
-          </a:xfrm>
-        </p:spPr>
-        <p:txBody>
-          <a:bodyPr/>
-          <a:lstStyle>
-            <a:lvl1pPr marL="0" indent="0">
+            <a:lvl1pPr marL="0" indent="0" algn="ctr">
               <a:buNone/>
               <a:defRPr sz="1600"/>
             </a:lvl1pPr>
             <a:lvl2pPr marL="457200" indent="0">
               <a:buNone/>
-              <a:defRPr sz="1400"/>
+              <a:defRPr sz="1200"/>
             </a:lvl2pPr>
             <a:lvl3pPr marL="914400" indent="0">
               <a:buNone/>
-              <a:defRPr sz="1200"/>
+              <a:defRPr sz="1000"/>
             </a:lvl3pPr>
             <a:lvl4pPr marL="1371600" indent="0">
               <a:buNone/>
-              <a:defRPr sz="1000"/>
+              <a:defRPr sz="900"/>
             </a:lvl4pPr>
             <a:lvl5pPr marL="1828800" indent="0">
               <a:buNone/>
-              <a:defRPr sz="1000"/>
+              <a:defRPr sz="900"/>
             </a:lvl5pPr>
             <a:lvl6pPr marL="2286000" indent="0">
               <a:buNone/>
-              <a:defRPr sz="1000"/>
+              <a:defRPr sz="900"/>
             </a:lvl6pPr>
             <a:lvl7pPr marL="2743200" indent="0">
               <a:buNone/>
-              <a:defRPr sz="1000"/>
+              <a:defRPr sz="900"/>
             </a:lvl7pPr>
             <a:lvl8pPr marL="3200400" indent="0">
               <a:buNone/>
-              <a:defRPr sz="1000"/>
+              <a:defRPr sz="900"/>
             </a:lvl8pPr>
             <a:lvl9pPr marL="3657600" indent="0">
               <a:buNone/>
-              <a:defRPr sz="1000"/>
+              <a:defRPr sz="900"/>
             </a:lvl9pPr>
           </a:lstStyle>
           <a:p>
@@ -2490,13 +4901,7 @@
       </p:sp>
       <p:sp>
         <p:nvSpPr>
-          <p:cNvPr id="5" name="Espace réservé de la date 4">
-            <a:extLst>
-              <a:ext uri="{FF2B5EF4-FFF2-40B4-BE49-F238E27FC236}">
-                <a16:creationId xmlns:a16="http://schemas.microsoft.com/office/drawing/2014/main" id="{A2763860-4CE1-4261-A7B8-ACC81F3A45E4}"/>
-              </a:ext>
-            </a:extLst>
-          </p:cNvPr>
+          <p:cNvPr id="5" name="Date Placeholder 4"/>
           <p:cNvSpPr>
             <a:spLocks noGrp="1"/>
           </p:cNvSpPr>
@@ -2519,13 +4924,7 @@
       </p:sp>
       <p:sp>
         <p:nvSpPr>
-          <p:cNvPr id="6" name="Espace réservé du pied de page 5">
-            <a:extLst>
-              <a:ext uri="{FF2B5EF4-FFF2-40B4-BE49-F238E27FC236}">
-                <a16:creationId xmlns:a16="http://schemas.microsoft.com/office/drawing/2014/main" id="{7F3CD453-AE6A-4E38-9177-21BBA0943C65}"/>
-              </a:ext>
-            </a:extLst>
-          </p:cNvPr>
+          <p:cNvPr id="6" name="Footer Placeholder 5"/>
           <p:cNvSpPr>
             <a:spLocks noGrp="1"/>
           </p:cNvSpPr>
@@ -2544,13 +4943,7 @@
       </p:sp>
       <p:sp>
         <p:nvSpPr>
-          <p:cNvPr id="7" name="Espace réservé du numéro de diapositive 6">
-            <a:extLst>
-              <a:ext uri="{FF2B5EF4-FFF2-40B4-BE49-F238E27FC236}">
-                <a16:creationId xmlns:a16="http://schemas.microsoft.com/office/drawing/2014/main" id="{5B879C42-560F-4AEE-B55C-C92885D82A04}"/>
-              </a:ext>
-            </a:extLst>
-          </p:cNvPr>
+          <p:cNvPr id="7" name="Slide Number Placeholder 6"/>
           <p:cNvSpPr>
             <a:spLocks noGrp="1"/>
           </p:cNvSpPr>
@@ -2574,7 +4967,7 @@
     </p:spTree>
     <p:extLst>
       <p:ext uri="{BB962C8B-B14F-4D97-AF65-F5344CB8AC3E}">
-        <p14:creationId xmlns:p14="http://schemas.microsoft.com/office/powerpoint/2010/main" val="2712705828"/>
+        <p14:creationId xmlns:p14="http://schemas.microsoft.com/office/powerpoint/2010/main" val="4138408984"/>
       </p:ext>
     </p:extLst>
   </p:cSld>
@@ -2615,13 +5008,7 @@
       </p:grpSpPr>
       <p:sp>
         <p:nvSpPr>
-          <p:cNvPr id="2" name="Titre 1">
-            <a:extLst>
-              <a:ext uri="{FF2B5EF4-FFF2-40B4-BE49-F238E27FC236}">
-                <a16:creationId xmlns:a16="http://schemas.microsoft.com/office/drawing/2014/main" id="{B076EF02-9F34-4C47-AB3A-A4F9ABBCABC0}"/>
-              </a:ext>
-            </a:extLst>
-          </p:cNvPr>
+          <p:cNvPr id="2" name="Title 1"/>
           <p:cNvSpPr>
             <a:spLocks noGrp="1"/>
           </p:cNvSpPr>
@@ -2631,15 +5018,17 @@
         </p:nvSpPr>
         <p:spPr>
           <a:xfrm>
-            <a:off x="839788" y="457200"/>
-            <a:ext cx="3932237" cy="1600200"/>
+            <a:off x="1482724" y="1752599"/>
+            <a:ext cx="5426158" cy="1371600"/>
           </a:xfrm>
         </p:spPr>
         <p:txBody>
-          <a:bodyPr anchor="b"/>
+          <a:bodyPr anchor="b">
+            <a:normAutofit/>
+          </a:bodyPr>
           <a:lstStyle>
-            <a:lvl1pPr>
-              <a:defRPr sz="3200"/>
+            <a:lvl1pPr algn="ctr">
+              <a:defRPr sz="2800" b="0"/>
             </a:lvl1pPr>
           </a:lstStyle>
           <a:p>
@@ -2647,20 +5036,15 @@
               <a:rPr lang="fr-FR"/>
               <a:t>Modifiez le style du titre</a:t>
             </a:r>
-          </a:p>
-        </p:txBody>
-      </p:sp>
-      <p:sp>
-        <p:nvSpPr>
-          <p:cNvPr id="3" name="Espace réservé pour une image  2">
-            <a:extLst>
-              <a:ext uri="{FF2B5EF4-FFF2-40B4-BE49-F238E27FC236}">
-                <a16:creationId xmlns:a16="http://schemas.microsoft.com/office/drawing/2014/main" id="{4B018BE6-C57B-4C19-938F-786CC372737D}"/>
-              </a:ext>
-            </a:extLst>
-          </p:cNvPr>
-          <p:cNvSpPr>
-            <a:spLocks noGrp="1"/>
+            <a:endParaRPr lang="en-US" dirty="0"/>
+          </a:p>
+        </p:txBody>
+      </p:sp>
+      <p:sp>
+        <p:nvSpPr>
+          <p:cNvPr id="14" name="Picture Placeholder 2"/>
+          <p:cNvSpPr>
+            <a:spLocks noGrp="1" noChangeAspect="1"/>
           </p:cNvSpPr>
           <p:nvPr>
             <p:ph type="pic" idx="1"/>
@@ -2668,118 +5052,148 @@
         </p:nvSpPr>
         <p:spPr>
           <a:xfrm>
-            <a:off x="5183188" y="987425"/>
-            <a:ext cx="6172200" cy="4873625"/>
+            <a:off x="7594682" y="914400"/>
+            <a:ext cx="3280974" cy="4572000"/>
           </a:xfrm>
+          <a:prstGeom prst="roundRect">
+            <a:avLst>
+              <a:gd name="adj" fmla="val 4280"/>
+            </a:avLst>
+          </a:prstGeom>
+          <a:ln w="38100">
+            <a:gradFill flip="none" rotWithShape="1">
+              <a:gsLst>
+                <a:gs pos="0">
+                  <a:schemeClr val="bg2"/>
+                </a:gs>
+                <a:gs pos="100000">
+                  <a:schemeClr val="bg2">
+                    <a:lumMod val="75000"/>
+                  </a:schemeClr>
+                </a:gs>
+              </a:gsLst>
+              <a:lin ang="5400000" scaled="0"/>
+              <a:tileRect/>
+            </a:gradFill>
+          </a:ln>
+          <a:effectLst>
+            <a:innerShdw blurRad="57150" dist="38100" dir="14460000">
+              <a:srgbClr val="000000">
+                <a:alpha val="70000"/>
+              </a:srgbClr>
+            </a:innerShdw>
+          </a:effectLst>
         </p:spPr>
         <p:txBody>
-          <a:bodyPr/>
+          <a:bodyPr anchor="t">
+            <a:normAutofit/>
+          </a:bodyPr>
           <a:lstStyle>
-            <a:lvl1pPr marL="0" indent="0">
-              <a:buNone/>
-              <a:defRPr sz="3200"/>
-            </a:lvl1pPr>
-            <a:lvl2pPr marL="457200" indent="0">
-              <a:buNone/>
-              <a:defRPr sz="2800"/>
-            </a:lvl2pPr>
-            <a:lvl3pPr marL="914400" indent="0">
-              <a:buNone/>
-              <a:defRPr sz="2400"/>
-            </a:lvl3pPr>
-            <a:lvl4pPr marL="1371600" indent="0">
-              <a:buNone/>
-              <a:defRPr sz="2000"/>
-            </a:lvl4pPr>
-            <a:lvl5pPr marL="1828800" indent="0">
-              <a:buNone/>
-              <a:defRPr sz="2000"/>
-            </a:lvl5pPr>
-            <a:lvl6pPr marL="2286000" indent="0">
-              <a:buNone/>
-              <a:defRPr sz="2000"/>
-            </a:lvl6pPr>
-            <a:lvl7pPr marL="2743200" indent="0">
-              <a:buNone/>
-              <a:defRPr sz="2000"/>
-            </a:lvl7pPr>
-            <a:lvl8pPr marL="3200400" indent="0">
-              <a:buNone/>
-              <a:defRPr sz="2000"/>
-            </a:lvl8pPr>
-            <a:lvl9pPr marL="3657600" indent="0">
-              <a:buNone/>
-              <a:defRPr sz="2000"/>
-            </a:lvl9pPr>
-          </a:lstStyle>
-          <a:p>
-            <a:endParaRPr lang="fr-FR"/>
-          </a:p>
-        </p:txBody>
-      </p:sp>
-      <p:sp>
-        <p:nvSpPr>
-          <p:cNvPr id="4" name="Espace réservé du texte 3">
-            <a:extLst>
-              <a:ext uri="{FF2B5EF4-FFF2-40B4-BE49-F238E27FC236}">
-                <a16:creationId xmlns:a16="http://schemas.microsoft.com/office/drawing/2014/main" id="{83C043C5-CADD-445A-808B-D67D138539D2}"/>
-              </a:ext>
-            </a:extLst>
-          </p:cNvPr>
-          <p:cNvSpPr>
-            <a:spLocks noGrp="1"/>
-          </p:cNvSpPr>
-          <p:nvPr>
-            <p:ph type="body" sz="half" idx="2"/>
-          </p:nvPr>
-        </p:nvSpPr>
-        <p:spPr>
-          <a:xfrm>
-            <a:off x="839788" y="2057400"/>
-            <a:ext cx="3932237" cy="3811588"/>
-          </a:xfrm>
-        </p:spPr>
-        <p:txBody>
-          <a:bodyPr/>
-          <a:lstStyle>
-            <a:lvl1pPr marL="0" indent="0">
+            <a:lvl1pPr marL="0" indent="0" algn="ctr">
               <a:buNone/>
               <a:defRPr sz="1600"/>
             </a:lvl1pPr>
             <a:lvl2pPr marL="457200" indent="0">
               <a:buNone/>
-              <a:defRPr sz="1400"/>
+              <a:defRPr sz="1600"/>
             </a:lvl2pPr>
             <a:lvl3pPr marL="914400" indent="0">
               <a:buNone/>
-              <a:defRPr sz="1200"/>
+              <a:defRPr sz="1600"/>
             </a:lvl3pPr>
             <a:lvl4pPr marL="1371600" indent="0">
               <a:buNone/>
-              <a:defRPr sz="1000"/>
+              <a:defRPr sz="1600"/>
             </a:lvl4pPr>
             <a:lvl5pPr marL="1828800" indent="0">
               <a:buNone/>
-              <a:defRPr sz="1000"/>
+              <a:defRPr sz="1600"/>
             </a:lvl5pPr>
             <a:lvl6pPr marL="2286000" indent="0">
               <a:buNone/>
-              <a:defRPr sz="1000"/>
+              <a:defRPr sz="1600"/>
             </a:lvl6pPr>
             <a:lvl7pPr marL="2743200" indent="0">
               <a:buNone/>
-              <a:defRPr sz="1000"/>
+              <a:defRPr sz="1600"/>
             </a:lvl7pPr>
             <a:lvl8pPr marL="3200400" indent="0">
               <a:buNone/>
-              <a:defRPr sz="1000"/>
+              <a:defRPr sz="1600"/>
             </a:lvl8pPr>
             <a:lvl9pPr marL="3657600" indent="0">
               <a:buNone/>
-              <a:defRPr sz="1000"/>
+              <a:defRPr sz="1600"/>
             </a:lvl9pPr>
           </a:lstStyle>
           <a:p>
+            <a:r>
+              <a:rPr lang="fr-FR"/>
+              <a:t>Cliquez sur l'icône pour ajouter une image</a:t>
+            </a:r>
+            <a:endParaRPr lang="en-US" dirty="0"/>
+          </a:p>
+        </p:txBody>
+      </p:sp>
+      <p:sp>
+        <p:nvSpPr>
+          <p:cNvPr id="4" name="Text Placeholder 3"/>
+          <p:cNvSpPr>
+            <a:spLocks noGrp="1"/>
+          </p:cNvSpPr>
+          <p:nvPr>
+            <p:ph type="body" sz="half" idx="2"/>
+          </p:nvPr>
+        </p:nvSpPr>
+        <p:spPr>
+          <a:xfrm>
+            <a:off x="1482724" y="3124199"/>
+            <a:ext cx="5426158" cy="1828800"/>
+          </a:xfrm>
+        </p:spPr>
+        <p:txBody>
+          <a:bodyPr>
+            <a:normAutofit/>
+          </a:bodyPr>
+          <a:lstStyle>
+            <a:lvl1pPr marL="0" indent="0" algn="ctr">
+              <a:buNone/>
+              <a:defRPr sz="1800"/>
+            </a:lvl1pPr>
+            <a:lvl2pPr marL="457200" indent="0">
+              <a:buNone/>
+              <a:defRPr sz="1200"/>
+            </a:lvl2pPr>
+            <a:lvl3pPr marL="914400" indent="0">
+              <a:buNone/>
+              <a:defRPr sz="1000"/>
+            </a:lvl3pPr>
+            <a:lvl4pPr marL="1371600" indent="0">
+              <a:buNone/>
+              <a:defRPr sz="900"/>
+            </a:lvl4pPr>
+            <a:lvl5pPr marL="1828800" indent="0">
+              <a:buNone/>
+              <a:defRPr sz="900"/>
+            </a:lvl5pPr>
+            <a:lvl6pPr marL="2286000" indent="0">
+              <a:buNone/>
+              <a:defRPr sz="900"/>
+            </a:lvl6pPr>
+            <a:lvl7pPr marL="2743200" indent="0">
+              <a:buNone/>
+              <a:defRPr sz="900"/>
+            </a:lvl7pPr>
+            <a:lvl8pPr marL="3200400" indent="0">
+              <a:buNone/>
+              <a:defRPr sz="900"/>
+            </a:lvl8pPr>
+            <a:lvl9pPr marL="3657600" indent="0">
+              <a:buNone/>
+              <a:defRPr sz="900"/>
+            </a:lvl9pPr>
+          </a:lstStyle>
+          <a:p>
             <a:pPr lvl="0"/>
             <a:r>
               <a:rPr lang="fr-FR"/>
@@ -2790,13 +5204,7 @@
       </p:sp>
       <p:sp>
         <p:nvSpPr>
-          <p:cNvPr id="5" name="Espace réservé de la date 4">
-            <a:extLst>
-              <a:ext uri="{FF2B5EF4-FFF2-40B4-BE49-F238E27FC236}">
-                <a16:creationId xmlns:a16="http://schemas.microsoft.com/office/drawing/2014/main" id="{CE3ED251-1845-4CF2-9EF1-CF5CB5B3A4AC}"/>
-              </a:ext>
-            </a:extLst>
-          </p:cNvPr>
+          <p:cNvPr id="5" name="Date Placeholder 4"/>
           <p:cNvSpPr>
             <a:spLocks noGrp="1"/>
           </p:cNvSpPr>
@@ -2819,13 +5227,7 @@
       </p:sp>
       <p:sp>
         <p:nvSpPr>
-          <p:cNvPr id="6" name="Espace réservé du pied de page 5">
-            <a:extLst>
-              <a:ext uri="{FF2B5EF4-FFF2-40B4-BE49-F238E27FC236}">
-                <a16:creationId xmlns:a16="http://schemas.microsoft.com/office/drawing/2014/main" id="{D76DF3FB-3876-4FBC-BEEE-B565D59C5023}"/>
-              </a:ext>
-            </a:extLst>
-          </p:cNvPr>
+          <p:cNvPr id="6" name="Footer Placeholder 5"/>
           <p:cNvSpPr>
             <a:spLocks noGrp="1"/>
           </p:cNvSpPr>
@@ -2844,13 +5246,7 @@
       </p:sp>
       <p:sp>
         <p:nvSpPr>
-          <p:cNvPr id="7" name="Espace réservé du numéro de diapositive 6">
-            <a:extLst>
-              <a:ext uri="{FF2B5EF4-FFF2-40B4-BE49-F238E27FC236}">
-                <a16:creationId xmlns:a16="http://schemas.microsoft.com/office/drawing/2014/main" id="{E9BD01DA-1A09-4ADA-9CF6-4426EF2215A8}"/>
-              </a:ext>
-            </a:extLst>
-          </p:cNvPr>
+          <p:cNvPr id="7" name="Slide Number Placeholder 6"/>
           <p:cNvSpPr>
             <a:spLocks noGrp="1"/>
           </p:cNvSpPr>
@@ -2874,7 +5270,7 @@
     </p:spTree>
     <p:extLst>
       <p:ext uri="{BB962C8B-B14F-4D97-AF65-F5344CB8AC3E}">
-        <p14:creationId xmlns:p14="http://schemas.microsoft.com/office/powerpoint/2010/main" val="4197893622"/>
+        <p14:creationId xmlns:p14="http://schemas.microsoft.com/office/powerpoint/2010/main" val="2165702808"/>
       </p:ext>
     </p:extLst>
   </p:cSld>
@@ -2900,8 +5296,8 @@
 <p:sldMaster xmlns:a="http://schemas.openxmlformats.org/drawingml/2006/main" xmlns:r="http://schemas.openxmlformats.org/officeDocument/2006/relationships" xmlns:p="http://schemas.openxmlformats.org/presentationml/2006/main">
   <p:cSld>
     <p:bg>
-      <p:bgRef idx="1001">
-        <a:schemeClr val="bg1"/>
+      <p:bgRef idx="1003">
+        <a:schemeClr val="bg2"/>
       </p:bgRef>
     </p:bg>
     <p:spTree>
@@ -2918,15 +5314,325 @@
           <a:chExt cx="0" cy="0"/>
         </a:xfrm>
       </p:grpSpPr>
-      <p:sp>
-        <p:nvSpPr>
-          <p:cNvPr id="2" name="Espace réservé du titre 1">
-            <a:extLst>
-              <a:ext uri="{FF2B5EF4-FFF2-40B4-BE49-F238E27FC236}">
-                <a16:creationId xmlns:a16="http://schemas.microsoft.com/office/drawing/2014/main" id="{9BBFB2E8-871B-43AC-88A4-55DE5D4B5B0B}"/>
-              </a:ext>
-            </a:extLst>
-          </p:cNvPr>
+      <p:grpSp>
+        <p:nvGrpSpPr>
+          <p:cNvPr id="7" name="Group 6"/>
+          <p:cNvGrpSpPr/>
+          <p:nvPr/>
+        </p:nvGrpSpPr>
+        <p:grpSpPr>
+          <a:xfrm>
+            <a:off x="150812" y="0"/>
+            <a:ext cx="2436813" cy="6858001"/>
+            <a:chOff x="1320800" y="0"/>
+            <a:chExt cx="2436813" cy="6858001"/>
+          </a:xfrm>
+        </p:grpSpPr>
+        <p:sp>
+          <p:nvSpPr>
+            <p:cNvPr id="8" name="Freeform 6"/>
+            <p:cNvSpPr/>
+            <p:nvPr/>
+          </p:nvSpPr>
+          <p:spPr bwMode="auto">
+            <a:xfrm>
+              <a:off x="1627188" y="0"/>
+              <a:ext cx="1122363" cy="5329238"/>
+            </a:xfrm>
+            <a:custGeom>
+              <a:avLst/>
+              <a:gdLst/>
+              <a:ahLst/>
+              <a:cxnLst/>
+              <a:rect l="0" t="0" r="r" b="b"/>
+              <a:pathLst>
+                <a:path w="707" h="3357">
+                  <a:moveTo>
+                    <a:pt x="0" y="3330"/>
+                  </a:moveTo>
+                  <a:lnTo>
+                    <a:pt x="156" y="3357"/>
+                  </a:lnTo>
+                  <a:lnTo>
+                    <a:pt x="707" y="0"/>
+                  </a:lnTo>
+                  <a:lnTo>
+                    <a:pt x="547" y="0"/>
+                  </a:lnTo>
+                  <a:lnTo>
+                    <a:pt x="0" y="3330"/>
+                  </a:lnTo>
+                  <a:close/>
+                </a:path>
+              </a:pathLst>
+            </a:custGeom>
+            <a:solidFill>
+              <a:schemeClr val="accent1"/>
+            </a:solidFill>
+            <a:ln>
+              <a:noFill/>
+            </a:ln>
+          </p:spPr>
+        </p:sp>
+        <p:sp>
+          <p:nvSpPr>
+            <p:cNvPr id="9" name="Freeform 7"/>
+            <p:cNvSpPr/>
+            <p:nvPr/>
+          </p:nvSpPr>
+          <p:spPr bwMode="auto">
+            <a:xfrm>
+              <a:off x="1320800" y="0"/>
+              <a:ext cx="1117600" cy="5276850"/>
+            </a:xfrm>
+            <a:custGeom>
+              <a:avLst/>
+              <a:gdLst/>
+              <a:ahLst/>
+              <a:cxnLst/>
+              <a:rect l="0" t="0" r="r" b="b"/>
+              <a:pathLst>
+                <a:path w="704" h="3324">
+                  <a:moveTo>
+                    <a:pt x="704" y="0"/>
+                  </a:moveTo>
+                  <a:lnTo>
+                    <a:pt x="545" y="0"/>
+                  </a:lnTo>
+                  <a:lnTo>
+                    <a:pt x="0" y="3300"/>
+                  </a:lnTo>
+                  <a:lnTo>
+                    <a:pt x="157" y="3324"/>
+                  </a:lnTo>
+                  <a:lnTo>
+                    <a:pt x="704" y="0"/>
+                  </a:lnTo>
+                  <a:close/>
+                </a:path>
+              </a:pathLst>
+            </a:custGeom>
+            <a:solidFill>
+              <a:schemeClr val="tx1">
+                <a:lumMod val="65000"/>
+                <a:lumOff val="35000"/>
+              </a:schemeClr>
+            </a:solidFill>
+            <a:ln>
+              <a:noFill/>
+            </a:ln>
+          </p:spPr>
+        </p:sp>
+        <p:sp>
+          <p:nvSpPr>
+            <p:cNvPr id="10" name="Freeform 8"/>
+            <p:cNvSpPr/>
+            <p:nvPr/>
+          </p:nvSpPr>
+          <p:spPr bwMode="auto">
+            <a:xfrm>
+              <a:off x="1320800" y="5238750"/>
+              <a:ext cx="1228725" cy="1619250"/>
+            </a:xfrm>
+            <a:custGeom>
+              <a:avLst/>
+              <a:gdLst/>
+              <a:ahLst/>
+              <a:cxnLst/>
+              <a:rect l="0" t="0" r="r" b="b"/>
+              <a:pathLst>
+                <a:path w="774" h="1020">
+                  <a:moveTo>
+                    <a:pt x="0" y="0"/>
+                  </a:moveTo>
+                  <a:lnTo>
+                    <a:pt x="740" y="1020"/>
+                  </a:lnTo>
+                  <a:lnTo>
+                    <a:pt x="774" y="1020"/>
+                  </a:lnTo>
+                  <a:lnTo>
+                    <a:pt x="0" y="0"/>
+                  </a:lnTo>
+                  <a:close/>
+                </a:path>
+              </a:pathLst>
+            </a:custGeom>
+            <a:solidFill>
+              <a:schemeClr val="tx1">
+                <a:lumMod val="85000"/>
+                <a:lumOff val="15000"/>
+              </a:schemeClr>
+            </a:solidFill>
+            <a:ln>
+              <a:noFill/>
+            </a:ln>
+          </p:spPr>
+        </p:sp>
+        <p:sp>
+          <p:nvSpPr>
+            <p:cNvPr id="11" name="Freeform 9"/>
+            <p:cNvSpPr/>
+            <p:nvPr/>
+          </p:nvSpPr>
+          <p:spPr bwMode="auto">
+            <a:xfrm>
+              <a:off x="1627188" y="5291138"/>
+              <a:ext cx="1495425" cy="1566863"/>
+            </a:xfrm>
+            <a:custGeom>
+              <a:avLst/>
+              <a:gdLst/>
+              <a:ahLst/>
+              <a:cxnLst/>
+              <a:rect l="0" t="0" r="r" b="b"/>
+              <a:pathLst>
+                <a:path w="942" h="987">
+                  <a:moveTo>
+                    <a:pt x="0" y="0"/>
+                  </a:moveTo>
+                  <a:lnTo>
+                    <a:pt x="909" y="987"/>
+                  </a:lnTo>
+                  <a:lnTo>
+                    <a:pt x="942" y="987"/>
+                  </a:lnTo>
+                  <a:lnTo>
+                    <a:pt x="0" y="0"/>
+                  </a:lnTo>
+                  <a:close/>
+                </a:path>
+              </a:pathLst>
+            </a:custGeom>
+            <a:solidFill>
+              <a:schemeClr val="accent1">
+                <a:lumMod val="50000"/>
+              </a:schemeClr>
+            </a:solidFill>
+            <a:ln>
+              <a:noFill/>
+            </a:ln>
+          </p:spPr>
+        </p:sp>
+        <p:sp>
+          <p:nvSpPr>
+            <p:cNvPr id="12" name="Freeform 10"/>
+            <p:cNvSpPr/>
+            <p:nvPr/>
+          </p:nvSpPr>
+          <p:spPr bwMode="auto">
+            <a:xfrm>
+              <a:off x="1627188" y="5286375"/>
+              <a:ext cx="2130425" cy="1571625"/>
+            </a:xfrm>
+            <a:custGeom>
+              <a:avLst/>
+              <a:gdLst/>
+              <a:ahLst/>
+              <a:cxnLst/>
+              <a:rect l="0" t="0" r="r" b="b"/>
+              <a:pathLst>
+                <a:path w="1342" h="990">
+                  <a:moveTo>
+                    <a:pt x="0" y="3"/>
+                  </a:moveTo>
+                  <a:lnTo>
+                    <a:pt x="942" y="990"/>
+                  </a:lnTo>
+                  <a:lnTo>
+                    <a:pt x="1342" y="990"/>
+                  </a:lnTo>
+                  <a:lnTo>
+                    <a:pt x="156" y="27"/>
+                  </a:lnTo>
+                  <a:lnTo>
+                    <a:pt x="0" y="0"/>
+                  </a:lnTo>
+                  <a:lnTo>
+                    <a:pt x="0" y="3"/>
+                  </a:lnTo>
+                  <a:close/>
+                </a:path>
+              </a:pathLst>
+            </a:custGeom>
+            <a:solidFill>
+              <a:schemeClr val="accent1">
+                <a:lumMod val="75000"/>
+              </a:schemeClr>
+            </a:solidFill>
+            <a:ln>
+              <a:noFill/>
+            </a:ln>
+          </p:spPr>
+        </p:sp>
+        <p:sp>
+          <p:nvSpPr>
+            <p:cNvPr id="13" name="Freeform 11"/>
+            <p:cNvSpPr/>
+            <p:nvPr/>
+          </p:nvSpPr>
+          <p:spPr bwMode="auto">
+            <a:xfrm>
+              <a:off x="1320800" y="5238750"/>
+              <a:ext cx="1695450" cy="1619250"/>
+            </a:xfrm>
+            <a:custGeom>
+              <a:avLst/>
+              <a:gdLst/>
+              <a:ahLst/>
+              <a:cxnLst/>
+              <a:rect l="0" t="0" r="r" b="b"/>
+              <a:pathLst>
+                <a:path w="1068" h="1020">
+                  <a:moveTo>
+                    <a:pt x="1068" y="1020"/>
+                  </a:moveTo>
+                  <a:lnTo>
+                    <a:pt x="184" y="60"/>
+                  </a:lnTo>
+                  <a:lnTo>
+                    <a:pt x="154" y="27"/>
+                  </a:lnTo>
+                  <a:lnTo>
+                    <a:pt x="157" y="27"/>
+                  </a:lnTo>
+                  <a:lnTo>
+                    <a:pt x="157" y="24"/>
+                  </a:lnTo>
+                  <a:lnTo>
+                    <a:pt x="154" y="24"/>
+                  </a:lnTo>
+                  <a:lnTo>
+                    <a:pt x="0" y="0"/>
+                  </a:lnTo>
+                  <a:lnTo>
+                    <a:pt x="0" y="0"/>
+                  </a:lnTo>
+                  <a:lnTo>
+                    <a:pt x="774" y="1020"/>
+                  </a:lnTo>
+                  <a:lnTo>
+                    <a:pt x="1068" y="1020"/>
+                  </a:lnTo>
+                  <a:close/>
+                </a:path>
+              </a:pathLst>
+            </a:custGeom>
+            <a:solidFill>
+              <a:schemeClr val="tx1">
+                <a:lumMod val="75000"/>
+                <a:lumOff val="25000"/>
+              </a:schemeClr>
+            </a:solidFill>
+            <a:ln>
+              <a:noFill/>
+            </a:ln>
+          </p:spPr>
+        </p:sp>
+      </p:grpSp>
+      <p:sp>
+        <p:nvSpPr>
+          <p:cNvPr id="2" name="Title Placeholder 1"/>
           <p:cNvSpPr>
             <a:spLocks noGrp="1"/>
           </p:cNvSpPr>
@@ -2936,8 +5642,42 @@
         </p:nvSpPr>
         <p:spPr>
           <a:xfrm>
-            <a:off x="838200" y="365125"/>
-            <a:ext cx="10515600" cy="1325563"/>
+            <a:off x="1484311" y="685800"/>
+            <a:ext cx="10018713" cy="1752599"/>
+          </a:xfrm>
+          <a:prstGeom prst="rect">
+            <a:avLst/>
+          </a:prstGeom>
+          <a:effectLst/>
+        </p:spPr>
+        <p:txBody>
+          <a:bodyPr vert="horz" lIns="91440" tIns="45720" rIns="91440" bIns="45720" rtlCol="0" anchor="ctr">
+            <a:normAutofit/>
+          </a:bodyPr>
+          <a:lstStyle/>
+          <a:p>
+            <a:r>
+              <a:rPr lang="fr-FR"/>
+              <a:t>Modifiez le style du titre</a:t>
+            </a:r>
+            <a:endParaRPr lang="en-US" dirty="0"/>
+          </a:p>
+        </p:txBody>
+      </p:sp>
+      <p:sp>
+        <p:nvSpPr>
+          <p:cNvPr id="3" name="Text Placeholder 2"/>
+          <p:cNvSpPr>
+            <a:spLocks noGrp="1"/>
+          </p:cNvSpPr>
+          <p:nvPr>
+            <p:ph type="body" idx="1"/>
+          </p:nvPr>
+        </p:nvSpPr>
+        <p:spPr>
+          <a:xfrm>
+            <a:off x="1484310" y="2666999"/>
+            <a:ext cx="10018713" cy="3124201"/>
           </a:xfrm>
           <a:prstGeom prst="rect">
             <a:avLst/>
@@ -2949,100 +5689,98 @@
           </a:bodyPr>
           <a:lstStyle/>
           <a:p>
+            <a:pPr lvl="0"/>
             <a:r>
               <a:rPr lang="fr-FR"/>
-              <a:t>Modifiez le style du titre</a:t>
-            </a:r>
-          </a:p>
-        </p:txBody>
-      </p:sp>
-      <p:sp>
-        <p:nvSpPr>
-          <p:cNvPr id="3" name="Espace réservé du texte 2">
-            <a:extLst>
-              <a:ext uri="{FF2B5EF4-FFF2-40B4-BE49-F238E27FC236}">
-                <a16:creationId xmlns:a16="http://schemas.microsoft.com/office/drawing/2014/main" id="{3936C793-D478-41D0-9AAB-B98BA150DF72}"/>
-              </a:ext>
-            </a:extLst>
-          </p:cNvPr>
-          <p:cNvSpPr>
-            <a:spLocks noGrp="1"/>
-          </p:cNvSpPr>
-          <p:nvPr>
-            <p:ph type="body" idx="1"/>
+              <a:t>Modifier les styles du texte du masque</a:t>
+            </a:r>
+          </a:p>
+          <a:p>
+            <a:pPr lvl="1"/>
+            <a:r>
+              <a:rPr lang="fr-FR"/>
+              <a:t>Deuxième niveau</a:t>
+            </a:r>
+          </a:p>
+          <a:p>
+            <a:pPr lvl="2"/>
+            <a:r>
+              <a:rPr lang="fr-FR"/>
+              <a:t>Troisième niveau</a:t>
+            </a:r>
+          </a:p>
+          <a:p>
+            <a:pPr lvl="3"/>
+            <a:r>
+              <a:rPr lang="fr-FR"/>
+              <a:t>Quatrième niveau</a:t>
+            </a:r>
+          </a:p>
+          <a:p>
+            <a:pPr lvl="4"/>
+            <a:r>
+              <a:rPr lang="fr-FR"/>
+              <a:t>Cinquième niveau</a:t>
+            </a:r>
+            <a:endParaRPr lang="en-US" dirty="0"/>
+          </a:p>
+        </p:txBody>
+      </p:sp>
+      <p:sp>
+        <p:nvSpPr>
+          <p:cNvPr id="4" name="Date Placeholder 3"/>
+          <p:cNvSpPr>
+            <a:spLocks noGrp="1"/>
+          </p:cNvSpPr>
+          <p:nvPr>
+            <p:ph type="dt" sz="half" idx="2"/>
           </p:nvPr>
         </p:nvSpPr>
         <p:spPr>
           <a:xfrm>
-            <a:off x="838200" y="1825625"/>
-            <a:ext cx="10515600" cy="4351338"/>
+            <a:off x="9732656" y="5883275"/>
+            <a:ext cx="1143000" cy="365125"/>
           </a:xfrm>
           <a:prstGeom prst="rect">
             <a:avLst/>
           </a:prstGeom>
         </p:spPr>
         <p:txBody>
-          <a:bodyPr vert="horz" lIns="91440" tIns="45720" rIns="91440" bIns="45720" rtlCol="0">
-            <a:normAutofit/>
-          </a:bodyPr>
-          <a:lstStyle/>
-          <a:p>
-            <a:pPr lvl="0"/>
-            <a:r>
-              <a:rPr lang="fr-FR"/>
-              <a:t>Modifier les styles du texte du masque</a:t>
-            </a:r>
-          </a:p>
-          <a:p>
-            <a:pPr lvl="1"/>
-            <a:r>
-              <a:rPr lang="fr-FR"/>
-              <a:t>Deuxième niveau</a:t>
-            </a:r>
-          </a:p>
-          <a:p>
-            <a:pPr lvl="2"/>
-            <a:r>
-              <a:rPr lang="fr-FR"/>
-              <a:t>Troisième niveau</a:t>
-            </a:r>
-          </a:p>
-          <a:p>
-            <a:pPr lvl="3"/>
-            <a:r>
-              <a:rPr lang="fr-FR"/>
-              <a:t>Quatrième niveau</a:t>
-            </a:r>
-          </a:p>
-          <a:p>
-            <a:pPr lvl="4"/>
-            <a:r>
-              <a:rPr lang="fr-FR"/>
-              <a:t>Cinquième niveau</a:t>
-            </a:r>
-          </a:p>
-        </p:txBody>
-      </p:sp>
-      <p:sp>
-        <p:nvSpPr>
-          <p:cNvPr id="4" name="Espace réservé de la date 3">
-            <a:extLst>
-              <a:ext uri="{FF2B5EF4-FFF2-40B4-BE49-F238E27FC236}">
-                <a16:creationId xmlns:a16="http://schemas.microsoft.com/office/drawing/2014/main" id="{D9AFD6D4-F87D-4533-9EFC-3AB46D06CC14}"/>
-              </a:ext>
-            </a:extLst>
-          </p:cNvPr>
-          <p:cNvSpPr>
-            <a:spLocks noGrp="1"/>
-          </p:cNvSpPr>
-          <p:nvPr>
-            <p:ph type="dt" sz="half" idx="2"/>
+          <a:bodyPr vert="horz" lIns="91440" tIns="45720" rIns="91440" bIns="45720" rtlCol="0" anchor="ctr"/>
+          <a:lstStyle>
+            <a:lvl1pPr algn="r">
+              <a:defRPr sz="1000" b="0" i="0">
+                <a:solidFill>
+                  <a:schemeClr val="tx1"/>
+                </a:solidFill>
+                <a:effectLst/>
+                <a:latin typeface="+mn-lt"/>
+              </a:defRPr>
+            </a:lvl1pPr>
+          </a:lstStyle>
+          <a:p>
+            <a:fld id="{A61B3F4D-8EA7-49F0-B50E-DB0A97B04444}" type="datetimeFigureOut">
+              <a:rPr lang="fr-FR" smtClean="0"/>
+              <a:t>14/12/2017</a:t>
+            </a:fld>
+            <a:endParaRPr lang="fr-FR"/>
+          </a:p>
+        </p:txBody>
+      </p:sp>
+      <p:sp>
+        <p:nvSpPr>
+          <p:cNvPr id="5" name="Footer Placeholder 4"/>
+          <p:cNvSpPr>
+            <a:spLocks noGrp="1"/>
+          </p:cNvSpPr>
+          <p:nvPr>
+            <p:ph type="ftr" sz="quarter" idx="3"/>
           </p:nvPr>
         </p:nvSpPr>
         <p:spPr>
           <a:xfrm>
-            <a:off x="838200" y="6356350"/>
-            <a:ext cx="2743200" cy="365125"/>
+            <a:off x="2572279" y="5883275"/>
+            <a:ext cx="7084177" cy="365125"/>
           </a:xfrm>
           <a:prstGeom prst="rect">
             <a:avLst/>
@@ -3052,44 +5790,34 @@
           <a:bodyPr vert="horz" lIns="91440" tIns="45720" rIns="91440" bIns="45720" rtlCol="0" anchor="ctr"/>
           <a:lstStyle>
             <a:lvl1pPr algn="l">
-              <a:defRPr sz="1200">
-                <a:solidFill>
-                  <a:schemeClr val="tx1">
-                    <a:tint val="75000"/>
-                  </a:schemeClr>
-                </a:solidFill>
+              <a:defRPr sz="1000" b="0" i="0">
+                <a:solidFill>
+                  <a:schemeClr val="tx1"/>
+                </a:solidFill>
+                <a:effectLst/>
+                <a:latin typeface="+mn-lt"/>
               </a:defRPr>
             </a:lvl1pPr>
           </a:lstStyle>
           <a:p>
-            <a:fld id="{A61B3F4D-8EA7-49F0-B50E-DB0A97B04444}" type="datetimeFigureOut">
-              <a:rPr lang="fr-FR" smtClean="0"/>
-              <a:t>14/12/2017</a:t>
-            </a:fld>
             <a:endParaRPr lang="fr-FR"/>
           </a:p>
         </p:txBody>
       </p:sp>
       <p:sp>
         <p:nvSpPr>
-          <p:cNvPr id="5" name="Espace réservé du pied de page 4">
-            <a:extLst>
-              <a:ext uri="{FF2B5EF4-FFF2-40B4-BE49-F238E27FC236}">
-                <a16:creationId xmlns:a16="http://schemas.microsoft.com/office/drawing/2014/main" id="{9DC4C8FD-298D-49B0-9A85-7FCD01826309}"/>
-              </a:ext>
-            </a:extLst>
-          </p:cNvPr>
-          <p:cNvSpPr>
-            <a:spLocks noGrp="1"/>
-          </p:cNvSpPr>
-          <p:nvPr>
-            <p:ph type="ftr" sz="quarter" idx="3"/>
+          <p:cNvPr id="6" name="Slide Number Placeholder 5"/>
+          <p:cNvSpPr>
+            <a:spLocks noGrp="1"/>
+          </p:cNvSpPr>
+          <p:nvPr>
+            <p:ph type="sldNum" sz="quarter" idx="4"/>
           </p:nvPr>
         </p:nvSpPr>
         <p:spPr>
           <a:xfrm>
-            <a:off x="4038600" y="6356350"/>
-            <a:ext cx="4114800" cy="365125"/>
+            <a:off x="10951856" y="5883275"/>
+            <a:ext cx="551167" cy="365125"/>
           </a:xfrm>
           <a:prstGeom prst="rect">
             <a:avLst/>
@@ -3098,56 +5826,13 @@
         <p:txBody>
           <a:bodyPr vert="horz" lIns="91440" tIns="45720" rIns="91440" bIns="45720" rtlCol="0" anchor="ctr"/>
           <a:lstStyle>
-            <a:lvl1pPr algn="ctr">
-              <a:defRPr sz="1200">
-                <a:solidFill>
-                  <a:schemeClr val="tx1">
-                    <a:tint val="75000"/>
-                  </a:schemeClr>
-                </a:solidFill>
-              </a:defRPr>
-            </a:lvl1pPr>
-          </a:lstStyle>
-          <a:p>
-            <a:endParaRPr lang="fr-FR"/>
-          </a:p>
-        </p:txBody>
-      </p:sp>
-      <p:sp>
-        <p:nvSpPr>
-          <p:cNvPr id="6" name="Espace réservé du numéro de diapositive 5">
-            <a:extLst>
-              <a:ext uri="{FF2B5EF4-FFF2-40B4-BE49-F238E27FC236}">
-                <a16:creationId xmlns:a16="http://schemas.microsoft.com/office/drawing/2014/main" id="{3F7746A6-B82F-4961-84E2-67B2FDBAEF8C}"/>
-              </a:ext>
-            </a:extLst>
-          </p:cNvPr>
-          <p:cNvSpPr>
-            <a:spLocks noGrp="1"/>
-          </p:cNvSpPr>
-          <p:nvPr>
-            <p:ph type="sldNum" sz="quarter" idx="4"/>
-          </p:nvPr>
-        </p:nvSpPr>
-        <p:spPr>
-          <a:xfrm>
-            <a:off x="8610600" y="6356350"/>
-            <a:ext cx="2743200" cy="365125"/>
-          </a:xfrm>
-          <a:prstGeom prst="rect">
-            <a:avLst/>
-          </a:prstGeom>
-        </p:spPr>
-        <p:txBody>
-          <a:bodyPr vert="horz" lIns="91440" tIns="45720" rIns="91440" bIns="45720" rtlCol="0" anchor="ctr"/>
-          <a:lstStyle>
             <a:lvl1pPr algn="r">
-              <a:defRPr sz="1200">
-                <a:solidFill>
-                  <a:schemeClr val="tx1">
-                    <a:tint val="75000"/>
-                  </a:schemeClr>
-                </a:solidFill>
+              <a:defRPr sz="1000" b="0" i="0">
+                <a:solidFill>
+                  <a:schemeClr val="tx1"/>
+                </a:solidFill>
+                <a:effectLst/>
+                <a:latin typeface="+mn-lt"/>
               </a:defRPr>
             </a:lvl1pPr>
           </a:lstStyle>
@@ -3163,23 +5848,29 @@
     </p:spTree>
     <p:extLst>
       <p:ext uri="{BB962C8B-B14F-4D97-AF65-F5344CB8AC3E}">
-        <p14:creationId xmlns:p14="http://schemas.microsoft.com/office/powerpoint/2010/main" val="194531589"/>
+        <p14:creationId xmlns:p14="http://schemas.microsoft.com/office/powerpoint/2010/main" val="1215936686"/>
       </p:ext>
     </p:extLst>
   </p:cSld>
   <p:clrMap bg1="lt1" tx1="dk1" bg2="lt2" tx2="dk2" accent1="accent1" accent2="accent2" accent3="accent3" accent4="accent4" accent5="accent5" accent6="accent6" hlink="hlink" folHlink="folHlink"/>
   <p:sldLayoutIdLst>
-    <p:sldLayoutId id="2147483649" r:id="rId1"/>
-    <p:sldLayoutId id="2147483650" r:id="rId2"/>
-    <p:sldLayoutId id="2147483651" r:id="rId3"/>
-    <p:sldLayoutId id="2147483652" r:id="rId4"/>
-    <p:sldLayoutId id="2147483653" r:id="rId5"/>
-    <p:sldLayoutId id="2147483654" r:id="rId6"/>
-    <p:sldLayoutId id="2147483655" r:id="rId7"/>
-    <p:sldLayoutId id="2147483656" r:id="rId8"/>
-    <p:sldLayoutId id="2147483657" r:id="rId9"/>
-    <p:sldLayoutId id="2147483658" r:id="rId10"/>
-    <p:sldLayoutId id="2147483659" r:id="rId11"/>
+    <p:sldLayoutId id="2147483661" r:id="rId1"/>
+    <p:sldLayoutId id="2147483662" r:id="rId2"/>
+    <p:sldLayoutId id="2147483663" r:id="rId3"/>
+    <p:sldLayoutId id="2147483664" r:id="rId4"/>
+    <p:sldLayoutId id="2147483665" r:id="rId5"/>
+    <p:sldLayoutId id="2147483666" r:id="rId6"/>
+    <p:sldLayoutId id="2147483667" r:id="rId7"/>
+    <p:sldLayoutId id="2147483668" r:id="rId8"/>
+    <p:sldLayoutId id="2147483669" r:id="rId9"/>
+    <p:sldLayoutId id="2147483670" r:id="rId10"/>
+    <p:sldLayoutId id="2147483671" r:id="rId11"/>
+    <p:sldLayoutId id="2147483672" r:id="rId12"/>
+    <p:sldLayoutId id="2147483673" r:id="rId13"/>
+    <p:sldLayoutId id="2147483674" r:id="rId14"/>
+    <p:sldLayoutId id="2147483675" r:id="rId15"/>
+    <p:sldLayoutId id="2147483676" r:id="rId16"/>
+    <p:sldLayoutId id="2147483677" r:id="rId17"/>
   </p:sldLayoutIdLst>
   <mc:AlternateContent xmlns:mc="http://schemas.openxmlformats.org/markup-compatibility/2006">
     <mc:Choice xmlns:p14="http://schemas.microsoft.com/office/powerpoint/2010/main" Requires="p14">
@@ -3195,35 +5886,314 @@
   </mc:AlternateContent>
   <p:txStyles>
     <p:titleStyle>
-      <a:lvl1pPr algn="l" defTabSz="914400" rtl="0" eaLnBrk="1" latinLnBrk="0" hangingPunct="1">
-        <a:lnSpc>
-          <a:spcPct val="90000"/>
-        </a:lnSpc>
+      <a:lvl1pPr algn="ctr" defTabSz="457200" rtl="0" eaLnBrk="1" latinLnBrk="0" hangingPunct="1">
         <a:spcBef>
           <a:spcPct val="0"/>
         </a:spcBef>
         <a:buNone/>
-        <a:defRPr sz="4400" kern="1200">
+        <a:defRPr sz="4000" kern="1200" cap="none">
+          <a:ln w="3175" cmpd="sng">
+            <a:noFill/>
+          </a:ln>
           <a:solidFill>
             <a:schemeClr val="tx1"/>
           </a:solidFill>
+          <a:effectLst/>
           <a:latin typeface="+mj-lt"/>
           <a:ea typeface="+mj-ea"/>
           <a:cs typeface="+mj-cs"/>
         </a:defRPr>
       </a:lvl1pPr>
+      <a:lvl2pPr eaLnBrk="1" hangingPunct="1">
+        <a:defRPr>
+          <a:solidFill>
+            <a:schemeClr val="tx2"/>
+          </a:solidFill>
+        </a:defRPr>
+      </a:lvl2pPr>
+      <a:lvl3pPr eaLnBrk="1" hangingPunct="1">
+        <a:defRPr>
+          <a:solidFill>
+            <a:schemeClr val="tx2"/>
+          </a:solidFill>
+        </a:defRPr>
+      </a:lvl3pPr>
+      <a:lvl4pPr eaLnBrk="1" hangingPunct="1">
+        <a:defRPr>
+          <a:solidFill>
+            <a:schemeClr val="tx2"/>
+          </a:solidFill>
+        </a:defRPr>
+      </a:lvl4pPr>
+      <a:lvl5pPr eaLnBrk="1" hangingPunct="1">
+        <a:defRPr>
+          <a:solidFill>
+            <a:schemeClr val="tx2"/>
+          </a:solidFill>
+        </a:defRPr>
+      </a:lvl5pPr>
+      <a:lvl6pPr eaLnBrk="1" hangingPunct="1">
+        <a:defRPr>
+          <a:solidFill>
+            <a:schemeClr val="tx2"/>
+          </a:solidFill>
+        </a:defRPr>
+      </a:lvl6pPr>
+      <a:lvl7pPr eaLnBrk="1" hangingPunct="1">
+        <a:defRPr>
+          <a:solidFill>
+            <a:schemeClr val="tx2"/>
+          </a:solidFill>
+        </a:defRPr>
+      </a:lvl7pPr>
+      <a:lvl8pPr eaLnBrk="1" hangingPunct="1">
+        <a:defRPr>
+          <a:solidFill>
+            <a:schemeClr val="tx2"/>
+          </a:solidFill>
+        </a:defRPr>
+      </a:lvl8pPr>
+      <a:lvl9pPr eaLnBrk="1" hangingPunct="1">
+        <a:defRPr>
+          <a:solidFill>
+            <a:schemeClr val="tx2"/>
+          </a:solidFill>
+        </a:defRPr>
+      </a:lvl9pPr>
     </p:titleStyle>
     <p:bodyStyle>
-      <a:lvl1pPr marL="228600" indent="-228600" algn="l" defTabSz="914400" rtl="0" eaLnBrk="1" latinLnBrk="0" hangingPunct="1">
-        <a:lnSpc>
-          <a:spcPct val="90000"/>
-        </a:lnSpc>
+      <a:lvl1pPr marL="285750" indent="-285750" algn="l" defTabSz="457200" rtl="0" eaLnBrk="1" latinLnBrk="0" hangingPunct="1">
         <a:spcBef>
-          <a:spcPts val="1000"/>
+          <a:spcPct val="20000"/>
         </a:spcBef>
-        <a:buFont typeface="Arial" panose="020B0604020202020204" pitchFamily="34" charset="0"/>
+        <a:spcAft>
+          <a:spcPts val="600"/>
+        </a:spcAft>
+        <a:buClr>
+          <a:schemeClr val="accent1">
+            <a:lumMod val="75000"/>
+          </a:schemeClr>
+        </a:buClr>
+        <a:buSzPct val="145000"/>
+        <a:buFont typeface="Arial"/>
         <a:buChar char="•"/>
-        <a:defRPr sz="2800" kern="1200">
+        <a:defRPr sz="2400" kern="1200" cap="none">
+          <a:solidFill>
+            <a:schemeClr val="tx1"/>
+          </a:solidFill>
+          <a:effectLst/>
+          <a:latin typeface="+mn-lt"/>
+          <a:ea typeface="+mn-ea"/>
+          <a:cs typeface="+mn-cs"/>
+        </a:defRPr>
+      </a:lvl1pPr>
+      <a:lvl2pPr marL="742950" indent="-285750" algn="l" defTabSz="457200" rtl="0" eaLnBrk="1" latinLnBrk="0" hangingPunct="1">
+        <a:spcBef>
+          <a:spcPct val="20000"/>
+        </a:spcBef>
+        <a:spcAft>
+          <a:spcPts val="600"/>
+        </a:spcAft>
+        <a:buClr>
+          <a:schemeClr val="accent1">
+            <a:lumMod val="75000"/>
+          </a:schemeClr>
+        </a:buClr>
+        <a:buSzPct val="145000"/>
+        <a:buFont typeface="Arial"/>
+        <a:buChar char="•"/>
+        <a:defRPr sz="2000" kern="1200" cap="none">
+          <a:solidFill>
+            <a:schemeClr val="tx1"/>
+          </a:solidFill>
+          <a:effectLst/>
+          <a:latin typeface="+mn-lt"/>
+          <a:ea typeface="+mn-ea"/>
+          <a:cs typeface="+mn-cs"/>
+        </a:defRPr>
+      </a:lvl2pPr>
+      <a:lvl3pPr marL="1200150" indent="-285750" algn="l" defTabSz="457200" rtl="0" eaLnBrk="1" latinLnBrk="0" hangingPunct="1">
+        <a:spcBef>
+          <a:spcPct val="20000"/>
+        </a:spcBef>
+        <a:spcAft>
+          <a:spcPts val="600"/>
+        </a:spcAft>
+        <a:buClr>
+          <a:schemeClr val="accent1">
+            <a:lumMod val="75000"/>
+          </a:schemeClr>
+        </a:buClr>
+        <a:buSzPct val="145000"/>
+        <a:buFont typeface="Arial"/>
+        <a:buChar char="•"/>
+        <a:defRPr sz="1800" kern="1200" cap="none">
+          <a:solidFill>
+            <a:schemeClr val="tx1"/>
+          </a:solidFill>
+          <a:effectLst/>
+          <a:latin typeface="+mn-lt"/>
+          <a:ea typeface="+mn-ea"/>
+          <a:cs typeface="+mn-cs"/>
+        </a:defRPr>
+      </a:lvl3pPr>
+      <a:lvl4pPr marL="1543050" indent="-171450" algn="l" defTabSz="457200" rtl="0" eaLnBrk="1" latinLnBrk="0" hangingPunct="1">
+        <a:spcBef>
+          <a:spcPct val="20000"/>
+        </a:spcBef>
+        <a:spcAft>
+          <a:spcPts val="600"/>
+        </a:spcAft>
+        <a:buClr>
+          <a:schemeClr val="accent1">
+            <a:lumMod val="75000"/>
+          </a:schemeClr>
+        </a:buClr>
+        <a:buSzPct val="145000"/>
+        <a:buFont typeface="Arial"/>
+        <a:buChar char="•"/>
+        <a:defRPr sz="1600" kern="1200" cap="none">
+          <a:solidFill>
+            <a:schemeClr val="tx1"/>
+          </a:solidFill>
+          <a:effectLst/>
+          <a:latin typeface="+mn-lt"/>
+          <a:ea typeface="+mn-ea"/>
+          <a:cs typeface="+mn-cs"/>
+        </a:defRPr>
+      </a:lvl4pPr>
+      <a:lvl5pPr marL="2000250" indent="-171450" algn="l" defTabSz="457200" rtl="0" eaLnBrk="1" latinLnBrk="0" hangingPunct="1">
+        <a:spcBef>
+          <a:spcPct val="20000"/>
+        </a:spcBef>
+        <a:spcAft>
+          <a:spcPts val="600"/>
+        </a:spcAft>
+        <a:buClr>
+          <a:schemeClr val="accent1">
+            <a:lumMod val="75000"/>
+          </a:schemeClr>
+        </a:buClr>
+        <a:buSzPct val="145000"/>
+        <a:buFont typeface="Arial"/>
+        <a:buChar char="•"/>
+        <a:defRPr sz="1400" kern="1200" cap="none">
+          <a:solidFill>
+            <a:schemeClr val="tx1"/>
+          </a:solidFill>
+          <a:effectLst/>
+          <a:latin typeface="+mn-lt"/>
+          <a:ea typeface="+mn-ea"/>
+          <a:cs typeface="+mn-cs"/>
+        </a:defRPr>
+      </a:lvl5pPr>
+      <a:lvl6pPr marL="2514600" indent="-228600" algn="l" defTabSz="457200" rtl="0" eaLnBrk="1" latinLnBrk="0" hangingPunct="1">
+        <a:spcBef>
+          <a:spcPct val="20000"/>
+        </a:spcBef>
+        <a:spcAft>
+          <a:spcPts val="600"/>
+        </a:spcAft>
+        <a:buClr>
+          <a:schemeClr val="accent1">
+            <a:lumMod val="75000"/>
+          </a:schemeClr>
+        </a:buClr>
+        <a:buSzPct val="145000"/>
+        <a:buFont typeface="Arial"/>
+        <a:buChar char="•"/>
+        <a:defRPr sz="1400" kern="1200" cap="none">
+          <a:solidFill>
+            <a:schemeClr val="tx1"/>
+          </a:solidFill>
+          <a:effectLst/>
+          <a:latin typeface="+mn-lt"/>
+          <a:ea typeface="+mn-ea"/>
+          <a:cs typeface="+mn-cs"/>
+        </a:defRPr>
+      </a:lvl6pPr>
+      <a:lvl7pPr marL="2971800" indent="-228600" algn="l" defTabSz="457200" rtl="0" eaLnBrk="1" latinLnBrk="0" hangingPunct="1">
+        <a:spcBef>
+          <a:spcPct val="20000"/>
+        </a:spcBef>
+        <a:spcAft>
+          <a:spcPts val="600"/>
+        </a:spcAft>
+        <a:buClr>
+          <a:schemeClr val="accent1">
+            <a:lumMod val="75000"/>
+          </a:schemeClr>
+        </a:buClr>
+        <a:buSzPct val="145000"/>
+        <a:buFont typeface="Arial"/>
+        <a:buChar char="•"/>
+        <a:defRPr sz="1400" kern="1200" cap="none">
+          <a:solidFill>
+            <a:schemeClr val="tx1"/>
+          </a:solidFill>
+          <a:effectLst/>
+          <a:latin typeface="+mn-lt"/>
+          <a:ea typeface="+mn-ea"/>
+          <a:cs typeface="+mn-cs"/>
+        </a:defRPr>
+      </a:lvl7pPr>
+      <a:lvl8pPr marL="3429000" indent="-228600" algn="l" defTabSz="457200" rtl="0" eaLnBrk="1" latinLnBrk="0" hangingPunct="1">
+        <a:spcBef>
+          <a:spcPct val="20000"/>
+        </a:spcBef>
+        <a:spcAft>
+          <a:spcPts val="600"/>
+        </a:spcAft>
+        <a:buClr>
+          <a:schemeClr val="accent1">
+            <a:lumMod val="75000"/>
+          </a:schemeClr>
+        </a:buClr>
+        <a:buSzPct val="145000"/>
+        <a:buFont typeface="Arial"/>
+        <a:buChar char="•"/>
+        <a:defRPr sz="1400" kern="1200" cap="none">
+          <a:solidFill>
+            <a:schemeClr val="tx1"/>
+          </a:solidFill>
+          <a:effectLst/>
+          <a:latin typeface="+mn-lt"/>
+          <a:ea typeface="+mn-ea"/>
+          <a:cs typeface="+mn-cs"/>
+        </a:defRPr>
+      </a:lvl8pPr>
+      <a:lvl9pPr marL="3886200" indent="-228600" algn="l" defTabSz="457200" rtl="0" eaLnBrk="1" latinLnBrk="0" hangingPunct="1">
+        <a:spcBef>
+          <a:spcPct val="20000"/>
+        </a:spcBef>
+        <a:spcAft>
+          <a:spcPts val="600"/>
+        </a:spcAft>
+        <a:buClr>
+          <a:schemeClr val="accent1">
+            <a:lumMod val="75000"/>
+          </a:schemeClr>
+        </a:buClr>
+        <a:buSzPct val="145000"/>
+        <a:buFont typeface="Arial"/>
+        <a:buChar char="•"/>
+        <a:defRPr sz="1400" kern="1200" cap="none">
+          <a:solidFill>
+            <a:schemeClr val="tx1"/>
+          </a:solidFill>
+          <a:effectLst/>
+          <a:latin typeface="+mn-lt"/>
+          <a:ea typeface="+mn-ea"/>
+          <a:cs typeface="+mn-cs"/>
+        </a:defRPr>
+      </a:lvl9pPr>
+    </p:bodyStyle>
+    <p:otherStyle>
+      <a:defPPr>
+        <a:defRPr lang="en-US"/>
+      </a:defPPr>
+      <a:lvl1pPr marL="0" algn="l" defTabSz="457200" rtl="0" eaLnBrk="1" latinLnBrk="0" hangingPunct="1">
+        <a:defRPr sz="1800" kern="1200">
           <a:solidFill>
             <a:schemeClr val="tx1"/>
           </a:solidFill>
@@ -3232,16 +6202,8 @@
           <a:cs typeface="+mn-cs"/>
         </a:defRPr>
       </a:lvl1pPr>
-      <a:lvl2pPr marL="685800" indent="-228600" algn="l" defTabSz="914400" rtl="0" eaLnBrk="1" latinLnBrk="0" hangingPunct="1">
-        <a:lnSpc>
-          <a:spcPct val="90000"/>
-        </a:lnSpc>
-        <a:spcBef>
-          <a:spcPts val="500"/>
-        </a:spcBef>
-        <a:buFont typeface="Arial" panose="020B0604020202020204" pitchFamily="34" charset="0"/>
-        <a:buChar char="•"/>
-        <a:defRPr sz="2400" kern="1200">
+      <a:lvl2pPr marL="457200" algn="l" defTabSz="457200" rtl="0" eaLnBrk="1" latinLnBrk="0" hangingPunct="1">
+        <a:defRPr sz="1800" kern="1200">
           <a:solidFill>
             <a:schemeClr val="tx1"/>
           </a:solidFill>
@@ -3250,16 +6212,8 @@
           <a:cs typeface="+mn-cs"/>
         </a:defRPr>
       </a:lvl2pPr>
-      <a:lvl3pPr marL="1143000" indent="-228600" algn="l" defTabSz="914400" rtl="0" eaLnBrk="1" latinLnBrk="0" hangingPunct="1">
-        <a:lnSpc>
-          <a:spcPct val="90000"/>
-        </a:lnSpc>
-        <a:spcBef>
-          <a:spcPts val="500"/>
-        </a:spcBef>
-        <a:buFont typeface="Arial" panose="020B0604020202020204" pitchFamily="34" charset="0"/>
-        <a:buChar char="•"/>
-        <a:defRPr sz="2000" kern="1200">
+      <a:lvl3pPr marL="914400" algn="l" defTabSz="457200" rtl="0" eaLnBrk="1" latinLnBrk="0" hangingPunct="1">
+        <a:defRPr sz="1800" kern="1200">
           <a:solidFill>
             <a:schemeClr val="tx1"/>
           </a:solidFill>
@@ -3268,15 +6222,7 @@
           <a:cs typeface="+mn-cs"/>
         </a:defRPr>
       </a:lvl3pPr>
-      <a:lvl4pPr marL="1600200" indent="-228600" algn="l" defTabSz="914400" rtl="0" eaLnBrk="1" latinLnBrk="0" hangingPunct="1">
-        <a:lnSpc>
-          <a:spcPct val="90000"/>
-        </a:lnSpc>
-        <a:spcBef>
-          <a:spcPts val="500"/>
-        </a:spcBef>
-        <a:buFont typeface="Arial" panose="020B0604020202020204" pitchFamily="34" charset="0"/>
-        <a:buChar char="•"/>
+      <a:lvl4pPr marL="1371600" algn="l" defTabSz="457200" rtl="0" eaLnBrk="1" latinLnBrk="0" hangingPunct="1">
         <a:defRPr sz="1800" kern="1200">
           <a:solidFill>
             <a:schemeClr val="tx1"/>
@@ -3286,15 +6232,7 @@
           <a:cs typeface="+mn-cs"/>
         </a:defRPr>
       </a:lvl4pPr>
-      <a:lvl5pPr marL="2057400" indent="-228600" algn="l" defTabSz="914400" rtl="0" eaLnBrk="1" latinLnBrk="0" hangingPunct="1">
-        <a:lnSpc>
-          <a:spcPct val="90000"/>
-        </a:lnSpc>
-        <a:spcBef>
-          <a:spcPts val="500"/>
-        </a:spcBef>
-        <a:buFont typeface="Arial" panose="020B0604020202020204" pitchFamily="34" charset="0"/>
-        <a:buChar char="•"/>
+      <a:lvl5pPr marL="1828800" algn="l" defTabSz="457200" rtl="0" eaLnBrk="1" latinLnBrk="0" hangingPunct="1">
         <a:defRPr sz="1800" kern="1200">
           <a:solidFill>
             <a:schemeClr val="tx1"/>
@@ -3304,15 +6242,7 @@
           <a:cs typeface="+mn-cs"/>
         </a:defRPr>
       </a:lvl5pPr>
-      <a:lvl6pPr marL="2514600" indent="-228600" algn="l" defTabSz="914400" rtl="0" eaLnBrk="1" latinLnBrk="0" hangingPunct="1">
-        <a:lnSpc>
-          <a:spcPct val="90000"/>
-        </a:lnSpc>
-        <a:spcBef>
-          <a:spcPts val="500"/>
-        </a:spcBef>
-        <a:buFont typeface="Arial" panose="020B0604020202020204" pitchFamily="34" charset="0"/>
-        <a:buChar char="•"/>
+      <a:lvl6pPr marL="2286000" algn="l" defTabSz="457200" rtl="0" eaLnBrk="1" latinLnBrk="0" hangingPunct="1">
         <a:defRPr sz="1800" kern="1200">
           <a:solidFill>
             <a:schemeClr val="tx1"/>
@@ -3322,15 +6252,7 @@
           <a:cs typeface="+mn-cs"/>
         </a:defRPr>
       </a:lvl6pPr>
-      <a:lvl7pPr marL="2971800" indent="-228600" algn="l" defTabSz="914400" rtl="0" eaLnBrk="1" latinLnBrk="0" hangingPunct="1">
-        <a:lnSpc>
-          <a:spcPct val="90000"/>
-        </a:lnSpc>
-        <a:spcBef>
-          <a:spcPts val="500"/>
-        </a:spcBef>
-        <a:buFont typeface="Arial" panose="020B0604020202020204" pitchFamily="34" charset="0"/>
-        <a:buChar char="•"/>
+      <a:lvl7pPr marL="2743200" algn="l" defTabSz="457200" rtl="0" eaLnBrk="1" latinLnBrk="0" hangingPunct="1">
         <a:defRPr sz="1800" kern="1200">
           <a:solidFill>
             <a:schemeClr val="tx1"/>
@@ -3340,15 +6262,7 @@
           <a:cs typeface="+mn-cs"/>
         </a:defRPr>
       </a:lvl7pPr>
-      <a:lvl8pPr marL="3429000" indent="-228600" algn="l" defTabSz="914400" rtl="0" eaLnBrk="1" latinLnBrk="0" hangingPunct="1">
-        <a:lnSpc>
-          <a:spcPct val="90000"/>
-        </a:lnSpc>
-        <a:spcBef>
-          <a:spcPts val="500"/>
-        </a:spcBef>
-        <a:buFont typeface="Arial" panose="020B0604020202020204" pitchFamily="34" charset="0"/>
-        <a:buChar char="•"/>
+      <a:lvl8pPr marL="3200400" algn="l" defTabSz="457200" rtl="0" eaLnBrk="1" latinLnBrk="0" hangingPunct="1">
         <a:defRPr sz="1800" kern="1200">
           <a:solidFill>
             <a:schemeClr val="tx1"/>
@@ -3358,110 +6272,7 @@
           <a:cs typeface="+mn-cs"/>
         </a:defRPr>
       </a:lvl8pPr>
-      <a:lvl9pPr marL="3886200" indent="-228600" algn="l" defTabSz="914400" rtl="0" eaLnBrk="1" latinLnBrk="0" hangingPunct="1">
-        <a:lnSpc>
-          <a:spcPct val="90000"/>
-        </a:lnSpc>
-        <a:spcBef>
-          <a:spcPts val="500"/>
-        </a:spcBef>
-        <a:buFont typeface="Arial" panose="020B0604020202020204" pitchFamily="34" charset="0"/>
-        <a:buChar char="•"/>
-        <a:defRPr sz="1800" kern="1200">
-          <a:solidFill>
-            <a:schemeClr val="tx1"/>
-          </a:solidFill>
-          <a:latin typeface="+mn-lt"/>
-          <a:ea typeface="+mn-ea"/>
-          <a:cs typeface="+mn-cs"/>
-        </a:defRPr>
-      </a:lvl9pPr>
-    </p:bodyStyle>
-    <p:otherStyle>
-      <a:defPPr>
-        <a:defRPr lang="fr-FR"/>
-      </a:defPPr>
-      <a:lvl1pPr marL="0" algn="l" defTabSz="914400" rtl="0" eaLnBrk="1" latinLnBrk="0" hangingPunct="1">
-        <a:defRPr sz="1800" kern="1200">
-          <a:solidFill>
-            <a:schemeClr val="tx1"/>
-          </a:solidFill>
-          <a:latin typeface="+mn-lt"/>
-          <a:ea typeface="+mn-ea"/>
-          <a:cs typeface="+mn-cs"/>
-        </a:defRPr>
-      </a:lvl1pPr>
-      <a:lvl2pPr marL="457200" algn="l" defTabSz="914400" rtl="0" eaLnBrk="1" latinLnBrk="0" hangingPunct="1">
-        <a:defRPr sz="1800" kern="1200">
-          <a:solidFill>
-            <a:schemeClr val="tx1"/>
-          </a:solidFill>
-          <a:latin typeface="+mn-lt"/>
-          <a:ea typeface="+mn-ea"/>
-          <a:cs typeface="+mn-cs"/>
-        </a:defRPr>
-      </a:lvl2pPr>
-      <a:lvl3pPr marL="914400" algn="l" defTabSz="914400" rtl="0" eaLnBrk="1" latinLnBrk="0" hangingPunct="1">
-        <a:defRPr sz="1800" kern="1200">
-          <a:solidFill>
-            <a:schemeClr val="tx1"/>
-          </a:solidFill>
-          <a:latin typeface="+mn-lt"/>
-          <a:ea typeface="+mn-ea"/>
-          <a:cs typeface="+mn-cs"/>
-        </a:defRPr>
-      </a:lvl3pPr>
-      <a:lvl4pPr marL="1371600" algn="l" defTabSz="914400" rtl="0" eaLnBrk="1" latinLnBrk="0" hangingPunct="1">
-        <a:defRPr sz="1800" kern="1200">
-          <a:solidFill>
-            <a:schemeClr val="tx1"/>
-          </a:solidFill>
-          <a:latin typeface="+mn-lt"/>
-          <a:ea typeface="+mn-ea"/>
-          <a:cs typeface="+mn-cs"/>
-        </a:defRPr>
-      </a:lvl4pPr>
-      <a:lvl5pPr marL="1828800" algn="l" defTabSz="914400" rtl="0" eaLnBrk="1" latinLnBrk="0" hangingPunct="1">
-        <a:defRPr sz="1800" kern="1200">
-          <a:solidFill>
-            <a:schemeClr val="tx1"/>
-          </a:solidFill>
-          <a:latin typeface="+mn-lt"/>
-          <a:ea typeface="+mn-ea"/>
-          <a:cs typeface="+mn-cs"/>
-        </a:defRPr>
-      </a:lvl5pPr>
-      <a:lvl6pPr marL="2286000" algn="l" defTabSz="914400" rtl="0" eaLnBrk="1" latinLnBrk="0" hangingPunct="1">
-        <a:defRPr sz="1800" kern="1200">
-          <a:solidFill>
-            <a:schemeClr val="tx1"/>
-          </a:solidFill>
-          <a:latin typeface="+mn-lt"/>
-          <a:ea typeface="+mn-ea"/>
-          <a:cs typeface="+mn-cs"/>
-        </a:defRPr>
-      </a:lvl6pPr>
-      <a:lvl7pPr marL="2743200" algn="l" defTabSz="914400" rtl="0" eaLnBrk="1" latinLnBrk="0" hangingPunct="1">
-        <a:defRPr sz="1800" kern="1200">
-          <a:solidFill>
-            <a:schemeClr val="tx1"/>
-          </a:solidFill>
-          <a:latin typeface="+mn-lt"/>
-          <a:ea typeface="+mn-ea"/>
-          <a:cs typeface="+mn-cs"/>
-        </a:defRPr>
-      </a:lvl7pPr>
-      <a:lvl8pPr marL="3200400" algn="l" defTabSz="914400" rtl="0" eaLnBrk="1" latinLnBrk="0" hangingPunct="1">
-        <a:defRPr sz="1800" kern="1200">
-          <a:solidFill>
-            <a:schemeClr val="tx1"/>
-          </a:solidFill>
-          <a:latin typeface="+mn-lt"/>
-          <a:ea typeface="+mn-ea"/>
-          <a:cs typeface="+mn-cs"/>
-        </a:defRPr>
-      </a:lvl8pPr>
-      <a:lvl9pPr marL="3657600" algn="l" defTabSz="914400" rtl="0" eaLnBrk="1" latinLnBrk="0" hangingPunct="1">
+      <a:lvl9pPr marL="3657600" algn="l" defTabSz="457200" rtl="0" eaLnBrk="1" latinLnBrk="0" hangingPunct="1">
         <a:defRPr sz="1800" kern="1200">
           <a:solidFill>
             <a:schemeClr val="tx1"/>
@@ -3526,6 +6337,7 @@
           </a:bodyPr>
           <a:lstStyle/>
           <a:p>
+            <a:pPr algn="ctr"/>
             <a:r>
               <a:rPr lang="fr-FR" dirty="0"/>
               <a:t>Bourse d’Echanges </a:t>
@@ -3556,7 +6368,12 @@
             <p:ph type="subTitle" idx="1"/>
           </p:nvPr>
         </p:nvSpPr>
-        <p:spPr/>
+        <p:spPr>
+          <a:xfrm>
+            <a:off x="3966322" y="3832869"/>
+            <a:ext cx="4259355" cy="1277966"/>
+          </a:xfrm>
+        </p:spPr>
         <p:txBody>
           <a:bodyPr/>
           <a:lstStyle/>
@@ -3564,6 +6381,7 @@
             <a:endParaRPr lang="fr-FR" dirty="0"/>
           </a:p>
           <a:p>
+            <a:pPr algn="ctr"/>
             <a:r>
               <a:rPr lang="fr-FR" sz="3600" dirty="0"/>
               <a:t>Module IT </a:t>
@@ -3590,7 +6408,7 @@
         </p:nvSpPr>
         <p:spPr>
           <a:xfrm>
-            <a:off x="5004179" y="4599296"/>
+            <a:off x="8484358" y="5110835"/>
             <a:ext cx="2183642" cy="923330"/>
           </a:xfrm>
           <a:prstGeom prst="rect">
@@ -3673,8 +6491,8 @@
         </p:nvSpPr>
         <p:spPr>
           <a:xfrm>
-            <a:off x="2787555" y="5572500"/>
-            <a:ext cx="6616890" cy="461665"/>
+            <a:off x="1264181" y="5750004"/>
+            <a:ext cx="6961496" cy="461665"/>
           </a:xfrm>
           <a:prstGeom prst="rect">
             <a:avLst/>
@@ -3687,6 +6505,7 @@
           </a:bodyPr>
           <a:lstStyle/>
           <a:p>
+            <a:pPr algn="ctr"/>
             <a:r>
               <a:rPr lang="fr-FR" sz="2400" dirty="0"/>
               <a:t>Encadré par : Dr. Taha RIDENE &amp; Mr. Hans </a:t>
@@ -3743,35 +6562,6 @@
       </p:grpSpPr>
       <p:sp>
         <p:nvSpPr>
-          <p:cNvPr id="2" name="Titre 1">
-            <a:extLst>
-              <a:ext uri="{FF2B5EF4-FFF2-40B4-BE49-F238E27FC236}">
-                <a16:creationId xmlns:a16="http://schemas.microsoft.com/office/drawing/2014/main" id="{07AC08FA-4102-4FAB-83C9-B45414E26700}"/>
-              </a:ext>
-            </a:extLst>
-          </p:cNvPr>
-          <p:cNvSpPr>
-            <a:spLocks noGrp="1"/>
-          </p:cNvSpPr>
-          <p:nvPr>
-            <p:ph type="title"/>
-          </p:nvPr>
-        </p:nvSpPr>
-        <p:spPr/>
-        <p:txBody>
-          <a:bodyPr/>
-          <a:lstStyle/>
-          <a:p>
-            <a:pPr algn="ctr"/>
-            <a:r>
-              <a:rPr lang="fr-FR" dirty="0"/>
-              <a:t>Arborescence du site</a:t>
-            </a:r>
-          </a:p>
-        </p:txBody>
-      </p:sp>
-      <p:sp>
-        <p:nvSpPr>
           <p:cNvPr id="3" name="Espace réservé du contenu 2">
             <a:extLst>
               <a:ext uri="{FF2B5EF4-FFF2-40B4-BE49-F238E27FC236}">
@@ -3786,32 +6576,60 @@
             <p:ph idx="1"/>
           </p:nvPr>
         </p:nvSpPr>
-        <p:spPr/>
-        <p:txBody>
-          <a:bodyPr/>
+        <p:spPr>
+          <a:xfrm>
+            <a:off x="1484311" y="1815152"/>
+            <a:ext cx="10018713" cy="3810000"/>
+          </a:xfrm>
+        </p:spPr>
+        <p:txBody>
+          <a:bodyPr>
+            <a:normAutofit/>
+          </a:bodyPr>
           <a:lstStyle/>
           <a:p>
             <a:endParaRPr lang="fr-FR" dirty="0"/>
           </a:p>
           <a:p>
+            <a:pPr marL="0" indent="0">
+              <a:buNone/>
+            </a:pPr>
+            <a:endParaRPr lang="fr-FR" dirty="0"/>
+          </a:p>
+          <a:p>
+            <a:pPr marL="0" indent="0">
+              <a:buNone/>
+            </a:pPr>
             <a:r>
               <a:rPr lang="fr-FR" dirty="0"/>
               <a:t>Page d’accueil</a:t>
             </a:r>
           </a:p>
           <a:p>
+            <a:pPr marL="0" indent="0">
+              <a:buNone/>
+            </a:pPr>
             <a:endParaRPr lang="fr-FR" dirty="0"/>
           </a:p>
           <a:p>
+            <a:pPr marL="0" indent="0">
+              <a:buNone/>
+            </a:pPr>
             <a:r>
               <a:rPr lang="fr-FR" dirty="0"/>
               <a:t>Page de login</a:t>
             </a:r>
           </a:p>
           <a:p>
+            <a:pPr marL="0" indent="0">
+              <a:buNone/>
+            </a:pPr>
             <a:endParaRPr lang="fr-FR" dirty="0"/>
           </a:p>
           <a:p>
+            <a:pPr marL="0" indent="0">
+              <a:buNone/>
+            </a:pPr>
             <a:r>
               <a:rPr lang="fr-FR" dirty="0"/>
               <a:t>Page admin</a:t>
@@ -3853,7 +6671,7 @@
         </p:blipFill>
         <p:spPr>
           <a:xfrm>
-            <a:off x="4495800" y="1690688"/>
+            <a:off x="4645023" y="1815152"/>
             <a:ext cx="6858000" cy="3810000"/>
           </a:xfrm>
           <a:prstGeom prst="rect">
@@ -3861,6 +6679,118 @@
           </a:prstGeom>
         </p:spPr>
       </p:pic>
+      <p:sp>
+        <p:nvSpPr>
+          <p:cNvPr id="6" name="Titre 1">
+            <a:extLst>
+              <a:ext uri="{FF2B5EF4-FFF2-40B4-BE49-F238E27FC236}">
+                <a16:creationId xmlns:a16="http://schemas.microsoft.com/office/drawing/2014/main" id="{F09A2247-C1D7-4A81-83E4-5CE181689DC0}"/>
+              </a:ext>
+            </a:extLst>
+          </p:cNvPr>
+          <p:cNvSpPr txBox="1">
+            <a:spLocks/>
+          </p:cNvSpPr>
+          <p:nvPr/>
+        </p:nvSpPr>
+        <p:spPr>
+          <a:xfrm>
+            <a:off x="1484311" y="685801"/>
+            <a:ext cx="10018713" cy="1129351"/>
+          </a:xfrm>
+          <a:prstGeom prst="rect">
+            <a:avLst/>
+          </a:prstGeom>
+          <a:effectLst/>
+        </p:spPr>
+        <p:txBody>
+          <a:bodyPr vert="horz" lIns="91440" tIns="45720" rIns="91440" bIns="45720" rtlCol="0" anchor="ctr">
+            <a:normAutofit/>
+          </a:bodyPr>
+          <a:lstStyle>
+            <a:lvl1pPr algn="ctr" defTabSz="457200" rtl="0" eaLnBrk="1" latinLnBrk="0" hangingPunct="1">
+              <a:spcBef>
+                <a:spcPct val="0"/>
+              </a:spcBef>
+              <a:buNone/>
+              <a:defRPr sz="4000" kern="1200" cap="none">
+                <a:ln w="3175" cmpd="sng">
+                  <a:noFill/>
+                </a:ln>
+                <a:solidFill>
+                  <a:schemeClr val="tx1"/>
+                </a:solidFill>
+                <a:effectLst/>
+                <a:latin typeface="+mj-lt"/>
+                <a:ea typeface="+mj-ea"/>
+                <a:cs typeface="+mj-cs"/>
+              </a:defRPr>
+            </a:lvl1pPr>
+            <a:lvl2pPr eaLnBrk="1" hangingPunct="1">
+              <a:defRPr>
+                <a:solidFill>
+                  <a:schemeClr val="tx2"/>
+                </a:solidFill>
+              </a:defRPr>
+            </a:lvl2pPr>
+            <a:lvl3pPr eaLnBrk="1" hangingPunct="1">
+              <a:defRPr>
+                <a:solidFill>
+                  <a:schemeClr val="tx2"/>
+                </a:solidFill>
+              </a:defRPr>
+            </a:lvl3pPr>
+            <a:lvl4pPr eaLnBrk="1" hangingPunct="1">
+              <a:defRPr>
+                <a:solidFill>
+                  <a:schemeClr val="tx2"/>
+                </a:solidFill>
+              </a:defRPr>
+            </a:lvl4pPr>
+            <a:lvl5pPr eaLnBrk="1" hangingPunct="1">
+              <a:defRPr>
+                <a:solidFill>
+                  <a:schemeClr val="tx2"/>
+                </a:solidFill>
+              </a:defRPr>
+            </a:lvl5pPr>
+            <a:lvl6pPr eaLnBrk="1" hangingPunct="1">
+              <a:defRPr>
+                <a:solidFill>
+                  <a:schemeClr val="tx2"/>
+                </a:solidFill>
+              </a:defRPr>
+            </a:lvl6pPr>
+            <a:lvl7pPr eaLnBrk="1" hangingPunct="1">
+              <a:defRPr>
+                <a:solidFill>
+                  <a:schemeClr val="tx2"/>
+                </a:solidFill>
+              </a:defRPr>
+            </a:lvl7pPr>
+            <a:lvl8pPr eaLnBrk="1" hangingPunct="1">
+              <a:defRPr>
+                <a:solidFill>
+                  <a:schemeClr val="tx2"/>
+                </a:solidFill>
+              </a:defRPr>
+            </a:lvl8pPr>
+            <a:lvl9pPr eaLnBrk="1" hangingPunct="1">
+              <a:defRPr>
+                <a:solidFill>
+                  <a:schemeClr val="tx2"/>
+                </a:solidFill>
+              </a:defRPr>
+            </a:lvl9pPr>
+          </a:lstStyle>
+          <a:p>
+            <a:r>
+              <a:rPr lang="fr-FR" dirty="0"/>
+              <a:t>Arborescence du site</a:t>
+            </a:r>
+          </a:p>
+        </p:txBody>
+      </p:sp>
     </p:spTree>
     <p:extLst>
       <p:ext uri="{BB962C8B-B14F-4D97-AF65-F5344CB8AC3E}">
@@ -3896,35 +6826,6 @@
       </p:grpSpPr>
       <p:sp>
         <p:nvSpPr>
-          <p:cNvPr id="2" name="Titre 1">
-            <a:extLst>
-              <a:ext uri="{FF2B5EF4-FFF2-40B4-BE49-F238E27FC236}">
-                <a16:creationId xmlns:a16="http://schemas.microsoft.com/office/drawing/2014/main" id="{F5FCEA1B-D7A3-4DB5-8E50-00AD4ADD5794}"/>
-              </a:ext>
-            </a:extLst>
-          </p:cNvPr>
-          <p:cNvSpPr>
-            <a:spLocks noGrp="1"/>
-          </p:cNvSpPr>
-          <p:nvPr>
-            <p:ph type="title"/>
-          </p:nvPr>
-        </p:nvSpPr>
-        <p:spPr/>
-        <p:txBody>
-          <a:bodyPr/>
-          <a:lstStyle/>
-          <a:p>
-            <a:pPr algn="ctr"/>
-            <a:r>
-              <a:rPr lang="fr-FR" dirty="0"/>
-              <a:t>Spécifications fonctionnels</a:t>
-            </a:r>
-          </a:p>
-        </p:txBody>
-      </p:sp>
-      <p:sp>
-        <p:nvSpPr>
           <p:cNvPr id="3" name="Espace réservé du contenu 2">
             <a:extLst>
               <a:ext uri="{FF2B5EF4-FFF2-40B4-BE49-F238E27FC236}">
@@ -3939,38 +6840,60 @@
             <p:ph idx="1"/>
           </p:nvPr>
         </p:nvSpPr>
-        <p:spPr/>
-        <p:txBody>
-          <a:bodyPr/>
+        <p:spPr>
+          <a:xfrm>
+            <a:off x="1484310" y="1815152"/>
+            <a:ext cx="10018713" cy="4220333"/>
+          </a:xfrm>
+        </p:spPr>
+        <p:txBody>
+          <a:bodyPr>
+            <a:normAutofit/>
+          </a:bodyPr>
           <a:lstStyle/>
           <a:p>
-            <a:endParaRPr lang="fr-FR" dirty="0"/>
-          </a:p>
-          <a:p>
+            <a:pPr marL="0" indent="0">
+              <a:buNone/>
+            </a:pPr>
             <a:r>
               <a:rPr lang="fr-FR" dirty="0"/>
               <a:t>Listing des biens</a:t>
             </a:r>
           </a:p>
           <a:p>
+            <a:pPr marL="0" indent="0">
+              <a:buNone/>
+            </a:pPr>
             <a:r>
               <a:rPr lang="fr-FR" dirty="0"/>
               <a:t>Etat de vente</a:t>
             </a:r>
           </a:p>
           <a:p>
+            <a:pPr marL="0" indent="0">
+              <a:buNone/>
+            </a:pPr>
             <a:endParaRPr lang="fr-FR" dirty="0"/>
           </a:p>
           <a:p>
+            <a:pPr marL="0" indent="0">
+              <a:buNone/>
+            </a:pPr>
             <a:r>
               <a:rPr lang="fr-FR" dirty="0"/>
               <a:t>Mise en vente des biens</a:t>
             </a:r>
           </a:p>
           <a:p>
+            <a:pPr marL="0" indent="0">
+              <a:buNone/>
+            </a:pPr>
             <a:endParaRPr lang="fr-FR" dirty="0"/>
           </a:p>
           <a:p>
+            <a:pPr marL="0" indent="0">
+              <a:buNone/>
+            </a:pPr>
             <a:r>
               <a:rPr lang="fr-FR" dirty="0"/>
               <a:t>Accès a tous les biens</a:t>
@@ -4006,7 +6929,7 @@
         </p:blipFill>
         <p:spPr>
           <a:xfrm>
-            <a:off x="5354471" y="1825625"/>
+            <a:off x="5503694" y="2016693"/>
             <a:ext cx="5999329" cy="3332961"/>
           </a:xfrm>
           <a:prstGeom prst="rect">
@@ -4014,6 +6937,118 @@
           </a:prstGeom>
         </p:spPr>
       </p:pic>
+      <p:sp>
+        <p:nvSpPr>
+          <p:cNvPr id="6" name="Titre 1">
+            <a:extLst>
+              <a:ext uri="{FF2B5EF4-FFF2-40B4-BE49-F238E27FC236}">
+                <a16:creationId xmlns:a16="http://schemas.microsoft.com/office/drawing/2014/main" id="{D228FCAA-DB95-477D-932A-0580DAC92BFE}"/>
+              </a:ext>
+            </a:extLst>
+          </p:cNvPr>
+          <p:cNvSpPr txBox="1">
+            <a:spLocks/>
+          </p:cNvSpPr>
+          <p:nvPr/>
+        </p:nvSpPr>
+        <p:spPr>
+          <a:xfrm>
+            <a:off x="1484311" y="685801"/>
+            <a:ext cx="10018713" cy="1129351"/>
+          </a:xfrm>
+          <a:prstGeom prst="rect">
+            <a:avLst/>
+          </a:prstGeom>
+          <a:effectLst/>
+        </p:spPr>
+        <p:txBody>
+          <a:bodyPr vert="horz" lIns="91440" tIns="45720" rIns="91440" bIns="45720" rtlCol="0" anchor="ctr">
+            <a:normAutofit/>
+          </a:bodyPr>
+          <a:lstStyle>
+            <a:lvl1pPr algn="ctr" defTabSz="457200" rtl="0" eaLnBrk="1" latinLnBrk="0" hangingPunct="1">
+              <a:spcBef>
+                <a:spcPct val="0"/>
+              </a:spcBef>
+              <a:buNone/>
+              <a:defRPr sz="4000" kern="1200" cap="none">
+                <a:ln w="3175" cmpd="sng">
+                  <a:noFill/>
+                </a:ln>
+                <a:solidFill>
+                  <a:schemeClr val="tx1"/>
+                </a:solidFill>
+                <a:effectLst/>
+                <a:latin typeface="+mj-lt"/>
+                <a:ea typeface="+mj-ea"/>
+                <a:cs typeface="+mj-cs"/>
+              </a:defRPr>
+            </a:lvl1pPr>
+            <a:lvl2pPr eaLnBrk="1" hangingPunct="1">
+              <a:defRPr>
+                <a:solidFill>
+                  <a:schemeClr val="tx2"/>
+                </a:solidFill>
+              </a:defRPr>
+            </a:lvl2pPr>
+            <a:lvl3pPr eaLnBrk="1" hangingPunct="1">
+              <a:defRPr>
+                <a:solidFill>
+                  <a:schemeClr val="tx2"/>
+                </a:solidFill>
+              </a:defRPr>
+            </a:lvl3pPr>
+            <a:lvl4pPr eaLnBrk="1" hangingPunct="1">
+              <a:defRPr>
+                <a:solidFill>
+                  <a:schemeClr val="tx2"/>
+                </a:solidFill>
+              </a:defRPr>
+            </a:lvl4pPr>
+            <a:lvl5pPr eaLnBrk="1" hangingPunct="1">
+              <a:defRPr>
+                <a:solidFill>
+                  <a:schemeClr val="tx2"/>
+                </a:solidFill>
+              </a:defRPr>
+            </a:lvl5pPr>
+            <a:lvl6pPr eaLnBrk="1" hangingPunct="1">
+              <a:defRPr>
+                <a:solidFill>
+                  <a:schemeClr val="tx2"/>
+                </a:solidFill>
+              </a:defRPr>
+            </a:lvl6pPr>
+            <a:lvl7pPr eaLnBrk="1" hangingPunct="1">
+              <a:defRPr>
+                <a:solidFill>
+                  <a:schemeClr val="tx2"/>
+                </a:solidFill>
+              </a:defRPr>
+            </a:lvl7pPr>
+            <a:lvl8pPr eaLnBrk="1" hangingPunct="1">
+              <a:defRPr>
+                <a:solidFill>
+                  <a:schemeClr val="tx2"/>
+                </a:solidFill>
+              </a:defRPr>
+            </a:lvl8pPr>
+            <a:lvl9pPr eaLnBrk="1" hangingPunct="1">
+              <a:defRPr>
+                <a:solidFill>
+                  <a:schemeClr val="tx2"/>
+                </a:solidFill>
+              </a:defRPr>
+            </a:lvl9pPr>
+          </a:lstStyle>
+          <a:p>
+            <a:r>
+              <a:rPr lang="fr-FR" dirty="0"/>
+              <a:t>Spécifications fonctionnels</a:t>
+            </a:r>
+          </a:p>
+        </p:txBody>
+      </p:sp>
     </p:spTree>
     <p:extLst>
       <p:ext uri="{BB962C8B-B14F-4D97-AF65-F5344CB8AC3E}">
@@ -4049,35 +7084,6 @@
       </p:grpSpPr>
       <p:sp>
         <p:nvSpPr>
-          <p:cNvPr id="2" name="Titre 1">
-            <a:extLst>
-              <a:ext uri="{FF2B5EF4-FFF2-40B4-BE49-F238E27FC236}">
-                <a16:creationId xmlns:a16="http://schemas.microsoft.com/office/drawing/2014/main" id="{E9C9AF36-E179-4ACE-B160-CB584315E77F}"/>
-              </a:ext>
-            </a:extLst>
-          </p:cNvPr>
-          <p:cNvSpPr>
-            <a:spLocks noGrp="1"/>
-          </p:cNvSpPr>
-          <p:nvPr>
-            <p:ph type="title"/>
-          </p:nvPr>
-        </p:nvSpPr>
-        <p:spPr/>
-        <p:txBody>
-          <a:bodyPr/>
-          <a:lstStyle/>
-          <a:p>
-            <a:pPr algn="ctr"/>
-            <a:r>
-              <a:rPr lang="fr-FR" dirty="0"/>
-              <a:t>Spécifications techniques</a:t>
-            </a:r>
-          </a:p>
-        </p:txBody>
-      </p:sp>
-      <p:sp>
-        <p:nvSpPr>
           <p:cNvPr id="3" name="Espace réservé du contenu 2">
             <a:extLst>
               <a:ext uri="{FF2B5EF4-FFF2-40B4-BE49-F238E27FC236}">
@@ -4092,20 +7098,33 @@
             <p:ph idx="1"/>
           </p:nvPr>
         </p:nvSpPr>
-        <p:spPr/>
-        <p:txBody>
-          <a:bodyPr/>
+        <p:spPr>
+          <a:xfrm>
+            <a:off x="1484310" y="1690688"/>
+            <a:ext cx="10018713" cy="4396213"/>
+          </a:xfrm>
+        </p:spPr>
+        <p:txBody>
+          <a:bodyPr>
+            <a:normAutofit/>
+          </a:bodyPr>
           <a:lstStyle/>
           <a:p>
             <a:endParaRPr lang="fr-FR" dirty="0"/>
           </a:p>
           <a:p>
+            <a:pPr marL="0" indent="0">
+              <a:buNone/>
+            </a:pPr>
             <a:r>
               <a:rPr lang="fr-FR" dirty="0"/>
               <a:t>Ajout au système existant</a:t>
             </a:r>
           </a:p>
           <a:p>
+            <a:pPr marL="0" indent="0">
+              <a:buNone/>
+            </a:pPr>
             <a:r>
               <a:rPr lang="fr-FR" dirty="0" err="1"/>
               <a:t>JavaEE</a:t>
@@ -4113,30 +7132,45 @@
             <a:endParaRPr lang="fr-FR" dirty="0"/>
           </a:p>
           <a:p>
+            <a:pPr marL="0" indent="0">
+              <a:buNone/>
+            </a:pPr>
             <a:r>
               <a:rPr lang="fr-FR" dirty="0"/>
               <a:t>Modèle MVC2</a:t>
             </a:r>
           </a:p>
           <a:p>
+            <a:pPr marL="0" indent="0">
+              <a:buNone/>
+            </a:pPr>
             <a:r>
               <a:rPr lang="fr-FR" dirty="0"/>
               <a:t>Base de Données</a:t>
             </a:r>
           </a:p>
           <a:p>
+            <a:pPr marL="0" indent="0">
+              <a:buNone/>
+            </a:pPr>
             <a:r>
               <a:rPr lang="fr-FR" dirty="0"/>
               <a:t>Statut</a:t>
             </a:r>
           </a:p>
           <a:p>
+            <a:pPr marL="0" indent="0">
+              <a:buNone/>
+            </a:pPr>
             <a:r>
               <a:rPr lang="fr-FR" dirty="0"/>
               <a:t>Gérer les biens</a:t>
             </a:r>
           </a:p>
           <a:p>
+            <a:pPr marL="0" indent="0">
+              <a:buNone/>
+            </a:pPr>
             <a:r>
               <a:rPr lang="fr-FR" dirty="0"/>
               <a:t>Accès a la liste des biens en ventes</a:t>
@@ -4172,7 +7206,7 @@
         </p:blipFill>
         <p:spPr>
           <a:xfrm>
-            <a:off x="6096000" y="1690688"/>
+            <a:off x="6998080" y="2148386"/>
             <a:ext cx="4504944" cy="3480816"/>
           </a:xfrm>
           <a:prstGeom prst="rect">
@@ -4180,6 +7214,118 @@
           </a:prstGeom>
         </p:spPr>
       </p:pic>
+      <p:sp>
+        <p:nvSpPr>
+          <p:cNvPr id="6" name="Titre 1">
+            <a:extLst>
+              <a:ext uri="{FF2B5EF4-FFF2-40B4-BE49-F238E27FC236}">
+                <a16:creationId xmlns:a16="http://schemas.microsoft.com/office/drawing/2014/main" id="{71D2FBC1-EF8A-4E3E-B7BC-FBB8DEA5AC09}"/>
+              </a:ext>
+            </a:extLst>
+          </p:cNvPr>
+          <p:cNvSpPr txBox="1">
+            <a:spLocks/>
+          </p:cNvSpPr>
+          <p:nvPr/>
+        </p:nvSpPr>
+        <p:spPr>
+          <a:xfrm>
+            <a:off x="1484311" y="685801"/>
+            <a:ext cx="10018713" cy="1129351"/>
+          </a:xfrm>
+          <a:prstGeom prst="rect">
+            <a:avLst/>
+          </a:prstGeom>
+          <a:effectLst/>
+        </p:spPr>
+        <p:txBody>
+          <a:bodyPr vert="horz" lIns="91440" tIns="45720" rIns="91440" bIns="45720" rtlCol="0" anchor="ctr">
+            <a:normAutofit/>
+          </a:bodyPr>
+          <a:lstStyle>
+            <a:lvl1pPr algn="ctr" defTabSz="457200" rtl="0" eaLnBrk="1" latinLnBrk="0" hangingPunct="1">
+              <a:spcBef>
+                <a:spcPct val="0"/>
+              </a:spcBef>
+              <a:buNone/>
+              <a:defRPr sz="4000" kern="1200" cap="none">
+                <a:ln w="3175" cmpd="sng">
+                  <a:noFill/>
+                </a:ln>
+                <a:solidFill>
+                  <a:schemeClr val="tx1"/>
+                </a:solidFill>
+                <a:effectLst/>
+                <a:latin typeface="+mj-lt"/>
+                <a:ea typeface="+mj-ea"/>
+                <a:cs typeface="+mj-cs"/>
+              </a:defRPr>
+            </a:lvl1pPr>
+            <a:lvl2pPr eaLnBrk="1" hangingPunct="1">
+              <a:defRPr>
+                <a:solidFill>
+                  <a:schemeClr val="tx2"/>
+                </a:solidFill>
+              </a:defRPr>
+            </a:lvl2pPr>
+            <a:lvl3pPr eaLnBrk="1" hangingPunct="1">
+              <a:defRPr>
+                <a:solidFill>
+                  <a:schemeClr val="tx2"/>
+                </a:solidFill>
+              </a:defRPr>
+            </a:lvl3pPr>
+            <a:lvl4pPr eaLnBrk="1" hangingPunct="1">
+              <a:defRPr>
+                <a:solidFill>
+                  <a:schemeClr val="tx2"/>
+                </a:solidFill>
+              </a:defRPr>
+            </a:lvl4pPr>
+            <a:lvl5pPr eaLnBrk="1" hangingPunct="1">
+              <a:defRPr>
+                <a:solidFill>
+                  <a:schemeClr val="tx2"/>
+                </a:solidFill>
+              </a:defRPr>
+            </a:lvl5pPr>
+            <a:lvl6pPr eaLnBrk="1" hangingPunct="1">
+              <a:defRPr>
+                <a:solidFill>
+                  <a:schemeClr val="tx2"/>
+                </a:solidFill>
+              </a:defRPr>
+            </a:lvl6pPr>
+            <a:lvl7pPr eaLnBrk="1" hangingPunct="1">
+              <a:defRPr>
+                <a:solidFill>
+                  <a:schemeClr val="tx2"/>
+                </a:solidFill>
+              </a:defRPr>
+            </a:lvl7pPr>
+            <a:lvl8pPr eaLnBrk="1" hangingPunct="1">
+              <a:defRPr>
+                <a:solidFill>
+                  <a:schemeClr val="tx2"/>
+                </a:solidFill>
+              </a:defRPr>
+            </a:lvl8pPr>
+            <a:lvl9pPr eaLnBrk="1" hangingPunct="1">
+              <a:defRPr>
+                <a:solidFill>
+                  <a:schemeClr val="tx2"/>
+                </a:solidFill>
+              </a:defRPr>
+            </a:lvl9pPr>
+          </a:lstStyle>
+          <a:p>
+            <a:r>
+              <a:rPr lang="fr-FR" dirty="0"/>
+              <a:t>Spécifications techniques</a:t>
+            </a:r>
+          </a:p>
+        </p:txBody>
+      </p:sp>
     </p:spTree>
     <p:extLst>
       <p:ext uri="{BB962C8B-B14F-4D97-AF65-F5344CB8AC3E}">
@@ -4213,35 +7359,6 @@
           <a:chExt cx="0" cy="0"/>
         </a:xfrm>
       </p:grpSpPr>
-      <p:sp>
-        <p:nvSpPr>
-          <p:cNvPr id="2" name="Titre 1">
-            <a:extLst>
-              <a:ext uri="{FF2B5EF4-FFF2-40B4-BE49-F238E27FC236}">
-                <a16:creationId xmlns:a16="http://schemas.microsoft.com/office/drawing/2014/main" id="{B30CA086-C46F-497B-B651-85FF6DECA0D4}"/>
-              </a:ext>
-            </a:extLst>
-          </p:cNvPr>
-          <p:cNvSpPr>
-            <a:spLocks noGrp="1"/>
-          </p:cNvSpPr>
-          <p:nvPr>
-            <p:ph type="title"/>
-          </p:nvPr>
-        </p:nvSpPr>
-        <p:spPr/>
-        <p:txBody>
-          <a:bodyPr/>
-          <a:lstStyle/>
-          <a:p>
-            <a:pPr algn="ctr"/>
-            <a:r>
-              <a:rPr lang="fr-FR" dirty="0"/>
-              <a:t>Contexte technique organisationnelle</a:t>
-            </a:r>
-          </a:p>
-        </p:txBody>
-      </p:sp>
       <p:pic>
         <p:nvPicPr>
           <p:cNvPr id="5" name="Espace réservé du contenu 4" descr="https://lh3.googleusercontent.com/IArW1KUNcasSuTg1EgSXNmwYNhrhgeiCeBXLavAV9uGip-P2v1VL6YSP_xzAfDIZEDv1CeO6YuDwALLGn2P-Dg51Jo5iHy_D9UIds8FioTaYNAlyEWeAFpf6aRuZIMFVYnmJTozB">
@@ -4273,7 +7390,7 @@
         </p:blipFill>
         <p:spPr bwMode="auto">
           <a:xfrm>
-            <a:off x="2380858" y="1690688"/>
+            <a:off x="2778525" y="1690688"/>
             <a:ext cx="7430284" cy="4351338"/>
           </a:xfrm>
           <a:prstGeom prst="rect">
@@ -4299,7 +7416,7 @@
         </p:nvSpPr>
         <p:spPr>
           <a:xfrm>
-            <a:off x="4899547" y="6042026"/>
+            <a:off x="5470085" y="6042026"/>
             <a:ext cx="2047164" cy="369332"/>
           </a:xfrm>
           <a:prstGeom prst="rect">
@@ -4316,6 +7433,118 @@
             <a:r>
               <a:rPr lang="fr-FR" dirty="0"/>
               <a:t>Architecture 3 tiers</a:t>
+            </a:r>
+          </a:p>
+        </p:txBody>
+      </p:sp>
+      <p:sp>
+        <p:nvSpPr>
+          <p:cNvPr id="7" name="Titre 1">
+            <a:extLst>
+              <a:ext uri="{FF2B5EF4-FFF2-40B4-BE49-F238E27FC236}">
+                <a16:creationId xmlns:a16="http://schemas.microsoft.com/office/drawing/2014/main" id="{2BB04B0C-3916-479A-8CE2-7023AEE438B7}"/>
+              </a:ext>
+            </a:extLst>
+          </p:cNvPr>
+          <p:cNvSpPr txBox="1">
+            <a:spLocks/>
+          </p:cNvSpPr>
+          <p:nvPr/>
+        </p:nvSpPr>
+        <p:spPr>
+          <a:xfrm>
+            <a:off x="1484311" y="685801"/>
+            <a:ext cx="10018713" cy="1129351"/>
+          </a:xfrm>
+          <a:prstGeom prst="rect">
+            <a:avLst/>
+          </a:prstGeom>
+          <a:effectLst/>
+        </p:spPr>
+        <p:txBody>
+          <a:bodyPr vert="horz" lIns="91440" tIns="45720" rIns="91440" bIns="45720" rtlCol="0" anchor="ctr">
+            <a:normAutofit/>
+          </a:bodyPr>
+          <a:lstStyle>
+            <a:lvl1pPr algn="ctr" defTabSz="457200" rtl="0" eaLnBrk="1" latinLnBrk="0" hangingPunct="1">
+              <a:spcBef>
+                <a:spcPct val="0"/>
+              </a:spcBef>
+              <a:buNone/>
+              <a:defRPr sz="4000" kern="1200" cap="none">
+                <a:ln w="3175" cmpd="sng">
+                  <a:noFill/>
+                </a:ln>
+                <a:solidFill>
+                  <a:schemeClr val="tx1"/>
+                </a:solidFill>
+                <a:effectLst/>
+                <a:latin typeface="+mj-lt"/>
+                <a:ea typeface="+mj-ea"/>
+                <a:cs typeface="+mj-cs"/>
+              </a:defRPr>
+            </a:lvl1pPr>
+            <a:lvl2pPr eaLnBrk="1" hangingPunct="1">
+              <a:defRPr>
+                <a:solidFill>
+                  <a:schemeClr val="tx2"/>
+                </a:solidFill>
+              </a:defRPr>
+            </a:lvl2pPr>
+            <a:lvl3pPr eaLnBrk="1" hangingPunct="1">
+              <a:defRPr>
+                <a:solidFill>
+                  <a:schemeClr val="tx2"/>
+                </a:solidFill>
+              </a:defRPr>
+            </a:lvl3pPr>
+            <a:lvl4pPr eaLnBrk="1" hangingPunct="1">
+              <a:defRPr>
+                <a:solidFill>
+                  <a:schemeClr val="tx2"/>
+                </a:solidFill>
+              </a:defRPr>
+            </a:lvl4pPr>
+            <a:lvl5pPr eaLnBrk="1" hangingPunct="1">
+              <a:defRPr>
+                <a:solidFill>
+                  <a:schemeClr val="tx2"/>
+                </a:solidFill>
+              </a:defRPr>
+            </a:lvl5pPr>
+            <a:lvl6pPr eaLnBrk="1" hangingPunct="1">
+              <a:defRPr>
+                <a:solidFill>
+                  <a:schemeClr val="tx2"/>
+                </a:solidFill>
+              </a:defRPr>
+            </a:lvl6pPr>
+            <a:lvl7pPr eaLnBrk="1" hangingPunct="1">
+              <a:defRPr>
+                <a:solidFill>
+                  <a:schemeClr val="tx2"/>
+                </a:solidFill>
+              </a:defRPr>
+            </a:lvl7pPr>
+            <a:lvl8pPr eaLnBrk="1" hangingPunct="1">
+              <a:defRPr>
+                <a:solidFill>
+                  <a:schemeClr val="tx2"/>
+                </a:solidFill>
+              </a:defRPr>
+            </a:lvl8pPr>
+            <a:lvl9pPr eaLnBrk="1" hangingPunct="1">
+              <a:defRPr>
+                <a:solidFill>
+                  <a:schemeClr val="tx2"/>
+                </a:solidFill>
+              </a:defRPr>
+            </a:lvl9pPr>
+          </a:lstStyle>
+          <a:p>
+            <a:r>
+              <a:rPr lang="fr-FR" dirty="0"/>
+              <a:t>Contexte technique organisationnelle</a:t>
             </a:r>
           </a:p>
         </p:txBody>
@@ -4353,35 +7582,6 @@
           <a:chExt cx="0" cy="0"/>
         </a:xfrm>
       </p:grpSpPr>
-      <p:sp>
-        <p:nvSpPr>
-          <p:cNvPr id="2" name="Titre 1">
-            <a:extLst>
-              <a:ext uri="{FF2B5EF4-FFF2-40B4-BE49-F238E27FC236}">
-                <a16:creationId xmlns:a16="http://schemas.microsoft.com/office/drawing/2014/main" id="{8781D65F-EA15-4A32-AF33-DC5AE8F09BFB}"/>
-              </a:ext>
-            </a:extLst>
-          </p:cNvPr>
-          <p:cNvSpPr>
-            <a:spLocks noGrp="1"/>
-          </p:cNvSpPr>
-          <p:nvPr>
-            <p:ph type="title"/>
-          </p:nvPr>
-        </p:nvSpPr>
-        <p:spPr/>
-        <p:txBody>
-          <a:bodyPr/>
-          <a:lstStyle/>
-          <a:p>
-            <a:pPr algn="ctr"/>
-            <a:r>
-              <a:rPr lang="fr-FR" dirty="0"/>
-              <a:t>Contexte technique organisationnelle</a:t>
-            </a:r>
-          </a:p>
-        </p:txBody>
-      </p:sp>
       <p:pic>
         <p:nvPicPr>
           <p:cNvPr id="4" name="Espace réservé du contenu 3" descr="https://lh5.googleusercontent.com/RfzrRO813z7nFrxkRvHgzjRM5W0iiim2uyWeN2H5ifc7hln1dM_loL7cqb95Q585B8kKFEHPKyCJdfkPQ-iuG-NguZyUcDezRb33kjDCt7_YZkNnkFETcBfeKDEOthrGLrdjsfgu">
@@ -4406,15 +7606,14 @@
               </a:ext>
             </a:extLst>
           </a:blip>
-          <a:srcRect/>
           <a:stretch>
             <a:fillRect/>
           </a:stretch>
         </p:blipFill>
         <p:spPr bwMode="auto">
           <a:xfrm>
-            <a:off x="1824727" y="1825625"/>
-            <a:ext cx="8542546" cy="4351338"/>
+            <a:off x="3426952" y="2142698"/>
+            <a:ext cx="6133429" cy="3124200"/>
           </a:xfrm>
           <a:prstGeom prst="rect">
             <a:avLst/>
@@ -4439,8 +7638,8 @@
         </p:nvSpPr>
         <p:spPr>
           <a:xfrm>
-            <a:off x="5008728" y="5942568"/>
-            <a:ext cx="2729552" cy="369332"/>
+            <a:off x="5666642" y="5266898"/>
+            <a:ext cx="1654047" cy="369332"/>
           </a:xfrm>
           <a:prstGeom prst="rect">
             <a:avLst/>
@@ -4456,6 +7655,118 @@
             <a:r>
               <a:rPr lang="fr-FR" dirty="0"/>
               <a:t>Modèle MVC2</a:t>
+            </a:r>
+          </a:p>
+        </p:txBody>
+      </p:sp>
+      <p:sp>
+        <p:nvSpPr>
+          <p:cNvPr id="6" name="Titre 1">
+            <a:extLst>
+              <a:ext uri="{FF2B5EF4-FFF2-40B4-BE49-F238E27FC236}">
+                <a16:creationId xmlns:a16="http://schemas.microsoft.com/office/drawing/2014/main" id="{011D88C6-B499-4365-890F-2B8493288054}"/>
+              </a:ext>
+            </a:extLst>
+          </p:cNvPr>
+          <p:cNvSpPr txBox="1">
+            <a:spLocks/>
+          </p:cNvSpPr>
+          <p:nvPr/>
+        </p:nvSpPr>
+        <p:spPr>
+          <a:xfrm>
+            <a:off x="1484311" y="685801"/>
+            <a:ext cx="10018713" cy="1129351"/>
+          </a:xfrm>
+          <a:prstGeom prst="rect">
+            <a:avLst/>
+          </a:prstGeom>
+          <a:effectLst/>
+        </p:spPr>
+        <p:txBody>
+          <a:bodyPr vert="horz" lIns="91440" tIns="45720" rIns="91440" bIns="45720" rtlCol="0" anchor="ctr">
+            <a:normAutofit/>
+          </a:bodyPr>
+          <a:lstStyle>
+            <a:lvl1pPr algn="ctr" defTabSz="457200" rtl="0" eaLnBrk="1" latinLnBrk="0" hangingPunct="1">
+              <a:spcBef>
+                <a:spcPct val="0"/>
+              </a:spcBef>
+              <a:buNone/>
+              <a:defRPr sz="4000" kern="1200" cap="none">
+                <a:ln w="3175" cmpd="sng">
+                  <a:noFill/>
+                </a:ln>
+                <a:solidFill>
+                  <a:schemeClr val="tx1"/>
+                </a:solidFill>
+                <a:effectLst/>
+                <a:latin typeface="+mj-lt"/>
+                <a:ea typeface="+mj-ea"/>
+                <a:cs typeface="+mj-cs"/>
+              </a:defRPr>
+            </a:lvl1pPr>
+            <a:lvl2pPr eaLnBrk="1" hangingPunct="1">
+              <a:defRPr>
+                <a:solidFill>
+                  <a:schemeClr val="tx2"/>
+                </a:solidFill>
+              </a:defRPr>
+            </a:lvl2pPr>
+            <a:lvl3pPr eaLnBrk="1" hangingPunct="1">
+              <a:defRPr>
+                <a:solidFill>
+                  <a:schemeClr val="tx2"/>
+                </a:solidFill>
+              </a:defRPr>
+            </a:lvl3pPr>
+            <a:lvl4pPr eaLnBrk="1" hangingPunct="1">
+              <a:defRPr>
+                <a:solidFill>
+                  <a:schemeClr val="tx2"/>
+                </a:solidFill>
+              </a:defRPr>
+            </a:lvl4pPr>
+            <a:lvl5pPr eaLnBrk="1" hangingPunct="1">
+              <a:defRPr>
+                <a:solidFill>
+                  <a:schemeClr val="tx2"/>
+                </a:solidFill>
+              </a:defRPr>
+            </a:lvl5pPr>
+            <a:lvl6pPr eaLnBrk="1" hangingPunct="1">
+              <a:defRPr>
+                <a:solidFill>
+                  <a:schemeClr val="tx2"/>
+                </a:solidFill>
+              </a:defRPr>
+            </a:lvl6pPr>
+            <a:lvl7pPr eaLnBrk="1" hangingPunct="1">
+              <a:defRPr>
+                <a:solidFill>
+                  <a:schemeClr val="tx2"/>
+                </a:solidFill>
+              </a:defRPr>
+            </a:lvl7pPr>
+            <a:lvl8pPr eaLnBrk="1" hangingPunct="1">
+              <a:defRPr>
+                <a:solidFill>
+                  <a:schemeClr val="tx2"/>
+                </a:solidFill>
+              </a:defRPr>
+            </a:lvl8pPr>
+            <a:lvl9pPr eaLnBrk="1" hangingPunct="1">
+              <a:defRPr>
+                <a:solidFill>
+                  <a:schemeClr val="tx2"/>
+                </a:solidFill>
+              </a:defRPr>
+            </a:lvl9pPr>
+          </a:lstStyle>
+          <a:p>
+            <a:r>
+              <a:rPr lang="fr-FR" dirty="0"/>
+              <a:t>Contexte technique organisationnelle</a:t>
             </a:r>
           </a:p>
         </p:txBody>
@@ -4504,35 +7815,6 @@
       </p:grpSpPr>
       <p:sp>
         <p:nvSpPr>
-          <p:cNvPr id="2" name="Titre 1">
-            <a:extLst>
-              <a:ext uri="{FF2B5EF4-FFF2-40B4-BE49-F238E27FC236}">
-                <a16:creationId xmlns:a16="http://schemas.microsoft.com/office/drawing/2014/main" id="{10D3A23D-6B62-4138-BF08-CF664033E6D3}"/>
-              </a:ext>
-            </a:extLst>
-          </p:cNvPr>
-          <p:cNvSpPr>
-            <a:spLocks noGrp="1"/>
-          </p:cNvSpPr>
-          <p:nvPr>
-            <p:ph type="title"/>
-          </p:nvPr>
-        </p:nvSpPr>
-        <p:spPr/>
-        <p:txBody>
-          <a:bodyPr/>
-          <a:lstStyle/>
-          <a:p>
-            <a:pPr algn="ctr"/>
-            <a:r>
-              <a:rPr lang="fr-FR" dirty="0"/>
-              <a:t>Contexte technique organisationnelle</a:t>
-            </a:r>
-          </a:p>
-        </p:txBody>
-      </p:sp>
-      <p:sp>
-        <p:nvSpPr>
           <p:cNvPr id="3" name="Espace réservé du contenu 2">
             <a:extLst>
               <a:ext uri="{FF2B5EF4-FFF2-40B4-BE49-F238E27FC236}">
@@ -4547,32 +7829,48 @@
             <p:ph idx="1"/>
           </p:nvPr>
         </p:nvSpPr>
-        <p:spPr/>
-        <p:txBody>
-          <a:bodyPr/>
+        <p:spPr>
+          <a:xfrm>
+            <a:off x="1484311" y="1825625"/>
+            <a:ext cx="10018713" cy="4247629"/>
+          </a:xfrm>
+        </p:spPr>
+        <p:txBody>
+          <a:bodyPr>
+            <a:normAutofit/>
+          </a:bodyPr>
           <a:lstStyle/>
           <a:p>
-            <a:endParaRPr lang="fr-FR" dirty="0"/>
-          </a:p>
-          <a:p>
+            <a:pPr marL="0" indent="0">
+              <a:buNone/>
+            </a:pPr>
             <a:r>
               <a:rPr lang="fr-FR" dirty="0"/>
               <a:t>Conception et mise en place du modèle</a:t>
             </a:r>
           </a:p>
           <a:p>
+            <a:pPr marL="0" indent="0">
+              <a:buNone/>
+            </a:pPr>
             <a:endParaRPr lang="fr-FR" dirty="0"/>
           </a:p>
           <a:p>
+            <a:pPr marL="0" indent="0">
+              <a:buNone/>
+            </a:pPr>
             <a:endParaRPr lang="fr-FR" dirty="0"/>
           </a:p>
           <a:p>
+            <a:pPr marL="0" indent="0">
+              <a:buNone/>
+            </a:pPr>
             <a:endParaRPr lang="fr-FR" dirty="0"/>
           </a:p>
           <a:p>
-            <a:endParaRPr lang="fr-FR" dirty="0"/>
-          </a:p>
-          <a:p>
+            <a:pPr marL="0" indent="0">
+              <a:buNone/>
+            </a:pPr>
             <a:r>
               <a:rPr lang="fr-FR" dirty="0"/>
               <a:t>Développement du contenu, de la vue et de l’interface</a:t>
@@ -4608,7 +7906,7 @@
         </p:blipFill>
         <p:spPr>
           <a:xfrm>
-            <a:off x="7295226" y="1825625"/>
+            <a:off x="7444450" y="1825625"/>
             <a:ext cx="4058574" cy="2992035"/>
           </a:xfrm>
           <a:prstGeom prst="rect">
@@ -4616,6 +7914,118 @@
           </a:prstGeom>
         </p:spPr>
       </p:pic>
+      <p:sp>
+        <p:nvSpPr>
+          <p:cNvPr id="6" name="Titre 1">
+            <a:extLst>
+              <a:ext uri="{FF2B5EF4-FFF2-40B4-BE49-F238E27FC236}">
+                <a16:creationId xmlns:a16="http://schemas.microsoft.com/office/drawing/2014/main" id="{3F3AC37E-CCD5-4416-BB59-29ED34913AEA}"/>
+              </a:ext>
+            </a:extLst>
+          </p:cNvPr>
+          <p:cNvSpPr txBox="1">
+            <a:spLocks/>
+          </p:cNvSpPr>
+          <p:nvPr/>
+        </p:nvSpPr>
+        <p:spPr>
+          <a:xfrm>
+            <a:off x="1484311" y="685801"/>
+            <a:ext cx="10018713" cy="1129351"/>
+          </a:xfrm>
+          <a:prstGeom prst="rect">
+            <a:avLst/>
+          </a:prstGeom>
+          <a:effectLst/>
+        </p:spPr>
+        <p:txBody>
+          <a:bodyPr vert="horz" lIns="91440" tIns="45720" rIns="91440" bIns="45720" rtlCol="0" anchor="ctr">
+            <a:normAutofit/>
+          </a:bodyPr>
+          <a:lstStyle>
+            <a:lvl1pPr algn="ctr" defTabSz="457200" rtl="0" eaLnBrk="1" latinLnBrk="0" hangingPunct="1">
+              <a:spcBef>
+                <a:spcPct val="0"/>
+              </a:spcBef>
+              <a:buNone/>
+              <a:defRPr sz="4000" kern="1200" cap="none">
+                <a:ln w="3175" cmpd="sng">
+                  <a:noFill/>
+                </a:ln>
+                <a:solidFill>
+                  <a:schemeClr val="tx1"/>
+                </a:solidFill>
+                <a:effectLst/>
+                <a:latin typeface="+mj-lt"/>
+                <a:ea typeface="+mj-ea"/>
+                <a:cs typeface="+mj-cs"/>
+              </a:defRPr>
+            </a:lvl1pPr>
+            <a:lvl2pPr eaLnBrk="1" hangingPunct="1">
+              <a:defRPr>
+                <a:solidFill>
+                  <a:schemeClr val="tx2"/>
+                </a:solidFill>
+              </a:defRPr>
+            </a:lvl2pPr>
+            <a:lvl3pPr eaLnBrk="1" hangingPunct="1">
+              <a:defRPr>
+                <a:solidFill>
+                  <a:schemeClr val="tx2"/>
+                </a:solidFill>
+              </a:defRPr>
+            </a:lvl3pPr>
+            <a:lvl4pPr eaLnBrk="1" hangingPunct="1">
+              <a:defRPr>
+                <a:solidFill>
+                  <a:schemeClr val="tx2"/>
+                </a:solidFill>
+              </a:defRPr>
+            </a:lvl4pPr>
+            <a:lvl5pPr eaLnBrk="1" hangingPunct="1">
+              <a:defRPr>
+                <a:solidFill>
+                  <a:schemeClr val="tx2"/>
+                </a:solidFill>
+              </a:defRPr>
+            </a:lvl5pPr>
+            <a:lvl6pPr eaLnBrk="1" hangingPunct="1">
+              <a:defRPr>
+                <a:solidFill>
+                  <a:schemeClr val="tx2"/>
+                </a:solidFill>
+              </a:defRPr>
+            </a:lvl6pPr>
+            <a:lvl7pPr eaLnBrk="1" hangingPunct="1">
+              <a:defRPr>
+                <a:solidFill>
+                  <a:schemeClr val="tx2"/>
+                </a:solidFill>
+              </a:defRPr>
+            </a:lvl7pPr>
+            <a:lvl8pPr eaLnBrk="1" hangingPunct="1">
+              <a:defRPr>
+                <a:solidFill>
+                  <a:schemeClr val="tx2"/>
+                </a:solidFill>
+              </a:defRPr>
+            </a:lvl8pPr>
+            <a:lvl9pPr eaLnBrk="1" hangingPunct="1">
+              <a:defRPr>
+                <a:solidFill>
+                  <a:schemeClr val="tx2"/>
+                </a:solidFill>
+              </a:defRPr>
+            </a:lvl9pPr>
+          </a:lstStyle>
+          <a:p>
+            <a:r>
+              <a:rPr lang="fr-FR" dirty="0"/>
+              <a:t>Contexte technique organisationnelle</a:t>
+            </a:r>
+          </a:p>
+        </p:txBody>
+      </p:sp>
     </p:spTree>
     <p:extLst>
       <p:ext uri="{BB962C8B-B14F-4D97-AF65-F5344CB8AC3E}">
@@ -4681,7 +8091,9 @@
           </a:xfrm>
         </p:spPr>
         <p:txBody>
-          <a:bodyPr/>
+          <a:bodyPr>
+            <a:normAutofit fontScale="90000"/>
+          </a:bodyPr>
           <a:lstStyle/>
           <a:p>
             <a:r>
@@ -4724,35 +8136,6 @@
           <a:chExt cx="0" cy="0"/>
         </a:xfrm>
       </p:grpSpPr>
-      <p:sp>
-        <p:nvSpPr>
-          <p:cNvPr id="2" name="Titre 1">
-            <a:extLst>
-              <a:ext uri="{FF2B5EF4-FFF2-40B4-BE49-F238E27FC236}">
-                <a16:creationId xmlns:a16="http://schemas.microsoft.com/office/drawing/2014/main" id="{890211E6-3AA7-4B89-9C28-36E22A458E43}"/>
-              </a:ext>
-            </a:extLst>
-          </p:cNvPr>
-          <p:cNvSpPr>
-            <a:spLocks noGrp="1"/>
-          </p:cNvSpPr>
-          <p:nvPr>
-            <p:ph type="title"/>
-          </p:nvPr>
-        </p:nvSpPr>
-        <p:spPr/>
-        <p:txBody>
-          <a:bodyPr/>
-          <a:lstStyle/>
-          <a:p>
-            <a:pPr algn="ctr"/>
-            <a:r>
-              <a:rPr lang="fr-FR" dirty="0"/>
-              <a:t>Use Case</a:t>
-            </a:r>
-          </a:p>
-        </p:txBody>
-      </p:sp>
       <p:pic>
         <p:nvPicPr>
           <p:cNvPr id="4" name="Espace réservé du contenu 5">
@@ -4783,7 +8166,7 @@
         </p:blipFill>
         <p:spPr>
           <a:xfrm>
-            <a:off x="2714165" y="1690688"/>
+            <a:off x="3111832" y="1815152"/>
             <a:ext cx="6763670" cy="4300679"/>
           </a:xfrm>
           <a:prstGeom prst="rect">
@@ -4791,6 +8174,118 @@
           </a:prstGeom>
         </p:spPr>
       </p:pic>
+      <p:sp>
+        <p:nvSpPr>
+          <p:cNvPr id="5" name="Titre 1">
+            <a:extLst>
+              <a:ext uri="{FF2B5EF4-FFF2-40B4-BE49-F238E27FC236}">
+                <a16:creationId xmlns:a16="http://schemas.microsoft.com/office/drawing/2014/main" id="{42C33A11-04D4-4B2D-862E-0CB061D35CB0}"/>
+              </a:ext>
+            </a:extLst>
+          </p:cNvPr>
+          <p:cNvSpPr txBox="1">
+            <a:spLocks/>
+          </p:cNvSpPr>
+          <p:nvPr/>
+        </p:nvSpPr>
+        <p:spPr>
+          <a:xfrm>
+            <a:off x="1484311" y="685801"/>
+            <a:ext cx="10018713" cy="1129351"/>
+          </a:xfrm>
+          <a:prstGeom prst="rect">
+            <a:avLst/>
+          </a:prstGeom>
+          <a:effectLst/>
+        </p:spPr>
+        <p:txBody>
+          <a:bodyPr vert="horz" lIns="91440" tIns="45720" rIns="91440" bIns="45720" rtlCol="0" anchor="ctr">
+            <a:normAutofit/>
+          </a:bodyPr>
+          <a:lstStyle>
+            <a:lvl1pPr algn="ctr" defTabSz="457200" rtl="0" eaLnBrk="1" latinLnBrk="0" hangingPunct="1">
+              <a:spcBef>
+                <a:spcPct val="0"/>
+              </a:spcBef>
+              <a:buNone/>
+              <a:defRPr sz="4000" kern="1200" cap="none">
+                <a:ln w="3175" cmpd="sng">
+                  <a:noFill/>
+                </a:ln>
+                <a:solidFill>
+                  <a:schemeClr val="tx1"/>
+                </a:solidFill>
+                <a:effectLst/>
+                <a:latin typeface="+mj-lt"/>
+                <a:ea typeface="+mj-ea"/>
+                <a:cs typeface="+mj-cs"/>
+              </a:defRPr>
+            </a:lvl1pPr>
+            <a:lvl2pPr eaLnBrk="1" hangingPunct="1">
+              <a:defRPr>
+                <a:solidFill>
+                  <a:schemeClr val="tx2"/>
+                </a:solidFill>
+              </a:defRPr>
+            </a:lvl2pPr>
+            <a:lvl3pPr eaLnBrk="1" hangingPunct="1">
+              <a:defRPr>
+                <a:solidFill>
+                  <a:schemeClr val="tx2"/>
+                </a:solidFill>
+              </a:defRPr>
+            </a:lvl3pPr>
+            <a:lvl4pPr eaLnBrk="1" hangingPunct="1">
+              <a:defRPr>
+                <a:solidFill>
+                  <a:schemeClr val="tx2"/>
+                </a:solidFill>
+              </a:defRPr>
+            </a:lvl4pPr>
+            <a:lvl5pPr eaLnBrk="1" hangingPunct="1">
+              <a:defRPr>
+                <a:solidFill>
+                  <a:schemeClr val="tx2"/>
+                </a:solidFill>
+              </a:defRPr>
+            </a:lvl5pPr>
+            <a:lvl6pPr eaLnBrk="1" hangingPunct="1">
+              <a:defRPr>
+                <a:solidFill>
+                  <a:schemeClr val="tx2"/>
+                </a:solidFill>
+              </a:defRPr>
+            </a:lvl6pPr>
+            <a:lvl7pPr eaLnBrk="1" hangingPunct="1">
+              <a:defRPr>
+                <a:solidFill>
+                  <a:schemeClr val="tx2"/>
+                </a:solidFill>
+              </a:defRPr>
+            </a:lvl7pPr>
+            <a:lvl8pPr eaLnBrk="1" hangingPunct="1">
+              <a:defRPr>
+                <a:solidFill>
+                  <a:schemeClr val="tx2"/>
+                </a:solidFill>
+              </a:defRPr>
+            </a:lvl8pPr>
+            <a:lvl9pPr eaLnBrk="1" hangingPunct="1">
+              <a:defRPr>
+                <a:solidFill>
+                  <a:schemeClr val="tx2"/>
+                </a:solidFill>
+              </a:defRPr>
+            </a:lvl9pPr>
+          </a:lstStyle>
+          <a:p>
+            <a:r>
+              <a:rPr lang="fr-FR" dirty="0"/>
+              <a:t>Use Case</a:t>
+            </a:r>
+          </a:p>
+        </p:txBody>
+      </p:sp>
     </p:spTree>
     <p:extLst>
       <p:ext uri="{BB962C8B-B14F-4D97-AF65-F5344CB8AC3E}">
@@ -4824,35 +8319,6 @@
           <a:chExt cx="0" cy="0"/>
         </a:xfrm>
       </p:grpSpPr>
-      <p:sp>
-        <p:nvSpPr>
-          <p:cNvPr id="2" name="Titre 1">
-            <a:extLst>
-              <a:ext uri="{FF2B5EF4-FFF2-40B4-BE49-F238E27FC236}">
-                <a16:creationId xmlns:a16="http://schemas.microsoft.com/office/drawing/2014/main" id="{679CA3D3-38E2-473C-BBC9-A1908814D5E7}"/>
-              </a:ext>
-            </a:extLst>
-          </p:cNvPr>
-          <p:cNvSpPr>
-            <a:spLocks noGrp="1"/>
-          </p:cNvSpPr>
-          <p:nvPr>
-            <p:ph type="title"/>
-          </p:nvPr>
-        </p:nvSpPr>
-        <p:spPr/>
-        <p:txBody>
-          <a:bodyPr/>
-          <a:lstStyle/>
-          <a:p>
-            <a:pPr algn="ctr"/>
-            <a:r>
-              <a:rPr lang="fr-FR" dirty="0"/>
-              <a:t>MCD</a:t>
-            </a:r>
-          </a:p>
-        </p:txBody>
-      </p:sp>
       <p:pic>
         <p:nvPicPr>
           <p:cNvPr id="4" name="Espace réservé du contenu 3">
@@ -4883,7 +8349,7 @@
         </p:blipFill>
         <p:spPr>
           <a:xfrm>
-            <a:off x="2028257" y="1690688"/>
+            <a:off x="2425924" y="1815152"/>
             <a:ext cx="8135485" cy="4039164"/>
           </a:xfrm>
           <a:prstGeom prst="rect">
@@ -4891,6 +8357,118 @@
           </a:prstGeom>
         </p:spPr>
       </p:pic>
+      <p:sp>
+        <p:nvSpPr>
+          <p:cNvPr id="5" name="Titre 1">
+            <a:extLst>
+              <a:ext uri="{FF2B5EF4-FFF2-40B4-BE49-F238E27FC236}">
+                <a16:creationId xmlns:a16="http://schemas.microsoft.com/office/drawing/2014/main" id="{B82E1A72-E581-4525-B774-5C92524CC60A}"/>
+              </a:ext>
+            </a:extLst>
+          </p:cNvPr>
+          <p:cNvSpPr txBox="1">
+            <a:spLocks/>
+          </p:cNvSpPr>
+          <p:nvPr/>
+        </p:nvSpPr>
+        <p:spPr>
+          <a:xfrm>
+            <a:off x="1484311" y="685801"/>
+            <a:ext cx="10018713" cy="1129351"/>
+          </a:xfrm>
+          <a:prstGeom prst="rect">
+            <a:avLst/>
+          </a:prstGeom>
+          <a:effectLst/>
+        </p:spPr>
+        <p:txBody>
+          <a:bodyPr vert="horz" lIns="91440" tIns="45720" rIns="91440" bIns="45720" rtlCol="0" anchor="ctr">
+            <a:normAutofit/>
+          </a:bodyPr>
+          <a:lstStyle>
+            <a:lvl1pPr algn="ctr" defTabSz="457200" rtl="0" eaLnBrk="1" latinLnBrk="0" hangingPunct="1">
+              <a:spcBef>
+                <a:spcPct val="0"/>
+              </a:spcBef>
+              <a:buNone/>
+              <a:defRPr sz="4000" kern="1200" cap="none">
+                <a:ln w="3175" cmpd="sng">
+                  <a:noFill/>
+                </a:ln>
+                <a:solidFill>
+                  <a:schemeClr val="tx1"/>
+                </a:solidFill>
+                <a:effectLst/>
+                <a:latin typeface="+mj-lt"/>
+                <a:ea typeface="+mj-ea"/>
+                <a:cs typeface="+mj-cs"/>
+              </a:defRPr>
+            </a:lvl1pPr>
+            <a:lvl2pPr eaLnBrk="1" hangingPunct="1">
+              <a:defRPr>
+                <a:solidFill>
+                  <a:schemeClr val="tx2"/>
+                </a:solidFill>
+              </a:defRPr>
+            </a:lvl2pPr>
+            <a:lvl3pPr eaLnBrk="1" hangingPunct="1">
+              <a:defRPr>
+                <a:solidFill>
+                  <a:schemeClr val="tx2"/>
+                </a:solidFill>
+              </a:defRPr>
+            </a:lvl3pPr>
+            <a:lvl4pPr eaLnBrk="1" hangingPunct="1">
+              <a:defRPr>
+                <a:solidFill>
+                  <a:schemeClr val="tx2"/>
+                </a:solidFill>
+              </a:defRPr>
+            </a:lvl4pPr>
+            <a:lvl5pPr eaLnBrk="1" hangingPunct="1">
+              <a:defRPr>
+                <a:solidFill>
+                  <a:schemeClr val="tx2"/>
+                </a:solidFill>
+              </a:defRPr>
+            </a:lvl5pPr>
+            <a:lvl6pPr eaLnBrk="1" hangingPunct="1">
+              <a:defRPr>
+                <a:solidFill>
+                  <a:schemeClr val="tx2"/>
+                </a:solidFill>
+              </a:defRPr>
+            </a:lvl6pPr>
+            <a:lvl7pPr eaLnBrk="1" hangingPunct="1">
+              <a:defRPr>
+                <a:solidFill>
+                  <a:schemeClr val="tx2"/>
+                </a:solidFill>
+              </a:defRPr>
+            </a:lvl7pPr>
+            <a:lvl8pPr eaLnBrk="1" hangingPunct="1">
+              <a:defRPr>
+                <a:solidFill>
+                  <a:schemeClr val="tx2"/>
+                </a:solidFill>
+              </a:defRPr>
+            </a:lvl8pPr>
+            <a:lvl9pPr eaLnBrk="1" hangingPunct="1">
+              <a:defRPr>
+                <a:solidFill>
+                  <a:schemeClr val="tx2"/>
+                </a:solidFill>
+              </a:defRPr>
+            </a:lvl9pPr>
+          </a:lstStyle>
+          <a:p>
+            <a:r>
+              <a:rPr lang="fr-FR" dirty="0"/>
+              <a:t>MCD</a:t>
+            </a:r>
+          </a:p>
+        </p:txBody>
+      </p:sp>
     </p:spTree>
     <p:extLst>
       <p:ext uri="{BB962C8B-B14F-4D97-AF65-F5344CB8AC3E}">
@@ -4924,35 +8502,6 @@
           <a:chExt cx="0" cy="0"/>
         </a:xfrm>
       </p:grpSpPr>
-      <p:sp>
-        <p:nvSpPr>
-          <p:cNvPr id="2" name="Titre 1">
-            <a:extLst>
-              <a:ext uri="{FF2B5EF4-FFF2-40B4-BE49-F238E27FC236}">
-                <a16:creationId xmlns:a16="http://schemas.microsoft.com/office/drawing/2014/main" id="{1FC61E82-F0CC-4C18-9D11-158843E970F2}"/>
-              </a:ext>
-            </a:extLst>
-          </p:cNvPr>
-          <p:cNvSpPr>
-            <a:spLocks noGrp="1"/>
-          </p:cNvSpPr>
-          <p:nvPr>
-            <p:ph type="title"/>
-          </p:nvPr>
-        </p:nvSpPr>
-        <p:spPr/>
-        <p:txBody>
-          <a:bodyPr/>
-          <a:lstStyle/>
-          <a:p>
-            <a:pPr algn="ctr"/>
-            <a:r>
-              <a:rPr lang="fr-FR" dirty="0"/>
-              <a:t>MLD</a:t>
-            </a:r>
-          </a:p>
-        </p:txBody>
-      </p:sp>
       <p:pic>
         <p:nvPicPr>
           <p:cNvPr id="4" name="Espace réservé du contenu 3">
@@ -4983,7 +8532,7 @@
         </p:blipFill>
         <p:spPr>
           <a:xfrm>
-            <a:off x="2129155" y="1690688"/>
+            <a:off x="2526822" y="1815152"/>
             <a:ext cx="7933689" cy="4351338"/>
           </a:xfrm>
           <a:prstGeom prst="rect">
@@ -4991,6 +8540,118 @@
           </a:prstGeom>
         </p:spPr>
       </p:pic>
+      <p:sp>
+        <p:nvSpPr>
+          <p:cNvPr id="5" name="Titre 1">
+            <a:extLst>
+              <a:ext uri="{FF2B5EF4-FFF2-40B4-BE49-F238E27FC236}">
+                <a16:creationId xmlns:a16="http://schemas.microsoft.com/office/drawing/2014/main" id="{DFB9DC6B-808F-4ADE-863B-7879D8EAF3A8}"/>
+              </a:ext>
+            </a:extLst>
+          </p:cNvPr>
+          <p:cNvSpPr txBox="1">
+            <a:spLocks/>
+          </p:cNvSpPr>
+          <p:nvPr/>
+        </p:nvSpPr>
+        <p:spPr>
+          <a:xfrm>
+            <a:off x="1484311" y="685801"/>
+            <a:ext cx="10018713" cy="1129351"/>
+          </a:xfrm>
+          <a:prstGeom prst="rect">
+            <a:avLst/>
+          </a:prstGeom>
+          <a:effectLst/>
+        </p:spPr>
+        <p:txBody>
+          <a:bodyPr vert="horz" lIns="91440" tIns="45720" rIns="91440" bIns="45720" rtlCol="0" anchor="ctr">
+            <a:normAutofit/>
+          </a:bodyPr>
+          <a:lstStyle>
+            <a:lvl1pPr algn="ctr" defTabSz="457200" rtl="0" eaLnBrk="1" latinLnBrk="0" hangingPunct="1">
+              <a:spcBef>
+                <a:spcPct val="0"/>
+              </a:spcBef>
+              <a:buNone/>
+              <a:defRPr sz="4000" kern="1200" cap="none">
+                <a:ln w="3175" cmpd="sng">
+                  <a:noFill/>
+                </a:ln>
+                <a:solidFill>
+                  <a:schemeClr val="tx1"/>
+                </a:solidFill>
+                <a:effectLst/>
+                <a:latin typeface="+mj-lt"/>
+                <a:ea typeface="+mj-ea"/>
+                <a:cs typeface="+mj-cs"/>
+              </a:defRPr>
+            </a:lvl1pPr>
+            <a:lvl2pPr eaLnBrk="1" hangingPunct="1">
+              <a:defRPr>
+                <a:solidFill>
+                  <a:schemeClr val="tx2"/>
+                </a:solidFill>
+              </a:defRPr>
+            </a:lvl2pPr>
+            <a:lvl3pPr eaLnBrk="1" hangingPunct="1">
+              <a:defRPr>
+                <a:solidFill>
+                  <a:schemeClr val="tx2"/>
+                </a:solidFill>
+              </a:defRPr>
+            </a:lvl3pPr>
+            <a:lvl4pPr eaLnBrk="1" hangingPunct="1">
+              <a:defRPr>
+                <a:solidFill>
+                  <a:schemeClr val="tx2"/>
+                </a:solidFill>
+              </a:defRPr>
+            </a:lvl4pPr>
+            <a:lvl5pPr eaLnBrk="1" hangingPunct="1">
+              <a:defRPr>
+                <a:solidFill>
+                  <a:schemeClr val="tx2"/>
+                </a:solidFill>
+              </a:defRPr>
+            </a:lvl5pPr>
+            <a:lvl6pPr eaLnBrk="1" hangingPunct="1">
+              <a:defRPr>
+                <a:solidFill>
+                  <a:schemeClr val="tx2"/>
+                </a:solidFill>
+              </a:defRPr>
+            </a:lvl6pPr>
+            <a:lvl7pPr eaLnBrk="1" hangingPunct="1">
+              <a:defRPr>
+                <a:solidFill>
+                  <a:schemeClr val="tx2"/>
+                </a:solidFill>
+              </a:defRPr>
+            </a:lvl7pPr>
+            <a:lvl8pPr eaLnBrk="1" hangingPunct="1">
+              <a:defRPr>
+                <a:solidFill>
+                  <a:schemeClr val="tx2"/>
+                </a:solidFill>
+              </a:defRPr>
+            </a:lvl8pPr>
+            <a:lvl9pPr eaLnBrk="1" hangingPunct="1">
+              <a:defRPr>
+                <a:solidFill>
+                  <a:schemeClr val="tx2"/>
+                </a:solidFill>
+              </a:defRPr>
+            </a:lvl9pPr>
+          </a:lstStyle>
+          <a:p>
+            <a:r>
+              <a:rPr lang="fr-FR" dirty="0"/>
+              <a:t>MLD</a:t>
+            </a:r>
+          </a:p>
+        </p:txBody>
+      </p:sp>
     </p:spTree>
     <p:extLst>
       <p:ext uri="{BB962C8B-B14F-4D97-AF65-F5344CB8AC3E}">
@@ -5040,7 +8701,12 @@
             <p:ph type="title"/>
           </p:nvPr>
         </p:nvSpPr>
-        <p:spPr/>
+        <p:spPr>
+          <a:xfrm>
+            <a:off x="1484311" y="685801"/>
+            <a:ext cx="10018713" cy="1129351"/>
+          </a:xfrm>
+        </p:spPr>
         <p:txBody>
           <a:bodyPr/>
           <a:lstStyle/>
@@ -5069,10 +8735,15 @@
             <p:ph idx="1"/>
           </p:nvPr>
         </p:nvSpPr>
-        <p:spPr/>
+        <p:spPr>
+          <a:xfrm>
+            <a:off x="1484310" y="1815153"/>
+            <a:ext cx="10018713" cy="4408226"/>
+          </a:xfrm>
+        </p:spPr>
         <p:txBody>
           <a:bodyPr>
-            <a:normAutofit lnSpcReduction="10000"/>
+            <a:normAutofit fontScale="85000" lnSpcReduction="20000"/>
           </a:bodyPr>
           <a:lstStyle/>
           <a:p>
@@ -5297,35 +8968,6 @@
       </p:grpSpPr>
       <p:sp>
         <p:nvSpPr>
-          <p:cNvPr id="2" name="Titre 1">
-            <a:extLst>
-              <a:ext uri="{FF2B5EF4-FFF2-40B4-BE49-F238E27FC236}">
-                <a16:creationId xmlns:a16="http://schemas.microsoft.com/office/drawing/2014/main" id="{9C813306-BCA4-414E-AF0B-5A8F77AC7987}"/>
-              </a:ext>
-            </a:extLst>
-          </p:cNvPr>
-          <p:cNvSpPr>
-            <a:spLocks noGrp="1"/>
-          </p:cNvSpPr>
-          <p:nvPr>
-            <p:ph type="title"/>
-          </p:nvPr>
-        </p:nvSpPr>
-        <p:spPr/>
-        <p:txBody>
-          <a:bodyPr/>
-          <a:lstStyle/>
-          <a:p>
-            <a:pPr algn="ctr"/>
-            <a:r>
-              <a:rPr lang="fr-FR" dirty="0"/>
-              <a:t>Présentation</a:t>
-            </a:r>
-          </a:p>
-        </p:txBody>
-      </p:sp>
-      <p:sp>
-        <p:nvSpPr>
           <p:cNvPr id="3" name="Espace réservé du contenu 2">
             <a:extLst>
               <a:ext uri="{FF2B5EF4-FFF2-40B4-BE49-F238E27FC236}">
@@ -5342,7 +8984,7 @@
         </p:nvSpPr>
         <p:spPr>
           <a:xfrm>
-            <a:off x="838200" y="1811977"/>
+            <a:off x="838200" y="1815152"/>
             <a:ext cx="10515600" cy="4351338"/>
           </a:xfrm>
         </p:spPr>
@@ -5356,9 +8998,12 @@
             <a:endParaRPr lang="fr-FR" dirty="0"/>
           </a:p>
           <a:p>
+            <a:pPr marL="0" indent="0">
+              <a:buNone/>
+            </a:pPr>
             <a:r>
               <a:rPr lang="fr-FR" dirty="0"/>
-              <a:t>SCPI</a:t>
+              <a:t>	SCPI</a:t>
             </a:r>
           </a:p>
           <a:p>
@@ -5368,10 +9013,12 @@
             <a:endParaRPr lang="fr-FR" dirty="0"/>
           </a:p>
           <a:p>
-            <a:pPr lvl="1"/>
+            <a:pPr marL="457200" lvl="1" indent="0">
+              <a:buNone/>
+            </a:pPr>
             <a:r>
               <a:rPr lang="fr-FR" dirty="0"/>
-              <a:t>rendement </a:t>
+              <a:t>	rendement </a:t>
             </a:r>
           </a:p>
           <a:p>
@@ -5381,10 +9028,12 @@
             <a:endParaRPr lang="fr-FR" dirty="0"/>
           </a:p>
           <a:p>
-            <a:pPr lvl="1"/>
+            <a:pPr marL="457200" lvl="1" indent="0">
+              <a:buNone/>
+            </a:pPr>
             <a:r>
               <a:rPr lang="fr-FR" dirty="0"/>
-              <a:t>plus-value</a:t>
+              <a:t>	plus-value</a:t>
             </a:r>
           </a:p>
           <a:p>
@@ -5394,10 +9043,12 @@
             <a:endParaRPr lang="fr-FR" dirty="0"/>
           </a:p>
           <a:p>
-            <a:pPr lvl="1"/>
+            <a:pPr marL="457200" lvl="1" indent="0">
+              <a:buNone/>
+            </a:pPr>
             <a:r>
               <a:rPr lang="fr-FR" dirty="0"/>
-              <a:t>fiscales</a:t>
+              <a:t>	fiscales</a:t>
             </a:r>
           </a:p>
         </p:txBody>
@@ -5430,7 +9081,7 @@
         </p:blipFill>
         <p:spPr>
           <a:xfrm>
-            <a:off x="5072160" y="1690688"/>
+            <a:off x="5072160" y="1815152"/>
             <a:ext cx="6281640" cy="3348114"/>
           </a:xfrm>
           <a:prstGeom prst="rect">
@@ -5438,6 +9089,118 @@
           </a:prstGeom>
         </p:spPr>
       </p:pic>
+      <p:sp>
+        <p:nvSpPr>
+          <p:cNvPr id="6" name="Titre 1">
+            <a:extLst>
+              <a:ext uri="{FF2B5EF4-FFF2-40B4-BE49-F238E27FC236}">
+                <a16:creationId xmlns:a16="http://schemas.microsoft.com/office/drawing/2014/main" id="{C0477919-5B4B-4D37-B1F1-2C1A26649CA4}"/>
+              </a:ext>
+            </a:extLst>
+          </p:cNvPr>
+          <p:cNvSpPr txBox="1">
+            <a:spLocks/>
+          </p:cNvSpPr>
+          <p:nvPr/>
+        </p:nvSpPr>
+        <p:spPr>
+          <a:xfrm>
+            <a:off x="1484311" y="685801"/>
+            <a:ext cx="10018713" cy="1129351"/>
+          </a:xfrm>
+          <a:prstGeom prst="rect">
+            <a:avLst/>
+          </a:prstGeom>
+          <a:effectLst/>
+        </p:spPr>
+        <p:txBody>
+          <a:bodyPr vert="horz" lIns="91440" tIns="45720" rIns="91440" bIns="45720" rtlCol="0" anchor="ctr">
+            <a:normAutofit/>
+          </a:bodyPr>
+          <a:lstStyle>
+            <a:lvl1pPr algn="ctr" defTabSz="457200" rtl="0" eaLnBrk="1" latinLnBrk="0" hangingPunct="1">
+              <a:spcBef>
+                <a:spcPct val="0"/>
+              </a:spcBef>
+              <a:buNone/>
+              <a:defRPr sz="4000" kern="1200" cap="none">
+                <a:ln w="3175" cmpd="sng">
+                  <a:noFill/>
+                </a:ln>
+                <a:solidFill>
+                  <a:schemeClr val="tx1"/>
+                </a:solidFill>
+                <a:effectLst/>
+                <a:latin typeface="+mj-lt"/>
+                <a:ea typeface="+mj-ea"/>
+                <a:cs typeface="+mj-cs"/>
+              </a:defRPr>
+            </a:lvl1pPr>
+            <a:lvl2pPr eaLnBrk="1" hangingPunct="1">
+              <a:defRPr>
+                <a:solidFill>
+                  <a:schemeClr val="tx2"/>
+                </a:solidFill>
+              </a:defRPr>
+            </a:lvl2pPr>
+            <a:lvl3pPr eaLnBrk="1" hangingPunct="1">
+              <a:defRPr>
+                <a:solidFill>
+                  <a:schemeClr val="tx2"/>
+                </a:solidFill>
+              </a:defRPr>
+            </a:lvl3pPr>
+            <a:lvl4pPr eaLnBrk="1" hangingPunct="1">
+              <a:defRPr>
+                <a:solidFill>
+                  <a:schemeClr val="tx2"/>
+                </a:solidFill>
+              </a:defRPr>
+            </a:lvl4pPr>
+            <a:lvl5pPr eaLnBrk="1" hangingPunct="1">
+              <a:defRPr>
+                <a:solidFill>
+                  <a:schemeClr val="tx2"/>
+                </a:solidFill>
+              </a:defRPr>
+            </a:lvl5pPr>
+            <a:lvl6pPr eaLnBrk="1" hangingPunct="1">
+              <a:defRPr>
+                <a:solidFill>
+                  <a:schemeClr val="tx2"/>
+                </a:solidFill>
+              </a:defRPr>
+            </a:lvl6pPr>
+            <a:lvl7pPr eaLnBrk="1" hangingPunct="1">
+              <a:defRPr>
+                <a:solidFill>
+                  <a:schemeClr val="tx2"/>
+                </a:solidFill>
+              </a:defRPr>
+            </a:lvl7pPr>
+            <a:lvl8pPr eaLnBrk="1" hangingPunct="1">
+              <a:defRPr>
+                <a:solidFill>
+                  <a:schemeClr val="tx2"/>
+                </a:solidFill>
+              </a:defRPr>
+            </a:lvl8pPr>
+            <a:lvl9pPr eaLnBrk="1" hangingPunct="1">
+              <a:defRPr>
+                <a:solidFill>
+                  <a:schemeClr val="tx2"/>
+                </a:solidFill>
+              </a:defRPr>
+            </a:lvl9pPr>
+          </a:lstStyle>
+          <a:p>
+            <a:r>
+              <a:rPr lang="fr-FR" dirty="0"/>
+              <a:t>Présentation</a:t>
+            </a:r>
+          </a:p>
+        </p:txBody>
+      </p:sp>
     </p:spTree>
     <p:extLst>
       <p:ext uri="{BB962C8B-B14F-4D97-AF65-F5344CB8AC3E}">
@@ -5473,35 +9236,6 @@
       </p:grpSpPr>
       <p:sp>
         <p:nvSpPr>
-          <p:cNvPr id="2" name="Titre 1">
-            <a:extLst>
-              <a:ext uri="{FF2B5EF4-FFF2-40B4-BE49-F238E27FC236}">
-                <a16:creationId xmlns:a16="http://schemas.microsoft.com/office/drawing/2014/main" id="{BAA7E62F-603C-44A4-82FA-757C2883B20A}"/>
-              </a:ext>
-            </a:extLst>
-          </p:cNvPr>
-          <p:cNvSpPr>
-            <a:spLocks noGrp="1"/>
-          </p:cNvSpPr>
-          <p:nvPr>
-            <p:ph type="title"/>
-          </p:nvPr>
-        </p:nvSpPr>
-        <p:spPr/>
-        <p:txBody>
-          <a:bodyPr/>
-          <a:lstStyle/>
-          <a:p>
-            <a:pPr algn="ctr"/>
-            <a:r>
-              <a:rPr lang="fr-FR" dirty="0"/>
-              <a:t>Contexte</a:t>
-            </a:r>
-          </a:p>
-        </p:txBody>
-      </p:sp>
-      <p:sp>
-        <p:nvSpPr>
           <p:cNvPr id="3" name="Espace réservé du contenu 2">
             <a:extLst>
               <a:ext uri="{FF2B5EF4-FFF2-40B4-BE49-F238E27FC236}">
@@ -5518,7 +9252,7 @@
         </p:nvSpPr>
         <p:spPr>
           <a:xfrm>
-            <a:off x="838200" y="1907510"/>
+            <a:off x="987424" y="1815152"/>
             <a:ext cx="10515600" cy="4351338"/>
           </a:xfrm>
         </p:spPr>
@@ -5526,30 +9260,42 @@
           <a:bodyPr/>
           <a:lstStyle/>
           <a:p>
+            <a:pPr marL="0" indent="0">
+              <a:buNone/>
+            </a:pPr>
+            <a:r>
+              <a:rPr lang="fr-FR" dirty="0"/>
+              <a:t>	Projet IT</a:t>
+            </a:r>
+          </a:p>
+          <a:p>
+            <a:pPr marL="0" indent="0">
+              <a:buNone/>
+            </a:pPr>
             <a:endParaRPr lang="fr-FR" dirty="0"/>
           </a:p>
           <a:p>
+            <a:pPr marL="0" indent="0">
+              <a:buNone/>
+            </a:pPr>
             <a:r>
               <a:rPr lang="fr-FR" dirty="0"/>
-              <a:t>Projet IT</a:t>
-            </a:r>
-          </a:p>
-          <a:p>
+              <a:t>	Echanges de parts</a:t>
+            </a:r>
+          </a:p>
+          <a:p>
+            <a:pPr marL="0" indent="0">
+              <a:buNone/>
+            </a:pPr>
             <a:endParaRPr lang="fr-FR" dirty="0"/>
           </a:p>
           <a:p>
+            <a:pPr marL="0" indent="0">
+              <a:buNone/>
+            </a:pPr>
             <a:r>
               <a:rPr lang="fr-FR" dirty="0"/>
-              <a:t>Echanges de parts</a:t>
-            </a:r>
-          </a:p>
-          <a:p>
-            <a:endParaRPr lang="fr-FR" dirty="0"/>
-          </a:p>
-          <a:p>
-            <a:r>
-              <a:rPr lang="fr-FR" dirty="0"/>
-              <a:t>Manque de visibilité</a:t>
+              <a:t>	Manque de visibilité</a:t>
             </a:r>
           </a:p>
         </p:txBody>
@@ -5582,7 +9328,7 @@
         </p:blipFill>
         <p:spPr>
           <a:xfrm>
-            <a:off x="4760368" y="2371369"/>
+            <a:off x="4937789" y="2371369"/>
             <a:ext cx="5810250" cy="2333625"/>
           </a:xfrm>
           <a:prstGeom prst="rect">
@@ -5590,6 +9336,118 @@
           </a:prstGeom>
         </p:spPr>
       </p:pic>
+      <p:sp>
+        <p:nvSpPr>
+          <p:cNvPr id="6" name="Titre 1">
+            <a:extLst>
+              <a:ext uri="{FF2B5EF4-FFF2-40B4-BE49-F238E27FC236}">
+                <a16:creationId xmlns:a16="http://schemas.microsoft.com/office/drawing/2014/main" id="{C6FB8CC5-47BA-4010-A195-15CE9117437C}"/>
+              </a:ext>
+            </a:extLst>
+          </p:cNvPr>
+          <p:cNvSpPr txBox="1">
+            <a:spLocks/>
+          </p:cNvSpPr>
+          <p:nvPr/>
+        </p:nvSpPr>
+        <p:spPr>
+          <a:xfrm>
+            <a:off x="1484311" y="685801"/>
+            <a:ext cx="10018713" cy="1129351"/>
+          </a:xfrm>
+          <a:prstGeom prst="rect">
+            <a:avLst/>
+          </a:prstGeom>
+          <a:effectLst/>
+        </p:spPr>
+        <p:txBody>
+          <a:bodyPr vert="horz" lIns="91440" tIns="45720" rIns="91440" bIns="45720" rtlCol="0" anchor="ctr">
+            <a:normAutofit/>
+          </a:bodyPr>
+          <a:lstStyle>
+            <a:lvl1pPr algn="ctr" defTabSz="457200" rtl="0" eaLnBrk="1" latinLnBrk="0" hangingPunct="1">
+              <a:spcBef>
+                <a:spcPct val="0"/>
+              </a:spcBef>
+              <a:buNone/>
+              <a:defRPr sz="4000" kern="1200" cap="none">
+                <a:ln w="3175" cmpd="sng">
+                  <a:noFill/>
+                </a:ln>
+                <a:solidFill>
+                  <a:schemeClr val="tx1"/>
+                </a:solidFill>
+                <a:effectLst/>
+                <a:latin typeface="+mj-lt"/>
+                <a:ea typeface="+mj-ea"/>
+                <a:cs typeface="+mj-cs"/>
+              </a:defRPr>
+            </a:lvl1pPr>
+            <a:lvl2pPr eaLnBrk="1" hangingPunct="1">
+              <a:defRPr>
+                <a:solidFill>
+                  <a:schemeClr val="tx2"/>
+                </a:solidFill>
+              </a:defRPr>
+            </a:lvl2pPr>
+            <a:lvl3pPr eaLnBrk="1" hangingPunct="1">
+              <a:defRPr>
+                <a:solidFill>
+                  <a:schemeClr val="tx2"/>
+                </a:solidFill>
+              </a:defRPr>
+            </a:lvl3pPr>
+            <a:lvl4pPr eaLnBrk="1" hangingPunct="1">
+              <a:defRPr>
+                <a:solidFill>
+                  <a:schemeClr val="tx2"/>
+                </a:solidFill>
+              </a:defRPr>
+            </a:lvl4pPr>
+            <a:lvl5pPr eaLnBrk="1" hangingPunct="1">
+              <a:defRPr>
+                <a:solidFill>
+                  <a:schemeClr val="tx2"/>
+                </a:solidFill>
+              </a:defRPr>
+            </a:lvl5pPr>
+            <a:lvl6pPr eaLnBrk="1" hangingPunct="1">
+              <a:defRPr>
+                <a:solidFill>
+                  <a:schemeClr val="tx2"/>
+                </a:solidFill>
+              </a:defRPr>
+            </a:lvl6pPr>
+            <a:lvl7pPr eaLnBrk="1" hangingPunct="1">
+              <a:defRPr>
+                <a:solidFill>
+                  <a:schemeClr val="tx2"/>
+                </a:solidFill>
+              </a:defRPr>
+            </a:lvl7pPr>
+            <a:lvl8pPr eaLnBrk="1" hangingPunct="1">
+              <a:defRPr>
+                <a:solidFill>
+                  <a:schemeClr val="tx2"/>
+                </a:solidFill>
+              </a:defRPr>
+            </a:lvl8pPr>
+            <a:lvl9pPr eaLnBrk="1" hangingPunct="1">
+              <a:defRPr>
+                <a:solidFill>
+                  <a:schemeClr val="tx2"/>
+                </a:solidFill>
+              </a:defRPr>
+            </a:lvl9pPr>
+          </a:lstStyle>
+          <a:p>
+            <a:r>
+              <a:rPr lang="fr-FR" dirty="0"/>
+              <a:t>Contexte</a:t>
+            </a:r>
+          </a:p>
+        </p:txBody>
+      </p:sp>
     </p:spTree>
     <p:extLst>
       <p:ext uri="{BB962C8B-B14F-4D97-AF65-F5344CB8AC3E}">
@@ -5625,35 +9483,6 @@
       </p:grpSpPr>
       <p:sp>
         <p:nvSpPr>
-          <p:cNvPr id="2" name="Titre 1">
-            <a:extLst>
-              <a:ext uri="{FF2B5EF4-FFF2-40B4-BE49-F238E27FC236}">
-                <a16:creationId xmlns:a16="http://schemas.microsoft.com/office/drawing/2014/main" id="{C9A6FACC-7C52-4FD1-B740-85DC7AB18F25}"/>
-              </a:ext>
-            </a:extLst>
-          </p:cNvPr>
-          <p:cNvSpPr>
-            <a:spLocks noGrp="1"/>
-          </p:cNvSpPr>
-          <p:nvPr>
-            <p:ph type="title"/>
-          </p:nvPr>
-        </p:nvSpPr>
-        <p:spPr/>
-        <p:txBody>
-          <a:bodyPr/>
-          <a:lstStyle/>
-          <a:p>
-            <a:pPr algn="ctr"/>
-            <a:r>
-              <a:rPr lang="fr-FR" dirty="0"/>
-              <a:t>Cibles</a:t>
-            </a:r>
-          </a:p>
-        </p:txBody>
-      </p:sp>
-      <p:sp>
-        <p:nvSpPr>
           <p:cNvPr id="3" name="Espace réservé du contenu 2">
             <a:extLst>
               <a:ext uri="{FF2B5EF4-FFF2-40B4-BE49-F238E27FC236}">
@@ -5668,20 +9497,19 @@
             <p:ph idx="1"/>
           </p:nvPr>
         </p:nvSpPr>
-        <p:spPr/>
+        <p:spPr>
+          <a:xfrm>
+            <a:off x="1484310" y="1815152"/>
+            <a:ext cx="10018713" cy="3971499"/>
+          </a:xfrm>
+        </p:spPr>
         <p:txBody>
           <a:bodyPr/>
           <a:lstStyle/>
           <a:p>
-            <a:endParaRPr lang="fr-FR" dirty="0"/>
-          </a:p>
-          <a:p>
-            <a:endParaRPr lang="fr-FR" dirty="0"/>
-          </a:p>
-          <a:p>
-            <a:endParaRPr lang="fr-FR" dirty="0"/>
-          </a:p>
-          <a:p>
+            <a:pPr marL="0" indent="0">
+              <a:buNone/>
+            </a:pPr>
             <a:r>
               <a:rPr lang="fr-FR" dirty="0"/>
               <a:t>Clients des SCPI</a:t>
@@ -5717,7 +9545,7 @@
         </p:blipFill>
         <p:spPr>
           <a:xfrm>
-            <a:off x="4817659" y="1825625"/>
+            <a:off x="5281683" y="2071285"/>
             <a:ext cx="5190699" cy="3462156"/>
           </a:xfrm>
           <a:prstGeom prst="rect">
@@ -5725,6 +9553,118 @@
           </a:prstGeom>
         </p:spPr>
       </p:pic>
+      <p:sp>
+        <p:nvSpPr>
+          <p:cNvPr id="8" name="Titre 1">
+            <a:extLst>
+              <a:ext uri="{FF2B5EF4-FFF2-40B4-BE49-F238E27FC236}">
+                <a16:creationId xmlns:a16="http://schemas.microsoft.com/office/drawing/2014/main" id="{203C7486-18D7-4BA3-9FAF-4193040ECDBA}"/>
+              </a:ext>
+            </a:extLst>
+          </p:cNvPr>
+          <p:cNvSpPr txBox="1">
+            <a:spLocks/>
+          </p:cNvSpPr>
+          <p:nvPr/>
+        </p:nvSpPr>
+        <p:spPr>
+          <a:xfrm>
+            <a:off x="1484311" y="685801"/>
+            <a:ext cx="10018713" cy="1129351"/>
+          </a:xfrm>
+          <a:prstGeom prst="rect">
+            <a:avLst/>
+          </a:prstGeom>
+          <a:effectLst/>
+        </p:spPr>
+        <p:txBody>
+          <a:bodyPr vert="horz" lIns="91440" tIns="45720" rIns="91440" bIns="45720" rtlCol="0" anchor="ctr">
+            <a:normAutofit/>
+          </a:bodyPr>
+          <a:lstStyle>
+            <a:lvl1pPr algn="ctr" defTabSz="457200" rtl="0" eaLnBrk="1" latinLnBrk="0" hangingPunct="1">
+              <a:spcBef>
+                <a:spcPct val="0"/>
+              </a:spcBef>
+              <a:buNone/>
+              <a:defRPr sz="4000" kern="1200" cap="none">
+                <a:ln w="3175" cmpd="sng">
+                  <a:noFill/>
+                </a:ln>
+                <a:solidFill>
+                  <a:schemeClr val="tx1"/>
+                </a:solidFill>
+                <a:effectLst/>
+                <a:latin typeface="+mj-lt"/>
+                <a:ea typeface="+mj-ea"/>
+                <a:cs typeface="+mj-cs"/>
+              </a:defRPr>
+            </a:lvl1pPr>
+            <a:lvl2pPr eaLnBrk="1" hangingPunct="1">
+              <a:defRPr>
+                <a:solidFill>
+                  <a:schemeClr val="tx2"/>
+                </a:solidFill>
+              </a:defRPr>
+            </a:lvl2pPr>
+            <a:lvl3pPr eaLnBrk="1" hangingPunct="1">
+              <a:defRPr>
+                <a:solidFill>
+                  <a:schemeClr val="tx2"/>
+                </a:solidFill>
+              </a:defRPr>
+            </a:lvl3pPr>
+            <a:lvl4pPr eaLnBrk="1" hangingPunct="1">
+              <a:defRPr>
+                <a:solidFill>
+                  <a:schemeClr val="tx2"/>
+                </a:solidFill>
+              </a:defRPr>
+            </a:lvl4pPr>
+            <a:lvl5pPr eaLnBrk="1" hangingPunct="1">
+              <a:defRPr>
+                <a:solidFill>
+                  <a:schemeClr val="tx2"/>
+                </a:solidFill>
+              </a:defRPr>
+            </a:lvl5pPr>
+            <a:lvl6pPr eaLnBrk="1" hangingPunct="1">
+              <a:defRPr>
+                <a:solidFill>
+                  <a:schemeClr val="tx2"/>
+                </a:solidFill>
+              </a:defRPr>
+            </a:lvl6pPr>
+            <a:lvl7pPr eaLnBrk="1" hangingPunct="1">
+              <a:defRPr>
+                <a:solidFill>
+                  <a:schemeClr val="tx2"/>
+                </a:solidFill>
+              </a:defRPr>
+            </a:lvl7pPr>
+            <a:lvl8pPr eaLnBrk="1" hangingPunct="1">
+              <a:defRPr>
+                <a:solidFill>
+                  <a:schemeClr val="tx2"/>
+                </a:solidFill>
+              </a:defRPr>
+            </a:lvl8pPr>
+            <a:lvl9pPr eaLnBrk="1" hangingPunct="1">
+              <a:defRPr>
+                <a:solidFill>
+                  <a:schemeClr val="tx2"/>
+                </a:solidFill>
+              </a:defRPr>
+            </a:lvl9pPr>
+          </a:lstStyle>
+          <a:p>
+            <a:r>
+              <a:rPr lang="fr-FR" dirty="0"/>
+              <a:t>Cibles</a:t>
+            </a:r>
+          </a:p>
+        </p:txBody>
+      </p:sp>
     </p:spTree>
     <p:extLst>
       <p:ext uri="{BB962C8B-B14F-4D97-AF65-F5344CB8AC3E}">
@@ -5760,35 +9700,6 @@
       </p:grpSpPr>
       <p:sp>
         <p:nvSpPr>
-          <p:cNvPr id="2" name="Titre 1">
-            <a:extLst>
-              <a:ext uri="{FF2B5EF4-FFF2-40B4-BE49-F238E27FC236}">
-                <a16:creationId xmlns:a16="http://schemas.microsoft.com/office/drawing/2014/main" id="{07BBC0E3-53F4-4DB4-BFF5-4562A6606DDB}"/>
-              </a:ext>
-            </a:extLst>
-          </p:cNvPr>
-          <p:cNvSpPr>
-            <a:spLocks noGrp="1"/>
-          </p:cNvSpPr>
-          <p:nvPr>
-            <p:ph type="title"/>
-          </p:nvPr>
-        </p:nvSpPr>
-        <p:spPr/>
-        <p:txBody>
-          <a:bodyPr/>
-          <a:lstStyle/>
-          <a:p>
-            <a:pPr algn="ctr"/>
-            <a:r>
-              <a:rPr lang="fr-FR" dirty="0"/>
-              <a:t>Objectifs</a:t>
-            </a:r>
-          </a:p>
-        </p:txBody>
-      </p:sp>
-      <p:sp>
-        <p:nvSpPr>
           <p:cNvPr id="3" name="Espace réservé du contenu 2">
             <a:extLst>
               <a:ext uri="{FF2B5EF4-FFF2-40B4-BE49-F238E27FC236}">
@@ -5803,29 +9714,40 @@
             <p:ph idx="1"/>
           </p:nvPr>
         </p:nvSpPr>
-        <p:spPr/>
+        <p:spPr>
+          <a:xfrm>
+            <a:off x="1484311" y="1815152"/>
+            <a:ext cx="10018713" cy="4012442"/>
+          </a:xfrm>
+        </p:spPr>
         <p:txBody>
           <a:bodyPr/>
           <a:lstStyle/>
           <a:p>
-            <a:endParaRPr lang="fr-FR" dirty="0"/>
-          </a:p>
-          <a:p>
+            <a:pPr marL="0" indent="0">
+              <a:buNone/>
+            </a:pPr>
             <a:r>
               <a:rPr lang="fr-FR" dirty="0"/>
               <a:t>Mise en relation acheteur/vendeur</a:t>
             </a:r>
           </a:p>
           <a:p>
+            <a:pPr marL="0" indent="0">
+              <a:buNone/>
+            </a:pPr>
             <a:endParaRPr lang="fr-FR" dirty="0"/>
           </a:p>
           <a:p>
+            <a:pPr marL="0" indent="0">
+              <a:buNone/>
+            </a:pPr>
             <a:endParaRPr lang="fr-FR" dirty="0"/>
           </a:p>
           <a:p>
-            <a:endParaRPr lang="fr-FR" dirty="0"/>
-          </a:p>
-          <a:p>
+            <a:pPr marL="0" indent="0">
+              <a:buNone/>
+            </a:pPr>
             <a:r>
               <a:rPr lang="fr-FR" dirty="0"/>
               <a:t>système d’enchères</a:t>
@@ -5861,7 +9783,7 @@
         </p:blipFill>
         <p:spPr>
           <a:xfrm>
-            <a:off x="5652732" y="3061007"/>
+            <a:off x="6740523" y="2433210"/>
             <a:ext cx="4762500" cy="2619375"/>
           </a:xfrm>
           <a:prstGeom prst="rect">
@@ -5869,6 +9791,118 @@
           </a:prstGeom>
         </p:spPr>
       </p:pic>
+      <p:sp>
+        <p:nvSpPr>
+          <p:cNvPr id="5" name="Titre 1">
+            <a:extLst>
+              <a:ext uri="{FF2B5EF4-FFF2-40B4-BE49-F238E27FC236}">
+                <a16:creationId xmlns:a16="http://schemas.microsoft.com/office/drawing/2014/main" id="{900AF35C-3DCA-48E6-BD76-2B2A05BFF95B}"/>
+              </a:ext>
+            </a:extLst>
+          </p:cNvPr>
+          <p:cNvSpPr txBox="1">
+            <a:spLocks/>
+          </p:cNvSpPr>
+          <p:nvPr/>
+        </p:nvSpPr>
+        <p:spPr>
+          <a:xfrm>
+            <a:off x="1484311" y="685801"/>
+            <a:ext cx="10018713" cy="1129351"/>
+          </a:xfrm>
+          <a:prstGeom prst="rect">
+            <a:avLst/>
+          </a:prstGeom>
+          <a:effectLst/>
+        </p:spPr>
+        <p:txBody>
+          <a:bodyPr vert="horz" lIns="91440" tIns="45720" rIns="91440" bIns="45720" rtlCol="0" anchor="ctr">
+            <a:normAutofit/>
+          </a:bodyPr>
+          <a:lstStyle>
+            <a:lvl1pPr algn="ctr" defTabSz="457200" rtl="0" eaLnBrk="1" latinLnBrk="0" hangingPunct="1">
+              <a:spcBef>
+                <a:spcPct val="0"/>
+              </a:spcBef>
+              <a:buNone/>
+              <a:defRPr sz="4000" kern="1200" cap="none">
+                <a:ln w="3175" cmpd="sng">
+                  <a:noFill/>
+                </a:ln>
+                <a:solidFill>
+                  <a:schemeClr val="tx1"/>
+                </a:solidFill>
+                <a:effectLst/>
+                <a:latin typeface="+mj-lt"/>
+                <a:ea typeface="+mj-ea"/>
+                <a:cs typeface="+mj-cs"/>
+              </a:defRPr>
+            </a:lvl1pPr>
+            <a:lvl2pPr eaLnBrk="1" hangingPunct="1">
+              <a:defRPr>
+                <a:solidFill>
+                  <a:schemeClr val="tx2"/>
+                </a:solidFill>
+              </a:defRPr>
+            </a:lvl2pPr>
+            <a:lvl3pPr eaLnBrk="1" hangingPunct="1">
+              <a:defRPr>
+                <a:solidFill>
+                  <a:schemeClr val="tx2"/>
+                </a:solidFill>
+              </a:defRPr>
+            </a:lvl3pPr>
+            <a:lvl4pPr eaLnBrk="1" hangingPunct="1">
+              <a:defRPr>
+                <a:solidFill>
+                  <a:schemeClr val="tx2"/>
+                </a:solidFill>
+              </a:defRPr>
+            </a:lvl4pPr>
+            <a:lvl5pPr eaLnBrk="1" hangingPunct="1">
+              <a:defRPr>
+                <a:solidFill>
+                  <a:schemeClr val="tx2"/>
+                </a:solidFill>
+              </a:defRPr>
+            </a:lvl5pPr>
+            <a:lvl6pPr eaLnBrk="1" hangingPunct="1">
+              <a:defRPr>
+                <a:solidFill>
+                  <a:schemeClr val="tx2"/>
+                </a:solidFill>
+              </a:defRPr>
+            </a:lvl6pPr>
+            <a:lvl7pPr eaLnBrk="1" hangingPunct="1">
+              <a:defRPr>
+                <a:solidFill>
+                  <a:schemeClr val="tx2"/>
+                </a:solidFill>
+              </a:defRPr>
+            </a:lvl7pPr>
+            <a:lvl8pPr eaLnBrk="1" hangingPunct="1">
+              <a:defRPr>
+                <a:solidFill>
+                  <a:schemeClr val="tx2"/>
+                </a:solidFill>
+              </a:defRPr>
+            </a:lvl8pPr>
+            <a:lvl9pPr eaLnBrk="1" hangingPunct="1">
+              <a:defRPr>
+                <a:solidFill>
+                  <a:schemeClr val="tx2"/>
+                </a:solidFill>
+              </a:defRPr>
+            </a:lvl9pPr>
+          </a:lstStyle>
+          <a:p>
+            <a:r>
+              <a:rPr lang="fr-FR" dirty="0"/>
+              <a:t>Objectifs</a:t>
+            </a:r>
+          </a:p>
+        </p:txBody>
+      </p:sp>
     </p:spTree>
     <p:extLst>
       <p:ext uri="{BB962C8B-B14F-4D97-AF65-F5344CB8AC3E}">
@@ -5902,35 +9936,6 @@
           <a:chExt cx="0" cy="0"/>
         </a:xfrm>
       </p:grpSpPr>
-      <p:sp>
-        <p:nvSpPr>
-          <p:cNvPr id="2" name="Titre 1">
-            <a:extLst>
-              <a:ext uri="{FF2B5EF4-FFF2-40B4-BE49-F238E27FC236}">
-                <a16:creationId xmlns:a16="http://schemas.microsoft.com/office/drawing/2014/main" id="{C97EACFC-8D07-41E3-93F8-CEF4ABB06EE2}"/>
-              </a:ext>
-            </a:extLst>
-          </p:cNvPr>
-          <p:cNvSpPr>
-            <a:spLocks noGrp="1"/>
-          </p:cNvSpPr>
-          <p:nvPr>
-            <p:ph type="title"/>
-          </p:nvPr>
-        </p:nvSpPr>
-        <p:spPr/>
-        <p:txBody>
-          <a:bodyPr/>
-          <a:lstStyle/>
-          <a:p>
-            <a:pPr algn="ctr"/>
-            <a:r>
-              <a:rPr lang="fr-FR" dirty="0"/>
-              <a:t>Existant</a:t>
-            </a:r>
-          </a:p>
-        </p:txBody>
-      </p:sp>
       <p:pic>
         <p:nvPicPr>
           <p:cNvPr id="6" name="Image 5">
@@ -5957,7 +9962,7 @@
         </p:blipFill>
         <p:spPr>
           <a:xfrm>
-            <a:off x="2320789" y="1690688"/>
+            <a:off x="2718456" y="1815152"/>
             <a:ext cx="7550421" cy="4014076"/>
           </a:xfrm>
           <a:prstGeom prst="rect">
@@ -5965,6 +9970,118 @@
           </a:prstGeom>
         </p:spPr>
       </p:pic>
+      <p:sp>
+        <p:nvSpPr>
+          <p:cNvPr id="9" name="Titre 1">
+            <a:extLst>
+              <a:ext uri="{FF2B5EF4-FFF2-40B4-BE49-F238E27FC236}">
+                <a16:creationId xmlns:a16="http://schemas.microsoft.com/office/drawing/2014/main" id="{589E2813-6E3A-4025-A16C-2B863B9D6B68}"/>
+              </a:ext>
+            </a:extLst>
+          </p:cNvPr>
+          <p:cNvSpPr txBox="1">
+            <a:spLocks/>
+          </p:cNvSpPr>
+          <p:nvPr/>
+        </p:nvSpPr>
+        <p:spPr>
+          <a:xfrm>
+            <a:off x="1484311" y="685801"/>
+            <a:ext cx="10018713" cy="1129351"/>
+          </a:xfrm>
+          <a:prstGeom prst="rect">
+            <a:avLst/>
+          </a:prstGeom>
+          <a:effectLst/>
+        </p:spPr>
+        <p:txBody>
+          <a:bodyPr vert="horz" lIns="91440" tIns="45720" rIns="91440" bIns="45720" rtlCol="0" anchor="ctr">
+            <a:normAutofit/>
+          </a:bodyPr>
+          <a:lstStyle>
+            <a:lvl1pPr algn="ctr" defTabSz="457200" rtl="0" eaLnBrk="1" latinLnBrk="0" hangingPunct="1">
+              <a:spcBef>
+                <a:spcPct val="0"/>
+              </a:spcBef>
+              <a:buNone/>
+              <a:defRPr sz="4000" kern="1200" cap="none">
+                <a:ln w="3175" cmpd="sng">
+                  <a:noFill/>
+                </a:ln>
+                <a:solidFill>
+                  <a:schemeClr val="tx1"/>
+                </a:solidFill>
+                <a:effectLst/>
+                <a:latin typeface="+mj-lt"/>
+                <a:ea typeface="+mj-ea"/>
+                <a:cs typeface="+mj-cs"/>
+              </a:defRPr>
+            </a:lvl1pPr>
+            <a:lvl2pPr eaLnBrk="1" hangingPunct="1">
+              <a:defRPr>
+                <a:solidFill>
+                  <a:schemeClr val="tx2"/>
+                </a:solidFill>
+              </a:defRPr>
+            </a:lvl2pPr>
+            <a:lvl3pPr eaLnBrk="1" hangingPunct="1">
+              <a:defRPr>
+                <a:solidFill>
+                  <a:schemeClr val="tx2"/>
+                </a:solidFill>
+              </a:defRPr>
+            </a:lvl3pPr>
+            <a:lvl4pPr eaLnBrk="1" hangingPunct="1">
+              <a:defRPr>
+                <a:solidFill>
+                  <a:schemeClr val="tx2"/>
+                </a:solidFill>
+              </a:defRPr>
+            </a:lvl4pPr>
+            <a:lvl5pPr eaLnBrk="1" hangingPunct="1">
+              <a:defRPr>
+                <a:solidFill>
+                  <a:schemeClr val="tx2"/>
+                </a:solidFill>
+              </a:defRPr>
+            </a:lvl5pPr>
+            <a:lvl6pPr eaLnBrk="1" hangingPunct="1">
+              <a:defRPr>
+                <a:solidFill>
+                  <a:schemeClr val="tx2"/>
+                </a:solidFill>
+              </a:defRPr>
+            </a:lvl6pPr>
+            <a:lvl7pPr eaLnBrk="1" hangingPunct="1">
+              <a:defRPr>
+                <a:solidFill>
+                  <a:schemeClr val="tx2"/>
+                </a:solidFill>
+              </a:defRPr>
+            </a:lvl7pPr>
+            <a:lvl8pPr eaLnBrk="1" hangingPunct="1">
+              <a:defRPr>
+                <a:solidFill>
+                  <a:schemeClr val="tx2"/>
+                </a:solidFill>
+              </a:defRPr>
+            </a:lvl8pPr>
+            <a:lvl9pPr eaLnBrk="1" hangingPunct="1">
+              <a:defRPr>
+                <a:solidFill>
+                  <a:schemeClr val="tx2"/>
+                </a:solidFill>
+              </a:defRPr>
+            </a:lvl9pPr>
+          </a:lstStyle>
+          <a:p>
+            <a:r>
+              <a:rPr lang="fr-FR" dirty="0"/>
+              <a:t>Existant</a:t>
+            </a:r>
+          </a:p>
+        </p:txBody>
+      </p:sp>
     </p:spTree>
     <p:extLst>
       <p:ext uri="{BB962C8B-B14F-4D97-AF65-F5344CB8AC3E}">
@@ -5998,35 +10115,6 @@
           <a:chExt cx="0" cy="0"/>
         </a:xfrm>
       </p:grpSpPr>
-      <p:sp>
-        <p:nvSpPr>
-          <p:cNvPr id="2" name="Titre 1">
-            <a:extLst>
-              <a:ext uri="{FF2B5EF4-FFF2-40B4-BE49-F238E27FC236}">
-                <a16:creationId xmlns:a16="http://schemas.microsoft.com/office/drawing/2014/main" id="{1DDE73FF-71A9-483B-8DD9-706B83BFCFA8}"/>
-              </a:ext>
-            </a:extLst>
-          </p:cNvPr>
-          <p:cNvSpPr>
-            <a:spLocks noGrp="1"/>
-          </p:cNvSpPr>
-          <p:nvPr>
-            <p:ph type="title"/>
-          </p:nvPr>
-        </p:nvSpPr>
-        <p:spPr/>
-        <p:txBody>
-          <a:bodyPr/>
-          <a:lstStyle/>
-          <a:p>
-            <a:pPr algn="ctr"/>
-            <a:r>
-              <a:rPr lang="fr-FR" dirty="0"/>
-              <a:t>Existant</a:t>
-            </a:r>
-          </a:p>
-        </p:txBody>
-      </p:sp>
       <p:pic>
         <p:nvPicPr>
           <p:cNvPr id="4" name="Image 3">
@@ -6047,7 +10135,7 @@
         </p:blipFill>
         <p:spPr>
           <a:xfrm>
-            <a:off x="2527390" y="1690688"/>
+            <a:off x="2925057" y="1815152"/>
             <a:ext cx="7137220" cy="3904894"/>
           </a:xfrm>
           <a:prstGeom prst="rect">
@@ -6055,6 +10143,118 @@
           </a:prstGeom>
         </p:spPr>
       </p:pic>
+      <p:sp>
+        <p:nvSpPr>
+          <p:cNvPr id="5" name="Titre 1">
+            <a:extLst>
+              <a:ext uri="{FF2B5EF4-FFF2-40B4-BE49-F238E27FC236}">
+                <a16:creationId xmlns:a16="http://schemas.microsoft.com/office/drawing/2014/main" id="{58055D05-477B-4714-854F-B9950299B8F3}"/>
+              </a:ext>
+            </a:extLst>
+          </p:cNvPr>
+          <p:cNvSpPr txBox="1">
+            <a:spLocks/>
+          </p:cNvSpPr>
+          <p:nvPr/>
+        </p:nvSpPr>
+        <p:spPr>
+          <a:xfrm>
+            <a:off x="1484311" y="685801"/>
+            <a:ext cx="10018713" cy="1129351"/>
+          </a:xfrm>
+          <a:prstGeom prst="rect">
+            <a:avLst/>
+          </a:prstGeom>
+          <a:effectLst/>
+        </p:spPr>
+        <p:txBody>
+          <a:bodyPr vert="horz" lIns="91440" tIns="45720" rIns="91440" bIns="45720" rtlCol="0" anchor="ctr">
+            <a:normAutofit/>
+          </a:bodyPr>
+          <a:lstStyle>
+            <a:lvl1pPr algn="ctr" defTabSz="457200" rtl="0" eaLnBrk="1" latinLnBrk="0" hangingPunct="1">
+              <a:spcBef>
+                <a:spcPct val="0"/>
+              </a:spcBef>
+              <a:buNone/>
+              <a:defRPr sz="4000" kern="1200" cap="none">
+                <a:ln w="3175" cmpd="sng">
+                  <a:noFill/>
+                </a:ln>
+                <a:solidFill>
+                  <a:schemeClr val="tx1"/>
+                </a:solidFill>
+                <a:effectLst/>
+                <a:latin typeface="+mj-lt"/>
+                <a:ea typeface="+mj-ea"/>
+                <a:cs typeface="+mj-cs"/>
+              </a:defRPr>
+            </a:lvl1pPr>
+            <a:lvl2pPr eaLnBrk="1" hangingPunct="1">
+              <a:defRPr>
+                <a:solidFill>
+                  <a:schemeClr val="tx2"/>
+                </a:solidFill>
+              </a:defRPr>
+            </a:lvl2pPr>
+            <a:lvl3pPr eaLnBrk="1" hangingPunct="1">
+              <a:defRPr>
+                <a:solidFill>
+                  <a:schemeClr val="tx2"/>
+                </a:solidFill>
+              </a:defRPr>
+            </a:lvl3pPr>
+            <a:lvl4pPr eaLnBrk="1" hangingPunct="1">
+              <a:defRPr>
+                <a:solidFill>
+                  <a:schemeClr val="tx2"/>
+                </a:solidFill>
+              </a:defRPr>
+            </a:lvl4pPr>
+            <a:lvl5pPr eaLnBrk="1" hangingPunct="1">
+              <a:defRPr>
+                <a:solidFill>
+                  <a:schemeClr val="tx2"/>
+                </a:solidFill>
+              </a:defRPr>
+            </a:lvl5pPr>
+            <a:lvl6pPr eaLnBrk="1" hangingPunct="1">
+              <a:defRPr>
+                <a:solidFill>
+                  <a:schemeClr val="tx2"/>
+                </a:solidFill>
+              </a:defRPr>
+            </a:lvl6pPr>
+            <a:lvl7pPr eaLnBrk="1" hangingPunct="1">
+              <a:defRPr>
+                <a:solidFill>
+                  <a:schemeClr val="tx2"/>
+                </a:solidFill>
+              </a:defRPr>
+            </a:lvl7pPr>
+            <a:lvl8pPr eaLnBrk="1" hangingPunct="1">
+              <a:defRPr>
+                <a:solidFill>
+                  <a:schemeClr val="tx2"/>
+                </a:solidFill>
+              </a:defRPr>
+            </a:lvl8pPr>
+            <a:lvl9pPr eaLnBrk="1" hangingPunct="1">
+              <a:defRPr>
+                <a:solidFill>
+                  <a:schemeClr val="tx2"/>
+                </a:solidFill>
+              </a:defRPr>
+            </a:lvl9pPr>
+          </a:lstStyle>
+          <a:p>
+            <a:r>
+              <a:rPr lang="fr-FR" dirty="0"/>
+              <a:t>Existant</a:t>
+            </a:r>
+          </a:p>
+        </p:txBody>
+      </p:sp>
     </p:spTree>
     <p:extLst>
       <p:ext uri="{BB962C8B-B14F-4D97-AF65-F5344CB8AC3E}">
@@ -6120,7 +10320,9 @@
           </a:xfrm>
         </p:spPr>
         <p:txBody>
-          <a:bodyPr/>
+          <a:bodyPr>
+            <a:normAutofit fontScale="90000"/>
+          </a:bodyPr>
           <a:lstStyle/>
           <a:p>
             <a:r>
@@ -6147,9 +10349,9 @@
 </file>
 
 <file path=ppt/theme/theme1.xml><?xml version="1.0" encoding="utf-8"?>
-<a:theme xmlns:a="http://schemas.openxmlformats.org/drawingml/2006/main" name="Thème Office">
+<a:theme xmlns:a="http://schemas.openxmlformats.org/drawingml/2006/main" name="Parallaxe">
   <a:themeElements>
-    <a:clrScheme name="Office">
+    <a:clrScheme name="Parallaxe">
       <a:dk1>
         <a:sysClr val="windowText" lastClr="000000"/>
       </a:dk1>
@@ -6157,100 +10359,48 @@
         <a:sysClr val="window" lastClr="FFFFFF"/>
       </a:lt1>
       <a:dk2>
-        <a:srgbClr val="44546A"/>
+        <a:srgbClr val="212121"/>
       </a:dk2>
       <a:lt2>
-        <a:srgbClr val="E7E6E6"/>
+        <a:srgbClr val="CDD0D1"/>
       </a:lt2>
       <a:accent1>
-        <a:srgbClr val="4472C4"/>
+        <a:srgbClr val="30ACEC"/>
       </a:accent1>
       <a:accent2>
-        <a:srgbClr val="ED7D31"/>
+        <a:srgbClr val="80C34F"/>
       </a:accent2>
       <a:accent3>
-        <a:srgbClr val="A5A5A5"/>
+        <a:srgbClr val="E29D3E"/>
       </a:accent3>
       <a:accent4>
-        <a:srgbClr val="FFC000"/>
+        <a:srgbClr val="D64A3B"/>
       </a:accent4>
       <a:accent5>
-        <a:srgbClr val="5B9BD5"/>
+        <a:srgbClr val="D64787"/>
       </a:accent5>
       <a:accent6>
-        <a:srgbClr val="70AD47"/>
+        <a:srgbClr val="A666E1"/>
       </a:accent6>
       <a:hlink>
-        <a:srgbClr val="0563C1"/>
+        <a:srgbClr val="3085ED"/>
       </a:hlink>
       <a:folHlink>
-        <a:srgbClr val="954F72"/>
+        <a:srgbClr val="82B6F4"/>
       </a:folHlink>
     </a:clrScheme>
-    <a:fontScheme name="Office">
+    <a:fontScheme name="Parallaxe">
       <a:majorFont>
-        <a:latin typeface="Calibri Light" panose="020F0302020204030204"/>
+        <a:latin typeface="Corbel" panose="020B0503020204020204"/>
         <a:ea typeface=""/>
         <a:cs typeface=""/>
-        <a:font script="Jpan" typeface="游ゴシック Light"/>
-        <a:font script="Hang" typeface="맑은 고딕"/>
-        <a:font script="Hans" typeface="等线 Light"/>
+        <a:font script="Jpan" typeface="HGｺﾞｼｯｸM"/>
+        <a:font script="Hang" typeface="HY엽서L"/>
+        <a:font script="Hans" typeface="华文楷体"/>
         <a:font script="Hant" typeface="新細明體"/>
-        <a:font script="Arab" typeface="Times New Roman"/>
-        <a:font script="Hebr" typeface="Times New Roman"/>
-        <a:font script="Thai" typeface="Angsana New"/>
-        <a:font script="Ethi" typeface="Nyala"/>
-        <a:font script="Beng" typeface="Vrinda"/>
-        <a:font script="Gujr" typeface="Shruti"/>
-        <a:font script="Khmr" typeface="MoolBoran"/>
-        <a:font script="Knda" typeface="Tunga"/>
-        <a:font script="Guru" typeface="Raavi"/>
-        <a:font script="Cans" typeface="Euphemia"/>
-        <a:font script="Cher" typeface="Plantagenet Cherokee"/>
-        <a:font script="Yiii" typeface="Microsoft Yi Baiti"/>
-        <a:font script="Tibt" typeface="Microsoft Himalaya"/>
-        <a:font script="Thaa" typeface="MV Boli"/>
-        <a:font script="Deva" typeface="Mangal"/>
-        <a:font script="Telu" typeface="Gautami"/>
-        <a:font script="Taml" typeface="Latha"/>
-        <a:font script="Syrc" typeface="Estrangelo Edessa"/>
-        <a:font script="Orya" typeface="Kalinga"/>
-        <a:font script="Mlym" typeface="Kartika"/>
-        <a:font script="Laoo" typeface="DokChampa"/>
-        <a:font script="Sinh" typeface="Iskoola Pota"/>
-        <a:font script="Mong" typeface="Mongolian Baiti"/>
-        <a:font script="Viet" typeface="Times New Roman"/>
-        <a:font script="Uigh" typeface="Microsoft Uighur"/>
-        <a:font script="Geor" typeface="Sylfaen"/>
-        <a:font script="Armn" typeface="Arial"/>
-        <a:font script="Bugi" typeface="Leelawadee UI"/>
-        <a:font script="Bopo" typeface="Microsoft JhengHei"/>
-        <a:font script="Java" typeface="Javanese Text"/>
-        <a:font script="Lisu" typeface="Segoe UI"/>
-        <a:font script="Mymr" typeface="Myanmar Text"/>
-        <a:font script="Nkoo" typeface="Ebrima"/>
-        <a:font script="Olck" typeface="Nirmala UI"/>
-        <a:font script="Osma" typeface="Ebrima"/>
-        <a:font script="Phag" typeface="Phagspa"/>
-        <a:font script="Syrn" typeface="Estrangelo Edessa"/>
-        <a:font script="Syrj" typeface="Estrangelo Edessa"/>
-        <a:font script="Syre" typeface="Estrangelo Edessa"/>
-        <a:font script="Sora" typeface="Nirmala UI"/>
-        <a:font script="Tale" typeface="Microsoft Tai Le"/>
-        <a:font script="Talu" typeface="Microsoft New Tai Lue"/>
-        <a:font script="Tfng" typeface="Ebrima"/>
-      </a:majorFont>
-      <a:minorFont>
-        <a:latin typeface="Calibri" panose="020F0502020204030204"/>
-        <a:ea typeface=""/>
-        <a:cs typeface=""/>
-        <a:font script="Jpan" typeface="游ゴシック"/>
-        <a:font script="Hang" typeface="맑은 고딕"/>
-        <a:font script="Hans" typeface="等线"/>
-        <a:font script="Hant" typeface="新細明體"/>
-        <a:font script="Arab" typeface="Arial"/>
-        <a:font script="Hebr" typeface="Arial"/>
-        <a:font script="Thai" typeface="Cordia New"/>
+        <a:font script="Arab" typeface="Tahoma"/>
+        <a:font script="Hebr" typeface="Miriam"/>
+        <a:font script="Thai" typeface="DilleniaUPC"/>
         <a:font script="Ethi" typeface="Nyala"/>
         <a:font script="Beng" typeface="Vrinda"/>
         <a:font script="Gujr" typeface="Shruti"/>
@@ -6274,26 +10424,44 @@
         <a:font script="Viet" typeface="Arial"/>
         <a:font script="Uigh" typeface="Microsoft Uighur"/>
         <a:font script="Geor" typeface="Sylfaen"/>
-        <a:font script="Armn" typeface="Arial"/>
-        <a:font script="Bugi" typeface="Leelawadee UI"/>
-        <a:font script="Bopo" typeface="Microsoft JhengHei"/>
-        <a:font script="Java" typeface="Javanese Text"/>
-        <a:font script="Lisu" typeface="Segoe UI"/>
-        <a:font script="Mymr" typeface="Myanmar Text"/>
-        <a:font script="Nkoo" typeface="Ebrima"/>
-        <a:font script="Olck" typeface="Nirmala UI"/>
-        <a:font script="Osma" typeface="Ebrima"/>
-        <a:font script="Phag" typeface="Phagspa"/>
-        <a:font script="Syrn" typeface="Estrangelo Edessa"/>
-        <a:font script="Syrj" typeface="Estrangelo Edessa"/>
-        <a:font script="Syre" typeface="Estrangelo Edessa"/>
-        <a:font script="Sora" typeface="Nirmala UI"/>
-        <a:font script="Tale" typeface="Microsoft Tai Le"/>
-        <a:font script="Talu" typeface="Microsoft New Tai Lue"/>
-        <a:font script="Tfng" typeface="Ebrima"/>
+      </a:majorFont>
+      <a:minorFont>
+        <a:latin typeface="Corbel" panose="020B0503020204020204"/>
+        <a:ea typeface=""/>
+        <a:cs typeface=""/>
+        <a:font script="Jpan" typeface="HGｺﾞｼｯｸM"/>
+        <a:font script="Hang" typeface="HY엽서L"/>
+        <a:font script="Hans" typeface="华文楷体"/>
+        <a:font script="Hant" typeface="新細明體"/>
+        <a:font script="Arab" typeface="Tahoma"/>
+        <a:font script="Hebr" typeface="Miriam"/>
+        <a:font script="Thai" typeface="DilleniaUPC"/>
+        <a:font script="Ethi" typeface="Nyala"/>
+        <a:font script="Beng" typeface="Vrinda"/>
+        <a:font script="Gujr" typeface="Shruti"/>
+        <a:font script="Khmr" typeface="DaunPenh"/>
+        <a:font script="Knda" typeface="Tunga"/>
+        <a:font script="Guru" typeface="Raavi"/>
+        <a:font script="Cans" typeface="Euphemia"/>
+        <a:font script="Cher" typeface="Plantagenet Cherokee"/>
+        <a:font script="Yiii" typeface="Microsoft Yi Baiti"/>
+        <a:font script="Tibt" typeface="Microsoft Himalaya"/>
+        <a:font script="Thaa" typeface="MV Boli"/>
+        <a:font script="Deva" typeface="Mangal"/>
+        <a:font script="Telu" typeface="Gautami"/>
+        <a:font script="Taml" typeface="Latha"/>
+        <a:font script="Syrc" typeface="Estrangelo Edessa"/>
+        <a:font script="Orya" typeface="Kalinga"/>
+        <a:font script="Mlym" typeface="Kartika"/>
+        <a:font script="Laoo" typeface="DokChampa"/>
+        <a:font script="Sinh" typeface="Iskoola Pota"/>
+        <a:font script="Mong" typeface="Mongolian Baiti"/>
+        <a:font script="Viet" typeface="Arial"/>
+        <a:font script="Uigh" typeface="Microsoft Uighur"/>
+        <a:font script="Geor" typeface="Sylfaen"/>
       </a:minorFont>
     </a:fontScheme>
-    <a:fmtScheme name="Office">
+    <a:fmtScheme name="Parallaxe">
       <a:fillStyleLst>
         <a:solidFill>
           <a:schemeClr val="phClr"/>
@@ -6302,23 +10470,13 @@
           <a:gsLst>
             <a:gs pos="0">
               <a:schemeClr val="phClr">
-                <a:lumMod val="110000"/>
-                <a:satMod val="105000"/>
-                <a:tint val="67000"/>
-              </a:schemeClr>
-            </a:gs>
-            <a:gs pos="50000">
-              <a:schemeClr val="phClr">
-                <a:lumMod val="105000"/>
-                <a:satMod val="103000"/>
-                <a:tint val="73000"/>
+                <a:tint val="60000"/>
+                <a:lumMod val="104000"/>
               </a:schemeClr>
             </a:gs>
             <a:gs pos="100000">
               <a:schemeClr val="phClr">
-                <a:lumMod val="105000"/>
-                <a:satMod val="109000"/>
-                <a:tint val="81000"/>
+                <a:tint val="84000"/>
               </a:schemeClr>
             </a:gs>
           </a:gsLst>
@@ -6328,50 +10486,42 @@
           <a:gsLst>
             <a:gs pos="0">
               <a:schemeClr val="phClr">
-                <a:satMod val="103000"/>
+                <a:tint val="96000"/>
                 <a:lumMod val="102000"/>
-                <a:tint val="94000"/>
-              </a:schemeClr>
-            </a:gs>
-            <a:gs pos="50000">
-              <a:schemeClr val="phClr">
-                <a:satMod val="110000"/>
-                <a:lumMod val="100000"/>
-                <a:shade val="100000"/>
               </a:schemeClr>
             </a:gs>
             <a:gs pos="100000">
               <a:schemeClr val="phClr">
-                <a:lumMod val="99000"/>
-                <a:satMod val="120000"/>
-                <a:shade val="78000"/>
+                <a:shade val="88000"/>
+                <a:lumMod val="94000"/>
               </a:schemeClr>
             </a:gs>
           </a:gsLst>
-          <a:lin ang="5400000" scaled="0"/>
+          <a:path path="circle">
+            <a:fillToRect l="50000" t="100000" r="100000" b="50000"/>
+          </a:path>
         </a:gradFill>
       </a:fillStyleLst>
       <a:lnStyleLst>
-        <a:ln w="6350" cap="flat" cmpd="sng" algn="ctr">
+        <a:ln w="9525" cap="rnd" cmpd="sng" algn="ctr">
+          <a:solidFill>
+            <a:schemeClr val="phClr">
+              <a:tint val="60000"/>
+            </a:schemeClr>
+          </a:solidFill>
+          <a:prstDash val="solid"/>
+        </a:ln>
+        <a:ln w="15875" cap="rnd" cmpd="sng" algn="ctr">
           <a:solidFill>
             <a:schemeClr val="phClr"/>
           </a:solidFill>
           <a:prstDash val="solid"/>
-          <a:miter lim="800000"/>
         </a:ln>
-        <a:ln w="12700" cap="flat" cmpd="sng" algn="ctr">
+        <a:ln w="22225" cap="rnd" cmpd="sng" algn="ctr">
           <a:solidFill>
             <a:schemeClr val="phClr"/>
           </a:solidFill>
           <a:prstDash val="solid"/>
-          <a:miter lim="800000"/>
-        </a:ln>
-        <a:ln w="19050" cap="flat" cmpd="sng" algn="ctr">
-          <a:solidFill>
-            <a:schemeClr val="phClr"/>
-          </a:solidFill>
-          <a:prstDash val="solid"/>
-          <a:miter lim="800000"/>
         </a:ln>
       </a:lnStyleLst>
       <a:effectStyleLst>
@@ -6379,55 +10529,68 @@
           <a:effectLst/>
         </a:effectStyle>
         <a:effectStyle>
-          <a:effectLst/>
+          <a:effectLst>
+            <a:reflection blurRad="12700" stA="26000" endPos="32000" dist="12700" dir="5400000" sy="-100000" rotWithShape="0"/>
+          </a:effectLst>
         </a:effectStyle>
         <a:effectStyle>
           <a:effectLst>
-            <a:outerShdw blurRad="57150" dist="19050" dir="5400000" algn="ctr" rotWithShape="0">
+            <a:outerShdw blurRad="38100" dist="25400" dir="5400000" rotWithShape="0">
               <a:srgbClr val="000000">
-                <a:alpha val="63000"/>
+                <a:alpha val="64000"/>
               </a:srgbClr>
             </a:outerShdw>
           </a:effectLst>
+          <a:scene3d>
+            <a:camera prst="orthographicFront">
+              <a:rot lat="0" lon="0" rev="0"/>
+            </a:camera>
+            <a:lightRig rig="threePt" dir="tl">
+              <a:rot lat="0" lon="0" rev="1200000"/>
+            </a:lightRig>
+          </a:scene3d>
+          <a:sp3d>
+            <a:bevelT w="25400" h="12700"/>
+          </a:sp3d>
         </a:effectStyle>
       </a:effectStyleLst>
       <a:bgFillStyleLst>
         <a:solidFill>
           <a:schemeClr val="phClr"/>
         </a:solidFill>
-        <a:solidFill>
-          <a:schemeClr val="phClr">
-            <a:tint val="95000"/>
-            <a:satMod val="170000"/>
-          </a:schemeClr>
-        </a:solidFill>
         <a:gradFill rotWithShape="1">
           <a:gsLst>
             <a:gs pos="0">
               <a:schemeClr val="phClr">
-                <a:tint val="93000"/>
-                <a:satMod val="150000"/>
-                <a:shade val="98000"/>
-                <a:lumMod val="102000"/>
-              </a:schemeClr>
-            </a:gs>
-            <a:gs pos="50000">
-              <a:schemeClr val="phClr">
-                <a:tint val="98000"/>
-                <a:satMod val="130000"/>
-                <a:shade val="90000"/>
-                <a:lumMod val="103000"/>
+                <a:tint val="90000"/>
+                <a:lumMod val="110000"/>
               </a:schemeClr>
             </a:gs>
             <a:gs pos="100000">
               <a:schemeClr val="phClr">
-                <a:shade val="63000"/>
-                <a:satMod val="120000"/>
+                <a:shade val="64000"/>
+                <a:lumMod val="98000"/>
               </a:schemeClr>
             </a:gs>
           </a:gsLst>
           <a:lin ang="5400000" scaled="0"/>
         </a:gradFill>
+        <a:blipFill rotWithShape="1">
+          <a:blip xmlns:r="http://schemas.openxmlformats.org/officeDocument/2006/relationships" r:embed="rId1">
+            <a:duotone>
+              <a:schemeClr val="phClr">
+                <a:shade val="76000"/>
+                <a:satMod val="180000"/>
+              </a:schemeClr>
+              <a:schemeClr val="phClr">
+                <a:tint val="80000"/>
+                <a:satMod val="120000"/>
+                <a:lumMod val="180000"/>
+              </a:schemeClr>
+            </a:duotone>
+          </a:blip>
+          <a:stretch/>
+        </a:blipFill>
       </a:bgFillStyleLst>
     </a:fmtScheme>
   </a:themeElements>
@@ -6435,7 +10598,7 @@
   <a:extraClrSchemeLst/>
   <a:extLst>
     <a:ext uri="{05A4C25C-085E-4340-85A3-A5531E510DB2}">
-      <thm15:themeFamily xmlns:thm15="http://schemas.microsoft.com/office/thememl/2012/main" name="Office Theme" id="{62F939B6-93AF-4DB8-9C6B-D6C7DFDC589F}" vid="{4A3C46E8-61CC-4603-A589-7422A47A8E4A}"/>
+      <thm15:themeFamily xmlns:thm15="http://schemas.microsoft.com/office/thememl/2012/main" name="Parallax" id="{3388167B-A2EB-4685-9635-1831D9AEF8C4}" vid="{4F7A876A-7598-49CA-AFC8-8EDA2551E4A7}"/>
     </a:ext>
   </a:extLst>
 </a:theme>

--- a/PrésentationBourseEchangeSCPI.pptx
+++ b/PrésentationBourseEchangeSCPI.pptx
@@ -4,6 +4,9 @@
   <p:sldMasterIdLst>
     <p:sldMasterId id="2147483660" r:id="rId1"/>
   </p:sldMasterIdLst>
+  <p:notesMasterIdLst>
+    <p:notesMasterId r:id="rId22"/>
+  </p:notesMasterIdLst>
   <p:sldIdLst>
     <p:sldId id="256" r:id="rId2"/>
     <p:sldId id="257" r:id="rId3"/>
@@ -133,6 +136,355 @@
 
 <file path=ppt/revisionInfo.xml><?xml version="1.0" encoding="utf-8"?>
 <p1510:revInfo xmlns:a="http://schemas.openxmlformats.org/drawingml/2006/main" xmlns:r="http://schemas.openxmlformats.org/officeDocument/2006/relationships" xmlns:p1510="http://schemas.microsoft.com/office/powerpoint/2015/10/main"/>
+</file>
+
+<file path=ppt/notesMasters/notesMaster1.xml><?xml version="1.0" encoding="utf-8"?>
+<p:notesMaster xmlns:a="http://schemas.openxmlformats.org/drawingml/2006/main" xmlns:r="http://schemas.openxmlformats.org/officeDocument/2006/relationships" xmlns:p="http://schemas.openxmlformats.org/presentationml/2006/main">
+  <p:cSld>
+    <p:bg>
+      <p:bgRef idx="1001">
+        <a:schemeClr val="bg1"/>
+      </p:bgRef>
+    </p:bg>
+    <p:spTree>
+      <p:nvGrpSpPr>
+        <p:cNvPr id="1" name=""/>
+        <p:cNvGrpSpPr/>
+        <p:nvPr/>
+      </p:nvGrpSpPr>
+      <p:grpSpPr>
+        <a:xfrm>
+          <a:off x="0" y="0"/>
+          <a:ext cx="0" cy="0"/>
+          <a:chOff x="0" y="0"/>
+          <a:chExt cx="0" cy="0"/>
+        </a:xfrm>
+      </p:grpSpPr>
+      <p:sp>
+        <p:nvSpPr>
+          <p:cNvPr id="2" name="Espace réservé de l'en-tête 1"/>
+          <p:cNvSpPr>
+            <a:spLocks noGrp="1"/>
+          </p:cNvSpPr>
+          <p:nvPr>
+            <p:ph type="hdr" sz="quarter"/>
+          </p:nvPr>
+        </p:nvSpPr>
+        <p:spPr>
+          <a:xfrm>
+            <a:off x="0" y="0"/>
+            <a:ext cx="2971800" cy="458788"/>
+          </a:xfrm>
+          <a:prstGeom prst="rect">
+            <a:avLst/>
+          </a:prstGeom>
+        </p:spPr>
+        <p:txBody>
+          <a:bodyPr vert="horz" lIns="91440" tIns="45720" rIns="91440" bIns="45720" rtlCol="0"/>
+          <a:lstStyle>
+            <a:lvl1pPr algn="l">
+              <a:defRPr sz="1200"/>
+            </a:lvl1pPr>
+          </a:lstStyle>
+          <a:p>
+            <a:endParaRPr lang="fr-FR"/>
+          </a:p>
+        </p:txBody>
+      </p:sp>
+      <p:sp>
+        <p:nvSpPr>
+          <p:cNvPr id="3" name="Espace réservé de la date 2"/>
+          <p:cNvSpPr>
+            <a:spLocks noGrp="1"/>
+          </p:cNvSpPr>
+          <p:nvPr>
+            <p:ph type="dt" idx="1"/>
+          </p:nvPr>
+        </p:nvSpPr>
+        <p:spPr>
+          <a:xfrm>
+            <a:off x="3884613" y="0"/>
+            <a:ext cx="2971800" cy="458788"/>
+          </a:xfrm>
+          <a:prstGeom prst="rect">
+            <a:avLst/>
+          </a:prstGeom>
+        </p:spPr>
+        <p:txBody>
+          <a:bodyPr vert="horz" lIns="91440" tIns="45720" rIns="91440" bIns="45720" rtlCol="0"/>
+          <a:lstStyle>
+            <a:lvl1pPr algn="r">
+              <a:defRPr sz="1200"/>
+            </a:lvl1pPr>
+          </a:lstStyle>
+          <a:p>
+            <a:fld id="{32356FBF-9628-4E32-94EF-2F15D21CD82F}" type="datetimeFigureOut">
+              <a:rPr lang="fr-FR" smtClean="0"/>
+              <a:t>15/12/2017</a:t>
+            </a:fld>
+            <a:endParaRPr lang="fr-FR"/>
+          </a:p>
+        </p:txBody>
+      </p:sp>
+      <p:sp>
+        <p:nvSpPr>
+          <p:cNvPr id="4" name="Espace réservé de l'image des diapositives 3"/>
+          <p:cNvSpPr>
+            <a:spLocks noGrp="1" noRot="1" noChangeAspect="1"/>
+          </p:cNvSpPr>
+          <p:nvPr>
+            <p:ph type="sldImg" idx="2"/>
+          </p:nvPr>
+        </p:nvSpPr>
+        <p:spPr>
+          <a:xfrm>
+            <a:off x="685800" y="1143000"/>
+            <a:ext cx="5486400" cy="3086100"/>
+          </a:xfrm>
+          <a:prstGeom prst="rect">
+            <a:avLst/>
+          </a:prstGeom>
+          <a:noFill/>
+          <a:ln w="12700">
+            <a:solidFill>
+              <a:prstClr val="black"/>
+            </a:solidFill>
+          </a:ln>
+        </p:spPr>
+        <p:txBody>
+          <a:bodyPr vert="horz" lIns="91440" tIns="45720" rIns="91440" bIns="45720" rtlCol="0" anchor="ctr"/>
+          <a:lstStyle/>
+          <a:p>
+            <a:endParaRPr lang="fr-FR"/>
+          </a:p>
+        </p:txBody>
+      </p:sp>
+      <p:sp>
+        <p:nvSpPr>
+          <p:cNvPr id="5" name="Espace réservé des notes 4"/>
+          <p:cNvSpPr>
+            <a:spLocks noGrp="1"/>
+          </p:cNvSpPr>
+          <p:nvPr>
+            <p:ph type="body" sz="quarter" idx="3"/>
+          </p:nvPr>
+        </p:nvSpPr>
+        <p:spPr>
+          <a:xfrm>
+            <a:off x="685800" y="4400550"/>
+            <a:ext cx="5486400" cy="3600450"/>
+          </a:xfrm>
+          <a:prstGeom prst="rect">
+            <a:avLst/>
+          </a:prstGeom>
+        </p:spPr>
+        <p:txBody>
+          <a:bodyPr vert="horz" lIns="91440" tIns="45720" rIns="91440" bIns="45720" rtlCol="0"/>
+          <a:lstStyle/>
+          <a:p>
+            <a:pPr lvl="0"/>
+            <a:r>
+              <a:rPr lang="fr-FR"/>
+              <a:t>Modifier les styles du texte du masque</a:t>
+            </a:r>
+          </a:p>
+          <a:p>
+            <a:pPr lvl="1"/>
+            <a:r>
+              <a:rPr lang="fr-FR"/>
+              <a:t>Deuxième niveau</a:t>
+            </a:r>
+          </a:p>
+          <a:p>
+            <a:pPr lvl="2"/>
+            <a:r>
+              <a:rPr lang="fr-FR"/>
+              <a:t>Troisième niveau</a:t>
+            </a:r>
+          </a:p>
+          <a:p>
+            <a:pPr lvl="3"/>
+            <a:r>
+              <a:rPr lang="fr-FR"/>
+              <a:t>Quatrième niveau</a:t>
+            </a:r>
+          </a:p>
+          <a:p>
+            <a:pPr lvl="4"/>
+            <a:r>
+              <a:rPr lang="fr-FR"/>
+              <a:t>Cinquième niveau</a:t>
+            </a:r>
+          </a:p>
+        </p:txBody>
+      </p:sp>
+      <p:sp>
+        <p:nvSpPr>
+          <p:cNvPr id="6" name="Espace réservé du pied de page 5"/>
+          <p:cNvSpPr>
+            <a:spLocks noGrp="1"/>
+          </p:cNvSpPr>
+          <p:nvPr>
+            <p:ph type="ftr" sz="quarter" idx="4"/>
+          </p:nvPr>
+        </p:nvSpPr>
+        <p:spPr>
+          <a:xfrm>
+            <a:off x="0" y="8685213"/>
+            <a:ext cx="2971800" cy="458787"/>
+          </a:xfrm>
+          <a:prstGeom prst="rect">
+            <a:avLst/>
+          </a:prstGeom>
+        </p:spPr>
+        <p:txBody>
+          <a:bodyPr vert="horz" lIns="91440" tIns="45720" rIns="91440" bIns="45720" rtlCol="0" anchor="b"/>
+          <a:lstStyle>
+            <a:lvl1pPr algn="l">
+              <a:defRPr sz="1200"/>
+            </a:lvl1pPr>
+          </a:lstStyle>
+          <a:p>
+            <a:endParaRPr lang="fr-FR"/>
+          </a:p>
+        </p:txBody>
+      </p:sp>
+      <p:sp>
+        <p:nvSpPr>
+          <p:cNvPr id="7" name="Espace réservé du numéro de diapositive 6"/>
+          <p:cNvSpPr>
+            <a:spLocks noGrp="1"/>
+          </p:cNvSpPr>
+          <p:nvPr>
+            <p:ph type="sldNum" sz="quarter" idx="5"/>
+          </p:nvPr>
+        </p:nvSpPr>
+        <p:spPr>
+          <a:xfrm>
+            <a:off x="3884613" y="8685213"/>
+            <a:ext cx="2971800" cy="458787"/>
+          </a:xfrm>
+          <a:prstGeom prst="rect">
+            <a:avLst/>
+          </a:prstGeom>
+        </p:spPr>
+        <p:txBody>
+          <a:bodyPr vert="horz" lIns="91440" tIns="45720" rIns="91440" bIns="45720" rtlCol="0" anchor="b"/>
+          <a:lstStyle>
+            <a:lvl1pPr algn="r">
+              <a:defRPr sz="1200"/>
+            </a:lvl1pPr>
+          </a:lstStyle>
+          <a:p>
+            <a:fld id="{DA2C87FA-1FEA-4A9A-8489-BE23A77EA2FC}" type="slidenum">
+              <a:rPr lang="fr-FR" smtClean="0"/>
+              <a:t>‹N°›</a:t>
+            </a:fld>
+            <a:endParaRPr lang="fr-FR"/>
+          </a:p>
+        </p:txBody>
+      </p:sp>
+    </p:spTree>
+    <p:extLst>
+      <p:ext uri="{BB962C8B-B14F-4D97-AF65-F5344CB8AC3E}">
+        <p14:creationId xmlns:p14="http://schemas.microsoft.com/office/powerpoint/2010/main" val="196251122"/>
+      </p:ext>
+    </p:extLst>
+  </p:cSld>
+  <p:clrMap bg1="lt1" tx1="dk1" bg2="lt2" tx2="dk2" accent1="accent1" accent2="accent2" accent3="accent3" accent4="accent4" accent5="accent5" accent6="accent6" hlink="hlink" folHlink="folHlink"/>
+  <p:notesStyle>
+    <a:lvl1pPr marL="0" algn="l" defTabSz="914400" rtl="0" eaLnBrk="1" latinLnBrk="0" hangingPunct="1">
+      <a:defRPr sz="1200" kern="1200">
+        <a:solidFill>
+          <a:schemeClr val="tx1"/>
+        </a:solidFill>
+        <a:latin typeface="+mn-lt"/>
+        <a:ea typeface="+mn-ea"/>
+        <a:cs typeface="+mn-cs"/>
+      </a:defRPr>
+    </a:lvl1pPr>
+    <a:lvl2pPr marL="457200" algn="l" defTabSz="914400" rtl="0" eaLnBrk="1" latinLnBrk="0" hangingPunct="1">
+      <a:defRPr sz="1200" kern="1200">
+        <a:solidFill>
+          <a:schemeClr val="tx1"/>
+        </a:solidFill>
+        <a:latin typeface="+mn-lt"/>
+        <a:ea typeface="+mn-ea"/>
+        <a:cs typeface="+mn-cs"/>
+      </a:defRPr>
+    </a:lvl2pPr>
+    <a:lvl3pPr marL="914400" algn="l" defTabSz="914400" rtl="0" eaLnBrk="1" latinLnBrk="0" hangingPunct="1">
+      <a:defRPr sz="1200" kern="1200">
+        <a:solidFill>
+          <a:schemeClr val="tx1"/>
+        </a:solidFill>
+        <a:latin typeface="+mn-lt"/>
+        <a:ea typeface="+mn-ea"/>
+        <a:cs typeface="+mn-cs"/>
+      </a:defRPr>
+    </a:lvl3pPr>
+    <a:lvl4pPr marL="1371600" algn="l" defTabSz="914400" rtl="0" eaLnBrk="1" latinLnBrk="0" hangingPunct="1">
+      <a:defRPr sz="1200" kern="1200">
+        <a:solidFill>
+          <a:schemeClr val="tx1"/>
+        </a:solidFill>
+        <a:latin typeface="+mn-lt"/>
+        <a:ea typeface="+mn-ea"/>
+        <a:cs typeface="+mn-cs"/>
+      </a:defRPr>
+    </a:lvl4pPr>
+    <a:lvl5pPr marL="1828800" algn="l" defTabSz="914400" rtl="0" eaLnBrk="1" latinLnBrk="0" hangingPunct="1">
+      <a:defRPr sz="1200" kern="1200">
+        <a:solidFill>
+          <a:schemeClr val="tx1"/>
+        </a:solidFill>
+        <a:latin typeface="+mn-lt"/>
+        <a:ea typeface="+mn-ea"/>
+        <a:cs typeface="+mn-cs"/>
+      </a:defRPr>
+    </a:lvl5pPr>
+    <a:lvl6pPr marL="2286000" algn="l" defTabSz="914400" rtl="0" eaLnBrk="1" latinLnBrk="0" hangingPunct="1">
+      <a:defRPr sz="1200" kern="1200">
+        <a:solidFill>
+          <a:schemeClr val="tx1"/>
+        </a:solidFill>
+        <a:latin typeface="+mn-lt"/>
+        <a:ea typeface="+mn-ea"/>
+        <a:cs typeface="+mn-cs"/>
+      </a:defRPr>
+    </a:lvl6pPr>
+    <a:lvl7pPr marL="2743200" algn="l" defTabSz="914400" rtl="0" eaLnBrk="1" latinLnBrk="0" hangingPunct="1">
+      <a:defRPr sz="1200" kern="1200">
+        <a:solidFill>
+          <a:schemeClr val="tx1"/>
+        </a:solidFill>
+        <a:latin typeface="+mn-lt"/>
+        <a:ea typeface="+mn-ea"/>
+        <a:cs typeface="+mn-cs"/>
+      </a:defRPr>
+    </a:lvl7pPr>
+    <a:lvl8pPr marL="3200400" algn="l" defTabSz="914400" rtl="0" eaLnBrk="1" latinLnBrk="0" hangingPunct="1">
+      <a:defRPr sz="1200" kern="1200">
+        <a:solidFill>
+          <a:schemeClr val="tx1"/>
+        </a:solidFill>
+        <a:latin typeface="+mn-lt"/>
+        <a:ea typeface="+mn-ea"/>
+        <a:cs typeface="+mn-cs"/>
+      </a:defRPr>
+    </a:lvl8pPr>
+    <a:lvl9pPr marL="3657600" algn="l" defTabSz="914400" rtl="0" eaLnBrk="1" latinLnBrk="0" hangingPunct="1">
+      <a:defRPr sz="1200" kern="1200">
+        <a:solidFill>
+          <a:schemeClr val="tx1"/>
+        </a:solidFill>
+        <a:latin typeface="+mn-lt"/>
+        <a:ea typeface="+mn-ea"/>
+        <a:cs typeface="+mn-cs"/>
+      </a:defRPr>
+    </a:lvl9pPr>
+  </p:notesStyle>
+</p:notesMaster>
 </file>
 
 <file path=ppt/slideLayouts/slideLayout1.xml><?xml version="1.0" encoding="utf-8"?>
@@ -635,9 +987,9 @@
           <a:bodyPr/>
           <a:lstStyle/>
           <a:p>
-            <a:fld id="{A61B3F4D-8EA7-49F0-B50E-DB0A97B04444}" type="datetimeFigureOut">
+            <a:fld id="{60789D27-259F-41AF-A2E3-5F873C1C41AF}" type="datetime1">
               <a:rPr lang="fr-FR" smtClean="0"/>
-              <a:t>14/12/2017</a:t>
+              <a:t>15/12/2017</a:t>
             </a:fld>
             <a:endParaRPr lang="fr-FR"/>
           </a:p>
@@ -700,13 +1052,13 @@
   <p:clrMapOvr>
     <a:masterClrMapping/>
   </p:clrMapOvr>
-  <mc:AlternateContent xmlns:mc="http://schemas.openxmlformats.org/markup-compatibility/2006">
-    <mc:Choice xmlns:p14="http://schemas.microsoft.com/office/powerpoint/2010/main" Requires="p14">
+  <mc:AlternateContent xmlns:mc="http://schemas.openxmlformats.org/markup-compatibility/2006" xmlns:p14="http://schemas.microsoft.com/office/powerpoint/2010/main">
+    <mc:Choice Requires="p14">
       <p:transition spd="med" p14:dur="700">
         <p:fade/>
       </p:transition>
     </mc:Choice>
-    <mc:Fallback>
+    <mc:Fallback xmlns="">
       <p:transition spd="med">
         <p:fade/>
       </p:transition>
@@ -943,9 +1295,9 @@
           <a:bodyPr/>
           <a:lstStyle/>
           <a:p>
-            <a:fld id="{A61B3F4D-8EA7-49F0-B50E-DB0A97B04444}" type="datetimeFigureOut">
+            <a:fld id="{7E248E77-02C9-43D8-B3B9-675E1419EDCD}" type="datetime1">
               <a:rPr lang="fr-FR" smtClean="0"/>
-              <a:t>14/12/2017</a:t>
+              <a:t>15/12/2017</a:t>
             </a:fld>
             <a:endParaRPr lang="fr-FR"/>
           </a:p>
@@ -1191,9 +1543,9 @@
           <a:bodyPr/>
           <a:lstStyle/>
           <a:p>
-            <a:fld id="{A61B3F4D-8EA7-49F0-B50E-DB0A97B04444}" type="datetimeFigureOut">
+            <a:fld id="{BE4BAF62-A81D-44EE-9D3C-27E70430AE85}" type="datetime1">
               <a:rPr lang="fr-FR" smtClean="0"/>
-              <a:t>14/12/2017</a:t>
+              <a:t>15/12/2017</a:t>
             </a:fld>
             <a:endParaRPr lang="fr-FR"/>
           </a:p>
@@ -1731,9 +2083,9 @@
           <a:bodyPr/>
           <a:lstStyle/>
           <a:p>
-            <a:fld id="{A61B3F4D-8EA7-49F0-B50E-DB0A97B04444}" type="datetimeFigureOut">
+            <a:fld id="{15908F73-76FE-46ED-80D2-C4AC60CEEF4C}" type="datetime1">
               <a:rPr lang="fr-FR" smtClean="0"/>
-              <a:t>14/12/2017</a:t>
+              <a:t>15/12/2017</a:t>
             </a:fld>
             <a:endParaRPr lang="fr-FR"/>
           </a:p>
@@ -1979,9 +2331,9 @@
           <a:bodyPr/>
           <a:lstStyle/>
           <a:p>
-            <a:fld id="{A61B3F4D-8EA7-49F0-B50E-DB0A97B04444}" type="datetimeFigureOut">
+            <a:fld id="{6E3A3F30-A2E0-4867-A044-FFF452CAEF30}" type="datetime1">
               <a:rPr lang="fr-FR" smtClean="0"/>
-              <a:t>14/12/2017</a:t>
+              <a:t>15/12/2017</a:t>
             </a:fld>
             <a:endParaRPr lang="fr-FR"/>
           </a:p>
@@ -2511,9 +2863,9 @@
           <a:bodyPr/>
           <a:lstStyle/>
           <a:p>
-            <a:fld id="{A61B3F4D-8EA7-49F0-B50E-DB0A97B04444}" type="datetimeFigureOut">
+            <a:fld id="{E693A0D3-380F-4595-8350-2504826628F6}" type="datetime1">
               <a:rPr lang="fr-FR" smtClean="0"/>
-              <a:t>14/12/2017</a:t>
+              <a:t>15/12/2017</a:t>
             </a:fld>
             <a:endParaRPr lang="fr-FR"/>
           </a:p>
@@ -2808,9 +3160,9 @@
           <a:bodyPr/>
           <a:lstStyle/>
           <a:p>
-            <a:fld id="{A61B3F4D-8EA7-49F0-B50E-DB0A97B04444}" type="datetimeFigureOut">
+            <a:fld id="{EB633EFC-032B-433A-900C-D9F6CD13F39C}" type="datetime1">
               <a:rPr lang="fr-FR" smtClean="0"/>
-              <a:t>14/12/2017</a:t>
+              <a:t>15/12/2017</a:t>
             </a:fld>
             <a:endParaRPr lang="fr-FR"/>
           </a:p>
@@ -2982,9 +3334,9 @@
           <a:bodyPr/>
           <a:lstStyle/>
           <a:p>
-            <a:fld id="{A61B3F4D-8EA7-49F0-B50E-DB0A97B04444}" type="datetimeFigureOut">
+            <a:fld id="{E53318C3-6E56-443C-BDCA-B487AFB13B14}" type="datetime1">
               <a:rPr lang="fr-FR" smtClean="0"/>
-              <a:t>14/12/2017</a:t>
+              <a:t>15/12/2017</a:t>
             </a:fld>
             <a:endParaRPr lang="fr-FR"/>
           </a:p>
@@ -3042,13 +3394,13 @@
   <p:clrMapOvr>
     <a:masterClrMapping/>
   </p:clrMapOvr>
-  <mc:AlternateContent xmlns:mc="http://schemas.openxmlformats.org/markup-compatibility/2006">
-    <mc:Choice xmlns:p14="http://schemas.microsoft.com/office/powerpoint/2010/main" Requires="p14">
+  <mc:AlternateContent xmlns:mc="http://schemas.openxmlformats.org/markup-compatibility/2006" xmlns:p14="http://schemas.microsoft.com/office/powerpoint/2010/main">
+    <mc:Choice Requires="p14">
       <p:transition spd="med" p14:dur="700">
         <p:fade/>
       </p:transition>
     </mc:Choice>
-    <mc:Fallback>
+    <mc:Fallback xmlns="">
       <p:transition spd="med">
         <p:fade/>
       </p:transition>
@@ -3174,9 +3526,9 @@
           <a:bodyPr/>
           <a:lstStyle/>
           <a:p>
-            <a:fld id="{A61B3F4D-8EA7-49F0-B50E-DB0A97B04444}" type="datetimeFigureOut">
+            <a:fld id="{AD64BDD7-255B-4F1E-809F-93317509FED9}" type="datetime1">
               <a:rPr lang="fr-FR" smtClean="0"/>
-              <a:t>14/12/2017</a:t>
+              <a:t>15/12/2017</a:t>
             </a:fld>
             <a:endParaRPr lang="fr-FR"/>
           </a:p>
@@ -3234,13 +3586,13 @@
   <p:clrMapOvr>
     <a:masterClrMapping/>
   </p:clrMapOvr>
-  <mc:AlternateContent xmlns:mc="http://schemas.openxmlformats.org/markup-compatibility/2006">
-    <mc:Choice xmlns:p14="http://schemas.microsoft.com/office/powerpoint/2010/main" Requires="p14">
+  <mc:AlternateContent xmlns:mc="http://schemas.openxmlformats.org/markup-compatibility/2006" xmlns:p14="http://schemas.microsoft.com/office/powerpoint/2010/main">
+    <mc:Choice Requires="p14">
       <p:transition spd="med" p14:dur="700">
         <p:fade/>
       </p:transition>
     </mc:Choice>
-    <mc:Fallback>
+    <mc:Fallback xmlns="">
       <p:transition spd="med">
         <p:fade/>
       </p:transition>
@@ -3356,9 +3708,9 @@
           <a:bodyPr/>
           <a:lstStyle/>
           <a:p>
-            <a:fld id="{A61B3F4D-8EA7-49F0-B50E-DB0A97B04444}" type="datetimeFigureOut">
+            <a:fld id="{45CFFBE6-0AD4-4A47-A970-F8279C8F2755}" type="datetime1">
               <a:rPr lang="fr-FR" smtClean="0"/>
-              <a:t>14/12/2017</a:t>
+              <a:t>15/12/2017</a:t>
             </a:fld>
             <a:endParaRPr lang="fr-FR"/>
           </a:p>
@@ -3421,13 +3773,13 @@
   <p:clrMapOvr>
     <a:masterClrMapping/>
   </p:clrMapOvr>
-  <mc:AlternateContent xmlns:mc="http://schemas.openxmlformats.org/markup-compatibility/2006">
-    <mc:Choice xmlns:p14="http://schemas.microsoft.com/office/powerpoint/2010/main" Requires="p14">
+  <mc:AlternateContent xmlns:mc="http://schemas.openxmlformats.org/markup-compatibility/2006" xmlns:p14="http://schemas.microsoft.com/office/powerpoint/2010/main">
+    <mc:Choice Requires="p14">
       <p:transition spd="med" p14:dur="700">
         <p:fade/>
       </p:transition>
     </mc:Choice>
-    <mc:Fallback>
+    <mc:Fallback xmlns="">
       <p:transition spd="med">
         <p:fade/>
       </p:transition>
@@ -3619,9 +3971,9 @@
           <a:bodyPr/>
           <a:lstStyle/>
           <a:p>
-            <a:fld id="{A61B3F4D-8EA7-49F0-B50E-DB0A97B04444}" type="datetimeFigureOut">
+            <a:fld id="{249382B0-F871-4261-9A94-8C7A913E7849}" type="datetime1">
               <a:rPr lang="fr-FR" smtClean="0"/>
-              <a:t>14/12/2017</a:t>
+              <a:t>15/12/2017</a:t>
             </a:fld>
             <a:endParaRPr lang="fr-FR"/>
           </a:p>
@@ -3679,13 +4031,13 @@
   <p:clrMapOvr>
     <a:masterClrMapping/>
   </p:clrMapOvr>
-  <mc:AlternateContent xmlns:mc="http://schemas.openxmlformats.org/markup-compatibility/2006">
-    <mc:Choice xmlns:p14="http://schemas.microsoft.com/office/powerpoint/2010/main" Requires="p14">
+  <mc:AlternateContent xmlns:mc="http://schemas.openxmlformats.org/markup-compatibility/2006" xmlns:p14="http://schemas.microsoft.com/office/powerpoint/2010/main">
+    <mc:Choice Requires="p14">
       <p:transition spd="med" p14:dur="700">
         <p:fade/>
       </p:transition>
     </mc:Choice>
-    <mc:Fallback>
+    <mc:Fallback xmlns="">
       <p:transition spd="med">
         <p:fade/>
       </p:transition>
@@ -3928,9 +4280,9 @@
           <a:bodyPr/>
           <a:lstStyle/>
           <a:p>
-            <a:fld id="{A61B3F4D-8EA7-49F0-B50E-DB0A97B04444}" type="datetimeFigureOut">
+            <a:fld id="{6603F079-66E4-4680-ADC3-BAD638135F10}" type="datetime1">
               <a:rPr lang="fr-FR" smtClean="0"/>
-              <a:t>14/12/2017</a:t>
+              <a:t>15/12/2017</a:t>
             </a:fld>
             <a:endParaRPr lang="fr-FR"/>
           </a:p>
@@ -3988,13 +4340,13 @@
   <p:clrMapOvr>
     <a:masterClrMapping/>
   </p:clrMapOvr>
-  <mc:AlternateContent xmlns:mc="http://schemas.openxmlformats.org/markup-compatibility/2006">
-    <mc:Choice xmlns:p14="http://schemas.microsoft.com/office/powerpoint/2010/main" Requires="p14">
+  <mc:AlternateContent xmlns:mc="http://schemas.openxmlformats.org/markup-compatibility/2006" xmlns:p14="http://schemas.microsoft.com/office/powerpoint/2010/main">
+    <mc:Choice Requires="p14">
       <p:transition spd="med" p14:dur="700">
         <p:fade/>
       </p:transition>
     </mc:Choice>
-    <mc:Fallback>
+    <mc:Fallback xmlns="">
       <p:transition spd="med">
         <p:fade/>
       </p:transition>
@@ -4382,9 +4734,9 @@
           <a:bodyPr/>
           <a:lstStyle/>
           <a:p>
-            <a:fld id="{A61B3F4D-8EA7-49F0-B50E-DB0A97B04444}" type="datetimeFigureOut">
+            <a:fld id="{F722AD84-677D-4EA5-8455-7745C367365D}" type="datetime1">
               <a:rPr lang="fr-FR" smtClean="0"/>
-              <a:t>14/12/2017</a:t>
+              <a:t>15/12/2017</a:t>
             </a:fld>
             <a:endParaRPr lang="fr-FR"/>
           </a:p>
@@ -4442,13 +4794,13 @@
   <p:clrMapOvr>
     <a:masterClrMapping/>
   </p:clrMapOvr>
-  <mc:AlternateContent xmlns:mc="http://schemas.openxmlformats.org/markup-compatibility/2006">
-    <mc:Choice xmlns:p14="http://schemas.microsoft.com/office/powerpoint/2010/main" Requires="p14">
+  <mc:AlternateContent xmlns:mc="http://schemas.openxmlformats.org/markup-compatibility/2006" xmlns:p14="http://schemas.microsoft.com/office/powerpoint/2010/main">
+    <mc:Choice Requires="p14">
       <p:transition spd="med" p14:dur="700">
         <p:fade/>
       </p:transition>
     </mc:Choice>
-    <mc:Fallback>
+    <mc:Fallback xmlns="">
       <p:transition spd="med">
         <p:fade/>
       </p:transition>
@@ -4512,9 +4864,9 @@
           <a:bodyPr/>
           <a:lstStyle/>
           <a:p>
-            <a:fld id="{A61B3F4D-8EA7-49F0-B50E-DB0A97B04444}" type="datetimeFigureOut">
+            <a:fld id="{66BA01C5-4FD1-4020-A389-0913CF21F6D4}" type="datetime1">
               <a:rPr lang="fr-FR" smtClean="0"/>
-              <a:t>14/12/2017</a:t>
+              <a:t>15/12/2017</a:t>
             </a:fld>
             <a:endParaRPr lang="fr-FR"/>
           </a:p>
@@ -4572,13 +4924,13 @@
   <p:clrMapOvr>
     <a:masterClrMapping/>
   </p:clrMapOvr>
-  <mc:AlternateContent xmlns:mc="http://schemas.openxmlformats.org/markup-compatibility/2006">
-    <mc:Choice xmlns:p14="http://schemas.microsoft.com/office/powerpoint/2010/main" Requires="p14">
+  <mc:AlternateContent xmlns:mc="http://schemas.openxmlformats.org/markup-compatibility/2006" xmlns:p14="http://schemas.microsoft.com/office/powerpoint/2010/main">
+    <mc:Choice Requires="p14">
       <p:transition spd="med" p14:dur="700">
         <p:fade/>
       </p:transition>
     </mc:Choice>
-    <mc:Fallback>
+    <mc:Fallback xmlns="">
       <p:transition spd="med">
         <p:fade/>
       </p:transition>
@@ -4619,9 +4971,9 @@
           <a:bodyPr/>
           <a:lstStyle/>
           <a:p>
-            <a:fld id="{A61B3F4D-8EA7-49F0-B50E-DB0A97B04444}" type="datetimeFigureOut">
+            <a:fld id="{70253BCA-0A0C-43D9-A058-7BDC04A23E29}" type="datetime1">
               <a:rPr lang="fr-FR" smtClean="0"/>
-              <a:t>14/12/2017</a:t>
+              <a:t>15/12/2017</a:t>
             </a:fld>
             <a:endParaRPr lang="fr-FR"/>
           </a:p>
@@ -4679,13 +5031,13 @@
   <p:clrMapOvr>
     <a:masterClrMapping/>
   </p:clrMapOvr>
-  <mc:AlternateContent xmlns:mc="http://schemas.openxmlformats.org/markup-compatibility/2006">
-    <mc:Choice xmlns:p14="http://schemas.microsoft.com/office/powerpoint/2010/main" Requires="p14">
+  <mc:AlternateContent xmlns:mc="http://schemas.openxmlformats.org/markup-compatibility/2006" xmlns:p14="http://schemas.microsoft.com/office/powerpoint/2010/main">
+    <mc:Choice Requires="p14">
       <p:transition spd="med" p14:dur="700">
         <p:fade/>
       </p:transition>
     </mc:Choice>
-    <mc:Fallback>
+    <mc:Fallback xmlns="">
       <p:transition spd="med">
         <p:fade/>
       </p:transition>
@@ -4914,9 +5266,9 @@
           <a:bodyPr/>
           <a:lstStyle/>
           <a:p>
-            <a:fld id="{A61B3F4D-8EA7-49F0-B50E-DB0A97B04444}" type="datetimeFigureOut">
+            <a:fld id="{ED278CE9-2C18-4415-AEF4-45551716935D}" type="datetime1">
               <a:rPr lang="fr-FR" smtClean="0"/>
-              <a:t>14/12/2017</a:t>
+              <a:t>15/12/2017</a:t>
             </a:fld>
             <a:endParaRPr lang="fr-FR"/>
           </a:p>
@@ -4974,13 +5326,13 @@
   <p:clrMapOvr>
     <a:masterClrMapping/>
   </p:clrMapOvr>
-  <mc:AlternateContent xmlns:mc="http://schemas.openxmlformats.org/markup-compatibility/2006">
-    <mc:Choice xmlns:p14="http://schemas.microsoft.com/office/powerpoint/2010/main" Requires="p14">
+  <mc:AlternateContent xmlns:mc="http://schemas.openxmlformats.org/markup-compatibility/2006" xmlns:p14="http://schemas.microsoft.com/office/powerpoint/2010/main">
+    <mc:Choice Requires="p14">
       <p:transition spd="med" p14:dur="700">
         <p:fade/>
       </p:transition>
     </mc:Choice>
-    <mc:Fallback>
+    <mc:Fallback xmlns="">
       <p:transition spd="med">
         <p:fade/>
       </p:transition>
@@ -5217,9 +5569,9 @@
           <a:bodyPr/>
           <a:lstStyle/>
           <a:p>
-            <a:fld id="{A61B3F4D-8EA7-49F0-B50E-DB0A97B04444}" type="datetimeFigureOut">
+            <a:fld id="{CAA40641-56C1-4409-9B87-36B1BC811F7A}" type="datetime1">
               <a:rPr lang="fr-FR" smtClean="0"/>
-              <a:t>14/12/2017</a:t>
+              <a:t>15/12/2017</a:t>
             </a:fld>
             <a:endParaRPr lang="fr-FR"/>
           </a:p>
@@ -5277,13 +5629,13 @@
   <p:clrMapOvr>
     <a:masterClrMapping/>
   </p:clrMapOvr>
-  <mc:AlternateContent xmlns:mc="http://schemas.openxmlformats.org/markup-compatibility/2006">
-    <mc:Choice xmlns:p14="http://schemas.microsoft.com/office/powerpoint/2010/main" Requires="p14">
+  <mc:AlternateContent xmlns:mc="http://schemas.openxmlformats.org/markup-compatibility/2006" xmlns:p14="http://schemas.microsoft.com/office/powerpoint/2010/main">
+    <mc:Choice Requires="p14">
       <p:transition spd="med" p14:dur="700">
         <p:fade/>
       </p:transition>
     </mc:Choice>
-    <mc:Fallback>
+    <mc:Fallback xmlns="">
       <p:transition spd="med">
         <p:fade/>
       </p:transition>
@@ -5759,9 +6111,9 @@
             </a:lvl1pPr>
           </a:lstStyle>
           <a:p>
-            <a:fld id="{A61B3F4D-8EA7-49F0-B50E-DB0A97B04444}" type="datetimeFigureOut">
+            <a:fld id="{7D503D03-9F85-46D0-9514-9EF9555F95EA}" type="datetime1">
               <a:rPr lang="fr-FR" smtClean="0"/>
-              <a:t>14/12/2017</a:t>
+              <a:t>15/12/2017</a:t>
             </a:fld>
             <a:endParaRPr lang="fr-FR"/>
           </a:p>
@@ -5872,18 +6224,19 @@
     <p:sldLayoutId id="2147483676" r:id="rId16"/>
     <p:sldLayoutId id="2147483677" r:id="rId17"/>
   </p:sldLayoutIdLst>
-  <mc:AlternateContent xmlns:mc="http://schemas.openxmlformats.org/markup-compatibility/2006">
-    <mc:Choice xmlns:p14="http://schemas.microsoft.com/office/powerpoint/2010/main" Requires="p14">
+  <mc:AlternateContent xmlns:mc="http://schemas.openxmlformats.org/markup-compatibility/2006" xmlns:p14="http://schemas.microsoft.com/office/powerpoint/2010/main">
+    <mc:Choice Requires="p14">
       <p:transition spd="med" p14:dur="700">
         <p:fade/>
       </p:transition>
     </mc:Choice>
-    <mc:Fallback>
+    <mc:Fallback xmlns="">
       <p:transition spd="med">
         <p:fade/>
       </p:transition>
     </mc:Fallback>
   </mc:AlternateContent>
+  <p:hf hdr="0" ftr="0" dt="0"/>
   <p:txStyles>
     <p:titleStyle>
       <a:lvl1pPr algn="ctr" defTabSz="457200" rtl="0" eaLnBrk="1" latinLnBrk="0" hangingPunct="1">
@@ -6326,9 +6679,7 @@
             <a:ext cx="9144000" cy="1937010"/>
           </a:xfrm>
           <a:ln w="38100">
-            <a:solidFill>
-              <a:schemeClr val="tx1"/>
-            </a:solidFill>
+            <a:noFill/>
           </a:ln>
         </p:spPr>
         <p:txBody>
@@ -6443,42 +6794,6 @@
       </p:sp>
       <p:sp>
         <p:nvSpPr>
-          <p:cNvPr id="5" name="ZoneTexte 4">
-            <a:extLst>
-              <a:ext uri="{FF2B5EF4-FFF2-40B4-BE49-F238E27FC236}">
-                <a16:creationId xmlns:a16="http://schemas.microsoft.com/office/drawing/2014/main" id="{B58DB3F6-3A6A-42FB-90F0-C90CD25EF699}"/>
-              </a:ext>
-            </a:extLst>
-          </p:cNvPr>
-          <p:cNvSpPr txBox="1"/>
-          <p:nvPr/>
-        </p:nvSpPr>
-        <p:spPr>
-          <a:xfrm>
-            <a:off x="0" y="6211669"/>
-            <a:ext cx="736979" cy="646331"/>
-          </a:xfrm>
-          <a:prstGeom prst="rect">
-            <a:avLst/>
-          </a:prstGeom>
-          <a:noFill/>
-        </p:spPr>
-        <p:txBody>
-          <a:bodyPr wrap="square" rtlCol="0">
-            <a:spAutoFit/>
-          </a:bodyPr>
-          <a:lstStyle/>
-          <a:p>
-            <a:r>
-              <a:rPr lang="fr-FR" sz="3600" dirty="0"/>
-              <a:t> 1</a:t>
-            </a:r>
-            <a:endParaRPr lang="fr-FR" dirty="0"/>
-          </a:p>
-        </p:txBody>
-      </p:sp>
-      <p:sp>
-        <p:nvSpPr>
           <p:cNvPr id="6" name="ZoneTexte 5">
             <a:extLst>
               <a:ext uri="{FF2B5EF4-FFF2-40B4-BE49-F238E27FC236}">
@@ -6515,6 +6830,40 @@
               <a:t>Peinturier</a:t>
             </a:r>
             <a:endParaRPr lang="fr-FR" sz="2400" dirty="0"/>
+          </a:p>
+        </p:txBody>
+      </p:sp>
+      <p:sp>
+        <p:nvSpPr>
+          <p:cNvPr id="7" name="Espace réservé du numéro de diapositive 6">
+            <a:extLst>
+              <a:ext uri="{FF2B5EF4-FFF2-40B4-BE49-F238E27FC236}">
+                <a16:creationId xmlns:a16="http://schemas.microsoft.com/office/drawing/2014/main" id="{F83FD2AB-4DF7-40DF-A14A-CF50A7AEB296}"/>
+              </a:ext>
+            </a:extLst>
+          </p:cNvPr>
+          <p:cNvSpPr>
+            <a:spLocks noGrp="1"/>
+          </p:cNvSpPr>
+          <p:nvPr>
+            <p:ph type="sldNum" sz="quarter" idx="12"/>
+          </p:nvPr>
+        </p:nvSpPr>
+        <p:spPr>
+          <a:xfrm>
+            <a:off x="10951856" y="5883275"/>
+            <a:ext cx="1240144" cy="974725"/>
+          </a:xfrm>
+        </p:spPr>
+        <p:txBody>
+          <a:bodyPr/>
+          <a:lstStyle/>
+          <a:p>
+            <a:fld id="{C3971EB4-5D69-478D-A898-C8EFE65792CC}" type="slidenum">
+              <a:rPr lang="fr-FR" sz="3600" smtClean="0"/>
+              <a:t>1</a:t>
+            </a:fld>
+            <a:endParaRPr lang="fr-FR" dirty="0"/>
           </a:p>
         </p:txBody>
       </p:sp>
@@ -6528,13 +6877,13 @@
   <p:clrMapOvr>
     <a:masterClrMapping/>
   </p:clrMapOvr>
-  <mc:AlternateContent xmlns:mc="http://schemas.openxmlformats.org/markup-compatibility/2006">
-    <mc:Choice xmlns:p14="http://schemas.microsoft.com/office/powerpoint/2010/main" Requires="p14">
+  <mc:AlternateContent xmlns:mc="http://schemas.openxmlformats.org/markup-compatibility/2006" xmlns:p14="http://schemas.microsoft.com/office/powerpoint/2010/main">
+    <mc:Choice Requires="p14">
       <p:transition spd="med" p14:dur="700">
         <p:fade/>
       </p:transition>
     </mc:Choice>
-    <mc:Fallback>
+    <mc:Fallback xmlns="">
       <p:transition spd="med">
         <p:fade/>
       </p:transition>
@@ -6788,6 +7137,40 @@
               <a:rPr lang="fr-FR" dirty="0"/>
               <a:t>Arborescence du site</a:t>
             </a:r>
+          </a:p>
+        </p:txBody>
+      </p:sp>
+      <p:sp>
+        <p:nvSpPr>
+          <p:cNvPr id="7" name="Espace réservé du numéro de diapositive 6">
+            <a:extLst>
+              <a:ext uri="{FF2B5EF4-FFF2-40B4-BE49-F238E27FC236}">
+                <a16:creationId xmlns:a16="http://schemas.microsoft.com/office/drawing/2014/main" id="{1C0B54AF-4461-48E2-AA2B-8F7F0FBF650E}"/>
+              </a:ext>
+            </a:extLst>
+          </p:cNvPr>
+          <p:cNvSpPr>
+            <a:spLocks noGrp="1"/>
+          </p:cNvSpPr>
+          <p:nvPr>
+            <p:ph type="sldNum" sz="quarter" idx="12"/>
+          </p:nvPr>
+        </p:nvSpPr>
+        <p:spPr>
+          <a:xfrm>
+            <a:off x="10951856" y="5883275"/>
+            <a:ext cx="1240144" cy="974725"/>
+          </a:xfrm>
+        </p:spPr>
+        <p:txBody>
+          <a:bodyPr/>
+          <a:lstStyle/>
+          <a:p>
+            <a:fld id="{C3971EB4-5D69-478D-A898-C8EFE65792CC}" type="slidenum">
+              <a:rPr lang="fr-FR" sz="3600" smtClean="0"/>
+              <a:t>10</a:t>
+            </a:fld>
+            <a:endParaRPr lang="fr-FR" dirty="0"/>
           </a:p>
         </p:txBody>
       </p:sp>
@@ -7049,6 +7432,40 @@
           </a:p>
         </p:txBody>
       </p:sp>
+      <p:sp>
+        <p:nvSpPr>
+          <p:cNvPr id="7" name="Espace réservé du numéro de diapositive 6">
+            <a:extLst>
+              <a:ext uri="{FF2B5EF4-FFF2-40B4-BE49-F238E27FC236}">
+                <a16:creationId xmlns:a16="http://schemas.microsoft.com/office/drawing/2014/main" id="{DF39C45C-0501-4F9B-AEE4-005BAA820239}"/>
+              </a:ext>
+            </a:extLst>
+          </p:cNvPr>
+          <p:cNvSpPr>
+            <a:spLocks noGrp="1"/>
+          </p:cNvSpPr>
+          <p:nvPr>
+            <p:ph type="sldNum" sz="quarter" idx="12"/>
+          </p:nvPr>
+        </p:nvSpPr>
+        <p:spPr>
+          <a:xfrm>
+            <a:off x="10951856" y="5883275"/>
+            <a:ext cx="1240144" cy="974725"/>
+          </a:xfrm>
+        </p:spPr>
+        <p:txBody>
+          <a:bodyPr/>
+          <a:lstStyle/>
+          <a:p>
+            <a:fld id="{C3971EB4-5D69-478D-A898-C8EFE65792CC}" type="slidenum">
+              <a:rPr lang="fr-FR" sz="3600" smtClean="0"/>
+              <a:t>11</a:t>
+            </a:fld>
+            <a:endParaRPr lang="fr-FR" dirty="0"/>
+          </a:p>
+        </p:txBody>
+      </p:sp>
     </p:spTree>
     <p:extLst>
       <p:ext uri="{BB962C8B-B14F-4D97-AF65-F5344CB8AC3E}">
@@ -7323,6 +7740,40 @@
               <a:rPr lang="fr-FR" dirty="0"/>
               <a:t>Spécifications techniques</a:t>
             </a:r>
+          </a:p>
+        </p:txBody>
+      </p:sp>
+      <p:sp>
+        <p:nvSpPr>
+          <p:cNvPr id="7" name="Espace réservé du numéro de diapositive 6">
+            <a:extLst>
+              <a:ext uri="{FF2B5EF4-FFF2-40B4-BE49-F238E27FC236}">
+                <a16:creationId xmlns:a16="http://schemas.microsoft.com/office/drawing/2014/main" id="{122F60DD-3322-4280-9386-86545765E26F}"/>
+              </a:ext>
+            </a:extLst>
+          </p:cNvPr>
+          <p:cNvSpPr>
+            <a:spLocks noGrp="1"/>
+          </p:cNvSpPr>
+          <p:nvPr>
+            <p:ph type="sldNum" sz="quarter" idx="12"/>
+          </p:nvPr>
+        </p:nvSpPr>
+        <p:spPr>
+          <a:xfrm>
+            <a:off x="10951856" y="5883275"/>
+            <a:ext cx="1240144" cy="974725"/>
+          </a:xfrm>
+        </p:spPr>
+        <p:txBody>
+          <a:bodyPr/>
+          <a:lstStyle/>
+          <a:p>
+            <a:fld id="{C3971EB4-5D69-478D-A898-C8EFE65792CC}" type="slidenum">
+              <a:rPr lang="fr-FR" sz="3600" smtClean="0"/>
+              <a:t>12</a:t>
+            </a:fld>
+            <a:endParaRPr lang="fr-FR" dirty="0"/>
           </a:p>
         </p:txBody>
       </p:sp>
@@ -7549,6 +8000,40 @@
           </a:p>
         </p:txBody>
       </p:sp>
+      <p:sp>
+        <p:nvSpPr>
+          <p:cNvPr id="8" name="Espace réservé du numéro de diapositive 6">
+            <a:extLst>
+              <a:ext uri="{FF2B5EF4-FFF2-40B4-BE49-F238E27FC236}">
+                <a16:creationId xmlns:a16="http://schemas.microsoft.com/office/drawing/2014/main" id="{019753B2-A231-4546-A6BC-BFF597F69B64}"/>
+              </a:ext>
+            </a:extLst>
+          </p:cNvPr>
+          <p:cNvSpPr>
+            <a:spLocks noGrp="1"/>
+          </p:cNvSpPr>
+          <p:nvPr>
+            <p:ph type="sldNum" sz="quarter" idx="12"/>
+          </p:nvPr>
+        </p:nvSpPr>
+        <p:spPr>
+          <a:xfrm>
+            <a:off x="10951856" y="5883275"/>
+            <a:ext cx="1240144" cy="974725"/>
+          </a:xfrm>
+        </p:spPr>
+        <p:txBody>
+          <a:bodyPr/>
+          <a:lstStyle/>
+          <a:p>
+            <a:fld id="{C3971EB4-5D69-478D-A898-C8EFE65792CC}" type="slidenum">
+              <a:rPr lang="fr-FR" sz="3600" smtClean="0"/>
+              <a:t>13</a:t>
+            </a:fld>
+            <a:endParaRPr lang="fr-FR" dirty="0"/>
+          </a:p>
+        </p:txBody>
+      </p:sp>
     </p:spTree>
     <p:extLst>
       <p:ext uri="{BB962C8B-B14F-4D97-AF65-F5344CB8AC3E}">
@@ -7771,6 +8256,40 @@
           </a:p>
         </p:txBody>
       </p:sp>
+      <p:sp>
+        <p:nvSpPr>
+          <p:cNvPr id="7" name="Espace réservé du numéro de diapositive 6">
+            <a:extLst>
+              <a:ext uri="{FF2B5EF4-FFF2-40B4-BE49-F238E27FC236}">
+                <a16:creationId xmlns:a16="http://schemas.microsoft.com/office/drawing/2014/main" id="{8F87D0A8-C6EF-4238-8C8C-B8B81B0FB629}"/>
+              </a:ext>
+            </a:extLst>
+          </p:cNvPr>
+          <p:cNvSpPr>
+            <a:spLocks noGrp="1"/>
+          </p:cNvSpPr>
+          <p:nvPr>
+            <p:ph type="sldNum" sz="quarter" idx="12"/>
+          </p:nvPr>
+        </p:nvSpPr>
+        <p:spPr>
+          <a:xfrm>
+            <a:off x="10951856" y="5883275"/>
+            <a:ext cx="1240144" cy="974725"/>
+          </a:xfrm>
+        </p:spPr>
+        <p:txBody>
+          <a:bodyPr/>
+          <a:lstStyle/>
+          <a:p>
+            <a:fld id="{C3971EB4-5D69-478D-A898-C8EFE65792CC}" type="slidenum">
+              <a:rPr lang="fr-FR" sz="3600" smtClean="0"/>
+              <a:t>14</a:t>
+            </a:fld>
+            <a:endParaRPr lang="fr-FR" dirty="0"/>
+          </a:p>
+        </p:txBody>
+      </p:sp>
     </p:spTree>
     <p:extLst>
       <p:ext uri="{BB962C8B-B14F-4D97-AF65-F5344CB8AC3E}">
@@ -7781,13 +8300,13 @@
   <p:clrMapOvr>
     <a:masterClrMapping/>
   </p:clrMapOvr>
-  <mc:AlternateContent xmlns:mc="http://schemas.openxmlformats.org/markup-compatibility/2006">
-    <mc:Choice xmlns:p14="http://schemas.microsoft.com/office/powerpoint/2010/main" Requires="p14">
+  <mc:AlternateContent xmlns:mc="http://schemas.openxmlformats.org/markup-compatibility/2006" xmlns:p14="http://schemas.microsoft.com/office/powerpoint/2010/main">
+    <mc:Choice Requires="p14">
       <p:transition spd="med" p14:dur="700">
         <p:fade/>
       </p:transition>
     </mc:Choice>
-    <mc:Fallback>
+    <mc:Fallback xmlns="">
       <p:transition spd="med">
         <p:fade/>
       </p:transition>
@@ -8026,6 +8545,40 @@
           </a:p>
         </p:txBody>
       </p:sp>
+      <p:sp>
+        <p:nvSpPr>
+          <p:cNvPr id="7" name="Espace réservé du numéro de diapositive 6">
+            <a:extLst>
+              <a:ext uri="{FF2B5EF4-FFF2-40B4-BE49-F238E27FC236}">
+                <a16:creationId xmlns:a16="http://schemas.microsoft.com/office/drawing/2014/main" id="{4000A349-A084-4CAE-9701-B57FD1670B4D}"/>
+              </a:ext>
+            </a:extLst>
+          </p:cNvPr>
+          <p:cNvSpPr>
+            <a:spLocks noGrp="1"/>
+          </p:cNvSpPr>
+          <p:nvPr>
+            <p:ph type="sldNum" sz="quarter" idx="12"/>
+          </p:nvPr>
+        </p:nvSpPr>
+        <p:spPr>
+          <a:xfrm>
+            <a:off x="10951856" y="5883275"/>
+            <a:ext cx="1240144" cy="974725"/>
+          </a:xfrm>
+        </p:spPr>
+        <p:txBody>
+          <a:bodyPr/>
+          <a:lstStyle/>
+          <a:p>
+            <a:fld id="{C3971EB4-5D69-478D-A898-C8EFE65792CC}" type="slidenum">
+              <a:rPr lang="fr-FR" sz="3600" smtClean="0"/>
+              <a:t>15</a:t>
+            </a:fld>
+            <a:endParaRPr lang="fr-FR" dirty="0"/>
+          </a:p>
+        </p:txBody>
+      </p:sp>
     </p:spTree>
     <p:extLst>
       <p:ext uri="{BB962C8B-B14F-4D97-AF65-F5344CB8AC3E}">
@@ -8036,13 +8589,13 @@
   <p:clrMapOvr>
     <a:masterClrMapping/>
   </p:clrMapOvr>
-  <mc:AlternateContent xmlns:mc="http://schemas.openxmlformats.org/markup-compatibility/2006">
-    <mc:Choice xmlns:p14="http://schemas.microsoft.com/office/powerpoint/2010/main" Requires="p14">
+  <mc:AlternateContent xmlns:mc="http://schemas.openxmlformats.org/markup-compatibility/2006" xmlns:p14="http://schemas.microsoft.com/office/powerpoint/2010/main">
+    <mc:Choice Requires="p14">
       <p:transition spd="med" p14:dur="700">
         <p:fade/>
       </p:transition>
     </mc:Choice>
-    <mc:Fallback>
+    <mc:Fallback xmlns="">
       <p:transition spd="med">
         <p:fade/>
       </p:transition>
@@ -8100,6 +8653,40 @@
               <a:rPr lang="fr-FR" dirty="0"/>
               <a:t>Analyse du projet</a:t>
             </a:r>
+          </a:p>
+        </p:txBody>
+      </p:sp>
+      <p:sp>
+        <p:nvSpPr>
+          <p:cNvPr id="4" name="Espace réservé du numéro de diapositive 6">
+            <a:extLst>
+              <a:ext uri="{FF2B5EF4-FFF2-40B4-BE49-F238E27FC236}">
+                <a16:creationId xmlns:a16="http://schemas.microsoft.com/office/drawing/2014/main" id="{FCD9A971-DFC2-42C6-B8B2-D66791342D29}"/>
+              </a:ext>
+            </a:extLst>
+          </p:cNvPr>
+          <p:cNvSpPr>
+            <a:spLocks noGrp="1"/>
+          </p:cNvSpPr>
+          <p:nvPr>
+            <p:ph type="sldNum" sz="quarter" idx="12"/>
+          </p:nvPr>
+        </p:nvSpPr>
+        <p:spPr>
+          <a:xfrm>
+            <a:off x="10951856" y="5883275"/>
+            <a:ext cx="1240144" cy="974725"/>
+          </a:xfrm>
+        </p:spPr>
+        <p:txBody>
+          <a:bodyPr/>
+          <a:lstStyle/>
+          <a:p>
+            <a:fld id="{C3971EB4-5D69-478D-A898-C8EFE65792CC}" type="slidenum">
+              <a:rPr lang="fr-FR" sz="3600" smtClean="0"/>
+              <a:t>16</a:t>
+            </a:fld>
+            <a:endParaRPr lang="fr-FR" dirty="0"/>
           </a:p>
         </p:txBody>
       </p:sp>
@@ -8286,6 +8873,40 @@
           </a:p>
         </p:txBody>
       </p:sp>
+      <p:sp>
+        <p:nvSpPr>
+          <p:cNvPr id="6" name="Espace réservé du numéro de diapositive 6">
+            <a:extLst>
+              <a:ext uri="{FF2B5EF4-FFF2-40B4-BE49-F238E27FC236}">
+                <a16:creationId xmlns:a16="http://schemas.microsoft.com/office/drawing/2014/main" id="{2DC6C8D5-9B4E-436C-AA4C-3BE657027B87}"/>
+              </a:ext>
+            </a:extLst>
+          </p:cNvPr>
+          <p:cNvSpPr>
+            <a:spLocks noGrp="1"/>
+          </p:cNvSpPr>
+          <p:nvPr>
+            <p:ph type="sldNum" sz="quarter" idx="12"/>
+          </p:nvPr>
+        </p:nvSpPr>
+        <p:spPr>
+          <a:xfrm>
+            <a:off x="10951856" y="5883275"/>
+            <a:ext cx="1240144" cy="974725"/>
+          </a:xfrm>
+        </p:spPr>
+        <p:txBody>
+          <a:bodyPr/>
+          <a:lstStyle/>
+          <a:p>
+            <a:fld id="{C3971EB4-5D69-478D-A898-C8EFE65792CC}" type="slidenum">
+              <a:rPr lang="fr-FR" sz="3600" smtClean="0"/>
+              <a:t>17</a:t>
+            </a:fld>
+            <a:endParaRPr lang="fr-FR" dirty="0"/>
+          </a:p>
+        </p:txBody>
+      </p:sp>
     </p:spTree>
     <p:extLst>
       <p:ext uri="{BB962C8B-B14F-4D97-AF65-F5344CB8AC3E}">
@@ -8469,6 +9090,40 @@
           </a:p>
         </p:txBody>
       </p:sp>
+      <p:sp>
+        <p:nvSpPr>
+          <p:cNvPr id="6" name="Espace réservé du numéro de diapositive 6">
+            <a:extLst>
+              <a:ext uri="{FF2B5EF4-FFF2-40B4-BE49-F238E27FC236}">
+                <a16:creationId xmlns:a16="http://schemas.microsoft.com/office/drawing/2014/main" id="{6A3B9D12-FCD4-405E-AFB0-020A486007C0}"/>
+              </a:ext>
+            </a:extLst>
+          </p:cNvPr>
+          <p:cNvSpPr>
+            <a:spLocks noGrp="1"/>
+          </p:cNvSpPr>
+          <p:nvPr>
+            <p:ph type="sldNum" sz="quarter" idx="12"/>
+          </p:nvPr>
+        </p:nvSpPr>
+        <p:spPr>
+          <a:xfrm>
+            <a:off x="10951856" y="5883275"/>
+            <a:ext cx="1240144" cy="974725"/>
+          </a:xfrm>
+        </p:spPr>
+        <p:txBody>
+          <a:bodyPr/>
+          <a:lstStyle/>
+          <a:p>
+            <a:fld id="{C3971EB4-5D69-478D-A898-C8EFE65792CC}" type="slidenum">
+              <a:rPr lang="fr-FR" sz="3600" smtClean="0"/>
+              <a:t>18</a:t>
+            </a:fld>
+            <a:endParaRPr lang="fr-FR" dirty="0"/>
+          </a:p>
+        </p:txBody>
+      </p:sp>
     </p:spTree>
     <p:extLst>
       <p:ext uri="{BB962C8B-B14F-4D97-AF65-F5344CB8AC3E}">
@@ -8652,6 +9307,40 @@
           </a:p>
         </p:txBody>
       </p:sp>
+      <p:sp>
+        <p:nvSpPr>
+          <p:cNvPr id="6" name="Espace réservé du numéro de diapositive 6">
+            <a:extLst>
+              <a:ext uri="{FF2B5EF4-FFF2-40B4-BE49-F238E27FC236}">
+                <a16:creationId xmlns:a16="http://schemas.microsoft.com/office/drawing/2014/main" id="{1B2598F9-9C51-497B-96A7-D60832FC6729}"/>
+              </a:ext>
+            </a:extLst>
+          </p:cNvPr>
+          <p:cNvSpPr>
+            <a:spLocks noGrp="1"/>
+          </p:cNvSpPr>
+          <p:nvPr>
+            <p:ph type="sldNum" sz="quarter" idx="12"/>
+          </p:nvPr>
+        </p:nvSpPr>
+        <p:spPr>
+          <a:xfrm>
+            <a:off x="10951856" y="5883275"/>
+            <a:ext cx="1240144" cy="974725"/>
+          </a:xfrm>
+        </p:spPr>
+        <p:txBody>
+          <a:bodyPr/>
+          <a:lstStyle/>
+          <a:p>
+            <a:fld id="{C3971EB4-5D69-478D-A898-C8EFE65792CC}" type="slidenum">
+              <a:rPr lang="fr-FR" sz="3600" smtClean="0"/>
+              <a:t>19</a:t>
+            </a:fld>
+            <a:endParaRPr lang="fr-FR" dirty="0"/>
+          </a:p>
+        </p:txBody>
+      </p:sp>
     </p:spTree>
     <p:extLst>
       <p:ext uri="{BB962C8B-B14F-4D97-AF65-F5344CB8AC3E}">
@@ -8751,7 +9440,7 @@
               <a:buNone/>
             </a:pPr>
             <a:r>
-              <a:rPr lang="fr-FR" sz="2400" dirty="0"/>
+              <a:rPr lang="fr-FR" sz="2400" b="1" dirty="0"/>
               <a:t>Présentation</a:t>
             </a:r>
           </a:p>
@@ -8796,7 +9485,7 @@
               <a:buNone/>
             </a:pPr>
             <a:r>
-              <a:rPr lang="fr-FR" sz="2400" dirty="0"/>
+              <a:rPr lang="fr-FR" sz="2400" b="1" dirty="0"/>
               <a:t>Aspects fonctionnels et techniques</a:t>
             </a:r>
           </a:p>
@@ -8841,7 +9530,7 @@
               <a:buNone/>
             </a:pPr>
             <a:r>
-              <a:rPr lang="fr-FR" sz="2400" dirty="0"/>
+              <a:rPr lang="fr-FR" sz="2400" b="1" dirty="0"/>
               <a:t>Analyse du projet</a:t>
             </a:r>
           </a:p>
@@ -8853,6 +9542,171 @@
               <a:rPr lang="fr-FR" sz="2000" dirty="0"/>
               <a:t>Diagrammes</a:t>
             </a:r>
+          </a:p>
+        </p:txBody>
+      </p:sp>
+      <p:sp>
+        <p:nvSpPr>
+          <p:cNvPr id="5" name="Espace réservé du numéro de diapositive 4">
+            <a:extLst>
+              <a:ext uri="{FF2B5EF4-FFF2-40B4-BE49-F238E27FC236}">
+                <a16:creationId xmlns:a16="http://schemas.microsoft.com/office/drawing/2014/main" id="{FE849C05-C7B7-4526-BE78-DF608E52D994}"/>
+              </a:ext>
+            </a:extLst>
+          </p:cNvPr>
+          <p:cNvSpPr>
+            <a:spLocks noGrp="1"/>
+          </p:cNvSpPr>
+          <p:nvPr>
+            <p:ph type="sldNum" sz="quarter" idx="12"/>
+          </p:nvPr>
+        </p:nvSpPr>
+        <p:spPr>
+          <a:xfrm>
+            <a:off x="10951856" y="5867131"/>
+            <a:ext cx="1240144" cy="990869"/>
+          </a:xfrm>
+        </p:spPr>
+        <p:txBody>
+          <a:bodyPr/>
+          <a:lstStyle/>
+          <a:p>
+            <a:fld id="{C3971EB4-5D69-478D-A898-C8EFE65792CC}" type="slidenum">
+              <a:rPr lang="fr-FR" smtClean="0"/>
+              <a:t>2</a:t>
+            </a:fld>
+            <a:endParaRPr lang="fr-FR"/>
+          </a:p>
+        </p:txBody>
+      </p:sp>
+      <p:sp>
+        <p:nvSpPr>
+          <p:cNvPr id="6" name="Espace réservé du numéro de diapositive 6">
+            <a:extLst>
+              <a:ext uri="{FF2B5EF4-FFF2-40B4-BE49-F238E27FC236}">
+                <a16:creationId xmlns:a16="http://schemas.microsoft.com/office/drawing/2014/main" id="{4DFC7077-5576-4051-90E4-585AC78FD49B}"/>
+              </a:ext>
+            </a:extLst>
+          </p:cNvPr>
+          <p:cNvSpPr txBox="1">
+            <a:spLocks/>
+          </p:cNvSpPr>
+          <p:nvPr/>
+        </p:nvSpPr>
+        <p:spPr>
+          <a:xfrm>
+            <a:off x="10951856" y="5883275"/>
+            <a:ext cx="1240144" cy="974725"/>
+          </a:xfrm>
+          <a:prstGeom prst="rect">
+            <a:avLst/>
+          </a:prstGeom>
+        </p:spPr>
+        <p:txBody>
+          <a:bodyPr vert="horz" lIns="91440" tIns="45720" rIns="91440" bIns="45720" rtlCol="0" anchor="ctr"/>
+          <a:lstStyle>
+            <a:defPPr>
+              <a:defRPr lang="en-US"/>
+            </a:defPPr>
+            <a:lvl1pPr marL="0" algn="r" defTabSz="457200" rtl="0" eaLnBrk="1" latinLnBrk="0" hangingPunct="1">
+              <a:defRPr sz="1000" b="0" i="0" kern="1200">
+                <a:solidFill>
+                  <a:schemeClr val="tx1"/>
+                </a:solidFill>
+                <a:effectLst/>
+                <a:latin typeface="+mn-lt"/>
+                <a:ea typeface="+mn-ea"/>
+                <a:cs typeface="+mn-cs"/>
+              </a:defRPr>
+            </a:lvl1pPr>
+            <a:lvl2pPr marL="457200" algn="l" defTabSz="457200" rtl="0" eaLnBrk="1" latinLnBrk="0" hangingPunct="1">
+              <a:defRPr sz="1800" kern="1200">
+                <a:solidFill>
+                  <a:schemeClr val="tx1"/>
+                </a:solidFill>
+                <a:latin typeface="+mn-lt"/>
+                <a:ea typeface="+mn-ea"/>
+                <a:cs typeface="+mn-cs"/>
+              </a:defRPr>
+            </a:lvl2pPr>
+            <a:lvl3pPr marL="914400" algn="l" defTabSz="457200" rtl="0" eaLnBrk="1" latinLnBrk="0" hangingPunct="1">
+              <a:defRPr sz="1800" kern="1200">
+                <a:solidFill>
+                  <a:schemeClr val="tx1"/>
+                </a:solidFill>
+                <a:latin typeface="+mn-lt"/>
+                <a:ea typeface="+mn-ea"/>
+                <a:cs typeface="+mn-cs"/>
+              </a:defRPr>
+            </a:lvl3pPr>
+            <a:lvl4pPr marL="1371600" algn="l" defTabSz="457200" rtl="0" eaLnBrk="1" latinLnBrk="0" hangingPunct="1">
+              <a:defRPr sz="1800" kern="1200">
+                <a:solidFill>
+                  <a:schemeClr val="tx1"/>
+                </a:solidFill>
+                <a:latin typeface="+mn-lt"/>
+                <a:ea typeface="+mn-ea"/>
+                <a:cs typeface="+mn-cs"/>
+              </a:defRPr>
+            </a:lvl4pPr>
+            <a:lvl5pPr marL="1828800" algn="l" defTabSz="457200" rtl="0" eaLnBrk="1" latinLnBrk="0" hangingPunct="1">
+              <a:defRPr sz="1800" kern="1200">
+                <a:solidFill>
+                  <a:schemeClr val="tx1"/>
+                </a:solidFill>
+                <a:latin typeface="+mn-lt"/>
+                <a:ea typeface="+mn-ea"/>
+                <a:cs typeface="+mn-cs"/>
+              </a:defRPr>
+            </a:lvl5pPr>
+            <a:lvl6pPr marL="2286000" algn="l" defTabSz="457200" rtl="0" eaLnBrk="1" latinLnBrk="0" hangingPunct="1">
+              <a:defRPr sz="1800" kern="1200">
+                <a:solidFill>
+                  <a:schemeClr val="tx1"/>
+                </a:solidFill>
+                <a:latin typeface="+mn-lt"/>
+                <a:ea typeface="+mn-ea"/>
+                <a:cs typeface="+mn-cs"/>
+              </a:defRPr>
+            </a:lvl6pPr>
+            <a:lvl7pPr marL="2743200" algn="l" defTabSz="457200" rtl="0" eaLnBrk="1" latinLnBrk="0" hangingPunct="1">
+              <a:defRPr sz="1800" kern="1200">
+                <a:solidFill>
+                  <a:schemeClr val="tx1"/>
+                </a:solidFill>
+                <a:latin typeface="+mn-lt"/>
+                <a:ea typeface="+mn-ea"/>
+                <a:cs typeface="+mn-cs"/>
+              </a:defRPr>
+            </a:lvl7pPr>
+            <a:lvl8pPr marL="3200400" algn="l" defTabSz="457200" rtl="0" eaLnBrk="1" latinLnBrk="0" hangingPunct="1">
+              <a:defRPr sz="1800" kern="1200">
+                <a:solidFill>
+                  <a:schemeClr val="tx1"/>
+                </a:solidFill>
+                <a:latin typeface="+mn-lt"/>
+                <a:ea typeface="+mn-ea"/>
+                <a:cs typeface="+mn-cs"/>
+              </a:defRPr>
+            </a:lvl8pPr>
+            <a:lvl9pPr marL="3657600" algn="l" defTabSz="457200" rtl="0" eaLnBrk="1" latinLnBrk="0" hangingPunct="1">
+              <a:defRPr sz="1800" kern="1200">
+                <a:solidFill>
+                  <a:schemeClr val="tx1"/>
+                </a:solidFill>
+                <a:latin typeface="+mn-lt"/>
+                <a:ea typeface="+mn-ea"/>
+                <a:cs typeface="+mn-cs"/>
+              </a:defRPr>
+            </a:lvl9pPr>
+          </a:lstStyle>
+          <a:p>
+            <a:fld id="{C3971EB4-5D69-478D-A898-C8EFE65792CC}" type="slidenum">
+              <a:rPr lang="fr-FR" sz="3600" smtClean="0"/>
+              <a:pPr/>
+              <a:t>2</a:t>
+            </a:fld>
+            <a:endParaRPr lang="fr-FR" dirty="0"/>
           </a:p>
         </p:txBody>
       </p:sp>
@@ -8924,6 +9778,40 @@
           </a:xfrm>
         </p:spPr>
       </p:pic>
+      <p:sp>
+        <p:nvSpPr>
+          <p:cNvPr id="4" name="Espace réservé du numéro de diapositive 6">
+            <a:extLst>
+              <a:ext uri="{FF2B5EF4-FFF2-40B4-BE49-F238E27FC236}">
+                <a16:creationId xmlns:a16="http://schemas.microsoft.com/office/drawing/2014/main" id="{E672ACD0-DC57-4065-ABC5-1FDA5D6C2709}"/>
+              </a:ext>
+            </a:extLst>
+          </p:cNvPr>
+          <p:cNvSpPr>
+            <a:spLocks noGrp="1"/>
+          </p:cNvSpPr>
+          <p:nvPr>
+            <p:ph type="sldNum" sz="quarter" idx="12"/>
+          </p:nvPr>
+        </p:nvSpPr>
+        <p:spPr>
+          <a:xfrm>
+            <a:off x="10951856" y="5883275"/>
+            <a:ext cx="1240144" cy="974725"/>
+          </a:xfrm>
+        </p:spPr>
+        <p:txBody>
+          <a:bodyPr/>
+          <a:lstStyle/>
+          <a:p>
+            <a:fld id="{C3971EB4-5D69-478D-A898-C8EFE65792CC}" type="slidenum">
+              <a:rPr lang="fr-FR" sz="3600" smtClean="0"/>
+              <a:t>20</a:t>
+            </a:fld>
+            <a:endParaRPr lang="fr-FR" dirty="0"/>
+          </a:p>
+        </p:txBody>
+      </p:sp>
     </p:spTree>
     <p:extLst>
       <p:ext uri="{BB962C8B-B14F-4D97-AF65-F5344CB8AC3E}">
@@ -8934,13 +9822,13 @@
   <p:clrMapOvr>
     <a:masterClrMapping/>
   </p:clrMapOvr>
-  <mc:AlternateContent xmlns:mc="http://schemas.openxmlformats.org/markup-compatibility/2006">
-    <mc:Choice xmlns:p14="http://schemas.microsoft.com/office/powerpoint/2010/main" Requires="p14">
+  <mc:AlternateContent xmlns:mc="http://schemas.openxmlformats.org/markup-compatibility/2006" xmlns:p14="http://schemas.microsoft.com/office/powerpoint/2010/main">
+    <mc:Choice Requires="p14">
       <p:transition spd="slow" p14:dur="800">
         <p:circle/>
       </p:transition>
     </mc:Choice>
-    <mc:Fallback>
+    <mc:Fallback xmlns="">
       <p:transition spd="slow">
         <p:circle/>
       </p:transition>
@@ -9198,6 +10086,137 @@
               <a:rPr lang="fr-FR" dirty="0"/>
               <a:t>Présentation</a:t>
             </a:r>
+          </a:p>
+        </p:txBody>
+      </p:sp>
+      <p:sp>
+        <p:nvSpPr>
+          <p:cNvPr id="8" name="Espace réservé du numéro de diapositive 6">
+            <a:extLst>
+              <a:ext uri="{FF2B5EF4-FFF2-40B4-BE49-F238E27FC236}">
+                <a16:creationId xmlns:a16="http://schemas.microsoft.com/office/drawing/2014/main" id="{24D01814-8BAD-435C-BD4E-4687FA78E65C}"/>
+              </a:ext>
+            </a:extLst>
+          </p:cNvPr>
+          <p:cNvSpPr txBox="1">
+            <a:spLocks/>
+          </p:cNvSpPr>
+          <p:nvPr/>
+        </p:nvSpPr>
+        <p:spPr>
+          <a:xfrm>
+            <a:off x="10951856" y="5883275"/>
+            <a:ext cx="1240144" cy="974725"/>
+          </a:xfrm>
+          <a:prstGeom prst="rect">
+            <a:avLst/>
+          </a:prstGeom>
+        </p:spPr>
+        <p:txBody>
+          <a:bodyPr vert="horz" lIns="91440" tIns="45720" rIns="91440" bIns="45720" rtlCol="0" anchor="ctr"/>
+          <a:lstStyle>
+            <a:defPPr>
+              <a:defRPr lang="en-US"/>
+            </a:defPPr>
+            <a:lvl1pPr marL="0" algn="r" defTabSz="457200" rtl="0" eaLnBrk="1" latinLnBrk="0" hangingPunct="1">
+              <a:defRPr sz="1000" b="0" i="0" kern="1200">
+                <a:solidFill>
+                  <a:schemeClr val="tx1"/>
+                </a:solidFill>
+                <a:effectLst/>
+                <a:latin typeface="+mn-lt"/>
+                <a:ea typeface="+mn-ea"/>
+                <a:cs typeface="+mn-cs"/>
+              </a:defRPr>
+            </a:lvl1pPr>
+            <a:lvl2pPr marL="457200" algn="l" defTabSz="457200" rtl="0" eaLnBrk="1" latinLnBrk="0" hangingPunct="1">
+              <a:defRPr sz="1800" kern="1200">
+                <a:solidFill>
+                  <a:schemeClr val="tx1"/>
+                </a:solidFill>
+                <a:latin typeface="+mn-lt"/>
+                <a:ea typeface="+mn-ea"/>
+                <a:cs typeface="+mn-cs"/>
+              </a:defRPr>
+            </a:lvl2pPr>
+            <a:lvl3pPr marL="914400" algn="l" defTabSz="457200" rtl="0" eaLnBrk="1" latinLnBrk="0" hangingPunct="1">
+              <a:defRPr sz="1800" kern="1200">
+                <a:solidFill>
+                  <a:schemeClr val="tx1"/>
+                </a:solidFill>
+                <a:latin typeface="+mn-lt"/>
+                <a:ea typeface="+mn-ea"/>
+                <a:cs typeface="+mn-cs"/>
+              </a:defRPr>
+            </a:lvl3pPr>
+            <a:lvl4pPr marL="1371600" algn="l" defTabSz="457200" rtl="0" eaLnBrk="1" latinLnBrk="0" hangingPunct="1">
+              <a:defRPr sz="1800" kern="1200">
+                <a:solidFill>
+                  <a:schemeClr val="tx1"/>
+                </a:solidFill>
+                <a:latin typeface="+mn-lt"/>
+                <a:ea typeface="+mn-ea"/>
+                <a:cs typeface="+mn-cs"/>
+              </a:defRPr>
+            </a:lvl4pPr>
+            <a:lvl5pPr marL="1828800" algn="l" defTabSz="457200" rtl="0" eaLnBrk="1" latinLnBrk="0" hangingPunct="1">
+              <a:defRPr sz="1800" kern="1200">
+                <a:solidFill>
+                  <a:schemeClr val="tx1"/>
+                </a:solidFill>
+                <a:latin typeface="+mn-lt"/>
+                <a:ea typeface="+mn-ea"/>
+                <a:cs typeface="+mn-cs"/>
+              </a:defRPr>
+            </a:lvl5pPr>
+            <a:lvl6pPr marL="2286000" algn="l" defTabSz="457200" rtl="0" eaLnBrk="1" latinLnBrk="0" hangingPunct="1">
+              <a:defRPr sz="1800" kern="1200">
+                <a:solidFill>
+                  <a:schemeClr val="tx1"/>
+                </a:solidFill>
+                <a:latin typeface="+mn-lt"/>
+                <a:ea typeface="+mn-ea"/>
+                <a:cs typeface="+mn-cs"/>
+              </a:defRPr>
+            </a:lvl6pPr>
+            <a:lvl7pPr marL="2743200" algn="l" defTabSz="457200" rtl="0" eaLnBrk="1" latinLnBrk="0" hangingPunct="1">
+              <a:defRPr sz="1800" kern="1200">
+                <a:solidFill>
+                  <a:schemeClr val="tx1"/>
+                </a:solidFill>
+                <a:latin typeface="+mn-lt"/>
+                <a:ea typeface="+mn-ea"/>
+                <a:cs typeface="+mn-cs"/>
+              </a:defRPr>
+            </a:lvl7pPr>
+            <a:lvl8pPr marL="3200400" algn="l" defTabSz="457200" rtl="0" eaLnBrk="1" latinLnBrk="0" hangingPunct="1">
+              <a:defRPr sz="1800" kern="1200">
+                <a:solidFill>
+                  <a:schemeClr val="tx1"/>
+                </a:solidFill>
+                <a:latin typeface="+mn-lt"/>
+                <a:ea typeface="+mn-ea"/>
+                <a:cs typeface="+mn-cs"/>
+              </a:defRPr>
+            </a:lvl8pPr>
+            <a:lvl9pPr marL="3657600" algn="l" defTabSz="457200" rtl="0" eaLnBrk="1" latinLnBrk="0" hangingPunct="1">
+              <a:defRPr sz="1800" kern="1200">
+                <a:solidFill>
+                  <a:schemeClr val="tx1"/>
+                </a:solidFill>
+                <a:latin typeface="+mn-lt"/>
+                <a:ea typeface="+mn-ea"/>
+                <a:cs typeface="+mn-cs"/>
+              </a:defRPr>
+            </a:lvl9pPr>
+          </a:lstStyle>
+          <a:p>
+            <a:fld id="{C3971EB4-5D69-478D-A898-C8EFE65792CC}" type="slidenum">
+              <a:rPr lang="fr-FR" sz="3600" smtClean="0"/>
+              <a:pPr/>
+              <a:t>3</a:t>
+            </a:fld>
+            <a:endParaRPr lang="fr-FR" dirty="0"/>
           </a:p>
         </p:txBody>
       </p:sp>
@@ -9448,6 +10467,40 @@
           </a:p>
         </p:txBody>
       </p:sp>
+      <p:sp>
+        <p:nvSpPr>
+          <p:cNvPr id="8" name="Espace réservé du numéro de diapositive 6">
+            <a:extLst>
+              <a:ext uri="{FF2B5EF4-FFF2-40B4-BE49-F238E27FC236}">
+                <a16:creationId xmlns:a16="http://schemas.microsoft.com/office/drawing/2014/main" id="{540B6107-96EC-46B2-BFB9-4892CAABB8AF}"/>
+              </a:ext>
+            </a:extLst>
+          </p:cNvPr>
+          <p:cNvSpPr>
+            <a:spLocks noGrp="1"/>
+          </p:cNvSpPr>
+          <p:nvPr>
+            <p:ph type="sldNum" sz="quarter" idx="12"/>
+          </p:nvPr>
+        </p:nvSpPr>
+        <p:spPr>
+          <a:xfrm>
+            <a:off x="10951856" y="5883275"/>
+            <a:ext cx="1240144" cy="974725"/>
+          </a:xfrm>
+        </p:spPr>
+        <p:txBody>
+          <a:bodyPr/>
+          <a:lstStyle/>
+          <a:p>
+            <a:fld id="{C3971EB4-5D69-478D-A898-C8EFE65792CC}" type="slidenum">
+              <a:rPr lang="fr-FR" sz="3600" smtClean="0"/>
+              <a:t>4</a:t>
+            </a:fld>
+            <a:endParaRPr lang="fr-FR" dirty="0"/>
+          </a:p>
+        </p:txBody>
+      </p:sp>
     </p:spTree>
     <p:extLst>
       <p:ext uri="{BB962C8B-B14F-4D97-AF65-F5344CB8AC3E}">
@@ -9665,6 +10718,40 @@
           </a:p>
         </p:txBody>
       </p:sp>
+      <p:sp>
+        <p:nvSpPr>
+          <p:cNvPr id="9" name="Espace réservé du numéro de diapositive 6">
+            <a:extLst>
+              <a:ext uri="{FF2B5EF4-FFF2-40B4-BE49-F238E27FC236}">
+                <a16:creationId xmlns:a16="http://schemas.microsoft.com/office/drawing/2014/main" id="{8A3E7E5E-88D5-4D78-A625-9F4A8D578D90}"/>
+              </a:ext>
+            </a:extLst>
+          </p:cNvPr>
+          <p:cNvSpPr>
+            <a:spLocks noGrp="1"/>
+          </p:cNvSpPr>
+          <p:nvPr>
+            <p:ph type="sldNum" sz="quarter" idx="12"/>
+          </p:nvPr>
+        </p:nvSpPr>
+        <p:spPr>
+          <a:xfrm>
+            <a:off x="10951856" y="5883275"/>
+            <a:ext cx="1240144" cy="974725"/>
+          </a:xfrm>
+        </p:spPr>
+        <p:txBody>
+          <a:bodyPr/>
+          <a:lstStyle/>
+          <a:p>
+            <a:fld id="{C3971EB4-5D69-478D-A898-C8EFE65792CC}" type="slidenum">
+              <a:rPr lang="fr-FR" sz="3600" smtClean="0"/>
+              <a:t>5</a:t>
+            </a:fld>
+            <a:endParaRPr lang="fr-FR" dirty="0"/>
+          </a:p>
+        </p:txBody>
+      </p:sp>
     </p:spTree>
     <p:extLst>
       <p:ext uri="{BB962C8B-B14F-4D97-AF65-F5344CB8AC3E}">
@@ -9900,6 +10987,40 @@
               <a:rPr lang="fr-FR" dirty="0"/>
               <a:t>Objectifs</a:t>
             </a:r>
+          </a:p>
+        </p:txBody>
+      </p:sp>
+      <p:sp>
+        <p:nvSpPr>
+          <p:cNvPr id="7" name="Espace réservé du numéro de diapositive 6">
+            <a:extLst>
+              <a:ext uri="{FF2B5EF4-FFF2-40B4-BE49-F238E27FC236}">
+                <a16:creationId xmlns:a16="http://schemas.microsoft.com/office/drawing/2014/main" id="{FE196D19-4442-4F64-80A9-967ABB2CB1FC}"/>
+              </a:ext>
+            </a:extLst>
+          </p:cNvPr>
+          <p:cNvSpPr>
+            <a:spLocks noGrp="1"/>
+          </p:cNvSpPr>
+          <p:nvPr>
+            <p:ph type="sldNum" sz="quarter" idx="12"/>
+          </p:nvPr>
+        </p:nvSpPr>
+        <p:spPr>
+          <a:xfrm>
+            <a:off x="10951856" y="5883275"/>
+            <a:ext cx="1240144" cy="974725"/>
+          </a:xfrm>
+        </p:spPr>
+        <p:txBody>
+          <a:bodyPr/>
+          <a:lstStyle/>
+          <a:p>
+            <a:fld id="{C3971EB4-5D69-478D-A898-C8EFE65792CC}" type="slidenum">
+              <a:rPr lang="fr-FR" sz="3600" smtClean="0"/>
+              <a:t>6</a:t>
+            </a:fld>
+            <a:endParaRPr lang="fr-FR" dirty="0"/>
           </a:p>
         </p:txBody>
       </p:sp>
@@ -10082,6 +11203,40 @@
           </a:p>
         </p:txBody>
       </p:sp>
+      <p:sp>
+        <p:nvSpPr>
+          <p:cNvPr id="7" name="Espace réservé du numéro de diapositive 6">
+            <a:extLst>
+              <a:ext uri="{FF2B5EF4-FFF2-40B4-BE49-F238E27FC236}">
+                <a16:creationId xmlns:a16="http://schemas.microsoft.com/office/drawing/2014/main" id="{0D17CF9C-7A09-480D-B065-63C508835564}"/>
+              </a:ext>
+            </a:extLst>
+          </p:cNvPr>
+          <p:cNvSpPr>
+            <a:spLocks noGrp="1"/>
+          </p:cNvSpPr>
+          <p:nvPr>
+            <p:ph type="sldNum" sz="quarter" idx="12"/>
+          </p:nvPr>
+        </p:nvSpPr>
+        <p:spPr>
+          <a:xfrm>
+            <a:off x="10951856" y="5883275"/>
+            <a:ext cx="1240144" cy="974725"/>
+          </a:xfrm>
+        </p:spPr>
+        <p:txBody>
+          <a:bodyPr/>
+          <a:lstStyle/>
+          <a:p>
+            <a:fld id="{C3971EB4-5D69-478D-A898-C8EFE65792CC}" type="slidenum">
+              <a:rPr lang="fr-FR" sz="3600" smtClean="0"/>
+              <a:t>7</a:t>
+            </a:fld>
+            <a:endParaRPr lang="fr-FR" dirty="0"/>
+          </a:p>
+        </p:txBody>
+      </p:sp>
     </p:spTree>
     <p:extLst>
       <p:ext uri="{BB962C8B-B14F-4D97-AF65-F5344CB8AC3E}">
@@ -10255,6 +11410,40 @@
           </a:p>
         </p:txBody>
       </p:sp>
+      <p:sp>
+        <p:nvSpPr>
+          <p:cNvPr id="7" name="Espace réservé du numéro de diapositive 6">
+            <a:extLst>
+              <a:ext uri="{FF2B5EF4-FFF2-40B4-BE49-F238E27FC236}">
+                <a16:creationId xmlns:a16="http://schemas.microsoft.com/office/drawing/2014/main" id="{190C4EC3-0161-4860-9184-E8D2C2C4198E}"/>
+              </a:ext>
+            </a:extLst>
+          </p:cNvPr>
+          <p:cNvSpPr>
+            <a:spLocks noGrp="1"/>
+          </p:cNvSpPr>
+          <p:nvPr>
+            <p:ph type="sldNum" sz="quarter" idx="12"/>
+          </p:nvPr>
+        </p:nvSpPr>
+        <p:spPr>
+          <a:xfrm>
+            <a:off x="10951856" y="5883275"/>
+            <a:ext cx="1240144" cy="974725"/>
+          </a:xfrm>
+        </p:spPr>
+        <p:txBody>
+          <a:bodyPr/>
+          <a:lstStyle/>
+          <a:p>
+            <a:fld id="{C3971EB4-5D69-478D-A898-C8EFE65792CC}" type="slidenum">
+              <a:rPr lang="fr-FR" sz="3600" smtClean="0"/>
+              <a:t>8</a:t>
+            </a:fld>
+            <a:endParaRPr lang="fr-FR" dirty="0"/>
+          </a:p>
+        </p:txBody>
+      </p:sp>
     </p:spTree>
     <p:extLst>
       <p:ext uri="{BB962C8B-B14F-4D97-AF65-F5344CB8AC3E}">
@@ -10265,13 +11454,13 @@
   <p:clrMapOvr>
     <a:masterClrMapping/>
   </p:clrMapOvr>
-  <mc:AlternateContent xmlns:mc="http://schemas.openxmlformats.org/markup-compatibility/2006">
-    <mc:Choice xmlns:p14="http://schemas.microsoft.com/office/powerpoint/2010/main" Requires="p14">
+  <mc:AlternateContent xmlns:mc="http://schemas.openxmlformats.org/markup-compatibility/2006" xmlns:p14="http://schemas.microsoft.com/office/powerpoint/2010/main">
+    <mc:Choice Requires="p14">
       <p:transition spd="med" p14:dur="700">
         <p:fade/>
       </p:transition>
     </mc:Choice>
-    <mc:Fallback>
+    <mc:Fallback xmlns="">
       <p:transition spd="med">
         <p:fade/>
       </p:transition>
@@ -10329,6 +11518,40 @@
               <a:rPr lang="fr-FR" dirty="0"/>
               <a:t>Aspects fonctionnels et techniques</a:t>
             </a:r>
+          </a:p>
+        </p:txBody>
+      </p:sp>
+      <p:sp>
+        <p:nvSpPr>
+          <p:cNvPr id="5" name="Espace réservé du numéro de diapositive 6">
+            <a:extLst>
+              <a:ext uri="{FF2B5EF4-FFF2-40B4-BE49-F238E27FC236}">
+                <a16:creationId xmlns:a16="http://schemas.microsoft.com/office/drawing/2014/main" id="{E6736956-F54A-4135-AA8D-8A608244AC0A}"/>
+              </a:ext>
+            </a:extLst>
+          </p:cNvPr>
+          <p:cNvSpPr>
+            <a:spLocks noGrp="1"/>
+          </p:cNvSpPr>
+          <p:nvPr>
+            <p:ph type="sldNum" sz="quarter" idx="12"/>
+          </p:nvPr>
+        </p:nvSpPr>
+        <p:spPr>
+          <a:xfrm>
+            <a:off x="10951856" y="5883275"/>
+            <a:ext cx="1240144" cy="974725"/>
+          </a:xfrm>
+        </p:spPr>
+        <p:txBody>
+          <a:bodyPr/>
+          <a:lstStyle/>
+          <a:p>
+            <a:fld id="{C3971EB4-5D69-478D-A898-C8EFE65792CC}" type="slidenum">
+              <a:rPr lang="fr-FR" sz="3600" smtClean="0"/>
+              <a:t>9</a:t>
+            </a:fld>
+            <a:endParaRPr lang="fr-FR" dirty="0"/>
           </a:p>
         </p:txBody>
       </p:sp>
@@ -10602,4 +11825,299 @@
     </a:ext>
   </a:extLst>
 </a:theme>
+</file>
+
+<file path=ppt/theme/theme2.xml><?xml version="1.0" encoding="utf-8"?>
+<a:theme xmlns:a="http://schemas.openxmlformats.org/drawingml/2006/main" name="Thème Office">
+  <a:themeElements>
+    <a:clrScheme name="Office">
+      <a:dk1>
+        <a:sysClr val="windowText" lastClr="000000"/>
+      </a:dk1>
+      <a:lt1>
+        <a:sysClr val="window" lastClr="FFFFFF"/>
+      </a:lt1>
+      <a:dk2>
+        <a:srgbClr val="44546A"/>
+      </a:dk2>
+      <a:lt2>
+        <a:srgbClr val="E7E6E6"/>
+      </a:lt2>
+      <a:accent1>
+        <a:srgbClr val="4472C4"/>
+      </a:accent1>
+      <a:accent2>
+        <a:srgbClr val="ED7D31"/>
+      </a:accent2>
+      <a:accent3>
+        <a:srgbClr val="A5A5A5"/>
+      </a:accent3>
+      <a:accent4>
+        <a:srgbClr val="FFC000"/>
+      </a:accent4>
+      <a:accent5>
+        <a:srgbClr val="5B9BD5"/>
+      </a:accent5>
+      <a:accent6>
+        <a:srgbClr val="70AD47"/>
+      </a:accent6>
+      <a:hlink>
+        <a:srgbClr val="0563C1"/>
+      </a:hlink>
+      <a:folHlink>
+        <a:srgbClr val="954F72"/>
+      </a:folHlink>
+    </a:clrScheme>
+    <a:fontScheme name="Office">
+      <a:majorFont>
+        <a:latin typeface="Calibri Light" panose="020F0302020204030204"/>
+        <a:ea typeface=""/>
+        <a:cs typeface=""/>
+        <a:font script="Jpan" typeface="游ゴシック Light"/>
+        <a:font script="Hang" typeface="맑은 고딕"/>
+        <a:font script="Hans" typeface="等线 Light"/>
+        <a:font script="Hant" typeface="新細明體"/>
+        <a:font script="Arab" typeface="Times New Roman"/>
+        <a:font script="Hebr" typeface="Times New Roman"/>
+        <a:font script="Thai" typeface="Angsana New"/>
+        <a:font script="Ethi" typeface="Nyala"/>
+        <a:font script="Beng" typeface="Vrinda"/>
+        <a:font script="Gujr" typeface="Shruti"/>
+        <a:font script="Khmr" typeface="MoolBoran"/>
+        <a:font script="Knda" typeface="Tunga"/>
+        <a:font script="Guru" typeface="Raavi"/>
+        <a:font script="Cans" typeface="Euphemia"/>
+        <a:font script="Cher" typeface="Plantagenet Cherokee"/>
+        <a:font script="Yiii" typeface="Microsoft Yi Baiti"/>
+        <a:font script="Tibt" typeface="Microsoft Himalaya"/>
+        <a:font script="Thaa" typeface="MV Boli"/>
+        <a:font script="Deva" typeface="Mangal"/>
+        <a:font script="Telu" typeface="Gautami"/>
+        <a:font script="Taml" typeface="Latha"/>
+        <a:font script="Syrc" typeface="Estrangelo Edessa"/>
+        <a:font script="Orya" typeface="Kalinga"/>
+        <a:font script="Mlym" typeface="Kartika"/>
+        <a:font script="Laoo" typeface="DokChampa"/>
+        <a:font script="Sinh" typeface="Iskoola Pota"/>
+        <a:font script="Mong" typeface="Mongolian Baiti"/>
+        <a:font script="Viet" typeface="Times New Roman"/>
+        <a:font script="Uigh" typeface="Microsoft Uighur"/>
+        <a:font script="Geor" typeface="Sylfaen"/>
+        <a:font script="Armn" typeface="Arial"/>
+        <a:font script="Bugi" typeface="Leelawadee UI"/>
+        <a:font script="Bopo" typeface="Microsoft JhengHei"/>
+        <a:font script="Java" typeface="Javanese Text"/>
+        <a:font script="Lisu" typeface="Segoe UI"/>
+        <a:font script="Mymr" typeface="Myanmar Text"/>
+        <a:font script="Nkoo" typeface="Ebrima"/>
+        <a:font script="Olck" typeface="Nirmala UI"/>
+        <a:font script="Osma" typeface="Ebrima"/>
+        <a:font script="Phag" typeface="Phagspa"/>
+        <a:font script="Syrn" typeface="Estrangelo Edessa"/>
+        <a:font script="Syrj" typeface="Estrangelo Edessa"/>
+        <a:font script="Syre" typeface="Estrangelo Edessa"/>
+        <a:font script="Sora" typeface="Nirmala UI"/>
+        <a:font script="Tale" typeface="Microsoft Tai Le"/>
+        <a:font script="Talu" typeface="Microsoft New Tai Lue"/>
+        <a:font script="Tfng" typeface="Ebrima"/>
+      </a:majorFont>
+      <a:minorFont>
+        <a:latin typeface="Calibri" panose="020F0502020204030204"/>
+        <a:ea typeface=""/>
+        <a:cs typeface=""/>
+        <a:font script="Jpan" typeface="游ゴシック"/>
+        <a:font script="Hang" typeface="맑은 고딕"/>
+        <a:font script="Hans" typeface="等线"/>
+        <a:font script="Hant" typeface="新細明體"/>
+        <a:font script="Arab" typeface="Arial"/>
+        <a:font script="Hebr" typeface="Arial"/>
+        <a:font script="Thai" typeface="Cordia New"/>
+        <a:font script="Ethi" typeface="Nyala"/>
+        <a:font script="Beng" typeface="Vrinda"/>
+        <a:font script="Gujr" typeface="Shruti"/>
+        <a:font script="Khmr" typeface="DaunPenh"/>
+        <a:font script="Knda" typeface="Tunga"/>
+        <a:font script="Guru" typeface="Raavi"/>
+        <a:font script="Cans" typeface="Euphemia"/>
+        <a:font script="Cher" typeface="Plantagenet Cherokee"/>
+        <a:font script="Yiii" typeface="Microsoft Yi Baiti"/>
+        <a:font script="Tibt" typeface="Microsoft Himalaya"/>
+        <a:font script="Thaa" typeface="MV Boli"/>
+        <a:font script="Deva" typeface="Mangal"/>
+        <a:font script="Telu" typeface="Gautami"/>
+        <a:font script="Taml" typeface="Latha"/>
+        <a:font script="Syrc" typeface="Estrangelo Edessa"/>
+        <a:font script="Orya" typeface="Kalinga"/>
+        <a:font script="Mlym" typeface="Kartika"/>
+        <a:font script="Laoo" typeface="DokChampa"/>
+        <a:font script="Sinh" typeface="Iskoola Pota"/>
+        <a:font script="Mong" typeface="Mongolian Baiti"/>
+        <a:font script="Viet" typeface="Arial"/>
+        <a:font script="Uigh" typeface="Microsoft Uighur"/>
+        <a:font script="Geor" typeface="Sylfaen"/>
+        <a:font script="Armn" typeface="Arial"/>
+        <a:font script="Bugi" typeface="Leelawadee UI"/>
+        <a:font script="Bopo" typeface="Microsoft JhengHei"/>
+        <a:font script="Java" typeface="Javanese Text"/>
+        <a:font script="Lisu" typeface="Segoe UI"/>
+        <a:font script="Mymr" typeface="Myanmar Text"/>
+        <a:font script="Nkoo" typeface="Ebrima"/>
+        <a:font script="Olck" typeface="Nirmala UI"/>
+        <a:font script="Osma" typeface="Ebrima"/>
+        <a:font script="Phag" typeface="Phagspa"/>
+        <a:font script="Syrn" typeface="Estrangelo Edessa"/>
+        <a:font script="Syrj" typeface="Estrangelo Edessa"/>
+        <a:font script="Syre" typeface="Estrangelo Edessa"/>
+        <a:font script="Sora" typeface="Nirmala UI"/>
+        <a:font script="Tale" typeface="Microsoft Tai Le"/>
+        <a:font script="Talu" typeface="Microsoft New Tai Lue"/>
+        <a:font script="Tfng" typeface="Ebrima"/>
+      </a:minorFont>
+    </a:fontScheme>
+    <a:fmtScheme name="Office">
+      <a:fillStyleLst>
+        <a:solidFill>
+          <a:schemeClr val="phClr"/>
+        </a:solidFill>
+        <a:gradFill rotWithShape="1">
+          <a:gsLst>
+            <a:gs pos="0">
+              <a:schemeClr val="phClr">
+                <a:lumMod val="110000"/>
+                <a:satMod val="105000"/>
+                <a:tint val="67000"/>
+              </a:schemeClr>
+            </a:gs>
+            <a:gs pos="50000">
+              <a:schemeClr val="phClr">
+                <a:lumMod val="105000"/>
+                <a:satMod val="103000"/>
+                <a:tint val="73000"/>
+              </a:schemeClr>
+            </a:gs>
+            <a:gs pos="100000">
+              <a:schemeClr val="phClr">
+                <a:lumMod val="105000"/>
+                <a:satMod val="109000"/>
+                <a:tint val="81000"/>
+              </a:schemeClr>
+            </a:gs>
+          </a:gsLst>
+          <a:lin ang="5400000" scaled="0"/>
+        </a:gradFill>
+        <a:gradFill rotWithShape="1">
+          <a:gsLst>
+            <a:gs pos="0">
+              <a:schemeClr val="phClr">
+                <a:satMod val="103000"/>
+                <a:lumMod val="102000"/>
+                <a:tint val="94000"/>
+              </a:schemeClr>
+            </a:gs>
+            <a:gs pos="50000">
+              <a:schemeClr val="phClr">
+                <a:satMod val="110000"/>
+                <a:lumMod val="100000"/>
+                <a:shade val="100000"/>
+              </a:schemeClr>
+            </a:gs>
+            <a:gs pos="100000">
+              <a:schemeClr val="phClr">
+                <a:lumMod val="99000"/>
+                <a:satMod val="120000"/>
+                <a:shade val="78000"/>
+              </a:schemeClr>
+            </a:gs>
+          </a:gsLst>
+          <a:lin ang="5400000" scaled="0"/>
+        </a:gradFill>
+      </a:fillStyleLst>
+      <a:lnStyleLst>
+        <a:ln w="6350" cap="flat" cmpd="sng" algn="ctr">
+          <a:solidFill>
+            <a:schemeClr val="phClr"/>
+          </a:solidFill>
+          <a:prstDash val="solid"/>
+          <a:miter lim="800000"/>
+        </a:ln>
+        <a:ln w="12700" cap="flat" cmpd="sng" algn="ctr">
+          <a:solidFill>
+            <a:schemeClr val="phClr"/>
+          </a:solidFill>
+          <a:prstDash val="solid"/>
+          <a:miter lim="800000"/>
+        </a:ln>
+        <a:ln w="19050" cap="flat" cmpd="sng" algn="ctr">
+          <a:solidFill>
+            <a:schemeClr val="phClr"/>
+          </a:solidFill>
+          <a:prstDash val="solid"/>
+          <a:miter lim="800000"/>
+        </a:ln>
+      </a:lnStyleLst>
+      <a:effectStyleLst>
+        <a:effectStyle>
+          <a:effectLst/>
+        </a:effectStyle>
+        <a:effectStyle>
+          <a:effectLst/>
+        </a:effectStyle>
+        <a:effectStyle>
+          <a:effectLst>
+            <a:outerShdw blurRad="57150" dist="19050" dir="5400000" algn="ctr" rotWithShape="0">
+              <a:srgbClr val="000000">
+                <a:alpha val="63000"/>
+              </a:srgbClr>
+            </a:outerShdw>
+          </a:effectLst>
+        </a:effectStyle>
+      </a:effectStyleLst>
+      <a:bgFillStyleLst>
+        <a:solidFill>
+          <a:schemeClr val="phClr"/>
+        </a:solidFill>
+        <a:solidFill>
+          <a:schemeClr val="phClr">
+            <a:tint val="95000"/>
+            <a:satMod val="170000"/>
+          </a:schemeClr>
+        </a:solidFill>
+        <a:gradFill rotWithShape="1">
+          <a:gsLst>
+            <a:gs pos="0">
+              <a:schemeClr val="phClr">
+                <a:tint val="93000"/>
+                <a:satMod val="150000"/>
+                <a:shade val="98000"/>
+                <a:lumMod val="102000"/>
+              </a:schemeClr>
+            </a:gs>
+            <a:gs pos="50000">
+              <a:schemeClr val="phClr">
+                <a:tint val="98000"/>
+                <a:satMod val="130000"/>
+                <a:shade val="90000"/>
+                <a:lumMod val="103000"/>
+              </a:schemeClr>
+            </a:gs>
+            <a:gs pos="100000">
+              <a:schemeClr val="phClr">
+                <a:shade val="63000"/>
+                <a:satMod val="120000"/>
+              </a:schemeClr>
+            </a:gs>
+          </a:gsLst>
+          <a:lin ang="5400000" scaled="0"/>
+        </a:gradFill>
+      </a:bgFillStyleLst>
+    </a:fmtScheme>
+  </a:themeElements>
+  <a:objectDefaults/>
+  <a:extraClrSchemeLst/>
+  <a:extLst>
+    <a:ext uri="{05A4C25C-085E-4340-85A3-A5531E510DB2}">
+      <thm15:themeFamily xmlns:thm15="http://schemas.microsoft.com/office/thememl/2012/main" name="Office Theme" id="{62F939B6-93AF-4DB8-9C6B-D6C7DFDC589F}" vid="{4A3C46E8-61CC-4603-A589-7422A47A8E4A}"/>
+    </a:ext>
+  </a:extLst>
+</a:theme>
 </file>
--- a/PrésentationBourseEchangeSCPI.pptx
+++ b/PrésentationBourseEchangeSCPI.pptx
@@ -5,7 +5,7 @@
     <p:sldMasterId id="2147483678" r:id="rId1"/>
   </p:sldMasterIdLst>
   <p:notesMasterIdLst>
-    <p:notesMasterId r:id="rId22"/>
+    <p:notesMasterId r:id="rId24"/>
   </p:notesMasterIdLst>
   <p:sldIdLst>
     <p:sldId id="256" r:id="rId2"/>
@@ -27,7 +27,9 @@
     <p:sldId id="275" r:id="rId18"/>
     <p:sldId id="276" r:id="rId19"/>
     <p:sldId id="277" r:id="rId20"/>
-    <p:sldId id="278" r:id="rId21"/>
+    <p:sldId id="280" r:id="rId21"/>
+    <p:sldId id="279" r:id="rId22"/>
+    <p:sldId id="278" r:id="rId23"/>
   </p:sldIdLst>
   <p:sldSz cx="12192000" cy="6858000"/>
   <p:notesSz cx="6858000" cy="9144000"/>
@@ -4078,7 +4080,7 @@
           <a:p>
             <a:r>
               <a:rPr lang="fr-FR" dirty="0"/>
-              <a:t>COMTE Thibault</a:t>
+              <a:t>COMTE Thibaut</a:t>
             </a:r>
           </a:p>
           <a:p>
@@ -5794,6 +5796,18 @@
               <a:rPr lang="fr-FR" dirty="0"/>
               <a:t>Conception et mise en place du modèle</a:t>
             </a:r>
+          </a:p>
+          <a:p>
+            <a:pPr marL="0" indent="0">
+              <a:buNone/>
+            </a:pPr>
+            <a:endParaRPr lang="fr-FR" dirty="0"/>
+          </a:p>
+          <a:p>
+            <a:pPr marL="0" indent="0">
+              <a:buNone/>
+            </a:pPr>
+            <a:endParaRPr lang="fr-FR" dirty="0"/>
           </a:p>
           <a:p>
             <a:pPr marL="0" indent="0">
@@ -7050,7 +7064,7 @@
         </p:spPr>
         <p:txBody>
           <a:bodyPr>
-            <a:normAutofit/>
+            <a:normAutofit lnSpcReduction="10000"/>
           </a:bodyPr>
           <a:lstStyle/>
           <a:p>
@@ -7159,6 +7173,15 @@
             <a:r>
               <a:rPr lang="fr-FR" sz="2000" dirty="0"/>
               <a:t>Diagrammes</a:t>
+            </a:r>
+          </a:p>
+          <a:p>
+            <a:pPr marL="457200" lvl="1" indent="0">
+              <a:buNone/>
+            </a:pPr>
+            <a:r>
+              <a:rPr lang="fr-FR" sz="2000" dirty="0"/>
+              <a:t>Tests Unitaires</a:t>
             </a:r>
           </a:p>
         </p:txBody>
@@ -7433,47 +7456,12 @@
           <a:chExt cx="0" cy="0"/>
         </a:xfrm>
       </p:grpSpPr>
-      <p:pic>
-        <p:nvPicPr>
-          <p:cNvPr id="7" name="Espace réservé du contenu 6">
-            <a:extLst>
-              <a:ext uri="{FF2B5EF4-FFF2-40B4-BE49-F238E27FC236}">
-                <a16:creationId xmlns:a16="http://schemas.microsoft.com/office/drawing/2014/main" id="{DA913018-F38E-43DE-8C96-B71E8154B542}"/>
-              </a:ext>
-            </a:extLst>
-          </p:cNvPr>
-          <p:cNvPicPr>
-            <a:picLocks noGrp="1" noChangeAspect="1"/>
-          </p:cNvPicPr>
-          <p:nvPr>
-            <p:ph idx="1"/>
-          </p:nvPr>
-        </p:nvPicPr>
-        <p:blipFill>
-          <a:blip r:embed="rId2">
-            <a:extLst>
-              <a:ext uri="{28A0092B-C50C-407E-A947-70E740481C1C}">
-                <a14:useLocalDpi xmlns:a14="http://schemas.microsoft.com/office/drawing/2010/main" val="0"/>
-              </a:ext>
-            </a:extLst>
-          </a:blip>
-          <a:stretch>
-            <a:fillRect/>
-          </a:stretch>
-        </p:blipFill>
-        <p:spPr>
-          <a:xfrm>
-            <a:off x="4493026" y="1289938"/>
-            <a:ext cx="3205948" cy="4073631"/>
-          </a:xfrm>
-        </p:spPr>
-      </p:pic>
-      <p:sp>
-        <p:nvSpPr>
-          <p:cNvPr id="4" name="Espace réservé du numéro de diapositive 6">
-            <a:extLst>
-              <a:ext uri="{FF2B5EF4-FFF2-40B4-BE49-F238E27FC236}">
-                <a16:creationId xmlns:a16="http://schemas.microsoft.com/office/drawing/2014/main" id="{E672ACD0-DC57-4065-ABC5-1FDA5D6C2709}"/>
+      <p:sp>
+        <p:nvSpPr>
+          <p:cNvPr id="6" name="Espace réservé du numéro de diapositive 6">
+            <a:extLst>
+              <a:ext uri="{FF2B5EF4-FFF2-40B4-BE49-F238E27FC236}">
+                <a16:creationId xmlns:a16="http://schemas.microsoft.com/office/drawing/2014/main" id="{1B2598F9-9C51-497B-96A7-D60832FC6729}"/>
               </a:ext>
             </a:extLst>
           </p:cNvPr>
@@ -7501,6 +7489,515 @@
                 </a:solidFill>
               </a:rPr>
               <a:t>20</a:t>
+            </a:fld>
+            <a:endParaRPr lang="fr-FR" dirty="0">
+              <a:solidFill>
+                <a:schemeClr val="tx1"/>
+              </a:solidFill>
+            </a:endParaRPr>
+          </a:p>
+        </p:txBody>
+      </p:sp>
+      <p:pic>
+        <p:nvPicPr>
+          <p:cNvPr id="7" name="Image 6" descr="ECETech_logo.jpg">
+            <a:extLst>
+              <a:ext uri="{FF2B5EF4-FFF2-40B4-BE49-F238E27FC236}">
+                <a16:creationId xmlns:a16="http://schemas.microsoft.com/office/drawing/2014/main" id="{0CD1CD77-BAAE-4640-B572-45931F1F9B5B}"/>
+              </a:ext>
+            </a:extLst>
+          </p:cNvPr>
+          <p:cNvPicPr>
+            <a:picLocks noChangeAspect="1"/>
+          </p:cNvPicPr>
+          <p:nvPr/>
+        </p:nvPicPr>
+        <p:blipFill>
+          <a:blip r:embed="rId2" cstate="print">
+            <a:extLst>
+              <a:ext uri="{28A0092B-C50C-407E-A947-70E740481C1C}">
+                <a14:useLocalDpi xmlns:a14="http://schemas.microsoft.com/office/drawing/2010/main" val="0"/>
+              </a:ext>
+            </a:extLst>
+          </a:blip>
+          <a:stretch>
+            <a:fillRect/>
+          </a:stretch>
+        </p:blipFill>
+        <p:spPr>
+          <a:xfrm>
+            <a:off x="1895848" y="210389"/>
+            <a:ext cx="3048856" cy="685799"/>
+          </a:xfrm>
+          <a:prstGeom prst="rect">
+            <a:avLst/>
+          </a:prstGeom>
+        </p:spPr>
+      </p:pic>
+      <p:pic>
+        <p:nvPicPr>
+          <p:cNvPr id="8" name="Image 7">
+            <a:extLst>
+              <a:ext uri="{FF2B5EF4-FFF2-40B4-BE49-F238E27FC236}">
+                <a16:creationId xmlns:a16="http://schemas.microsoft.com/office/drawing/2014/main" id="{0BC97F23-0C3E-4364-B9F2-33B5E6F52E93}"/>
+              </a:ext>
+            </a:extLst>
+          </p:cNvPr>
+          <p:cNvPicPr>
+            <a:picLocks noChangeAspect="1"/>
+          </p:cNvPicPr>
+          <p:nvPr/>
+        </p:nvPicPr>
+        <p:blipFill>
+          <a:blip r:embed="rId3">
+            <a:extLst>
+              <a:ext uri="{28A0092B-C50C-407E-A947-70E740481C1C}">
+                <a14:useLocalDpi xmlns:a14="http://schemas.microsoft.com/office/drawing/2010/main" val="0"/>
+              </a:ext>
+            </a:extLst>
+          </a:blip>
+          <a:stretch>
+            <a:fillRect/>
+          </a:stretch>
+        </p:blipFill>
+        <p:spPr>
+          <a:xfrm>
+            <a:off x="9359900" y="896188"/>
+            <a:ext cx="2832100" cy="787400"/>
+          </a:xfrm>
+          <a:prstGeom prst="rect">
+            <a:avLst/>
+          </a:prstGeom>
+        </p:spPr>
+      </p:pic>
+      <p:sp>
+        <p:nvSpPr>
+          <p:cNvPr id="9" name="Titre 1">
+            <a:extLst>
+              <a:ext uri="{FF2B5EF4-FFF2-40B4-BE49-F238E27FC236}">
+                <a16:creationId xmlns:a16="http://schemas.microsoft.com/office/drawing/2014/main" id="{16B4BC55-870C-409B-A02A-84A61A3C08DC}"/>
+              </a:ext>
+            </a:extLst>
+          </p:cNvPr>
+          <p:cNvSpPr>
+            <a:spLocks noGrp="1"/>
+          </p:cNvSpPr>
+          <p:nvPr>
+            <p:ph type="title"/>
+          </p:nvPr>
+        </p:nvSpPr>
+        <p:spPr>
+          <a:xfrm>
+            <a:off x="7873125" y="223818"/>
+            <a:ext cx="3460393" cy="678043"/>
+          </a:xfrm>
+        </p:spPr>
+        <p:txBody>
+          <a:bodyPr>
+            <a:normAutofit fontScale="90000"/>
+          </a:bodyPr>
+          <a:lstStyle/>
+          <a:p>
+            <a:pPr algn="ctr"/>
+            <a:r>
+              <a:rPr lang="fr-FR" dirty="0">
+                <a:solidFill>
+                  <a:schemeClr val="accent2"/>
+                </a:solidFill>
+              </a:rPr>
+              <a:t>Tests unitaires</a:t>
+            </a:r>
+          </a:p>
+        </p:txBody>
+      </p:sp>
+      <p:pic>
+        <p:nvPicPr>
+          <p:cNvPr id="10" name="Image 9">
+            <a:extLst>
+              <a:ext uri="{FF2B5EF4-FFF2-40B4-BE49-F238E27FC236}">
+                <a16:creationId xmlns:a16="http://schemas.microsoft.com/office/drawing/2014/main" id="{B33FED34-0715-4F30-888B-EF402EB0F776}"/>
+              </a:ext>
+            </a:extLst>
+          </p:cNvPr>
+          <p:cNvPicPr>
+            <a:picLocks noChangeAspect="1"/>
+          </p:cNvPicPr>
+          <p:nvPr/>
+        </p:nvPicPr>
+        <p:blipFill>
+          <a:blip r:embed="rId4">
+            <a:extLst>
+              <a:ext uri="{28A0092B-C50C-407E-A947-70E740481C1C}">
+                <a14:useLocalDpi xmlns:a14="http://schemas.microsoft.com/office/drawing/2010/main" val="0"/>
+              </a:ext>
+            </a:extLst>
+          </a:blip>
+          <a:stretch>
+            <a:fillRect/>
+          </a:stretch>
+        </p:blipFill>
+        <p:spPr>
+          <a:xfrm>
+            <a:off x="673254" y="1562346"/>
+            <a:ext cx="8542900" cy="4675703"/>
+          </a:xfrm>
+          <a:prstGeom prst="rect">
+            <a:avLst/>
+          </a:prstGeom>
+        </p:spPr>
+      </p:pic>
+    </p:spTree>
+    <p:extLst>
+      <p:ext uri="{BB962C8B-B14F-4D97-AF65-F5344CB8AC3E}">
+        <p14:creationId xmlns:p14="http://schemas.microsoft.com/office/powerpoint/2010/main" val="3580634530"/>
+      </p:ext>
+    </p:extLst>
+  </p:cSld>
+  <p:clrMapOvr>
+    <a:masterClrMapping/>
+  </p:clrMapOvr>
+  <p:transition spd="med">
+    <p:pull/>
+  </p:transition>
+</p:sld>
+</file>
+
+<file path=ppt/slides/slide21.xml><?xml version="1.0" encoding="utf-8"?>
+<p:sld xmlns:a="http://schemas.openxmlformats.org/drawingml/2006/main" xmlns:r="http://schemas.openxmlformats.org/officeDocument/2006/relationships" xmlns:p="http://schemas.openxmlformats.org/presentationml/2006/main">
+  <p:cSld>
+    <p:spTree>
+      <p:nvGrpSpPr>
+        <p:cNvPr id="1" name=""/>
+        <p:cNvGrpSpPr/>
+        <p:nvPr/>
+      </p:nvGrpSpPr>
+      <p:grpSpPr>
+        <a:xfrm>
+          <a:off x="0" y="0"/>
+          <a:ext cx="0" cy="0"/>
+          <a:chOff x="0" y="0"/>
+          <a:chExt cx="0" cy="0"/>
+        </a:xfrm>
+      </p:grpSpPr>
+      <p:sp>
+        <p:nvSpPr>
+          <p:cNvPr id="6" name="Espace réservé du numéro de diapositive 6">
+            <a:extLst>
+              <a:ext uri="{FF2B5EF4-FFF2-40B4-BE49-F238E27FC236}">
+                <a16:creationId xmlns:a16="http://schemas.microsoft.com/office/drawing/2014/main" id="{1B2598F9-9C51-497B-96A7-D60832FC6729}"/>
+              </a:ext>
+            </a:extLst>
+          </p:cNvPr>
+          <p:cNvSpPr>
+            <a:spLocks noGrp="1"/>
+          </p:cNvSpPr>
+          <p:nvPr>
+            <p:ph type="sldNum" sz="quarter" idx="12"/>
+          </p:nvPr>
+        </p:nvSpPr>
+        <p:spPr>
+          <a:xfrm>
+            <a:off x="10951856" y="5883275"/>
+            <a:ext cx="1240144" cy="974725"/>
+          </a:xfrm>
+        </p:spPr>
+        <p:txBody>
+          <a:bodyPr/>
+          <a:lstStyle/>
+          <a:p>
+            <a:fld id="{C3971EB4-5D69-478D-A898-C8EFE65792CC}" type="slidenum">
+              <a:rPr lang="fr-FR" sz="3600" smtClean="0">
+                <a:solidFill>
+                  <a:schemeClr val="tx1"/>
+                </a:solidFill>
+              </a:rPr>
+              <a:t>21</a:t>
+            </a:fld>
+            <a:endParaRPr lang="fr-FR" dirty="0">
+              <a:solidFill>
+                <a:schemeClr val="tx1"/>
+              </a:solidFill>
+            </a:endParaRPr>
+          </a:p>
+        </p:txBody>
+      </p:sp>
+      <p:pic>
+        <p:nvPicPr>
+          <p:cNvPr id="7" name="Image 6" descr="ECETech_logo.jpg">
+            <a:extLst>
+              <a:ext uri="{FF2B5EF4-FFF2-40B4-BE49-F238E27FC236}">
+                <a16:creationId xmlns:a16="http://schemas.microsoft.com/office/drawing/2014/main" id="{0CD1CD77-BAAE-4640-B572-45931F1F9B5B}"/>
+              </a:ext>
+            </a:extLst>
+          </p:cNvPr>
+          <p:cNvPicPr>
+            <a:picLocks noChangeAspect="1"/>
+          </p:cNvPicPr>
+          <p:nvPr/>
+        </p:nvPicPr>
+        <p:blipFill>
+          <a:blip r:embed="rId2" cstate="print">
+            <a:extLst>
+              <a:ext uri="{28A0092B-C50C-407E-A947-70E740481C1C}">
+                <a14:useLocalDpi xmlns:a14="http://schemas.microsoft.com/office/drawing/2010/main" val="0"/>
+              </a:ext>
+            </a:extLst>
+          </a:blip>
+          <a:stretch>
+            <a:fillRect/>
+          </a:stretch>
+        </p:blipFill>
+        <p:spPr>
+          <a:xfrm>
+            <a:off x="1895848" y="210389"/>
+            <a:ext cx="3048856" cy="685799"/>
+          </a:xfrm>
+          <a:prstGeom prst="rect">
+            <a:avLst/>
+          </a:prstGeom>
+        </p:spPr>
+      </p:pic>
+      <p:pic>
+        <p:nvPicPr>
+          <p:cNvPr id="8" name="Image 7">
+            <a:extLst>
+              <a:ext uri="{FF2B5EF4-FFF2-40B4-BE49-F238E27FC236}">
+                <a16:creationId xmlns:a16="http://schemas.microsoft.com/office/drawing/2014/main" id="{0BC97F23-0C3E-4364-B9F2-33B5E6F52E93}"/>
+              </a:ext>
+            </a:extLst>
+          </p:cNvPr>
+          <p:cNvPicPr>
+            <a:picLocks noChangeAspect="1"/>
+          </p:cNvPicPr>
+          <p:nvPr/>
+        </p:nvPicPr>
+        <p:blipFill>
+          <a:blip r:embed="rId3">
+            <a:extLst>
+              <a:ext uri="{28A0092B-C50C-407E-A947-70E740481C1C}">
+                <a14:useLocalDpi xmlns:a14="http://schemas.microsoft.com/office/drawing/2010/main" val="0"/>
+              </a:ext>
+            </a:extLst>
+          </a:blip>
+          <a:stretch>
+            <a:fillRect/>
+          </a:stretch>
+        </p:blipFill>
+        <p:spPr>
+          <a:xfrm>
+            <a:off x="9359900" y="896188"/>
+            <a:ext cx="2832100" cy="787400"/>
+          </a:xfrm>
+          <a:prstGeom prst="rect">
+            <a:avLst/>
+          </a:prstGeom>
+        </p:spPr>
+      </p:pic>
+      <p:sp>
+        <p:nvSpPr>
+          <p:cNvPr id="9" name="Titre 1">
+            <a:extLst>
+              <a:ext uri="{FF2B5EF4-FFF2-40B4-BE49-F238E27FC236}">
+                <a16:creationId xmlns:a16="http://schemas.microsoft.com/office/drawing/2014/main" id="{16B4BC55-870C-409B-A02A-84A61A3C08DC}"/>
+              </a:ext>
+            </a:extLst>
+          </p:cNvPr>
+          <p:cNvSpPr>
+            <a:spLocks noGrp="1"/>
+          </p:cNvSpPr>
+          <p:nvPr>
+            <p:ph type="title"/>
+          </p:nvPr>
+        </p:nvSpPr>
+        <p:spPr>
+          <a:xfrm>
+            <a:off x="7873125" y="223818"/>
+            <a:ext cx="3460393" cy="678043"/>
+          </a:xfrm>
+        </p:spPr>
+        <p:txBody>
+          <a:bodyPr>
+            <a:normAutofit fontScale="90000"/>
+          </a:bodyPr>
+          <a:lstStyle/>
+          <a:p>
+            <a:pPr algn="ctr"/>
+            <a:r>
+              <a:rPr lang="fr-FR" dirty="0">
+                <a:solidFill>
+                  <a:schemeClr val="accent2"/>
+                </a:solidFill>
+              </a:rPr>
+              <a:t>Conclusion</a:t>
+            </a:r>
+          </a:p>
+        </p:txBody>
+      </p:sp>
+      <p:pic>
+        <p:nvPicPr>
+          <p:cNvPr id="10" name="Image 9">
+            <a:extLst>
+              <a:ext uri="{FF2B5EF4-FFF2-40B4-BE49-F238E27FC236}">
+                <a16:creationId xmlns:a16="http://schemas.microsoft.com/office/drawing/2014/main" id="{756AD85B-2F6B-40A7-B249-397DAA7EF78F}"/>
+              </a:ext>
+            </a:extLst>
+          </p:cNvPr>
+          <p:cNvPicPr>
+            <a:picLocks noChangeAspect="1"/>
+          </p:cNvPicPr>
+          <p:nvPr/>
+        </p:nvPicPr>
+        <p:blipFill>
+          <a:blip r:embed="rId4">
+            <a:extLst>
+              <a:ext uri="{28A0092B-C50C-407E-A947-70E740481C1C}">
+                <a14:useLocalDpi xmlns:a14="http://schemas.microsoft.com/office/drawing/2010/main" val="0"/>
+              </a:ext>
+            </a:extLst>
+          </a:blip>
+          <a:stretch>
+            <a:fillRect/>
+          </a:stretch>
+        </p:blipFill>
+        <p:spPr>
+          <a:xfrm>
+            <a:off x="1039026" y="2392267"/>
+            <a:ext cx="4762500" cy="2619375"/>
+          </a:xfrm>
+          <a:prstGeom prst="rect">
+            <a:avLst/>
+          </a:prstGeom>
+        </p:spPr>
+      </p:pic>
+      <p:pic>
+        <p:nvPicPr>
+          <p:cNvPr id="11" name="Image 10">
+            <a:extLst>
+              <a:ext uri="{FF2B5EF4-FFF2-40B4-BE49-F238E27FC236}">
+                <a16:creationId xmlns:a16="http://schemas.microsoft.com/office/drawing/2014/main" id="{5775E06C-A0BD-4F00-A04E-86F7F42CB3B5}"/>
+              </a:ext>
+            </a:extLst>
+          </p:cNvPr>
+          <p:cNvPicPr/>
+          <p:nvPr/>
+        </p:nvPicPr>
+        <p:blipFill>
+          <a:blip r:embed="rId5"/>
+          <a:stretch>
+            <a:fillRect/>
+          </a:stretch>
+        </p:blipFill>
+        <p:spPr>
+          <a:xfrm>
+            <a:off x="6741993" y="2392267"/>
+            <a:ext cx="4493991" cy="2758482"/>
+          </a:xfrm>
+          <a:prstGeom prst="rect">
+            <a:avLst/>
+          </a:prstGeom>
+        </p:spPr>
+      </p:pic>
+    </p:spTree>
+    <p:extLst>
+      <p:ext uri="{BB962C8B-B14F-4D97-AF65-F5344CB8AC3E}">
+        <p14:creationId xmlns:p14="http://schemas.microsoft.com/office/powerpoint/2010/main" val="1531215848"/>
+      </p:ext>
+    </p:extLst>
+  </p:cSld>
+  <p:clrMapOvr>
+    <a:masterClrMapping/>
+  </p:clrMapOvr>
+  <p:transition spd="med">
+    <p:pull/>
+  </p:transition>
+</p:sld>
+</file>
+
+<file path=ppt/slides/slide22.xml><?xml version="1.0" encoding="utf-8"?>
+<p:sld xmlns:a="http://schemas.openxmlformats.org/drawingml/2006/main" xmlns:r="http://schemas.openxmlformats.org/officeDocument/2006/relationships" xmlns:p="http://schemas.openxmlformats.org/presentationml/2006/main">
+  <p:cSld>
+    <p:spTree>
+      <p:nvGrpSpPr>
+        <p:cNvPr id="1" name=""/>
+        <p:cNvGrpSpPr/>
+        <p:nvPr/>
+      </p:nvGrpSpPr>
+      <p:grpSpPr>
+        <a:xfrm>
+          <a:off x="0" y="0"/>
+          <a:ext cx="0" cy="0"/>
+          <a:chOff x="0" y="0"/>
+          <a:chExt cx="0" cy="0"/>
+        </a:xfrm>
+      </p:grpSpPr>
+      <p:pic>
+        <p:nvPicPr>
+          <p:cNvPr id="7" name="Espace réservé du contenu 6">
+            <a:extLst>
+              <a:ext uri="{FF2B5EF4-FFF2-40B4-BE49-F238E27FC236}">
+                <a16:creationId xmlns:a16="http://schemas.microsoft.com/office/drawing/2014/main" id="{DA913018-F38E-43DE-8C96-B71E8154B542}"/>
+              </a:ext>
+            </a:extLst>
+          </p:cNvPr>
+          <p:cNvPicPr>
+            <a:picLocks noGrp="1" noChangeAspect="1"/>
+          </p:cNvPicPr>
+          <p:nvPr>
+            <p:ph idx="1"/>
+          </p:nvPr>
+        </p:nvPicPr>
+        <p:blipFill>
+          <a:blip r:embed="rId2">
+            <a:extLst>
+              <a:ext uri="{28A0092B-C50C-407E-A947-70E740481C1C}">
+                <a14:useLocalDpi xmlns:a14="http://schemas.microsoft.com/office/drawing/2010/main" val="0"/>
+              </a:ext>
+            </a:extLst>
+          </a:blip>
+          <a:stretch>
+            <a:fillRect/>
+          </a:stretch>
+        </p:blipFill>
+        <p:spPr>
+          <a:xfrm>
+            <a:off x="4493026" y="1289938"/>
+            <a:ext cx="3205948" cy="4073631"/>
+          </a:xfrm>
+        </p:spPr>
+      </p:pic>
+      <p:sp>
+        <p:nvSpPr>
+          <p:cNvPr id="4" name="Espace réservé du numéro de diapositive 6">
+            <a:extLst>
+              <a:ext uri="{FF2B5EF4-FFF2-40B4-BE49-F238E27FC236}">
+                <a16:creationId xmlns:a16="http://schemas.microsoft.com/office/drawing/2014/main" id="{E672ACD0-DC57-4065-ABC5-1FDA5D6C2709}"/>
+              </a:ext>
+            </a:extLst>
+          </p:cNvPr>
+          <p:cNvSpPr>
+            <a:spLocks noGrp="1"/>
+          </p:cNvSpPr>
+          <p:nvPr>
+            <p:ph type="sldNum" sz="quarter" idx="12"/>
+          </p:nvPr>
+        </p:nvSpPr>
+        <p:spPr>
+          <a:xfrm>
+            <a:off x="10951856" y="5883275"/>
+            <a:ext cx="1240144" cy="974725"/>
+          </a:xfrm>
+        </p:spPr>
+        <p:txBody>
+          <a:bodyPr/>
+          <a:lstStyle/>
+          <a:p>
+            <a:fld id="{C3971EB4-5D69-478D-A898-C8EFE65792CC}" type="slidenum">
+              <a:rPr lang="fr-FR" sz="3600" smtClean="0">
+                <a:solidFill>
+                  <a:schemeClr val="tx1"/>
+                </a:solidFill>
+              </a:rPr>
+              <a:t>22</a:t>
             </a:fld>
             <a:endParaRPr lang="fr-FR" dirty="0">
               <a:solidFill>
@@ -7604,7 +8101,7 @@
             </a:pPr>
             <a:r>
               <a:rPr lang="fr-FR" dirty="0"/>
-              <a:t>	rendement </a:t>
+              <a:t>	- rendement </a:t>
             </a:r>
           </a:p>
           <a:p>
@@ -7619,7 +8116,7 @@
             </a:pPr>
             <a:r>
               <a:rPr lang="fr-FR" dirty="0"/>
-              <a:t>	plus-value</a:t>
+              <a:t>	- plus-value</a:t>
             </a:r>
           </a:p>
           <a:p>
@@ -7634,7 +8131,7 @@
             </a:pPr>
             <a:r>
               <a:rPr lang="fr-FR" dirty="0"/>
-              <a:t>	fiscales</a:t>
+              <a:t>	- fiscales</a:t>
             </a:r>
           </a:p>
         </p:txBody>
